--- a/Documents/ObjectFlow.pptx
+++ b/Documents/ObjectFlow.pptx
@@ -9,8 +9,9 @@
     <p:sldId id="257" r:id="rId3"/>
     <p:sldId id="258" r:id="rId4"/>
     <p:sldId id="259" r:id="rId5"/>
-    <p:sldId id="260" r:id="rId6"/>
-    <p:sldId id="261" r:id="rId7"/>
+    <p:sldId id="262" r:id="rId6"/>
+    <p:sldId id="260" r:id="rId7"/>
+    <p:sldId id="261" r:id="rId8"/>
   </p:sldIdLst>
   <p:sldSz cx="9144000" cy="6858000" type="letter"/>
   <p:notesSz cx="6858000" cy="9144000"/>
@@ -109,6 +110,11 @@
       </a:defRPr>
     </a:lvl9pPr>
   </p:defaultTextStyle>
+  <p:extLst>
+    <p:ext uri="{EFAFB233-063F-42B5-8137-9DF3F51BA10A}">
+      <p15:sldGuideLst xmlns:p15="http://schemas.microsoft.com/office/powerpoint/2012/main"/>
+    </p:ext>
+  </p:extLst>
 </p:presentation>
 </file>
 
@@ -3504,6 +3510,1340 @@
           <p:cNvPr id="2" name="Title 1">
             <a:extLst>
               <a:ext uri="{FF2B5EF4-FFF2-40B4-BE49-F238E27FC236}">
+                <a16:creationId xmlns:a16="http://schemas.microsoft.com/office/drawing/2014/main" id="{C7FCF276-D0DB-F644-818A-0DB2AA9037EF}"/>
+              </a:ext>
+            </a:extLst>
+          </p:cNvPr>
+          <p:cNvSpPr>
+            <a:spLocks noGrp="1"/>
+          </p:cNvSpPr>
+          <p:nvPr>
+            <p:ph type="title"/>
+          </p:nvPr>
+        </p:nvSpPr>
+        <p:spPr/>
+        <p:txBody>
+          <a:bodyPr/>
+          <a:lstStyle/>
+          <a:p>
+            <a:r>
+              <a:rPr lang="en-US" dirty="0" err="1"/>
+              <a:t>ObjectFlow</a:t>
+            </a:r>
+            <a:r>
+              <a:rPr lang="en-US" dirty="0"/>
+              <a:t> – DFG Communication</a:t>
+            </a:r>
+          </a:p>
+        </p:txBody>
+      </p:sp>
+      <p:grpSp>
+        <p:nvGrpSpPr>
+          <p:cNvPr id="15" name="Group 14">
+            <a:extLst>
+              <a:ext uri="{FF2B5EF4-FFF2-40B4-BE49-F238E27FC236}">
+                <a16:creationId xmlns:a16="http://schemas.microsoft.com/office/drawing/2014/main" id="{6ED914B5-C418-DF48-9465-B512486B71B5}"/>
+              </a:ext>
+            </a:extLst>
+          </p:cNvPr>
+          <p:cNvGrpSpPr/>
+          <p:nvPr/>
+        </p:nvGrpSpPr>
+        <p:grpSpPr>
+          <a:xfrm>
+            <a:off x="509953" y="2294423"/>
+            <a:ext cx="3423139" cy="3176953"/>
+            <a:chOff x="2602523" y="2470271"/>
+            <a:chExt cx="3423139" cy="3176953"/>
+          </a:xfrm>
+        </p:grpSpPr>
+        <p:sp>
+          <p:nvSpPr>
+            <p:cNvPr id="4" name="Rectangle 3">
+              <a:extLst>
+                <a:ext uri="{FF2B5EF4-FFF2-40B4-BE49-F238E27FC236}">
+                  <a16:creationId xmlns:a16="http://schemas.microsoft.com/office/drawing/2014/main" id="{826CC1A1-6EF8-FD41-87BC-76A0FDC99237}"/>
+                </a:ext>
+              </a:extLst>
+            </p:cNvPr>
+            <p:cNvSpPr/>
+            <p:nvPr/>
+          </p:nvSpPr>
+          <p:spPr>
+            <a:xfrm>
+              <a:off x="3575538" y="3906348"/>
+              <a:ext cx="1477108" cy="304800"/>
+            </a:xfrm>
+            <a:prstGeom prst="rect">
+              <a:avLst/>
+            </a:prstGeom>
+            <a:solidFill>
+              <a:schemeClr val="accent1">
+                <a:alpha val="50000"/>
+              </a:schemeClr>
+            </a:solidFill>
+          </p:spPr>
+          <p:style>
+            <a:lnRef idx="2">
+              <a:schemeClr val="accent1">
+                <a:shade val="50000"/>
+              </a:schemeClr>
+            </a:lnRef>
+            <a:fillRef idx="1">
+              <a:schemeClr val="accent1"/>
+            </a:fillRef>
+            <a:effectRef idx="0">
+              <a:schemeClr val="accent1"/>
+            </a:effectRef>
+            <a:fontRef idx="minor">
+              <a:schemeClr val="lt1"/>
+            </a:fontRef>
+          </p:style>
+          <p:txBody>
+            <a:bodyPr rtlCol="0" anchor="ctr"/>
+            <a:lstStyle/>
+            <a:p>
+              <a:pPr algn="ctr"/>
+              <a:r>
+                <a:rPr lang="en-US" dirty="0" err="1"/>
+                <a:t>CurrentValue</a:t>
+              </a:r>
+              <a:endParaRPr lang="en-US" dirty="0"/>
+            </a:p>
+          </p:txBody>
+        </p:sp>
+        <p:sp>
+          <p:nvSpPr>
+            <p:cNvPr id="5" name="Rounded Rectangle 4">
+              <a:extLst>
+                <a:ext uri="{FF2B5EF4-FFF2-40B4-BE49-F238E27FC236}">
+                  <a16:creationId xmlns:a16="http://schemas.microsoft.com/office/drawing/2014/main" id="{B67E380F-AD35-4B4E-9B27-D334F1FDB7C0}"/>
+                </a:ext>
+              </a:extLst>
+            </p:cNvPr>
+            <p:cNvSpPr/>
+            <p:nvPr/>
+          </p:nvSpPr>
+          <p:spPr>
+            <a:xfrm>
+              <a:off x="2602523" y="2470271"/>
+              <a:ext cx="3423139" cy="3176953"/>
+            </a:xfrm>
+            <a:prstGeom prst="roundRect">
+              <a:avLst/>
+            </a:prstGeom>
+            <a:noFill/>
+            <a:ln w="50800"/>
+          </p:spPr>
+          <p:style>
+            <a:lnRef idx="2">
+              <a:schemeClr val="accent1">
+                <a:shade val="50000"/>
+              </a:schemeClr>
+            </a:lnRef>
+            <a:fillRef idx="1">
+              <a:schemeClr val="accent1"/>
+            </a:fillRef>
+            <a:effectRef idx="0">
+              <a:schemeClr val="accent1"/>
+            </a:effectRef>
+            <a:fontRef idx="minor">
+              <a:schemeClr val="lt1"/>
+            </a:fontRef>
+          </p:style>
+          <p:txBody>
+            <a:bodyPr rtlCol="0" anchor="ctr"/>
+            <a:lstStyle/>
+            <a:p>
+              <a:pPr algn="ctr"/>
+              <a:endParaRPr lang="en-US"/>
+            </a:p>
+          </p:txBody>
+        </p:sp>
+        <p:sp>
+          <p:nvSpPr>
+            <p:cNvPr id="6" name="Rectangle 5">
+              <a:extLst>
+                <a:ext uri="{FF2B5EF4-FFF2-40B4-BE49-F238E27FC236}">
+                  <a16:creationId xmlns:a16="http://schemas.microsoft.com/office/drawing/2014/main" id="{A9E7DA2A-D6D5-F449-864B-D20C4BFEB123}"/>
+                </a:ext>
+              </a:extLst>
+            </p:cNvPr>
+            <p:cNvSpPr/>
+            <p:nvPr/>
+          </p:nvSpPr>
+          <p:spPr>
+            <a:xfrm>
+              <a:off x="2602523" y="3532483"/>
+              <a:ext cx="1477108" cy="304800"/>
+            </a:xfrm>
+            <a:prstGeom prst="rect">
+              <a:avLst/>
+            </a:prstGeom>
+            <a:solidFill>
+              <a:schemeClr val="accent1">
+                <a:alpha val="50000"/>
+              </a:schemeClr>
+            </a:solidFill>
+          </p:spPr>
+          <p:style>
+            <a:lnRef idx="2">
+              <a:schemeClr val="accent1">
+                <a:shade val="50000"/>
+              </a:schemeClr>
+            </a:lnRef>
+            <a:fillRef idx="1">
+              <a:schemeClr val="accent1"/>
+            </a:fillRef>
+            <a:effectRef idx="0">
+              <a:schemeClr val="accent1"/>
+            </a:effectRef>
+            <a:fontRef idx="minor">
+              <a:schemeClr val="lt1"/>
+            </a:fontRef>
+          </p:style>
+          <p:txBody>
+            <a:bodyPr rtlCol="0" anchor="ctr"/>
+            <a:lstStyle/>
+            <a:p>
+              <a:pPr algn="ctr"/>
+              <a:r>
+                <a:rPr lang="en-US" dirty="0" err="1"/>
+                <a:t>InputValue</a:t>
+              </a:r>
+              <a:endParaRPr lang="en-US" dirty="0"/>
+            </a:p>
+          </p:txBody>
+        </p:sp>
+        <p:sp>
+          <p:nvSpPr>
+            <p:cNvPr id="7" name="Rectangle 6">
+              <a:extLst>
+                <a:ext uri="{FF2B5EF4-FFF2-40B4-BE49-F238E27FC236}">
+                  <a16:creationId xmlns:a16="http://schemas.microsoft.com/office/drawing/2014/main" id="{6BDF29D3-BC78-594F-9A4F-F887DCF7F707}"/>
+                </a:ext>
+              </a:extLst>
+            </p:cNvPr>
+            <p:cNvSpPr/>
+            <p:nvPr/>
+          </p:nvSpPr>
+          <p:spPr>
+            <a:xfrm>
+              <a:off x="4507523" y="3532483"/>
+              <a:ext cx="1477108" cy="304800"/>
+            </a:xfrm>
+            <a:prstGeom prst="rect">
+              <a:avLst/>
+            </a:prstGeom>
+          </p:spPr>
+          <p:style>
+            <a:lnRef idx="2">
+              <a:schemeClr val="accent1">
+                <a:shade val="50000"/>
+              </a:schemeClr>
+            </a:lnRef>
+            <a:fillRef idx="1">
+              <a:schemeClr val="accent1"/>
+            </a:fillRef>
+            <a:effectRef idx="0">
+              <a:schemeClr val="accent1"/>
+            </a:effectRef>
+            <a:fontRef idx="minor">
+              <a:schemeClr val="lt1"/>
+            </a:fontRef>
+          </p:style>
+          <p:txBody>
+            <a:bodyPr rtlCol="0" anchor="ctr"/>
+            <a:lstStyle/>
+            <a:p>
+              <a:pPr algn="ctr"/>
+              <a:r>
+                <a:rPr lang="en-US" dirty="0" err="1"/>
+                <a:t>OutputValue</a:t>
+              </a:r>
+              <a:endParaRPr lang="en-US" dirty="0"/>
+            </a:p>
+          </p:txBody>
+        </p:sp>
+        <p:sp>
+          <p:nvSpPr>
+            <p:cNvPr id="8" name="Rectangle 7">
+              <a:extLst>
+                <a:ext uri="{FF2B5EF4-FFF2-40B4-BE49-F238E27FC236}">
+                  <a16:creationId xmlns:a16="http://schemas.microsoft.com/office/drawing/2014/main" id="{4F53DE72-0EFE-1C4E-A9C5-E59965D3607C}"/>
+                </a:ext>
+              </a:extLst>
+            </p:cNvPr>
+            <p:cNvSpPr/>
+            <p:nvPr/>
+          </p:nvSpPr>
+          <p:spPr>
+            <a:xfrm>
+              <a:off x="2602523" y="3028766"/>
+              <a:ext cx="1477108" cy="304800"/>
+            </a:xfrm>
+            <a:prstGeom prst="rect">
+              <a:avLst/>
+            </a:prstGeom>
+            <a:solidFill>
+              <a:schemeClr val="accent1">
+                <a:alpha val="50000"/>
+              </a:schemeClr>
+            </a:solidFill>
+          </p:spPr>
+          <p:style>
+            <a:lnRef idx="2">
+              <a:schemeClr val="accent1">
+                <a:shade val="50000"/>
+              </a:schemeClr>
+            </a:lnRef>
+            <a:fillRef idx="1">
+              <a:schemeClr val="accent1"/>
+            </a:fillRef>
+            <a:effectRef idx="0">
+              <a:schemeClr val="accent1"/>
+            </a:effectRef>
+            <a:fontRef idx="minor">
+              <a:schemeClr val="lt1"/>
+            </a:fontRef>
+          </p:style>
+          <p:txBody>
+            <a:bodyPr rtlCol="0" anchor="ctr"/>
+            <a:lstStyle/>
+            <a:p>
+              <a:pPr algn="ctr"/>
+              <a:r>
+                <a:rPr lang="en-US" dirty="0" err="1"/>
+                <a:t>InputLink</a:t>
+              </a:r>
+              <a:endParaRPr lang="en-US" dirty="0"/>
+            </a:p>
+          </p:txBody>
+        </p:sp>
+        <p:sp>
+          <p:nvSpPr>
+            <p:cNvPr id="9" name="Rectangle 8">
+              <a:extLst>
+                <a:ext uri="{FF2B5EF4-FFF2-40B4-BE49-F238E27FC236}">
+                  <a16:creationId xmlns:a16="http://schemas.microsoft.com/office/drawing/2014/main" id="{5C2322B6-AEA6-F54E-9259-53B40CD71110}"/>
+                </a:ext>
+              </a:extLst>
+            </p:cNvPr>
+            <p:cNvSpPr/>
+            <p:nvPr/>
+          </p:nvSpPr>
+          <p:spPr>
+            <a:xfrm>
+              <a:off x="4507523" y="3046891"/>
+              <a:ext cx="1477108" cy="304800"/>
+            </a:xfrm>
+            <a:prstGeom prst="rect">
+              <a:avLst/>
+            </a:prstGeom>
+          </p:spPr>
+          <p:style>
+            <a:lnRef idx="2">
+              <a:schemeClr val="accent1">
+                <a:shade val="50000"/>
+              </a:schemeClr>
+            </a:lnRef>
+            <a:fillRef idx="1">
+              <a:schemeClr val="accent1"/>
+            </a:fillRef>
+            <a:effectRef idx="0">
+              <a:schemeClr val="accent1"/>
+            </a:effectRef>
+            <a:fontRef idx="minor">
+              <a:schemeClr val="lt1"/>
+            </a:fontRef>
+          </p:style>
+          <p:txBody>
+            <a:bodyPr rtlCol="0" anchor="ctr"/>
+            <a:lstStyle/>
+            <a:p>
+              <a:pPr algn="ctr"/>
+              <a:r>
+                <a:rPr lang="en-US" dirty="0" err="1"/>
+                <a:t>OutputLink</a:t>
+              </a:r>
+              <a:endParaRPr lang="en-US" dirty="0"/>
+            </a:p>
+          </p:txBody>
+        </p:sp>
+        <p:sp>
+          <p:nvSpPr>
+            <p:cNvPr id="10" name="Rectangle 9">
+              <a:extLst>
+                <a:ext uri="{FF2B5EF4-FFF2-40B4-BE49-F238E27FC236}">
+                  <a16:creationId xmlns:a16="http://schemas.microsoft.com/office/drawing/2014/main" id="{C79DBDC4-9B60-BC4B-AA04-D99554401E6E}"/>
+                </a:ext>
+              </a:extLst>
+            </p:cNvPr>
+            <p:cNvSpPr/>
+            <p:nvPr/>
+          </p:nvSpPr>
+          <p:spPr>
+            <a:xfrm>
+              <a:off x="3030415" y="4461005"/>
+              <a:ext cx="1477108" cy="304800"/>
+            </a:xfrm>
+            <a:prstGeom prst="rect">
+              <a:avLst/>
+            </a:prstGeom>
+          </p:spPr>
+          <p:style>
+            <a:lnRef idx="2">
+              <a:schemeClr val="accent1">
+                <a:shade val="50000"/>
+              </a:schemeClr>
+            </a:lnRef>
+            <a:fillRef idx="1">
+              <a:schemeClr val="accent1"/>
+            </a:fillRef>
+            <a:effectRef idx="0">
+              <a:schemeClr val="accent1"/>
+            </a:effectRef>
+            <a:fontRef idx="minor">
+              <a:schemeClr val="lt1"/>
+            </a:fontRef>
+          </p:style>
+          <p:txBody>
+            <a:bodyPr rtlCol="0" anchor="ctr"/>
+            <a:lstStyle/>
+            <a:p>
+              <a:pPr algn="ctr"/>
+              <a:r>
+                <a:rPr lang="en-US" dirty="0"/>
+                <a:t>Application</a:t>
+              </a:r>
+            </a:p>
+          </p:txBody>
+        </p:sp>
+        <p:sp>
+          <p:nvSpPr>
+            <p:cNvPr id="11" name="Rectangle 10">
+              <a:extLst>
+                <a:ext uri="{FF2B5EF4-FFF2-40B4-BE49-F238E27FC236}">
+                  <a16:creationId xmlns:a16="http://schemas.microsoft.com/office/drawing/2014/main" id="{3BB4AF1B-C4EA-6D43-A2F6-B26613CF310E}"/>
+                </a:ext>
+              </a:extLst>
+            </p:cNvPr>
+            <p:cNvSpPr/>
+            <p:nvPr/>
+          </p:nvSpPr>
+          <p:spPr>
+            <a:xfrm>
+              <a:off x="3182815" y="4613405"/>
+              <a:ext cx="1477108" cy="304800"/>
+            </a:xfrm>
+            <a:prstGeom prst="rect">
+              <a:avLst/>
+            </a:prstGeom>
+          </p:spPr>
+          <p:style>
+            <a:lnRef idx="2">
+              <a:schemeClr val="accent1">
+                <a:shade val="50000"/>
+              </a:schemeClr>
+            </a:lnRef>
+            <a:fillRef idx="1">
+              <a:schemeClr val="accent1"/>
+            </a:fillRef>
+            <a:effectRef idx="0">
+              <a:schemeClr val="accent1"/>
+            </a:effectRef>
+            <a:fontRef idx="minor">
+              <a:schemeClr val="lt1"/>
+            </a:fontRef>
+          </p:style>
+          <p:txBody>
+            <a:bodyPr rtlCol="0" anchor="ctr"/>
+            <a:lstStyle/>
+            <a:p>
+              <a:pPr algn="ctr"/>
+              <a:r>
+                <a:rPr lang="en-US" dirty="0"/>
+                <a:t>Application</a:t>
+              </a:r>
+            </a:p>
+          </p:txBody>
+        </p:sp>
+        <p:sp>
+          <p:nvSpPr>
+            <p:cNvPr id="12" name="Rectangle 11">
+              <a:extLst>
+                <a:ext uri="{FF2B5EF4-FFF2-40B4-BE49-F238E27FC236}">
+                  <a16:creationId xmlns:a16="http://schemas.microsoft.com/office/drawing/2014/main" id="{7EA3F8F9-7100-B04A-844F-B7BD77561B5D}"/>
+                </a:ext>
+              </a:extLst>
+            </p:cNvPr>
+            <p:cNvSpPr/>
+            <p:nvPr/>
+          </p:nvSpPr>
+          <p:spPr>
+            <a:xfrm>
+              <a:off x="3335215" y="4765805"/>
+              <a:ext cx="1477108" cy="304800"/>
+            </a:xfrm>
+            <a:prstGeom prst="rect">
+              <a:avLst/>
+            </a:prstGeom>
+          </p:spPr>
+          <p:style>
+            <a:lnRef idx="2">
+              <a:schemeClr val="accent1">
+                <a:shade val="50000"/>
+              </a:schemeClr>
+            </a:lnRef>
+            <a:fillRef idx="1">
+              <a:schemeClr val="accent1"/>
+            </a:fillRef>
+            <a:effectRef idx="0">
+              <a:schemeClr val="accent1"/>
+            </a:effectRef>
+            <a:fontRef idx="minor">
+              <a:schemeClr val="lt1"/>
+            </a:fontRef>
+          </p:style>
+          <p:txBody>
+            <a:bodyPr rtlCol="0" anchor="ctr"/>
+            <a:lstStyle/>
+            <a:p>
+              <a:pPr algn="ctr"/>
+              <a:r>
+                <a:rPr lang="en-US" dirty="0"/>
+                <a:t>Application</a:t>
+              </a:r>
+            </a:p>
+          </p:txBody>
+        </p:sp>
+        <p:sp>
+          <p:nvSpPr>
+            <p:cNvPr id="13" name="Rectangle 12">
+              <a:extLst>
+                <a:ext uri="{FF2B5EF4-FFF2-40B4-BE49-F238E27FC236}">
+                  <a16:creationId xmlns:a16="http://schemas.microsoft.com/office/drawing/2014/main" id="{7BA6D519-DC1F-8D4C-BEC6-A214E52FEF8E}"/>
+                </a:ext>
+              </a:extLst>
+            </p:cNvPr>
+            <p:cNvSpPr/>
+            <p:nvPr/>
+          </p:nvSpPr>
+          <p:spPr>
+            <a:xfrm>
+              <a:off x="3487615" y="4918205"/>
+              <a:ext cx="1477108" cy="304800"/>
+            </a:xfrm>
+            <a:prstGeom prst="rect">
+              <a:avLst/>
+            </a:prstGeom>
+          </p:spPr>
+          <p:style>
+            <a:lnRef idx="2">
+              <a:schemeClr val="accent1">
+                <a:shade val="50000"/>
+              </a:schemeClr>
+            </a:lnRef>
+            <a:fillRef idx="1">
+              <a:schemeClr val="accent1"/>
+            </a:fillRef>
+            <a:effectRef idx="0">
+              <a:schemeClr val="accent1"/>
+            </a:effectRef>
+            <a:fontRef idx="minor">
+              <a:schemeClr val="lt1"/>
+            </a:fontRef>
+          </p:style>
+          <p:txBody>
+            <a:bodyPr rtlCol="0" anchor="ctr"/>
+            <a:lstStyle/>
+            <a:p>
+              <a:pPr algn="ctr"/>
+              <a:r>
+                <a:rPr lang="en-US" dirty="0"/>
+                <a:t>Application</a:t>
+              </a:r>
+            </a:p>
+          </p:txBody>
+        </p:sp>
+        <p:sp>
+          <p:nvSpPr>
+            <p:cNvPr id="14" name="TextBox 13">
+              <a:extLst>
+                <a:ext uri="{FF2B5EF4-FFF2-40B4-BE49-F238E27FC236}">
+                  <a16:creationId xmlns:a16="http://schemas.microsoft.com/office/drawing/2014/main" id="{05E93CCF-6E4F-0342-B3BB-B1DAFC4CA5A1}"/>
+                </a:ext>
+              </a:extLst>
+            </p:cNvPr>
+            <p:cNvSpPr txBox="1"/>
+            <p:nvPr/>
+          </p:nvSpPr>
+          <p:spPr>
+            <a:xfrm>
+              <a:off x="3487615" y="2525159"/>
+              <a:ext cx="1657377" cy="369332"/>
+            </a:xfrm>
+            <a:prstGeom prst="rect">
+              <a:avLst/>
+            </a:prstGeom>
+            <a:noFill/>
+          </p:spPr>
+          <p:txBody>
+            <a:bodyPr wrap="none" rtlCol="0">
+              <a:spAutoFit/>
+            </a:bodyPr>
+            <a:lstStyle/>
+            <a:p>
+              <a:r>
+                <a:rPr lang="en-US" dirty="0"/>
+                <a:t>LWM2M Object</a:t>
+              </a:r>
+            </a:p>
+          </p:txBody>
+        </p:sp>
+      </p:grpSp>
+      <p:grpSp>
+        <p:nvGrpSpPr>
+          <p:cNvPr id="16" name="Group 15">
+            <a:extLst>
+              <a:ext uri="{FF2B5EF4-FFF2-40B4-BE49-F238E27FC236}">
+                <a16:creationId xmlns:a16="http://schemas.microsoft.com/office/drawing/2014/main" id="{4223CBE6-14BF-6D46-900C-3AC0A02C9149}"/>
+              </a:ext>
+            </a:extLst>
+          </p:cNvPr>
+          <p:cNvGrpSpPr/>
+          <p:nvPr/>
+        </p:nvGrpSpPr>
+        <p:grpSpPr>
+          <a:xfrm>
+            <a:off x="4888523" y="2294424"/>
+            <a:ext cx="3423139" cy="3176953"/>
+            <a:chOff x="2602523" y="2470271"/>
+            <a:chExt cx="3423139" cy="3176953"/>
+          </a:xfrm>
+        </p:grpSpPr>
+        <p:sp>
+          <p:nvSpPr>
+            <p:cNvPr id="17" name="Rectangle 16">
+              <a:extLst>
+                <a:ext uri="{FF2B5EF4-FFF2-40B4-BE49-F238E27FC236}">
+                  <a16:creationId xmlns:a16="http://schemas.microsoft.com/office/drawing/2014/main" id="{E8902AFF-2363-4D4C-A74D-C374F2710DC1}"/>
+                </a:ext>
+              </a:extLst>
+            </p:cNvPr>
+            <p:cNvSpPr/>
+            <p:nvPr/>
+          </p:nvSpPr>
+          <p:spPr>
+            <a:xfrm>
+              <a:off x="3575538" y="3906348"/>
+              <a:ext cx="1477108" cy="304800"/>
+            </a:xfrm>
+            <a:prstGeom prst="rect">
+              <a:avLst/>
+            </a:prstGeom>
+            <a:solidFill>
+              <a:schemeClr val="accent1">
+                <a:alpha val="50000"/>
+              </a:schemeClr>
+            </a:solidFill>
+          </p:spPr>
+          <p:style>
+            <a:lnRef idx="2">
+              <a:schemeClr val="accent1">
+                <a:shade val="50000"/>
+              </a:schemeClr>
+            </a:lnRef>
+            <a:fillRef idx="1">
+              <a:schemeClr val="accent1"/>
+            </a:fillRef>
+            <a:effectRef idx="0">
+              <a:schemeClr val="accent1"/>
+            </a:effectRef>
+            <a:fontRef idx="minor">
+              <a:schemeClr val="lt1"/>
+            </a:fontRef>
+          </p:style>
+          <p:txBody>
+            <a:bodyPr rtlCol="0" anchor="ctr"/>
+            <a:lstStyle/>
+            <a:p>
+              <a:pPr algn="ctr"/>
+              <a:r>
+                <a:rPr lang="en-US" dirty="0" err="1"/>
+                <a:t>CurrentValue</a:t>
+              </a:r>
+              <a:endParaRPr lang="en-US" dirty="0"/>
+            </a:p>
+          </p:txBody>
+        </p:sp>
+        <p:sp>
+          <p:nvSpPr>
+            <p:cNvPr id="18" name="Rounded Rectangle 17">
+              <a:extLst>
+                <a:ext uri="{FF2B5EF4-FFF2-40B4-BE49-F238E27FC236}">
+                  <a16:creationId xmlns:a16="http://schemas.microsoft.com/office/drawing/2014/main" id="{8FF7AEC2-8A3B-0B4A-9CD4-F82C81628F5E}"/>
+                </a:ext>
+              </a:extLst>
+            </p:cNvPr>
+            <p:cNvSpPr/>
+            <p:nvPr/>
+          </p:nvSpPr>
+          <p:spPr>
+            <a:xfrm>
+              <a:off x="2602523" y="2470271"/>
+              <a:ext cx="3423139" cy="3176953"/>
+            </a:xfrm>
+            <a:prstGeom prst="roundRect">
+              <a:avLst/>
+            </a:prstGeom>
+            <a:noFill/>
+            <a:ln w="50800"/>
+          </p:spPr>
+          <p:style>
+            <a:lnRef idx="2">
+              <a:schemeClr val="accent1">
+                <a:shade val="50000"/>
+              </a:schemeClr>
+            </a:lnRef>
+            <a:fillRef idx="1">
+              <a:schemeClr val="accent1"/>
+            </a:fillRef>
+            <a:effectRef idx="0">
+              <a:schemeClr val="accent1"/>
+            </a:effectRef>
+            <a:fontRef idx="minor">
+              <a:schemeClr val="lt1"/>
+            </a:fontRef>
+          </p:style>
+          <p:txBody>
+            <a:bodyPr rtlCol="0" anchor="ctr"/>
+            <a:lstStyle/>
+            <a:p>
+              <a:pPr algn="ctr"/>
+              <a:endParaRPr lang="en-US"/>
+            </a:p>
+          </p:txBody>
+        </p:sp>
+        <p:sp>
+          <p:nvSpPr>
+            <p:cNvPr id="19" name="Rectangle 18">
+              <a:extLst>
+                <a:ext uri="{FF2B5EF4-FFF2-40B4-BE49-F238E27FC236}">
+                  <a16:creationId xmlns:a16="http://schemas.microsoft.com/office/drawing/2014/main" id="{185A2E2D-23F8-1A4D-91BB-D0B34CEE5187}"/>
+                </a:ext>
+              </a:extLst>
+            </p:cNvPr>
+            <p:cNvSpPr/>
+            <p:nvPr/>
+          </p:nvSpPr>
+          <p:spPr>
+            <a:xfrm>
+              <a:off x="2602523" y="3532483"/>
+              <a:ext cx="1477108" cy="304800"/>
+            </a:xfrm>
+            <a:prstGeom prst="rect">
+              <a:avLst/>
+            </a:prstGeom>
+          </p:spPr>
+          <p:style>
+            <a:lnRef idx="2">
+              <a:schemeClr val="accent1">
+                <a:shade val="50000"/>
+              </a:schemeClr>
+            </a:lnRef>
+            <a:fillRef idx="1">
+              <a:schemeClr val="accent1"/>
+            </a:fillRef>
+            <a:effectRef idx="0">
+              <a:schemeClr val="accent1"/>
+            </a:effectRef>
+            <a:fontRef idx="minor">
+              <a:schemeClr val="lt1"/>
+            </a:fontRef>
+          </p:style>
+          <p:txBody>
+            <a:bodyPr rtlCol="0" anchor="ctr"/>
+            <a:lstStyle/>
+            <a:p>
+              <a:pPr algn="ctr"/>
+              <a:r>
+                <a:rPr lang="en-US" dirty="0" err="1"/>
+                <a:t>InputValue</a:t>
+              </a:r>
+              <a:endParaRPr lang="en-US" dirty="0"/>
+            </a:p>
+          </p:txBody>
+        </p:sp>
+        <p:sp>
+          <p:nvSpPr>
+            <p:cNvPr id="20" name="Rectangle 19">
+              <a:extLst>
+                <a:ext uri="{FF2B5EF4-FFF2-40B4-BE49-F238E27FC236}">
+                  <a16:creationId xmlns:a16="http://schemas.microsoft.com/office/drawing/2014/main" id="{41017411-30D9-C040-8062-72B483B0443F}"/>
+                </a:ext>
+              </a:extLst>
+            </p:cNvPr>
+            <p:cNvSpPr/>
+            <p:nvPr/>
+          </p:nvSpPr>
+          <p:spPr>
+            <a:xfrm>
+              <a:off x="4507523" y="3532483"/>
+              <a:ext cx="1477108" cy="304800"/>
+            </a:xfrm>
+            <a:prstGeom prst="rect">
+              <a:avLst/>
+            </a:prstGeom>
+            <a:solidFill>
+              <a:schemeClr val="accent1">
+                <a:alpha val="50000"/>
+              </a:schemeClr>
+            </a:solidFill>
+          </p:spPr>
+          <p:style>
+            <a:lnRef idx="2">
+              <a:schemeClr val="accent1">
+                <a:shade val="50000"/>
+              </a:schemeClr>
+            </a:lnRef>
+            <a:fillRef idx="1">
+              <a:schemeClr val="accent1"/>
+            </a:fillRef>
+            <a:effectRef idx="0">
+              <a:schemeClr val="accent1"/>
+            </a:effectRef>
+            <a:fontRef idx="minor">
+              <a:schemeClr val="lt1"/>
+            </a:fontRef>
+          </p:style>
+          <p:txBody>
+            <a:bodyPr rtlCol="0" anchor="ctr"/>
+            <a:lstStyle/>
+            <a:p>
+              <a:pPr algn="ctr"/>
+              <a:r>
+                <a:rPr lang="en-US" dirty="0" err="1"/>
+                <a:t>OutputValue</a:t>
+              </a:r>
+              <a:endParaRPr lang="en-US" dirty="0"/>
+            </a:p>
+          </p:txBody>
+        </p:sp>
+        <p:sp>
+          <p:nvSpPr>
+            <p:cNvPr id="21" name="Rectangle 20">
+              <a:extLst>
+                <a:ext uri="{FF2B5EF4-FFF2-40B4-BE49-F238E27FC236}">
+                  <a16:creationId xmlns:a16="http://schemas.microsoft.com/office/drawing/2014/main" id="{D7AAB259-E125-5646-886F-8796E8F2B303}"/>
+                </a:ext>
+              </a:extLst>
+            </p:cNvPr>
+            <p:cNvSpPr/>
+            <p:nvPr/>
+          </p:nvSpPr>
+          <p:spPr>
+            <a:xfrm>
+              <a:off x="2602523" y="3028766"/>
+              <a:ext cx="1477108" cy="304800"/>
+            </a:xfrm>
+            <a:prstGeom prst="rect">
+              <a:avLst/>
+            </a:prstGeom>
+            <a:solidFill>
+              <a:schemeClr val="accent1">
+                <a:alpha val="50000"/>
+              </a:schemeClr>
+            </a:solidFill>
+          </p:spPr>
+          <p:style>
+            <a:lnRef idx="2">
+              <a:schemeClr val="accent1">
+                <a:shade val="50000"/>
+              </a:schemeClr>
+            </a:lnRef>
+            <a:fillRef idx="1">
+              <a:schemeClr val="accent1"/>
+            </a:fillRef>
+            <a:effectRef idx="0">
+              <a:schemeClr val="accent1"/>
+            </a:effectRef>
+            <a:fontRef idx="minor">
+              <a:schemeClr val="lt1"/>
+            </a:fontRef>
+          </p:style>
+          <p:txBody>
+            <a:bodyPr rtlCol="0" anchor="ctr"/>
+            <a:lstStyle/>
+            <a:p>
+              <a:pPr algn="ctr"/>
+              <a:r>
+                <a:rPr lang="en-US" dirty="0" err="1"/>
+                <a:t>InputLink</a:t>
+              </a:r>
+              <a:endParaRPr lang="en-US" dirty="0"/>
+            </a:p>
+          </p:txBody>
+        </p:sp>
+        <p:sp>
+          <p:nvSpPr>
+            <p:cNvPr id="22" name="Rectangle 21">
+              <a:extLst>
+                <a:ext uri="{FF2B5EF4-FFF2-40B4-BE49-F238E27FC236}">
+                  <a16:creationId xmlns:a16="http://schemas.microsoft.com/office/drawing/2014/main" id="{25ACD4E0-6239-0C4D-A20A-C2267F94B196}"/>
+                </a:ext>
+              </a:extLst>
+            </p:cNvPr>
+            <p:cNvSpPr/>
+            <p:nvPr/>
+          </p:nvSpPr>
+          <p:spPr>
+            <a:xfrm>
+              <a:off x="4507523" y="3046891"/>
+              <a:ext cx="1477108" cy="304800"/>
+            </a:xfrm>
+            <a:prstGeom prst="rect">
+              <a:avLst/>
+            </a:prstGeom>
+            <a:solidFill>
+              <a:schemeClr val="accent1">
+                <a:alpha val="50000"/>
+              </a:schemeClr>
+            </a:solidFill>
+          </p:spPr>
+          <p:style>
+            <a:lnRef idx="2">
+              <a:schemeClr val="accent1">
+                <a:shade val="50000"/>
+              </a:schemeClr>
+            </a:lnRef>
+            <a:fillRef idx="1">
+              <a:schemeClr val="accent1"/>
+            </a:fillRef>
+            <a:effectRef idx="0">
+              <a:schemeClr val="accent1"/>
+            </a:effectRef>
+            <a:fontRef idx="minor">
+              <a:schemeClr val="lt1"/>
+            </a:fontRef>
+          </p:style>
+          <p:txBody>
+            <a:bodyPr rtlCol="0" anchor="ctr"/>
+            <a:lstStyle/>
+            <a:p>
+              <a:pPr algn="ctr"/>
+              <a:r>
+                <a:rPr lang="en-US" dirty="0" err="1"/>
+                <a:t>OutputLink</a:t>
+              </a:r>
+              <a:endParaRPr lang="en-US" dirty="0"/>
+            </a:p>
+          </p:txBody>
+        </p:sp>
+        <p:sp>
+          <p:nvSpPr>
+            <p:cNvPr id="23" name="Rectangle 22">
+              <a:extLst>
+                <a:ext uri="{FF2B5EF4-FFF2-40B4-BE49-F238E27FC236}">
+                  <a16:creationId xmlns:a16="http://schemas.microsoft.com/office/drawing/2014/main" id="{DF4925A1-4E38-8942-B41F-D8B649988EFE}"/>
+                </a:ext>
+              </a:extLst>
+            </p:cNvPr>
+            <p:cNvSpPr/>
+            <p:nvPr/>
+          </p:nvSpPr>
+          <p:spPr>
+            <a:xfrm>
+              <a:off x="3030415" y="4461005"/>
+              <a:ext cx="1477108" cy="304800"/>
+            </a:xfrm>
+            <a:prstGeom prst="rect">
+              <a:avLst/>
+            </a:prstGeom>
+          </p:spPr>
+          <p:style>
+            <a:lnRef idx="2">
+              <a:schemeClr val="accent1">
+                <a:shade val="50000"/>
+              </a:schemeClr>
+            </a:lnRef>
+            <a:fillRef idx="1">
+              <a:schemeClr val="accent1"/>
+            </a:fillRef>
+            <a:effectRef idx="0">
+              <a:schemeClr val="accent1"/>
+            </a:effectRef>
+            <a:fontRef idx="minor">
+              <a:schemeClr val="lt1"/>
+            </a:fontRef>
+          </p:style>
+          <p:txBody>
+            <a:bodyPr rtlCol="0" anchor="ctr"/>
+            <a:lstStyle/>
+            <a:p>
+              <a:pPr algn="ctr"/>
+              <a:r>
+                <a:rPr lang="en-US" dirty="0"/>
+                <a:t>Application</a:t>
+              </a:r>
+            </a:p>
+          </p:txBody>
+        </p:sp>
+        <p:sp>
+          <p:nvSpPr>
+            <p:cNvPr id="24" name="Rectangle 23">
+              <a:extLst>
+                <a:ext uri="{FF2B5EF4-FFF2-40B4-BE49-F238E27FC236}">
+                  <a16:creationId xmlns:a16="http://schemas.microsoft.com/office/drawing/2014/main" id="{9A434D36-1AEB-8B42-85D8-D03104CD1EB7}"/>
+                </a:ext>
+              </a:extLst>
+            </p:cNvPr>
+            <p:cNvSpPr/>
+            <p:nvPr/>
+          </p:nvSpPr>
+          <p:spPr>
+            <a:xfrm>
+              <a:off x="3182815" y="4613405"/>
+              <a:ext cx="1477108" cy="304800"/>
+            </a:xfrm>
+            <a:prstGeom prst="rect">
+              <a:avLst/>
+            </a:prstGeom>
+          </p:spPr>
+          <p:style>
+            <a:lnRef idx="2">
+              <a:schemeClr val="accent1">
+                <a:shade val="50000"/>
+              </a:schemeClr>
+            </a:lnRef>
+            <a:fillRef idx="1">
+              <a:schemeClr val="accent1"/>
+            </a:fillRef>
+            <a:effectRef idx="0">
+              <a:schemeClr val="accent1"/>
+            </a:effectRef>
+            <a:fontRef idx="minor">
+              <a:schemeClr val="lt1"/>
+            </a:fontRef>
+          </p:style>
+          <p:txBody>
+            <a:bodyPr rtlCol="0" anchor="ctr"/>
+            <a:lstStyle/>
+            <a:p>
+              <a:pPr algn="ctr"/>
+              <a:r>
+                <a:rPr lang="en-US" dirty="0"/>
+                <a:t>Application</a:t>
+              </a:r>
+            </a:p>
+          </p:txBody>
+        </p:sp>
+        <p:sp>
+          <p:nvSpPr>
+            <p:cNvPr id="25" name="Rectangle 24">
+              <a:extLst>
+                <a:ext uri="{FF2B5EF4-FFF2-40B4-BE49-F238E27FC236}">
+                  <a16:creationId xmlns:a16="http://schemas.microsoft.com/office/drawing/2014/main" id="{03C6E5F6-F825-6A4A-BB50-EA80E1DD917A}"/>
+                </a:ext>
+              </a:extLst>
+            </p:cNvPr>
+            <p:cNvSpPr/>
+            <p:nvPr/>
+          </p:nvSpPr>
+          <p:spPr>
+            <a:xfrm>
+              <a:off x="3335215" y="4765805"/>
+              <a:ext cx="1477108" cy="304800"/>
+            </a:xfrm>
+            <a:prstGeom prst="rect">
+              <a:avLst/>
+            </a:prstGeom>
+          </p:spPr>
+          <p:style>
+            <a:lnRef idx="2">
+              <a:schemeClr val="accent1">
+                <a:shade val="50000"/>
+              </a:schemeClr>
+            </a:lnRef>
+            <a:fillRef idx="1">
+              <a:schemeClr val="accent1"/>
+            </a:fillRef>
+            <a:effectRef idx="0">
+              <a:schemeClr val="accent1"/>
+            </a:effectRef>
+            <a:fontRef idx="minor">
+              <a:schemeClr val="lt1"/>
+            </a:fontRef>
+          </p:style>
+          <p:txBody>
+            <a:bodyPr rtlCol="0" anchor="ctr"/>
+            <a:lstStyle/>
+            <a:p>
+              <a:pPr algn="ctr"/>
+              <a:r>
+                <a:rPr lang="en-US" dirty="0"/>
+                <a:t>Application</a:t>
+              </a:r>
+            </a:p>
+          </p:txBody>
+        </p:sp>
+        <p:sp>
+          <p:nvSpPr>
+            <p:cNvPr id="26" name="Rectangle 25">
+              <a:extLst>
+                <a:ext uri="{FF2B5EF4-FFF2-40B4-BE49-F238E27FC236}">
+                  <a16:creationId xmlns:a16="http://schemas.microsoft.com/office/drawing/2014/main" id="{108D7459-9D8A-C247-996C-77AAFECF9F2B}"/>
+                </a:ext>
+              </a:extLst>
+            </p:cNvPr>
+            <p:cNvSpPr/>
+            <p:nvPr/>
+          </p:nvSpPr>
+          <p:spPr>
+            <a:xfrm>
+              <a:off x="3487615" y="4918205"/>
+              <a:ext cx="1477108" cy="304800"/>
+            </a:xfrm>
+            <a:prstGeom prst="rect">
+              <a:avLst/>
+            </a:prstGeom>
+          </p:spPr>
+          <p:style>
+            <a:lnRef idx="2">
+              <a:schemeClr val="accent1">
+                <a:shade val="50000"/>
+              </a:schemeClr>
+            </a:lnRef>
+            <a:fillRef idx="1">
+              <a:schemeClr val="accent1"/>
+            </a:fillRef>
+            <a:effectRef idx="0">
+              <a:schemeClr val="accent1"/>
+            </a:effectRef>
+            <a:fontRef idx="minor">
+              <a:schemeClr val="lt1"/>
+            </a:fontRef>
+          </p:style>
+          <p:txBody>
+            <a:bodyPr rtlCol="0" anchor="ctr"/>
+            <a:lstStyle/>
+            <a:p>
+              <a:pPr algn="ctr"/>
+              <a:r>
+                <a:rPr lang="en-US" dirty="0"/>
+                <a:t>Application</a:t>
+              </a:r>
+            </a:p>
+          </p:txBody>
+        </p:sp>
+        <p:sp>
+          <p:nvSpPr>
+            <p:cNvPr id="27" name="TextBox 26">
+              <a:extLst>
+                <a:ext uri="{FF2B5EF4-FFF2-40B4-BE49-F238E27FC236}">
+                  <a16:creationId xmlns:a16="http://schemas.microsoft.com/office/drawing/2014/main" id="{27DF5977-B22C-5344-AD01-2749DC639982}"/>
+                </a:ext>
+              </a:extLst>
+            </p:cNvPr>
+            <p:cNvSpPr txBox="1"/>
+            <p:nvPr/>
+          </p:nvSpPr>
+          <p:spPr>
+            <a:xfrm>
+              <a:off x="3487615" y="2525159"/>
+              <a:ext cx="1657377" cy="369332"/>
+            </a:xfrm>
+            <a:prstGeom prst="rect">
+              <a:avLst/>
+            </a:prstGeom>
+            <a:noFill/>
+          </p:spPr>
+          <p:txBody>
+            <a:bodyPr wrap="none" rtlCol="0">
+              <a:spAutoFit/>
+            </a:bodyPr>
+            <a:lstStyle/>
+            <a:p>
+              <a:r>
+                <a:rPr lang="en-US" dirty="0"/>
+                <a:t>LWM2M Object</a:t>
+              </a:r>
+            </a:p>
+          </p:txBody>
+        </p:sp>
+      </p:grpSp>
+      <p:cxnSp>
+        <p:nvCxnSpPr>
+          <p:cNvPr id="30" name="Straight Arrow Connector 29">
+            <a:extLst>
+              <a:ext uri="{FF2B5EF4-FFF2-40B4-BE49-F238E27FC236}">
+                <a16:creationId xmlns:a16="http://schemas.microsoft.com/office/drawing/2014/main" id="{B090B15D-D675-1642-899E-60902BD47443}"/>
+              </a:ext>
+            </a:extLst>
+          </p:cNvPr>
+          <p:cNvCxnSpPr>
+            <a:cxnSpLocks/>
+            <a:endCxn id="19" idx="1"/>
+          </p:cNvCxnSpPr>
+          <p:nvPr/>
+        </p:nvCxnSpPr>
+        <p:spPr>
+          <a:xfrm>
+            <a:off x="3933092" y="3509035"/>
+            <a:ext cx="955431" cy="1"/>
+          </a:xfrm>
+          <a:prstGeom prst="straightConnector1">
+            <a:avLst/>
+          </a:prstGeom>
+          <a:ln w="50800">
+            <a:tailEnd type="triangle"/>
+          </a:ln>
+        </p:spPr>
+        <p:style>
+          <a:lnRef idx="1">
+            <a:schemeClr val="accent1"/>
+          </a:lnRef>
+          <a:fillRef idx="0">
+            <a:schemeClr val="accent1"/>
+          </a:fillRef>
+          <a:effectRef idx="0">
+            <a:schemeClr val="accent1"/>
+          </a:effectRef>
+          <a:fontRef idx="minor">
+            <a:schemeClr val="tx1"/>
+          </a:fontRef>
+        </p:style>
+      </p:cxnSp>
+      <p:cxnSp>
+        <p:nvCxnSpPr>
+          <p:cNvPr id="35" name="Straight Arrow Connector 34">
+            <a:extLst>
+              <a:ext uri="{FF2B5EF4-FFF2-40B4-BE49-F238E27FC236}">
+                <a16:creationId xmlns:a16="http://schemas.microsoft.com/office/drawing/2014/main" id="{F373135F-E442-EE46-A8C7-A9F39A9B5A96}"/>
+              </a:ext>
+            </a:extLst>
+          </p:cNvPr>
+          <p:cNvCxnSpPr>
+            <a:cxnSpLocks/>
+          </p:cNvCxnSpPr>
+          <p:nvPr/>
+        </p:nvCxnSpPr>
+        <p:spPr>
+          <a:xfrm flipV="1">
+            <a:off x="3892061" y="2575239"/>
+            <a:ext cx="1024330" cy="460465"/>
+          </a:xfrm>
+          <a:prstGeom prst="straightConnector1">
+            <a:avLst/>
+          </a:prstGeom>
+          <a:ln w="50800">
+            <a:prstDash val="dash"/>
+            <a:tailEnd type="triangle"/>
+          </a:ln>
+        </p:spPr>
+        <p:style>
+          <a:lnRef idx="1">
+            <a:schemeClr val="accent1"/>
+          </a:lnRef>
+          <a:fillRef idx="0">
+            <a:schemeClr val="accent1"/>
+          </a:fillRef>
+          <a:effectRef idx="0">
+            <a:schemeClr val="accent1"/>
+          </a:effectRef>
+          <a:fontRef idx="minor">
+            <a:schemeClr val="tx1"/>
+          </a:fontRef>
+        </p:style>
+      </p:cxnSp>
+      <p:sp>
+        <p:nvSpPr>
+          <p:cNvPr id="42" name="Oval 41">
+            <a:extLst>
+              <a:ext uri="{FF2B5EF4-FFF2-40B4-BE49-F238E27FC236}">
+                <a16:creationId xmlns:a16="http://schemas.microsoft.com/office/drawing/2014/main" id="{EB1D1CAB-39A3-FB4E-9788-D616F54BBE70}"/>
+              </a:ext>
+            </a:extLst>
+          </p:cNvPr>
+          <p:cNvSpPr/>
+          <p:nvPr/>
+        </p:nvSpPr>
+        <p:spPr>
+          <a:xfrm>
+            <a:off x="6098930" y="3385404"/>
+            <a:ext cx="2479432" cy="1175787"/>
+          </a:xfrm>
+          <a:prstGeom prst="ellipse">
+            <a:avLst/>
+          </a:prstGeom>
+        </p:spPr>
+        <p:style>
+          <a:lnRef idx="2">
+            <a:schemeClr val="accent1">
+              <a:shade val="50000"/>
+            </a:schemeClr>
+          </a:lnRef>
+          <a:fillRef idx="1">
+            <a:schemeClr val="accent1"/>
+          </a:fillRef>
+          <a:effectRef idx="0">
+            <a:schemeClr val="accent1"/>
+          </a:effectRef>
+          <a:fontRef idx="minor">
+            <a:schemeClr val="lt1"/>
+          </a:fontRef>
+        </p:style>
+        <p:txBody>
+          <a:bodyPr rtlCol="0" anchor="ctr"/>
+          <a:lstStyle/>
+          <a:p>
+            <a:pPr algn="ctr"/>
+            <a:r>
+              <a:rPr lang="en-US" dirty="0" err="1"/>
+              <a:t>onValueUpdate</a:t>
+            </a:r>
+            <a:r>
+              <a:rPr lang="en-US" dirty="0"/>
+              <a:t> Handler</a:t>
+            </a:r>
+          </a:p>
+        </p:txBody>
+      </p:sp>
+    </p:spTree>
+    <p:extLst>
+      <p:ext uri="{BB962C8B-B14F-4D97-AF65-F5344CB8AC3E}">
+        <p14:creationId xmlns:p14="http://schemas.microsoft.com/office/powerpoint/2010/main" val="3209312131"/>
+      </p:ext>
+    </p:extLst>
+  </p:cSld>
+  <p:clrMapOvr>
+    <a:masterClrMapping/>
+  </p:clrMapOvr>
+</p:sld>
+</file>
+
+<file path=ppt/slides/slide6.xml><?xml version="1.0" encoding="utf-8"?>
+<p:sld xmlns:a="http://schemas.openxmlformats.org/drawingml/2006/main" xmlns:r="http://schemas.openxmlformats.org/officeDocument/2006/relationships" xmlns:p="http://schemas.openxmlformats.org/presentationml/2006/main">
+  <p:cSld>
+    <p:spTree>
+      <p:nvGrpSpPr>
+        <p:cNvPr id="1" name=""/>
+        <p:cNvGrpSpPr/>
+        <p:nvPr/>
+      </p:nvGrpSpPr>
+      <p:grpSpPr>
+        <a:xfrm>
+          <a:off x="0" y="0"/>
+          <a:ext cx="0" cy="0"/>
+          <a:chOff x="0" y="0"/>
+          <a:chExt cx="0" cy="0"/>
+        </a:xfrm>
+      </p:grpSpPr>
+      <p:sp>
+        <p:nvSpPr>
+          <p:cNvPr id="2" name="Title 1">
+            <a:extLst>
+              <a:ext uri="{FF2B5EF4-FFF2-40B4-BE49-F238E27FC236}">
                 <a16:creationId xmlns:a16="http://schemas.microsoft.com/office/drawing/2014/main" id="{BDB8A5C1-F06C-304B-A7DD-7BECFBFAC047}"/>
               </a:ext>
             </a:extLst>
@@ -3614,7 +4954,7 @@
 </p:sld>
 </file>
 
-<file path=ppt/slides/slide6.xml><?xml version="1.0" encoding="utf-8"?>
+<file path=ppt/slides/slide7.xml><?xml version="1.0" encoding="utf-8"?>
 <p:sld xmlns:a="http://schemas.openxmlformats.org/drawingml/2006/main" xmlns:r="http://schemas.openxmlformats.org/officeDocument/2006/relationships" xmlns:p="http://schemas.openxmlformats.org/presentationml/2006/main">
   <p:cSld>
     <p:spTree>

--- a/Documents/ObjectFlow.pptx
+++ b/Documents/ObjectFlow.pptx
@@ -5032,15 +5032,7 @@
           <a:p>
             <a:r>
               <a:rPr lang="en-US" dirty="0"/>
-              <a:t>Code generation involves serialization of the objects and resources into a </a:t>
-            </a:r>
-            <a:r>
-              <a:rPr lang="en-US" dirty="0" err="1"/>
-              <a:t>c++</a:t>
-            </a:r>
-            <a:r>
-              <a:rPr lang="en-US" dirty="0"/>
-              <a:t> header file, and packaging of the implementation code for the application objects (time and data event handlers)</a:t>
+              <a:t>Code generation involves serialization of the objects and resources into a C++ header file, and packaging of the implementation code for the application objects (time and data event handlers)</a:t>
             </a:r>
           </a:p>
           <a:p>

--- a/Documents/ObjectFlow.pptx
+++ b/Documents/ObjectFlow.pptx
@@ -3532,7 +3532,7 @@
             </a:r>
             <a:r>
               <a:rPr lang="en-US" dirty="0"/>
-              <a:t> – DFG Communication</a:t>
+              <a:t> – DFG and Reactive Communication</a:t>
             </a:r>
           </a:p>
         </p:txBody>
@@ -3867,202 +3867,6 @@
                 <a:t>OutputLink</a:t>
               </a:r>
               <a:endParaRPr lang="en-US" dirty="0"/>
-            </a:p>
-          </p:txBody>
-        </p:sp>
-        <p:sp>
-          <p:nvSpPr>
-            <p:cNvPr id="10" name="Rectangle 9">
-              <a:extLst>
-                <a:ext uri="{FF2B5EF4-FFF2-40B4-BE49-F238E27FC236}">
-                  <a16:creationId xmlns:a16="http://schemas.microsoft.com/office/drawing/2014/main" id="{C79DBDC4-9B60-BC4B-AA04-D99554401E6E}"/>
-                </a:ext>
-              </a:extLst>
-            </p:cNvPr>
-            <p:cNvSpPr/>
-            <p:nvPr/>
-          </p:nvSpPr>
-          <p:spPr>
-            <a:xfrm>
-              <a:off x="3030415" y="4461005"/>
-              <a:ext cx="1477108" cy="304800"/>
-            </a:xfrm>
-            <a:prstGeom prst="rect">
-              <a:avLst/>
-            </a:prstGeom>
-          </p:spPr>
-          <p:style>
-            <a:lnRef idx="2">
-              <a:schemeClr val="accent1">
-                <a:shade val="50000"/>
-              </a:schemeClr>
-            </a:lnRef>
-            <a:fillRef idx="1">
-              <a:schemeClr val="accent1"/>
-            </a:fillRef>
-            <a:effectRef idx="0">
-              <a:schemeClr val="accent1"/>
-            </a:effectRef>
-            <a:fontRef idx="minor">
-              <a:schemeClr val="lt1"/>
-            </a:fontRef>
-          </p:style>
-          <p:txBody>
-            <a:bodyPr rtlCol="0" anchor="ctr"/>
-            <a:lstStyle/>
-            <a:p>
-              <a:pPr algn="ctr"/>
-              <a:r>
-                <a:rPr lang="en-US" dirty="0"/>
-                <a:t>Application</a:t>
-              </a:r>
-            </a:p>
-          </p:txBody>
-        </p:sp>
-        <p:sp>
-          <p:nvSpPr>
-            <p:cNvPr id="11" name="Rectangle 10">
-              <a:extLst>
-                <a:ext uri="{FF2B5EF4-FFF2-40B4-BE49-F238E27FC236}">
-                  <a16:creationId xmlns:a16="http://schemas.microsoft.com/office/drawing/2014/main" id="{3BB4AF1B-C4EA-6D43-A2F6-B26613CF310E}"/>
-                </a:ext>
-              </a:extLst>
-            </p:cNvPr>
-            <p:cNvSpPr/>
-            <p:nvPr/>
-          </p:nvSpPr>
-          <p:spPr>
-            <a:xfrm>
-              <a:off x="3182815" y="4613405"/>
-              <a:ext cx="1477108" cy="304800"/>
-            </a:xfrm>
-            <a:prstGeom prst="rect">
-              <a:avLst/>
-            </a:prstGeom>
-          </p:spPr>
-          <p:style>
-            <a:lnRef idx="2">
-              <a:schemeClr val="accent1">
-                <a:shade val="50000"/>
-              </a:schemeClr>
-            </a:lnRef>
-            <a:fillRef idx="1">
-              <a:schemeClr val="accent1"/>
-            </a:fillRef>
-            <a:effectRef idx="0">
-              <a:schemeClr val="accent1"/>
-            </a:effectRef>
-            <a:fontRef idx="minor">
-              <a:schemeClr val="lt1"/>
-            </a:fontRef>
-          </p:style>
-          <p:txBody>
-            <a:bodyPr rtlCol="0" anchor="ctr"/>
-            <a:lstStyle/>
-            <a:p>
-              <a:pPr algn="ctr"/>
-              <a:r>
-                <a:rPr lang="en-US" dirty="0"/>
-                <a:t>Application</a:t>
-              </a:r>
-            </a:p>
-          </p:txBody>
-        </p:sp>
-        <p:sp>
-          <p:nvSpPr>
-            <p:cNvPr id="12" name="Rectangle 11">
-              <a:extLst>
-                <a:ext uri="{FF2B5EF4-FFF2-40B4-BE49-F238E27FC236}">
-                  <a16:creationId xmlns:a16="http://schemas.microsoft.com/office/drawing/2014/main" id="{7EA3F8F9-7100-B04A-844F-B7BD77561B5D}"/>
-                </a:ext>
-              </a:extLst>
-            </p:cNvPr>
-            <p:cNvSpPr/>
-            <p:nvPr/>
-          </p:nvSpPr>
-          <p:spPr>
-            <a:xfrm>
-              <a:off x="3335215" y="4765805"/>
-              <a:ext cx="1477108" cy="304800"/>
-            </a:xfrm>
-            <a:prstGeom prst="rect">
-              <a:avLst/>
-            </a:prstGeom>
-          </p:spPr>
-          <p:style>
-            <a:lnRef idx="2">
-              <a:schemeClr val="accent1">
-                <a:shade val="50000"/>
-              </a:schemeClr>
-            </a:lnRef>
-            <a:fillRef idx="1">
-              <a:schemeClr val="accent1"/>
-            </a:fillRef>
-            <a:effectRef idx="0">
-              <a:schemeClr val="accent1"/>
-            </a:effectRef>
-            <a:fontRef idx="minor">
-              <a:schemeClr val="lt1"/>
-            </a:fontRef>
-          </p:style>
-          <p:txBody>
-            <a:bodyPr rtlCol="0" anchor="ctr"/>
-            <a:lstStyle/>
-            <a:p>
-              <a:pPr algn="ctr"/>
-              <a:r>
-                <a:rPr lang="en-US" dirty="0"/>
-                <a:t>Application</a:t>
-              </a:r>
-            </a:p>
-          </p:txBody>
-        </p:sp>
-        <p:sp>
-          <p:nvSpPr>
-            <p:cNvPr id="13" name="Rectangle 12">
-              <a:extLst>
-                <a:ext uri="{FF2B5EF4-FFF2-40B4-BE49-F238E27FC236}">
-                  <a16:creationId xmlns:a16="http://schemas.microsoft.com/office/drawing/2014/main" id="{7BA6D519-DC1F-8D4C-BEC6-A214E52FEF8E}"/>
-                </a:ext>
-              </a:extLst>
-            </p:cNvPr>
-            <p:cNvSpPr/>
-            <p:nvPr/>
-          </p:nvSpPr>
-          <p:spPr>
-            <a:xfrm>
-              <a:off x="3487615" y="4918205"/>
-              <a:ext cx="1477108" cy="304800"/>
-            </a:xfrm>
-            <a:prstGeom prst="rect">
-              <a:avLst/>
-            </a:prstGeom>
-          </p:spPr>
-          <p:style>
-            <a:lnRef idx="2">
-              <a:schemeClr val="accent1">
-                <a:shade val="50000"/>
-              </a:schemeClr>
-            </a:lnRef>
-            <a:fillRef idx="1">
-              <a:schemeClr val="accent1"/>
-            </a:fillRef>
-            <a:effectRef idx="0">
-              <a:schemeClr val="accent1"/>
-            </a:effectRef>
-            <a:fontRef idx="minor">
-              <a:schemeClr val="lt1"/>
-            </a:fontRef>
-          </p:style>
-          <p:txBody>
-            <a:bodyPr rtlCol="0" anchor="ctr"/>
-            <a:lstStyle/>
-            <a:p>
-              <a:pPr algn="ctr"/>
-              <a:r>
-                <a:rPr lang="en-US" dirty="0"/>
-                <a:t>Application</a:t>
-              </a:r>
             </a:p>
           </p:txBody>
         </p:sp>
@@ -4442,202 +4246,6 @@
         </p:sp>
         <p:sp>
           <p:nvSpPr>
-            <p:cNvPr id="23" name="Rectangle 22">
-              <a:extLst>
-                <a:ext uri="{FF2B5EF4-FFF2-40B4-BE49-F238E27FC236}">
-                  <a16:creationId xmlns:a16="http://schemas.microsoft.com/office/drawing/2014/main" id="{DF4925A1-4E38-8942-B41F-D8B649988EFE}"/>
-                </a:ext>
-              </a:extLst>
-            </p:cNvPr>
-            <p:cNvSpPr/>
-            <p:nvPr/>
-          </p:nvSpPr>
-          <p:spPr>
-            <a:xfrm>
-              <a:off x="3030415" y="4461005"/>
-              <a:ext cx="1477108" cy="304800"/>
-            </a:xfrm>
-            <a:prstGeom prst="rect">
-              <a:avLst/>
-            </a:prstGeom>
-          </p:spPr>
-          <p:style>
-            <a:lnRef idx="2">
-              <a:schemeClr val="accent1">
-                <a:shade val="50000"/>
-              </a:schemeClr>
-            </a:lnRef>
-            <a:fillRef idx="1">
-              <a:schemeClr val="accent1"/>
-            </a:fillRef>
-            <a:effectRef idx="0">
-              <a:schemeClr val="accent1"/>
-            </a:effectRef>
-            <a:fontRef idx="minor">
-              <a:schemeClr val="lt1"/>
-            </a:fontRef>
-          </p:style>
-          <p:txBody>
-            <a:bodyPr rtlCol="0" anchor="ctr"/>
-            <a:lstStyle/>
-            <a:p>
-              <a:pPr algn="ctr"/>
-              <a:r>
-                <a:rPr lang="en-US" dirty="0"/>
-                <a:t>Application</a:t>
-              </a:r>
-            </a:p>
-          </p:txBody>
-        </p:sp>
-        <p:sp>
-          <p:nvSpPr>
-            <p:cNvPr id="24" name="Rectangle 23">
-              <a:extLst>
-                <a:ext uri="{FF2B5EF4-FFF2-40B4-BE49-F238E27FC236}">
-                  <a16:creationId xmlns:a16="http://schemas.microsoft.com/office/drawing/2014/main" id="{9A434D36-1AEB-8B42-85D8-D03104CD1EB7}"/>
-                </a:ext>
-              </a:extLst>
-            </p:cNvPr>
-            <p:cNvSpPr/>
-            <p:nvPr/>
-          </p:nvSpPr>
-          <p:spPr>
-            <a:xfrm>
-              <a:off x="3182815" y="4613405"/>
-              <a:ext cx="1477108" cy="304800"/>
-            </a:xfrm>
-            <a:prstGeom prst="rect">
-              <a:avLst/>
-            </a:prstGeom>
-          </p:spPr>
-          <p:style>
-            <a:lnRef idx="2">
-              <a:schemeClr val="accent1">
-                <a:shade val="50000"/>
-              </a:schemeClr>
-            </a:lnRef>
-            <a:fillRef idx="1">
-              <a:schemeClr val="accent1"/>
-            </a:fillRef>
-            <a:effectRef idx="0">
-              <a:schemeClr val="accent1"/>
-            </a:effectRef>
-            <a:fontRef idx="minor">
-              <a:schemeClr val="lt1"/>
-            </a:fontRef>
-          </p:style>
-          <p:txBody>
-            <a:bodyPr rtlCol="0" anchor="ctr"/>
-            <a:lstStyle/>
-            <a:p>
-              <a:pPr algn="ctr"/>
-              <a:r>
-                <a:rPr lang="en-US" dirty="0"/>
-                <a:t>Application</a:t>
-              </a:r>
-            </a:p>
-          </p:txBody>
-        </p:sp>
-        <p:sp>
-          <p:nvSpPr>
-            <p:cNvPr id="25" name="Rectangle 24">
-              <a:extLst>
-                <a:ext uri="{FF2B5EF4-FFF2-40B4-BE49-F238E27FC236}">
-                  <a16:creationId xmlns:a16="http://schemas.microsoft.com/office/drawing/2014/main" id="{03C6E5F6-F825-6A4A-BB50-EA80E1DD917A}"/>
-                </a:ext>
-              </a:extLst>
-            </p:cNvPr>
-            <p:cNvSpPr/>
-            <p:nvPr/>
-          </p:nvSpPr>
-          <p:spPr>
-            <a:xfrm>
-              <a:off x="3335215" y="4765805"/>
-              <a:ext cx="1477108" cy="304800"/>
-            </a:xfrm>
-            <a:prstGeom prst="rect">
-              <a:avLst/>
-            </a:prstGeom>
-          </p:spPr>
-          <p:style>
-            <a:lnRef idx="2">
-              <a:schemeClr val="accent1">
-                <a:shade val="50000"/>
-              </a:schemeClr>
-            </a:lnRef>
-            <a:fillRef idx="1">
-              <a:schemeClr val="accent1"/>
-            </a:fillRef>
-            <a:effectRef idx="0">
-              <a:schemeClr val="accent1"/>
-            </a:effectRef>
-            <a:fontRef idx="minor">
-              <a:schemeClr val="lt1"/>
-            </a:fontRef>
-          </p:style>
-          <p:txBody>
-            <a:bodyPr rtlCol="0" anchor="ctr"/>
-            <a:lstStyle/>
-            <a:p>
-              <a:pPr algn="ctr"/>
-              <a:r>
-                <a:rPr lang="en-US" dirty="0"/>
-                <a:t>Application</a:t>
-              </a:r>
-            </a:p>
-          </p:txBody>
-        </p:sp>
-        <p:sp>
-          <p:nvSpPr>
-            <p:cNvPr id="26" name="Rectangle 25">
-              <a:extLst>
-                <a:ext uri="{FF2B5EF4-FFF2-40B4-BE49-F238E27FC236}">
-                  <a16:creationId xmlns:a16="http://schemas.microsoft.com/office/drawing/2014/main" id="{108D7459-9D8A-C247-996C-77AAFECF9F2B}"/>
-                </a:ext>
-              </a:extLst>
-            </p:cNvPr>
-            <p:cNvSpPr/>
-            <p:nvPr/>
-          </p:nvSpPr>
-          <p:spPr>
-            <a:xfrm>
-              <a:off x="3487615" y="4918205"/>
-              <a:ext cx="1477108" cy="304800"/>
-            </a:xfrm>
-            <a:prstGeom prst="rect">
-              <a:avLst/>
-            </a:prstGeom>
-          </p:spPr>
-          <p:style>
-            <a:lnRef idx="2">
-              <a:schemeClr val="accent1">
-                <a:shade val="50000"/>
-              </a:schemeClr>
-            </a:lnRef>
-            <a:fillRef idx="1">
-              <a:schemeClr val="accent1"/>
-            </a:fillRef>
-            <a:effectRef idx="0">
-              <a:schemeClr val="accent1"/>
-            </a:effectRef>
-            <a:fontRef idx="minor">
-              <a:schemeClr val="lt1"/>
-            </a:fontRef>
-          </p:style>
-          <p:txBody>
-            <a:bodyPr rtlCol="0" anchor="ctr"/>
-            <a:lstStyle/>
-            <a:p>
-              <a:pPr algn="ctr"/>
-              <a:r>
-                <a:rPr lang="en-US" dirty="0"/>
-                <a:t>Application</a:t>
-              </a:r>
-            </a:p>
-          </p:txBody>
-        </p:sp>
-        <p:sp>
-          <p:nvSpPr>
             <p:cNvPr id="27" name="TextBox 26">
               <a:extLst>
                 <a:ext uri="{FF2B5EF4-FFF2-40B4-BE49-F238E27FC236}">
@@ -4770,8 +4378,8 @@
         </p:nvSpPr>
         <p:spPr>
           <a:xfrm>
-            <a:off x="6098930" y="3385404"/>
-            <a:ext cx="2479432" cy="1175787"/>
+            <a:off x="5883697" y="3544019"/>
+            <a:ext cx="2297724" cy="837782"/>
           </a:xfrm>
           <a:prstGeom prst="ellipse">
             <a:avLst/>
@@ -4802,9 +4410,448 @@
               <a:rPr lang="en-US" dirty="0" err="1"/>
               <a:t>onValueUpdate</a:t>
             </a:r>
+            <a:endParaRPr lang="en-US" dirty="0"/>
+          </a:p>
+        </p:txBody>
+      </p:sp>
+      <p:sp>
+        <p:nvSpPr>
+          <p:cNvPr id="31" name="Oval 30">
+            <a:extLst>
+              <a:ext uri="{FF2B5EF4-FFF2-40B4-BE49-F238E27FC236}">
+                <a16:creationId xmlns:a16="http://schemas.microsoft.com/office/drawing/2014/main" id="{26962D33-EA5B-564C-88C3-C599BB93FA38}"/>
+              </a:ext>
+            </a:extLst>
+          </p:cNvPr>
+          <p:cNvSpPr/>
+          <p:nvPr/>
+        </p:nvSpPr>
+        <p:spPr>
+          <a:xfrm>
+            <a:off x="2293862" y="3578100"/>
+            <a:ext cx="2297724" cy="837782"/>
+          </a:xfrm>
+          <a:prstGeom prst="ellipse">
+            <a:avLst/>
+          </a:prstGeom>
+        </p:spPr>
+        <p:style>
+          <a:lnRef idx="2">
+            <a:schemeClr val="accent1">
+              <a:shade val="50000"/>
+            </a:schemeClr>
+          </a:lnRef>
+          <a:fillRef idx="1">
+            <a:schemeClr val="accent1"/>
+          </a:fillRef>
+          <a:effectRef idx="0">
+            <a:schemeClr val="accent1"/>
+          </a:effectRef>
+          <a:fontRef idx="minor">
+            <a:schemeClr val="lt1"/>
+          </a:fontRef>
+        </p:style>
+        <p:txBody>
+          <a:bodyPr rtlCol="0" anchor="ctr"/>
+          <a:lstStyle/>
+          <a:p>
+            <a:pPr algn="ctr"/>
+            <a:r>
+              <a:rPr lang="en-US" dirty="0" err="1"/>
+              <a:t>outputSync</a:t>
+            </a:r>
+            <a:endParaRPr lang="en-US" dirty="0"/>
+          </a:p>
+        </p:txBody>
+      </p:sp>
+      <p:sp>
+        <p:nvSpPr>
+          <p:cNvPr id="32" name="Oval 31">
+            <a:extLst>
+              <a:ext uri="{FF2B5EF4-FFF2-40B4-BE49-F238E27FC236}">
+                <a16:creationId xmlns:a16="http://schemas.microsoft.com/office/drawing/2014/main" id="{F2141EE8-5DE4-424F-99E7-EC62212697B3}"/>
+              </a:ext>
+            </a:extLst>
+          </p:cNvPr>
+          <p:cNvSpPr/>
+          <p:nvPr/>
+        </p:nvSpPr>
+        <p:spPr>
+          <a:xfrm>
+            <a:off x="798454" y="4247113"/>
+            <a:ext cx="1428929" cy="380889"/>
+          </a:xfrm>
+          <a:prstGeom prst="ellipse">
+            <a:avLst/>
+          </a:prstGeom>
+        </p:spPr>
+        <p:style>
+          <a:lnRef idx="2">
+            <a:schemeClr val="accent1">
+              <a:shade val="50000"/>
+            </a:schemeClr>
+          </a:lnRef>
+          <a:fillRef idx="1">
+            <a:schemeClr val="accent1"/>
+          </a:fillRef>
+          <a:effectRef idx="0">
+            <a:schemeClr val="accent1"/>
+          </a:effectRef>
+          <a:fontRef idx="minor">
+            <a:schemeClr val="lt1"/>
+          </a:fontRef>
+        </p:style>
+        <p:txBody>
+          <a:bodyPr rtlCol="0" anchor="ctr"/>
+          <a:lstStyle/>
+          <a:p>
+            <a:pPr algn="ctr"/>
             <a:r>
               <a:rPr lang="en-US" dirty="0"/>
-              <a:t> Handler</a:t>
+              <a:t>handler</a:t>
+            </a:r>
+          </a:p>
+        </p:txBody>
+      </p:sp>
+      <p:sp>
+        <p:nvSpPr>
+          <p:cNvPr id="33" name="Oval 32">
+            <a:extLst>
+              <a:ext uri="{FF2B5EF4-FFF2-40B4-BE49-F238E27FC236}">
+                <a16:creationId xmlns:a16="http://schemas.microsoft.com/office/drawing/2014/main" id="{A41F446A-3764-6F42-A084-7A2A4C65DA1A}"/>
+              </a:ext>
+            </a:extLst>
+          </p:cNvPr>
+          <p:cNvSpPr/>
+          <p:nvPr/>
+        </p:nvSpPr>
+        <p:spPr>
+          <a:xfrm>
+            <a:off x="950854" y="4399513"/>
+            <a:ext cx="1428929" cy="380889"/>
+          </a:xfrm>
+          <a:prstGeom prst="ellipse">
+            <a:avLst/>
+          </a:prstGeom>
+        </p:spPr>
+        <p:style>
+          <a:lnRef idx="2">
+            <a:schemeClr val="accent1">
+              <a:shade val="50000"/>
+            </a:schemeClr>
+          </a:lnRef>
+          <a:fillRef idx="1">
+            <a:schemeClr val="accent1"/>
+          </a:fillRef>
+          <a:effectRef idx="0">
+            <a:schemeClr val="accent1"/>
+          </a:effectRef>
+          <a:fontRef idx="minor">
+            <a:schemeClr val="lt1"/>
+          </a:fontRef>
+        </p:style>
+        <p:txBody>
+          <a:bodyPr rtlCol="0" anchor="ctr"/>
+          <a:lstStyle/>
+          <a:p>
+            <a:pPr algn="ctr"/>
+            <a:r>
+              <a:rPr lang="en-US" dirty="0"/>
+              <a:t>handler</a:t>
+            </a:r>
+          </a:p>
+        </p:txBody>
+      </p:sp>
+      <p:sp>
+        <p:nvSpPr>
+          <p:cNvPr id="34" name="Oval 33">
+            <a:extLst>
+              <a:ext uri="{FF2B5EF4-FFF2-40B4-BE49-F238E27FC236}">
+                <a16:creationId xmlns:a16="http://schemas.microsoft.com/office/drawing/2014/main" id="{05FB7A24-5F1F-6F4B-AABD-8BD4AC5054F9}"/>
+              </a:ext>
+            </a:extLst>
+          </p:cNvPr>
+          <p:cNvSpPr/>
+          <p:nvPr/>
+        </p:nvSpPr>
+        <p:spPr>
+          <a:xfrm>
+            <a:off x="1103254" y="4551913"/>
+            <a:ext cx="1428929" cy="380889"/>
+          </a:xfrm>
+          <a:prstGeom prst="ellipse">
+            <a:avLst/>
+          </a:prstGeom>
+        </p:spPr>
+        <p:style>
+          <a:lnRef idx="2">
+            <a:schemeClr val="accent1">
+              <a:shade val="50000"/>
+            </a:schemeClr>
+          </a:lnRef>
+          <a:fillRef idx="1">
+            <a:schemeClr val="accent1"/>
+          </a:fillRef>
+          <a:effectRef idx="0">
+            <a:schemeClr val="accent1"/>
+          </a:effectRef>
+          <a:fontRef idx="minor">
+            <a:schemeClr val="lt1"/>
+          </a:fontRef>
+        </p:style>
+        <p:txBody>
+          <a:bodyPr rtlCol="0" anchor="ctr"/>
+          <a:lstStyle/>
+          <a:p>
+            <a:pPr algn="ctr"/>
+            <a:r>
+              <a:rPr lang="en-US" dirty="0"/>
+              <a:t>handler</a:t>
+            </a:r>
+          </a:p>
+        </p:txBody>
+      </p:sp>
+      <p:sp>
+        <p:nvSpPr>
+          <p:cNvPr id="36" name="Oval 35">
+            <a:extLst>
+              <a:ext uri="{FF2B5EF4-FFF2-40B4-BE49-F238E27FC236}">
+                <a16:creationId xmlns:a16="http://schemas.microsoft.com/office/drawing/2014/main" id="{E582A4AF-95F7-1245-B989-E25D99EE65C9}"/>
+              </a:ext>
+            </a:extLst>
+          </p:cNvPr>
+          <p:cNvSpPr/>
+          <p:nvPr/>
+        </p:nvSpPr>
+        <p:spPr>
+          <a:xfrm>
+            <a:off x="1255654" y="4704313"/>
+            <a:ext cx="1428929" cy="380889"/>
+          </a:xfrm>
+          <a:prstGeom prst="ellipse">
+            <a:avLst/>
+          </a:prstGeom>
+        </p:spPr>
+        <p:style>
+          <a:lnRef idx="2">
+            <a:schemeClr val="accent1">
+              <a:shade val="50000"/>
+            </a:schemeClr>
+          </a:lnRef>
+          <a:fillRef idx="1">
+            <a:schemeClr val="accent1"/>
+          </a:fillRef>
+          <a:effectRef idx="0">
+            <a:schemeClr val="accent1"/>
+          </a:effectRef>
+          <a:fontRef idx="minor">
+            <a:schemeClr val="lt1"/>
+          </a:fontRef>
+        </p:style>
+        <p:txBody>
+          <a:bodyPr rtlCol="0" anchor="ctr"/>
+          <a:lstStyle/>
+          <a:p>
+            <a:pPr algn="ctr"/>
+            <a:r>
+              <a:rPr lang="en-US" dirty="0"/>
+              <a:t>handler</a:t>
+            </a:r>
+          </a:p>
+        </p:txBody>
+      </p:sp>
+      <p:sp>
+        <p:nvSpPr>
+          <p:cNvPr id="37" name="Oval 36">
+            <a:extLst>
+              <a:ext uri="{FF2B5EF4-FFF2-40B4-BE49-F238E27FC236}">
+                <a16:creationId xmlns:a16="http://schemas.microsoft.com/office/drawing/2014/main" id="{4724212A-AA39-1D40-BE5A-2824B05A2D4E}"/>
+              </a:ext>
+            </a:extLst>
+          </p:cNvPr>
+          <p:cNvSpPr/>
+          <p:nvPr/>
+        </p:nvSpPr>
+        <p:spPr>
+          <a:xfrm>
+            <a:off x="5025647" y="4260421"/>
+            <a:ext cx="1428929" cy="380889"/>
+          </a:xfrm>
+          <a:prstGeom prst="ellipse">
+            <a:avLst/>
+          </a:prstGeom>
+        </p:spPr>
+        <p:style>
+          <a:lnRef idx="2">
+            <a:schemeClr val="accent1">
+              <a:shade val="50000"/>
+            </a:schemeClr>
+          </a:lnRef>
+          <a:fillRef idx="1">
+            <a:schemeClr val="accent1"/>
+          </a:fillRef>
+          <a:effectRef idx="0">
+            <a:schemeClr val="accent1"/>
+          </a:effectRef>
+          <a:fontRef idx="minor">
+            <a:schemeClr val="lt1"/>
+          </a:fontRef>
+        </p:style>
+        <p:txBody>
+          <a:bodyPr rtlCol="0" anchor="ctr"/>
+          <a:lstStyle/>
+          <a:p>
+            <a:pPr algn="ctr"/>
+            <a:r>
+              <a:rPr lang="en-US" dirty="0"/>
+              <a:t>handler</a:t>
+            </a:r>
+          </a:p>
+        </p:txBody>
+      </p:sp>
+      <p:sp>
+        <p:nvSpPr>
+          <p:cNvPr id="38" name="Oval 37">
+            <a:extLst>
+              <a:ext uri="{FF2B5EF4-FFF2-40B4-BE49-F238E27FC236}">
+                <a16:creationId xmlns:a16="http://schemas.microsoft.com/office/drawing/2014/main" id="{FAD0FACA-9C2E-1146-84BE-8B135E7FC658}"/>
+              </a:ext>
+            </a:extLst>
+          </p:cNvPr>
+          <p:cNvSpPr/>
+          <p:nvPr/>
+        </p:nvSpPr>
+        <p:spPr>
+          <a:xfrm>
+            <a:off x="5178047" y="4412821"/>
+            <a:ext cx="1428929" cy="380889"/>
+          </a:xfrm>
+          <a:prstGeom prst="ellipse">
+            <a:avLst/>
+          </a:prstGeom>
+        </p:spPr>
+        <p:style>
+          <a:lnRef idx="2">
+            <a:schemeClr val="accent1">
+              <a:shade val="50000"/>
+            </a:schemeClr>
+          </a:lnRef>
+          <a:fillRef idx="1">
+            <a:schemeClr val="accent1"/>
+          </a:fillRef>
+          <a:effectRef idx="0">
+            <a:schemeClr val="accent1"/>
+          </a:effectRef>
+          <a:fontRef idx="minor">
+            <a:schemeClr val="lt1"/>
+          </a:fontRef>
+        </p:style>
+        <p:txBody>
+          <a:bodyPr rtlCol="0" anchor="ctr"/>
+          <a:lstStyle/>
+          <a:p>
+            <a:pPr algn="ctr"/>
+            <a:r>
+              <a:rPr lang="en-US" dirty="0"/>
+              <a:t>handler</a:t>
+            </a:r>
+          </a:p>
+        </p:txBody>
+      </p:sp>
+      <p:sp>
+        <p:nvSpPr>
+          <p:cNvPr id="39" name="Oval 38">
+            <a:extLst>
+              <a:ext uri="{FF2B5EF4-FFF2-40B4-BE49-F238E27FC236}">
+                <a16:creationId xmlns:a16="http://schemas.microsoft.com/office/drawing/2014/main" id="{CE9D1104-8676-814F-AB9E-B357A11AD1A4}"/>
+              </a:ext>
+            </a:extLst>
+          </p:cNvPr>
+          <p:cNvSpPr/>
+          <p:nvPr/>
+        </p:nvSpPr>
+        <p:spPr>
+          <a:xfrm>
+            <a:off x="5330447" y="4565221"/>
+            <a:ext cx="1428929" cy="380889"/>
+          </a:xfrm>
+          <a:prstGeom prst="ellipse">
+            <a:avLst/>
+          </a:prstGeom>
+        </p:spPr>
+        <p:style>
+          <a:lnRef idx="2">
+            <a:schemeClr val="accent1">
+              <a:shade val="50000"/>
+            </a:schemeClr>
+          </a:lnRef>
+          <a:fillRef idx="1">
+            <a:schemeClr val="accent1"/>
+          </a:fillRef>
+          <a:effectRef idx="0">
+            <a:schemeClr val="accent1"/>
+          </a:effectRef>
+          <a:fontRef idx="minor">
+            <a:schemeClr val="lt1"/>
+          </a:fontRef>
+        </p:style>
+        <p:txBody>
+          <a:bodyPr rtlCol="0" anchor="ctr"/>
+          <a:lstStyle/>
+          <a:p>
+            <a:pPr algn="ctr"/>
+            <a:r>
+              <a:rPr lang="en-US" dirty="0"/>
+              <a:t>handler</a:t>
+            </a:r>
+          </a:p>
+        </p:txBody>
+      </p:sp>
+      <p:sp>
+        <p:nvSpPr>
+          <p:cNvPr id="40" name="Oval 39">
+            <a:extLst>
+              <a:ext uri="{FF2B5EF4-FFF2-40B4-BE49-F238E27FC236}">
+                <a16:creationId xmlns:a16="http://schemas.microsoft.com/office/drawing/2014/main" id="{9170B2C7-FDF4-3B47-B6D1-74985F1FDCCA}"/>
+              </a:ext>
+            </a:extLst>
+          </p:cNvPr>
+          <p:cNvSpPr/>
+          <p:nvPr/>
+        </p:nvSpPr>
+        <p:spPr>
+          <a:xfrm>
+            <a:off x="5482847" y="4717621"/>
+            <a:ext cx="1428929" cy="380889"/>
+          </a:xfrm>
+          <a:prstGeom prst="ellipse">
+            <a:avLst/>
+          </a:prstGeom>
+        </p:spPr>
+        <p:style>
+          <a:lnRef idx="2">
+            <a:schemeClr val="accent1">
+              <a:shade val="50000"/>
+            </a:schemeClr>
+          </a:lnRef>
+          <a:fillRef idx="1">
+            <a:schemeClr val="accent1"/>
+          </a:fillRef>
+          <a:effectRef idx="0">
+            <a:schemeClr val="accent1"/>
+          </a:effectRef>
+          <a:fontRef idx="minor">
+            <a:schemeClr val="lt1"/>
+          </a:fontRef>
+        </p:style>
+        <p:txBody>
+          <a:bodyPr rtlCol="0" anchor="ctr"/>
+          <a:lstStyle/>
+          <a:p>
+            <a:pPr algn="ctr"/>
+            <a:r>
+              <a:rPr lang="en-US" dirty="0"/>
+              <a:t>handler</a:t>
             </a:r>
           </a:p>
         </p:txBody>
@@ -5026,7 +5073,7 @@
           <a:p>
             <a:r>
               <a:rPr lang="en-US" dirty="0"/>
-              <a:t>The DFG model tools do all of the heavy lifting so the embedded code can be extremely simple and lightweight, e.g. static typing is done in the model</a:t>
+              <a:t>The DFG model tools do all of the heavy lifting so the embedded code can be extremely simple and lightweight, e.g. type checking is done in the model</a:t>
             </a:r>
           </a:p>
           <a:p>

--- a/Documents/ObjectFlow.pptx
+++ b/Documents/ObjectFlow.pptx
@@ -3164,7 +3164,15 @@
           <a:p>
             <a:r>
               <a:rPr lang="en-US" dirty="0"/>
-              <a:t>Communication is implemented at the application layer using  a set of well-known LWM2M types</a:t>
+              <a:t>Communication is </a:t>
+            </a:r>
+            <a:r>
+              <a:rPr lang="en-US"/>
+              <a:t>implemented in </a:t>
+            </a:r>
+            <a:r>
+              <a:rPr lang="en-US" dirty="0"/>
+              <a:t>the application layer using  a set of well-known LWM2M types</a:t>
             </a:r>
           </a:p>
         </p:txBody>

--- a/Documents/ObjectFlow.pptx
+++ b/Documents/ObjectFlow.pptx
@@ -6,12 +6,13 @@
   </p:sldMasterIdLst>
   <p:sldIdLst>
     <p:sldId id="256" r:id="rId2"/>
-    <p:sldId id="257" r:id="rId3"/>
-    <p:sldId id="258" r:id="rId4"/>
-    <p:sldId id="259" r:id="rId5"/>
-    <p:sldId id="262" r:id="rId6"/>
-    <p:sldId id="260" r:id="rId7"/>
-    <p:sldId id="261" r:id="rId8"/>
+    <p:sldId id="263" r:id="rId3"/>
+    <p:sldId id="257" r:id="rId4"/>
+    <p:sldId id="258" r:id="rId5"/>
+    <p:sldId id="259" r:id="rId6"/>
+    <p:sldId id="262" r:id="rId7"/>
+    <p:sldId id="260" r:id="rId8"/>
+    <p:sldId id="261" r:id="rId9"/>
   </p:sldIdLst>
   <p:sldSz cx="9144000" cy="6858000" type="letter"/>
   <p:notesSz cx="6858000" cy="9144000"/>
@@ -3077,7 +3078,7 @@
           <p:cNvPr id="2" name="Title 1">
             <a:extLst>
               <a:ext uri="{FF2B5EF4-FFF2-40B4-BE49-F238E27FC236}">
-                <a16:creationId xmlns:a16="http://schemas.microsoft.com/office/drawing/2014/main" id="{C2240561-8F38-E749-9D40-EBFE9320E741}"/>
+                <a16:creationId xmlns:a16="http://schemas.microsoft.com/office/drawing/2014/main" id="{3F8B43E4-3411-B944-9B84-649BED768D49}"/>
               </a:ext>
             </a:extLst>
           </p:cNvPr>
@@ -3088,21 +3089,15 @@
             <p:ph type="title"/>
           </p:nvPr>
         </p:nvSpPr>
-        <p:spPr>
-          <a:xfrm>
-            <a:off x="628650" y="218708"/>
-            <a:ext cx="7886700" cy="1325563"/>
-          </a:xfrm>
-        </p:spPr>
-        <p:txBody>
-          <a:bodyPr/>
-          <a:lstStyle/>
-          <a:p>
-            <a:r>
-              <a:rPr lang="en-US" dirty="0" err="1"/>
-              <a:t>ObjectFlow</a:t>
-            </a:r>
-            <a:endParaRPr lang="en-US" dirty="0"/>
+        <p:spPr/>
+        <p:txBody>
+          <a:bodyPr/>
+          <a:lstStyle/>
+          <a:p>
+            <a:r>
+              <a:rPr lang="en-US" dirty="0"/>
+              <a:t>Add</a:t>
+            </a:r>
           </a:p>
         </p:txBody>
       </p:sp>
@@ -3111,7 +3106,7 @@
           <p:cNvPr id="3" name="Content Placeholder 2">
             <a:extLst>
               <a:ext uri="{FF2B5EF4-FFF2-40B4-BE49-F238E27FC236}">
-                <a16:creationId xmlns:a16="http://schemas.microsoft.com/office/drawing/2014/main" id="{EFC3E193-0581-1D4B-AD0F-8D9BBCA916AD}"/>
+                <a16:creationId xmlns:a16="http://schemas.microsoft.com/office/drawing/2014/main" id="{06026009-F2F9-B64B-97C3-7749D95960FD}"/>
               </a:ext>
             </a:extLst>
           </p:cNvPr>
@@ -3122,65 +3117,67 @@
             <p:ph idx="1"/>
           </p:nvPr>
         </p:nvSpPr>
-        <p:spPr>
-          <a:xfrm>
-            <a:off x="628650" y="1576264"/>
-            <a:ext cx="7886700" cy="4754197"/>
-          </a:xfrm>
-        </p:spPr>
+        <p:spPr/>
         <p:txBody>
           <a:bodyPr/>
           <a:lstStyle/>
           <a:p>
             <a:r>
               <a:rPr lang="en-US" dirty="0"/>
-              <a:t>Data-driven programming for tiny microcontrollers</a:t>
+              <a:t>UML diagram for test graph</a:t>
             </a:r>
           </a:p>
           <a:p>
             <a:r>
               <a:rPr lang="en-US" dirty="0"/>
-              <a:t>Arduino Uno class (2KB/32KB) and larger</a:t>
+              <a:t>Timer function explanation – trigger example</a:t>
             </a:r>
           </a:p>
           <a:p>
             <a:r>
               <a:rPr lang="en-US" dirty="0"/>
-              <a:t>Small library, no central executive, timer- and communication event-driven</a:t>
-            </a:r>
-          </a:p>
-          <a:p>
+              <a:t>Diagram for processing flow: SDF model + </a:t>
+            </a:r>
+            <a:r>
+              <a:rPr lang="en-US" dirty="0" err="1"/>
+              <a:t>instanceGraph</a:t>
+            </a:r>
             <a:r>
               <a:rPr lang="en-US" dirty="0"/>
-              <a:t>Similar to IEC61499, Node-RED, etc. based on Data Flow Graphs (DFG)</a:t>
-            </a:r>
-          </a:p>
-          <a:p>
+              <a:t> =&gt; full </a:t>
+            </a:r>
+            <a:r>
+              <a:rPr lang="en-US" dirty="0" err="1"/>
+              <a:t>InstanceGraph</a:t>
+            </a:r>
             <a:r>
               <a:rPr lang="en-US" dirty="0"/>
-              <a:t>Uses the LWM2M data model and semantics with an event-driven communication protocol</a:t>
-            </a:r>
-          </a:p>
-          <a:p>
+              <a:t> =&gt; </a:t>
+            </a:r>
+            <a:r>
+              <a:rPr lang="en-US" dirty="0" err="1"/>
+              <a:t>codegen</a:t>
+            </a:r>
             <a:r>
               <a:rPr lang="en-US" dirty="0"/>
-              <a:t>Communication is </a:t>
-            </a:r>
-            <a:r>
-              <a:rPr lang="en-US"/>
-              <a:t>implemented in </a:t>
-            </a:r>
+              <a:t> templates</a:t>
+            </a:r>
+          </a:p>
+          <a:p>
             <a:r>
               <a:rPr lang="en-US" dirty="0"/>
-              <a:t>the application layer using  a set of well-known LWM2M types</a:t>
-            </a:r>
+              <a:t>Complex I/O object – state machine</a:t>
+            </a:r>
+          </a:p>
+          <a:p>
+            <a:endParaRPr lang="en-US" dirty="0"/>
           </a:p>
         </p:txBody>
       </p:sp>
     </p:spTree>
     <p:extLst>
       <p:ext uri="{BB962C8B-B14F-4D97-AF65-F5344CB8AC3E}">
-        <p14:creationId xmlns:p14="http://schemas.microsoft.com/office/powerpoint/2010/main" val="3287845219"/>
+        <p14:creationId xmlns:p14="http://schemas.microsoft.com/office/powerpoint/2010/main" val="3025941368"/>
       </p:ext>
     </p:extLst>
   </p:cSld>
@@ -3212,7 +3209,7 @@
           <p:cNvPr id="2" name="Title 1">
             <a:extLst>
               <a:ext uri="{FF2B5EF4-FFF2-40B4-BE49-F238E27FC236}">
-                <a16:creationId xmlns:a16="http://schemas.microsoft.com/office/drawing/2014/main" id="{53F867E8-3E7A-B542-98A7-BD954D9EBD1E}"/>
+                <a16:creationId xmlns:a16="http://schemas.microsoft.com/office/drawing/2014/main" id="{C2240561-8F38-E749-9D40-EBFE9320E741}"/>
               </a:ext>
             </a:extLst>
           </p:cNvPr>
@@ -3223,7 +3220,12 @@
             <p:ph type="title"/>
           </p:nvPr>
         </p:nvSpPr>
-        <p:spPr/>
+        <p:spPr>
+          <a:xfrm>
+            <a:off x="628650" y="218708"/>
+            <a:ext cx="7886700" cy="1325563"/>
+          </a:xfrm>
+        </p:spPr>
         <p:txBody>
           <a:bodyPr/>
           <a:lstStyle/>
@@ -3232,10 +3234,7 @@
               <a:rPr lang="en-US" dirty="0" err="1"/>
               <a:t>ObjectFlow</a:t>
             </a:r>
-            <a:r>
-              <a:rPr lang="en-US" dirty="0"/>
-              <a:t> - Digital Twin for Embedded Code</a:t>
-            </a:r>
+            <a:endParaRPr lang="en-US" dirty="0"/>
           </a:p>
         </p:txBody>
       </p:sp>
@@ -3244,7 +3243,7 @@
           <p:cNvPr id="3" name="Content Placeholder 2">
             <a:extLst>
               <a:ext uri="{FF2B5EF4-FFF2-40B4-BE49-F238E27FC236}">
-                <a16:creationId xmlns:a16="http://schemas.microsoft.com/office/drawing/2014/main" id="{1CB76708-9FC0-5048-BB77-6663E8CF3A51}"/>
+                <a16:creationId xmlns:a16="http://schemas.microsoft.com/office/drawing/2014/main" id="{EFC3E193-0581-1D4B-AD0F-8D9BBCA916AD}"/>
               </a:ext>
             </a:extLst>
           </p:cNvPr>
@@ -3257,8 +3256,8 @@
         </p:nvSpPr>
         <p:spPr>
           <a:xfrm>
-            <a:off x="519479" y="1854812"/>
-            <a:ext cx="8202490" cy="4351338"/>
+            <a:off x="628650" y="1576264"/>
+            <a:ext cx="7886700" cy="4754197"/>
           </a:xfrm>
         </p:spPr>
         <p:txBody>
@@ -3267,25 +3266,37 @@
           <a:p>
             <a:r>
               <a:rPr lang="en-US" dirty="0"/>
-              <a:t>On-device code is simple, minimal, and reliable</a:t>
+              <a:t>Data-driven programming for tiny microcontrollers</a:t>
             </a:r>
           </a:p>
           <a:p>
             <a:r>
               <a:rPr lang="en-US" dirty="0"/>
-              <a:t>A small set of primitives implemented as static C++ wrapper classes for Object and Resource </a:t>
+              <a:t>Arduino Uno class (2KB/32KB) and larger</a:t>
             </a:r>
           </a:p>
           <a:p>
             <a:r>
               <a:rPr lang="en-US" dirty="0"/>
-              <a:t>Graphs are build from a standardized JSON format that models  Object and Resource Instances on the embedded device – a digital twin of the device code</a:t>
+              <a:t>Small library, no central executive, timer- and communication event-driven</a:t>
             </a:r>
           </a:p>
           <a:p>
             <a:r>
               <a:rPr lang="en-US" dirty="0"/>
-              <a:t>Tools construct a C++ header file template that is built with the device code application handler bundle using the standard IDE (e.g. Arduino IDE), and downloaded to the device in the usual way.</a:t>
+              <a:t>Similar to IEC61499, Node-RED, etc. based on Data Flow Graphs (DFG)</a:t>
+            </a:r>
+          </a:p>
+          <a:p>
+            <a:r>
+              <a:rPr lang="en-US" dirty="0"/>
+              <a:t>Uses the LWM2M data model and semantics with an event-driven communication protocol</a:t>
+            </a:r>
+          </a:p>
+          <a:p>
+            <a:r>
+              <a:rPr lang="en-US" dirty="0"/>
+              <a:t>Communication is implemented in the application layer using  a set of well-known LWM2M types</a:t>
             </a:r>
           </a:p>
         </p:txBody>
@@ -3293,7 +3304,7 @@
     </p:spTree>
     <p:extLst>
       <p:ext uri="{BB962C8B-B14F-4D97-AF65-F5344CB8AC3E}">
-        <p14:creationId xmlns:p14="http://schemas.microsoft.com/office/powerpoint/2010/main" val="898881681"/>
+        <p14:creationId xmlns:p14="http://schemas.microsoft.com/office/powerpoint/2010/main" val="3287845219"/>
       </p:ext>
     </p:extLst>
   </p:cSld>
@@ -3347,6 +3358,119 @@
             </a:r>
             <a:r>
               <a:rPr lang="en-US" dirty="0"/>
+              <a:t> - Digital Twin for Embedded Code</a:t>
+            </a:r>
+          </a:p>
+        </p:txBody>
+      </p:sp>
+      <p:sp>
+        <p:nvSpPr>
+          <p:cNvPr id="3" name="Content Placeholder 2">
+            <a:extLst>
+              <a:ext uri="{FF2B5EF4-FFF2-40B4-BE49-F238E27FC236}">
+                <a16:creationId xmlns:a16="http://schemas.microsoft.com/office/drawing/2014/main" id="{1CB76708-9FC0-5048-BB77-6663E8CF3A51}"/>
+              </a:ext>
+            </a:extLst>
+          </p:cNvPr>
+          <p:cNvSpPr>
+            <a:spLocks noGrp="1"/>
+          </p:cNvSpPr>
+          <p:nvPr>
+            <p:ph idx="1"/>
+          </p:nvPr>
+        </p:nvSpPr>
+        <p:spPr>
+          <a:xfrm>
+            <a:off x="519479" y="1854812"/>
+            <a:ext cx="8202490" cy="4351338"/>
+          </a:xfrm>
+        </p:spPr>
+        <p:txBody>
+          <a:bodyPr/>
+          <a:lstStyle/>
+          <a:p>
+            <a:r>
+              <a:rPr lang="en-US" dirty="0"/>
+              <a:t>On-device code is simple, minimal, and reliable</a:t>
+            </a:r>
+          </a:p>
+          <a:p>
+            <a:r>
+              <a:rPr lang="en-US" dirty="0"/>
+              <a:t>A small set of primitives implemented as static C++ wrapper classes for Object and Resource </a:t>
+            </a:r>
+          </a:p>
+          <a:p>
+            <a:r>
+              <a:rPr lang="en-US" dirty="0"/>
+              <a:t>Graphs are build from a standardized JSON format that models  Object and Resource Instances on the embedded device – a digital twin of the device code</a:t>
+            </a:r>
+          </a:p>
+          <a:p>
+            <a:r>
+              <a:rPr lang="en-US" dirty="0"/>
+              <a:t>Tools construct a C++ header file template that is built with the device code application handler bundle using the standard IDE (e.g. Arduino IDE), and downloaded to the device in the usual way.</a:t>
+            </a:r>
+          </a:p>
+        </p:txBody>
+      </p:sp>
+    </p:spTree>
+    <p:extLst>
+      <p:ext uri="{BB962C8B-B14F-4D97-AF65-F5344CB8AC3E}">
+        <p14:creationId xmlns:p14="http://schemas.microsoft.com/office/powerpoint/2010/main" val="898881681"/>
+      </p:ext>
+    </p:extLst>
+  </p:cSld>
+  <p:clrMapOvr>
+    <a:masterClrMapping/>
+  </p:clrMapOvr>
+</p:sld>
+</file>
+
+<file path=ppt/slides/slide5.xml><?xml version="1.0" encoding="utf-8"?>
+<p:sld xmlns:a="http://schemas.openxmlformats.org/drawingml/2006/main" xmlns:r="http://schemas.openxmlformats.org/officeDocument/2006/relationships" xmlns:p="http://schemas.openxmlformats.org/presentationml/2006/main">
+  <p:cSld>
+    <p:spTree>
+      <p:nvGrpSpPr>
+        <p:cNvPr id="1" name=""/>
+        <p:cNvGrpSpPr/>
+        <p:nvPr/>
+      </p:nvGrpSpPr>
+      <p:grpSpPr>
+        <a:xfrm>
+          <a:off x="0" y="0"/>
+          <a:ext cx="0" cy="0"/>
+          <a:chOff x="0" y="0"/>
+          <a:chExt cx="0" cy="0"/>
+        </a:xfrm>
+      </p:grpSpPr>
+      <p:sp>
+        <p:nvSpPr>
+          <p:cNvPr id="2" name="Title 1">
+            <a:extLst>
+              <a:ext uri="{FF2B5EF4-FFF2-40B4-BE49-F238E27FC236}">
+                <a16:creationId xmlns:a16="http://schemas.microsoft.com/office/drawing/2014/main" id="{53F867E8-3E7A-B542-98A7-BD954D9EBD1E}"/>
+              </a:ext>
+            </a:extLst>
+          </p:cNvPr>
+          <p:cNvSpPr>
+            <a:spLocks noGrp="1"/>
+          </p:cNvSpPr>
+          <p:nvPr>
+            <p:ph type="title"/>
+          </p:nvPr>
+        </p:nvSpPr>
+        <p:spPr/>
+        <p:txBody>
+          <a:bodyPr/>
+          <a:lstStyle/>
+          <a:p>
+            <a:r>
+              <a:rPr lang="en-US" dirty="0" err="1"/>
+              <a:t>ObjectFlow</a:t>
+            </a:r>
+            <a:r>
+              <a:rPr lang="en-US" dirty="0"/>
               <a:t> – DFG wrapper</a:t>
             </a:r>
           </a:p>
@@ -3496,7 +3620,7 @@
 </p:sld>
 </file>
 
-<file path=ppt/slides/slide5.xml><?xml version="1.0" encoding="utf-8"?>
+<file path=ppt/slides/slide6.xml><?xml version="1.0" encoding="utf-8"?>
 <p:sld xmlns:a="http://schemas.openxmlformats.org/drawingml/2006/main" xmlns:r="http://schemas.openxmlformats.org/officeDocument/2006/relationships" xmlns:p="http://schemas.openxmlformats.org/presentationml/2006/main">
   <p:cSld>
     <p:spTree>
@@ -4877,7 +5001,7 @@
 </p:sld>
 </file>
 
-<file path=ppt/slides/slide6.xml><?xml version="1.0" encoding="utf-8"?>
+<file path=ppt/slides/slide7.xml><?xml version="1.0" encoding="utf-8"?>
 <p:sld xmlns:a="http://schemas.openxmlformats.org/drawingml/2006/main" xmlns:r="http://schemas.openxmlformats.org/officeDocument/2006/relationships" xmlns:p="http://schemas.openxmlformats.org/presentationml/2006/main">
   <p:cSld>
     <p:spTree>
@@ -5009,7 +5133,7 @@
 </p:sld>
 </file>
 
-<file path=ppt/slides/slide7.xml><?xml version="1.0" encoding="utf-8"?>
+<file path=ppt/slides/slide8.xml><?xml version="1.0" encoding="utf-8"?>
 <p:sld xmlns:a="http://schemas.openxmlformats.org/drawingml/2006/main" xmlns:r="http://schemas.openxmlformats.org/officeDocument/2006/relationships" xmlns:p="http://schemas.openxmlformats.org/presentationml/2006/main">
   <p:cSld>
     <p:spTree>

--- a/Documents/ObjectFlow.pptx
+++ b/Documents/ObjectFlow.pptx
@@ -261,7 +261,7 @@
           <a:p>
             <a:fld id="{1B0CFD80-FBD1-AB49-BE80-B9AD21A11C7F}" type="datetimeFigureOut">
               <a:rPr lang="en-US" smtClean="0"/>
-              <a:t>3/11/22</a:t>
+              <a:t>3/31/22</a:t>
             </a:fld>
             <a:endParaRPr lang="en-US"/>
           </a:p>
@@ -431,7 +431,7 @@
           <a:p>
             <a:fld id="{1B0CFD80-FBD1-AB49-BE80-B9AD21A11C7F}" type="datetimeFigureOut">
               <a:rPr lang="en-US" smtClean="0"/>
-              <a:t>3/11/22</a:t>
+              <a:t>3/31/22</a:t>
             </a:fld>
             <a:endParaRPr lang="en-US"/>
           </a:p>
@@ -611,7 +611,7 @@
           <a:p>
             <a:fld id="{1B0CFD80-FBD1-AB49-BE80-B9AD21A11C7F}" type="datetimeFigureOut">
               <a:rPr lang="en-US" smtClean="0"/>
-              <a:t>3/11/22</a:t>
+              <a:t>3/31/22</a:t>
             </a:fld>
             <a:endParaRPr lang="en-US"/>
           </a:p>
@@ -781,7 +781,7 @@
           <a:p>
             <a:fld id="{1B0CFD80-FBD1-AB49-BE80-B9AD21A11C7F}" type="datetimeFigureOut">
               <a:rPr lang="en-US" smtClean="0"/>
-              <a:t>3/11/22</a:t>
+              <a:t>3/31/22</a:t>
             </a:fld>
             <a:endParaRPr lang="en-US"/>
           </a:p>
@@ -1025,7 +1025,7 @@
           <a:p>
             <a:fld id="{1B0CFD80-FBD1-AB49-BE80-B9AD21A11C7F}" type="datetimeFigureOut">
               <a:rPr lang="en-US" smtClean="0"/>
-              <a:t>3/11/22</a:t>
+              <a:t>3/31/22</a:t>
             </a:fld>
             <a:endParaRPr lang="en-US"/>
           </a:p>
@@ -1257,7 +1257,7 @@
           <a:p>
             <a:fld id="{1B0CFD80-FBD1-AB49-BE80-B9AD21A11C7F}" type="datetimeFigureOut">
               <a:rPr lang="en-US" smtClean="0"/>
-              <a:t>3/11/22</a:t>
+              <a:t>3/31/22</a:t>
             </a:fld>
             <a:endParaRPr lang="en-US"/>
           </a:p>
@@ -1624,7 +1624,7 @@
           <a:p>
             <a:fld id="{1B0CFD80-FBD1-AB49-BE80-B9AD21A11C7F}" type="datetimeFigureOut">
               <a:rPr lang="en-US" smtClean="0"/>
-              <a:t>3/11/22</a:t>
+              <a:t>3/31/22</a:t>
             </a:fld>
             <a:endParaRPr lang="en-US"/>
           </a:p>
@@ -1742,7 +1742,7 @@
           <a:p>
             <a:fld id="{1B0CFD80-FBD1-AB49-BE80-B9AD21A11C7F}" type="datetimeFigureOut">
               <a:rPr lang="en-US" smtClean="0"/>
-              <a:t>3/11/22</a:t>
+              <a:t>3/31/22</a:t>
             </a:fld>
             <a:endParaRPr lang="en-US"/>
           </a:p>
@@ -1837,7 +1837,7 @@
           <a:p>
             <a:fld id="{1B0CFD80-FBD1-AB49-BE80-B9AD21A11C7F}" type="datetimeFigureOut">
               <a:rPr lang="en-US" smtClean="0"/>
-              <a:t>3/11/22</a:t>
+              <a:t>3/31/22</a:t>
             </a:fld>
             <a:endParaRPr lang="en-US"/>
           </a:p>
@@ -2114,7 +2114,7 @@
           <a:p>
             <a:fld id="{1B0CFD80-FBD1-AB49-BE80-B9AD21A11C7F}" type="datetimeFigureOut">
               <a:rPr lang="en-US" smtClean="0"/>
-              <a:t>3/11/22</a:t>
+              <a:t>3/31/22</a:t>
             </a:fld>
             <a:endParaRPr lang="en-US"/>
           </a:p>
@@ -2371,7 +2371,7 @@
           <a:p>
             <a:fld id="{1B0CFD80-FBD1-AB49-BE80-B9AD21A11C7F}" type="datetimeFigureOut">
               <a:rPr lang="en-US" smtClean="0"/>
-              <a:t>3/11/22</a:t>
+              <a:t>3/31/22</a:t>
             </a:fld>
             <a:endParaRPr lang="en-US"/>
           </a:p>
@@ -2584,7 +2584,7 @@
           <a:p>
             <a:fld id="{1B0CFD80-FBD1-AB49-BE80-B9AD21A11C7F}" type="datetimeFigureOut">
               <a:rPr lang="en-US" smtClean="0"/>
-              <a:t>3/11/22</a:t>
+              <a:t>3/31/22</a:t>
             </a:fld>
             <a:endParaRPr lang="en-US"/>
           </a:p>
@@ -3336,12 +3336,20 @@
           <a:p>
             <a:pPr algn="ctr"/>
             <a:r>
+              <a:rPr lang="en-US" dirty="0" err="1">
+                <a:solidFill>
+                  <a:schemeClr val="tx1"/>
+                </a:solidFill>
+              </a:rPr>
+              <a:t>FLow</a:t>
+            </a:r>
+            <a:r>
               <a:rPr lang="en-US" dirty="0">
                 <a:solidFill>
                   <a:schemeClr val="tx1"/>
                 </a:solidFill>
               </a:rPr>
-              <a:t>DSL JSON</a:t>
+              <a:t> JSON</a:t>
             </a:r>
           </a:p>
         </p:txBody>
@@ -3994,7 +4002,7 @@
         </p:nvSpPr>
         <p:spPr>
           <a:xfrm>
-            <a:off x="6299202" y="4406900"/>
+            <a:off x="6018546" y="3683487"/>
             <a:ext cx="1269998" cy="355600"/>
           </a:xfrm>
           <a:prstGeom prst="rightArrow">
@@ -4028,52 +4036,6 @@
       </p:sp>
       <p:sp>
         <p:nvSpPr>
-          <p:cNvPr id="41" name="Right Arrow 40">
-            <a:extLst>
-              <a:ext uri="{FF2B5EF4-FFF2-40B4-BE49-F238E27FC236}">
-                <a16:creationId xmlns:a16="http://schemas.microsoft.com/office/drawing/2014/main" id="{FCB0D708-F576-9E4B-A173-86BC8F362622}"/>
-              </a:ext>
-            </a:extLst>
-          </p:cNvPr>
-          <p:cNvSpPr/>
-          <p:nvPr/>
-        </p:nvSpPr>
-        <p:spPr>
-          <a:xfrm>
-            <a:off x="3835398" y="4416087"/>
-            <a:ext cx="1435099" cy="373975"/>
-          </a:xfrm>
-          <a:prstGeom prst="rightArrow">
-            <a:avLst/>
-          </a:prstGeom>
-        </p:spPr>
-        <p:style>
-          <a:lnRef idx="2">
-            <a:schemeClr val="accent1">
-              <a:shade val="50000"/>
-            </a:schemeClr>
-          </a:lnRef>
-          <a:fillRef idx="1">
-            <a:schemeClr val="accent1"/>
-          </a:fillRef>
-          <a:effectRef idx="0">
-            <a:schemeClr val="accent1"/>
-          </a:effectRef>
-          <a:fontRef idx="minor">
-            <a:schemeClr val="lt1"/>
-          </a:fontRef>
-        </p:style>
-        <p:txBody>
-          <a:bodyPr rtlCol="0" anchor="ctr"/>
-          <a:lstStyle/>
-          <a:p>
-            <a:pPr algn="ctr"/>
-            <a:endParaRPr lang="en-US"/>
-          </a:p>
-        </p:txBody>
-      </p:sp>
-      <p:sp>
-        <p:nvSpPr>
           <p:cNvPr id="40" name="Right Arrow 39">
             <a:extLst>
               <a:ext uri="{FF2B5EF4-FFF2-40B4-BE49-F238E27FC236}">
@@ -4086,7 +4048,7 @@
         </p:nvSpPr>
         <p:spPr>
           <a:xfrm>
-            <a:off x="1682750" y="4432517"/>
+            <a:off x="1724028" y="5296662"/>
             <a:ext cx="1190622" cy="357545"/>
           </a:xfrm>
           <a:prstGeom prst="rightArrow">
@@ -4132,7 +4094,7 @@
         </p:nvSpPr>
         <p:spPr>
           <a:xfrm>
-            <a:off x="1682750" y="2537192"/>
+            <a:off x="1731461" y="2069185"/>
             <a:ext cx="1203322" cy="357545"/>
           </a:xfrm>
           <a:prstGeom prst="rightArrow">
@@ -4211,7 +4173,7 @@
         </p:nvSpPr>
         <p:spPr>
           <a:xfrm>
-            <a:off x="457200" y="1930400"/>
+            <a:off x="483609" y="1462393"/>
             <a:ext cx="901700" cy="1066800"/>
           </a:xfrm>
           <a:prstGeom prst="flowChartPunchedCard">
@@ -4272,7 +4234,7 @@
         </p:nvSpPr>
         <p:spPr>
           <a:xfrm>
-            <a:off x="609600" y="2082800"/>
+            <a:off x="636009" y="1614793"/>
             <a:ext cx="901700" cy="1066800"/>
           </a:xfrm>
           <a:prstGeom prst="flowChartPunchedCard">
@@ -4333,7 +4295,7 @@
         </p:nvSpPr>
         <p:spPr>
           <a:xfrm>
-            <a:off x="762000" y="2235200"/>
+            <a:off x="788409" y="1767193"/>
             <a:ext cx="901700" cy="1066800"/>
           </a:xfrm>
           <a:prstGeom prst="flowChartPunchedCard">
@@ -4394,7 +4356,7 @@
         </p:nvSpPr>
         <p:spPr>
           <a:xfrm>
-            <a:off x="2933699" y="2184400"/>
+            <a:off x="2949577" y="1612217"/>
             <a:ext cx="901700" cy="1066800"/>
           </a:xfrm>
           <a:prstGeom prst="flowChartPunchedCard">
@@ -4455,7 +4417,7 @@
         </p:nvSpPr>
         <p:spPr>
           <a:xfrm>
-            <a:off x="609600" y="3875881"/>
+            <a:off x="650878" y="4740026"/>
             <a:ext cx="901700" cy="1066800"/>
           </a:xfrm>
           <a:prstGeom prst="flowChartPunchedCard">
@@ -4516,7 +4478,7 @@
         </p:nvSpPr>
         <p:spPr>
           <a:xfrm>
-            <a:off x="762000" y="4028281"/>
+            <a:off x="803278" y="4892426"/>
             <a:ext cx="901700" cy="1066800"/>
           </a:xfrm>
           <a:prstGeom prst="flowChartPunchedCard">
@@ -4558,7 +4520,7 @@
                   <a:schemeClr val="tx1"/>
                 </a:solidFill>
               </a:rPr>
-              <a:t>JSON DSL</a:t>
+              <a:t>Flow JSON </a:t>
             </a:r>
           </a:p>
         </p:txBody>
@@ -4577,7 +4539,7 @@
         </p:nvSpPr>
         <p:spPr>
           <a:xfrm>
-            <a:off x="2908299" y="4028279"/>
+            <a:off x="2949577" y="4892424"/>
             <a:ext cx="901700" cy="1066800"/>
           </a:xfrm>
           <a:prstGeom prst="flowChartPunchedCard">
@@ -4619,7 +4581,7 @@
                   <a:schemeClr val="tx1"/>
                 </a:solidFill>
               </a:rPr>
-              <a:t>JSON DSL</a:t>
+              <a:t>Flow JSON</a:t>
             </a:r>
           </a:p>
         </p:txBody>
@@ -4638,7 +4600,7 @@
         </p:nvSpPr>
         <p:spPr>
           <a:xfrm>
-            <a:off x="5333999" y="4028279"/>
+            <a:off x="5073645" y="3271105"/>
             <a:ext cx="901700" cy="1066800"/>
           </a:xfrm>
           <a:prstGeom prst="flowChartPunchedCard">
@@ -4680,205 +4642,11 @@
                   <a:schemeClr val="tx1"/>
                 </a:solidFill>
               </a:rPr>
-              <a:t>JSON DSL</a:t>
-            </a:r>
-          </a:p>
-        </p:txBody>
-      </p:sp>
-      <p:sp>
-        <p:nvSpPr>
-          <p:cNvPr id="17" name="Alternate Process 16">
-            <a:extLst>
-              <a:ext uri="{FF2B5EF4-FFF2-40B4-BE49-F238E27FC236}">
-                <a16:creationId xmlns:a16="http://schemas.microsoft.com/office/drawing/2014/main" id="{7C8F7DE3-7456-3A4D-A4E1-50DF3CE60C4F}"/>
-              </a:ext>
-            </a:extLst>
-          </p:cNvPr>
-          <p:cNvSpPr/>
-          <p:nvPr/>
-        </p:nvSpPr>
-        <p:spPr>
-          <a:xfrm>
-            <a:off x="1797049" y="2346473"/>
-            <a:ext cx="863600" cy="738981"/>
-          </a:xfrm>
-          <a:prstGeom prst="flowChartAlternateProcess">
-            <a:avLst/>
-          </a:prstGeom>
-        </p:spPr>
-        <p:style>
-          <a:lnRef idx="2">
-            <a:schemeClr val="accent1">
-              <a:shade val="50000"/>
-            </a:schemeClr>
-          </a:lnRef>
-          <a:fillRef idx="1">
-            <a:schemeClr val="accent1"/>
-          </a:fillRef>
-          <a:effectRef idx="0">
-            <a:schemeClr val="accent1"/>
-          </a:effectRef>
-          <a:fontRef idx="minor">
-            <a:schemeClr val="lt1"/>
-          </a:fontRef>
-        </p:style>
-        <p:txBody>
-          <a:bodyPr rtlCol="0" anchor="ctr"/>
-          <a:lstStyle/>
-          <a:p>
-            <a:pPr algn="ctr"/>
-            <a:r>
-              <a:rPr lang="en-US" dirty="0"/>
-              <a:t>Merge</a:t>
-            </a:r>
-          </a:p>
-        </p:txBody>
-      </p:sp>
-      <p:sp>
-        <p:nvSpPr>
-          <p:cNvPr id="18" name="Alternate Process 17">
-            <a:extLst>
-              <a:ext uri="{FF2B5EF4-FFF2-40B4-BE49-F238E27FC236}">
-                <a16:creationId xmlns:a16="http://schemas.microsoft.com/office/drawing/2014/main" id="{23FB57CC-2815-064A-A9CC-0CD9066E7426}"/>
-              </a:ext>
-            </a:extLst>
-          </p:cNvPr>
-          <p:cNvSpPr/>
-          <p:nvPr/>
-        </p:nvSpPr>
-        <p:spPr>
-          <a:xfrm>
-            <a:off x="1784350" y="4203700"/>
-            <a:ext cx="863599" cy="738981"/>
-          </a:xfrm>
-          <a:prstGeom prst="flowChartAlternateProcess">
-            <a:avLst/>
-          </a:prstGeom>
-        </p:spPr>
-        <p:style>
-          <a:lnRef idx="2">
-            <a:schemeClr val="accent1">
-              <a:shade val="50000"/>
-            </a:schemeClr>
-          </a:lnRef>
-          <a:fillRef idx="1">
-            <a:schemeClr val="accent1"/>
-          </a:fillRef>
-          <a:effectRef idx="0">
-            <a:schemeClr val="accent1"/>
-          </a:effectRef>
-          <a:fontRef idx="minor">
-            <a:schemeClr val="lt1"/>
-          </a:fontRef>
-        </p:style>
-        <p:txBody>
-          <a:bodyPr rtlCol="0" anchor="ctr"/>
-          <a:lstStyle/>
-          <a:p>
-            <a:pPr algn="ctr"/>
-            <a:r>
-              <a:rPr lang="en-US" dirty="0"/>
-              <a:t>Merge</a:t>
-            </a:r>
-          </a:p>
-        </p:txBody>
-      </p:sp>
-      <p:sp>
-        <p:nvSpPr>
-          <p:cNvPr id="19" name="Alternate Process 18">
-            <a:extLst>
-              <a:ext uri="{FF2B5EF4-FFF2-40B4-BE49-F238E27FC236}">
-                <a16:creationId xmlns:a16="http://schemas.microsoft.com/office/drawing/2014/main" id="{D086848D-4151-534A-979B-D2BBC1A68148}"/>
-              </a:ext>
-            </a:extLst>
-          </p:cNvPr>
-          <p:cNvSpPr/>
-          <p:nvPr/>
-        </p:nvSpPr>
-        <p:spPr>
-          <a:xfrm>
-            <a:off x="3925887" y="4203700"/>
-            <a:ext cx="1101725" cy="738981"/>
-          </a:xfrm>
-          <a:prstGeom prst="flowChartAlternateProcess">
-            <a:avLst/>
-          </a:prstGeom>
-        </p:spPr>
-        <p:style>
-          <a:lnRef idx="2">
-            <a:schemeClr val="accent1">
-              <a:shade val="50000"/>
-            </a:schemeClr>
-          </a:lnRef>
-          <a:fillRef idx="1">
-            <a:schemeClr val="accent1"/>
-          </a:fillRef>
-          <a:effectRef idx="0">
-            <a:schemeClr val="accent1"/>
-          </a:effectRef>
-          <a:fontRef idx="minor">
-            <a:schemeClr val="lt1"/>
-          </a:fontRef>
-        </p:style>
-        <p:txBody>
-          <a:bodyPr rtlCol="0" anchor="ctr"/>
-          <a:lstStyle/>
-          <a:p>
-            <a:pPr algn="ctr"/>
-            <a:r>
-              <a:rPr lang="en-US" dirty="0"/>
-              <a:t>Resolve Defaults</a:t>
-            </a:r>
-          </a:p>
-        </p:txBody>
-      </p:sp>
-      <p:cxnSp>
-        <p:nvCxnSpPr>
-          <p:cNvPr id="21" name="Elbow Connector 20">
-            <a:extLst>
-              <a:ext uri="{FF2B5EF4-FFF2-40B4-BE49-F238E27FC236}">
-                <a16:creationId xmlns:a16="http://schemas.microsoft.com/office/drawing/2014/main" id="{AADF287D-70B9-8349-A643-36C0FBABE1EC}"/>
-              </a:ext>
-            </a:extLst>
-          </p:cNvPr>
-          <p:cNvCxnSpPr>
-            <a:cxnSpLocks/>
-          </p:cNvCxnSpPr>
-          <p:nvPr/>
-        </p:nvCxnSpPr>
-        <p:spPr>
-          <a:xfrm rot="16200000" flipH="1">
-            <a:off x="3491311" y="3119042"/>
-            <a:ext cx="1412078" cy="609597"/>
-          </a:xfrm>
-          <a:prstGeom prst="bentConnector3">
-            <a:avLst>
-              <a:gd name="adj1" fmla="val -365"/>
-            </a:avLst>
-          </a:prstGeom>
-          <a:ln w="19050">
-            <a:solidFill>
-              <a:schemeClr val="tx1"/>
-            </a:solidFill>
-            <a:headEnd type="stealth" w="lg" len="lg"/>
-            <a:tailEnd type="stealth" w="lg" len="lg"/>
-          </a:ln>
-        </p:spPr>
-        <p:style>
-          <a:lnRef idx="1">
-            <a:schemeClr val="accent1"/>
-          </a:lnRef>
-          <a:fillRef idx="0">
-            <a:schemeClr val="accent1"/>
-          </a:fillRef>
-          <a:effectRef idx="0">
-            <a:schemeClr val="accent1"/>
-          </a:effectRef>
-          <a:fontRef idx="minor">
-            <a:schemeClr val="tx1"/>
-          </a:fontRef>
-        </p:style>
-      </p:cxnSp>
+              <a:t>Flow JSON</a:t>
+            </a:r>
+          </a:p>
+        </p:txBody>
+      </p:sp>
       <p:sp>
         <p:nvSpPr>
           <p:cNvPr id="24" name="TextBox 23">
@@ -4893,7 +4661,7 @@
         </p:nvSpPr>
         <p:spPr>
           <a:xfrm>
-            <a:off x="1803399" y="1702713"/>
+            <a:off x="1852110" y="1234706"/>
             <a:ext cx="901700" cy="369332"/>
           </a:xfrm>
           <a:prstGeom prst="rect">
@@ -4929,8 +4697,8 @@
         </p:nvSpPr>
         <p:spPr>
           <a:xfrm>
-            <a:off x="1609725" y="3658949"/>
-            <a:ext cx="1289049" cy="369332"/>
+            <a:off x="1806870" y="3537540"/>
+            <a:ext cx="1289049" cy="646331"/>
           </a:xfrm>
           <a:prstGeom prst="rect">
             <a:avLst/>
@@ -4946,7 +4714,7 @@
             <a:pPr algn="ctr"/>
             <a:r>
               <a:rPr lang="en-US" dirty="0"/>
-              <a:t>Instances</a:t>
+              <a:t>Build SDF  Instances</a:t>
             </a:r>
           </a:p>
         </p:txBody>
@@ -4965,7 +4733,7 @@
         </p:nvSpPr>
         <p:spPr>
           <a:xfrm>
-            <a:off x="4711700" y="3229550"/>
+            <a:off x="4550773" y="2535154"/>
             <a:ext cx="2044700" cy="646331"/>
           </a:xfrm>
           <a:prstGeom prst="rect">
@@ -4983,55 +4751,6 @@
             <a:r>
               <a:rPr lang="en-US" dirty="0"/>
               <a:t>Fully Resolved Instances</a:t>
-            </a:r>
-          </a:p>
-        </p:txBody>
-      </p:sp>
-      <p:sp>
-        <p:nvSpPr>
-          <p:cNvPr id="28" name="Alternate Process 27">
-            <a:extLst>
-              <a:ext uri="{FF2B5EF4-FFF2-40B4-BE49-F238E27FC236}">
-                <a16:creationId xmlns:a16="http://schemas.microsoft.com/office/drawing/2014/main" id="{5398BA55-AF84-A246-A3F6-126917E1FE3E}"/>
-              </a:ext>
-            </a:extLst>
-          </p:cNvPr>
-          <p:cNvSpPr/>
-          <p:nvPr/>
-        </p:nvSpPr>
-        <p:spPr>
-          <a:xfrm>
-            <a:off x="6413501" y="4192189"/>
-            <a:ext cx="914400" cy="738981"/>
-          </a:xfrm>
-          <a:prstGeom prst="flowChartAlternateProcess">
-            <a:avLst/>
-          </a:prstGeom>
-        </p:spPr>
-        <p:style>
-          <a:lnRef idx="2">
-            <a:schemeClr val="accent1">
-              <a:shade val="50000"/>
-            </a:schemeClr>
-          </a:lnRef>
-          <a:fillRef idx="1">
-            <a:schemeClr val="accent1"/>
-          </a:fillRef>
-          <a:effectRef idx="0">
-            <a:schemeClr val="accent1"/>
-          </a:effectRef>
-          <a:fontRef idx="minor">
-            <a:schemeClr val="lt1"/>
-          </a:fontRef>
-        </p:style>
-        <p:txBody>
-          <a:bodyPr rtlCol="0" anchor="ctr"/>
-          <a:lstStyle/>
-          <a:p>
-            <a:pPr algn="ctr"/>
-            <a:r>
-              <a:rPr lang="en-US" dirty="0"/>
-              <a:t>Code Gen</a:t>
             </a:r>
           </a:p>
         </p:txBody>
@@ -5050,7 +4769,7 @@
         </p:nvSpPr>
         <p:spPr>
           <a:xfrm>
-            <a:off x="7607300" y="4028279"/>
+            <a:off x="7331745" y="3279348"/>
             <a:ext cx="901700" cy="1066800"/>
           </a:xfrm>
           <a:prstGeom prst="flowChartPunchedCard">
@@ -5111,7 +4830,7 @@
         </p:nvSpPr>
         <p:spPr>
           <a:xfrm>
-            <a:off x="7461250" y="3229550"/>
+            <a:off x="7185695" y="2633017"/>
             <a:ext cx="1193800" cy="646331"/>
           </a:xfrm>
           <a:prstGeom prst="rect">
@@ -5129,6 +4848,556 @@
             <a:r>
               <a:rPr lang="en-US" dirty="0"/>
               <a:t>Embedded Code</a:t>
+            </a:r>
+          </a:p>
+        </p:txBody>
+      </p:sp>
+      <p:sp>
+        <p:nvSpPr>
+          <p:cNvPr id="32" name="Right Arrow 31">
+            <a:extLst>
+              <a:ext uri="{FF2B5EF4-FFF2-40B4-BE49-F238E27FC236}">
+                <a16:creationId xmlns:a16="http://schemas.microsoft.com/office/drawing/2014/main" id="{F5E06536-DF50-3A40-A1F7-ED5CBB070A08}"/>
+              </a:ext>
+            </a:extLst>
+          </p:cNvPr>
+          <p:cNvSpPr/>
+          <p:nvPr/>
+        </p:nvSpPr>
+        <p:spPr>
+          <a:xfrm rot="5400000">
+            <a:off x="3152429" y="2795740"/>
+            <a:ext cx="487550" cy="357545"/>
+          </a:xfrm>
+          <a:prstGeom prst="rightArrow">
+            <a:avLst/>
+          </a:prstGeom>
+        </p:spPr>
+        <p:style>
+          <a:lnRef idx="2">
+            <a:schemeClr val="accent1">
+              <a:shade val="50000"/>
+            </a:schemeClr>
+          </a:lnRef>
+          <a:fillRef idx="1">
+            <a:schemeClr val="accent1"/>
+          </a:fillRef>
+          <a:effectRef idx="0">
+            <a:schemeClr val="accent1"/>
+          </a:effectRef>
+          <a:fontRef idx="minor">
+            <a:schemeClr val="lt1"/>
+          </a:fontRef>
+        </p:style>
+        <p:txBody>
+          <a:bodyPr rtlCol="0" anchor="ctr"/>
+          <a:lstStyle/>
+          <a:p>
+            <a:pPr algn="ctr"/>
+            <a:endParaRPr lang="en-US"/>
+          </a:p>
+        </p:txBody>
+      </p:sp>
+      <p:sp>
+        <p:nvSpPr>
+          <p:cNvPr id="33" name="Card 32">
+            <a:extLst>
+              <a:ext uri="{FF2B5EF4-FFF2-40B4-BE49-F238E27FC236}">
+                <a16:creationId xmlns:a16="http://schemas.microsoft.com/office/drawing/2014/main" id="{7862E9A4-9036-5B43-BB79-C3B3738362C2}"/>
+              </a:ext>
+            </a:extLst>
+          </p:cNvPr>
+          <p:cNvSpPr/>
+          <p:nvPr/>
+        </p:nvSpPr>
+        <p:spPr>
+          <a:xfrm>
+            <a:off x="2949577" y="3273935"/>
+            <a:ext cx="901700" cy="1066800"/>
+          </a:xfrm>
+          <a:prstGeom prst="flowChartPunchedCard">
+            <a:avLst/>
+          </a:prstGeom>
+          <a:solidFill>
+            <a:schemeClr val="bg1"/>
+          </a:solidFill>
+          <a:ln w="19050">
+            <a:solidFill>
+              <a:schemeClr val="tx1"/>
+            </a:solidFill>
+          </a:ln>
+        </p:spPr>
+        <p:style>
+          <a:lnRef idx="2">
+            <a:schemeClr val="accent1">
+              <a:shade val="50000"/>
+            </a:schemeClr>
+          </a:lnRef>
+          <a:fillRef idx="1">
+            <a:schemeClr val="accent1"/>
+          </a:fillRef>
+          <a:effectRef idx="0">
+            <a:schemeClr val="accent1"/>
+          </a:effectRef>
+          <a:fontRef idx="minor">
+            <a:schemeClr val="lt1"/>
+          </a:fontRef>
+        </p:style>
+        <p:txBody>
+          <a:bodyPr rtlCol="0" anchor="ctr"/>
+          <a:lstStyle/>
+          <a:p>
+            <a:pPr algn="ctr"/>
+            <a:r>
+              <a:rPr lang="en-US" dirty="0">
+                <a:solidFill>
+                  <a:schemeClr val="tx1"/>
+                </a:solidFill>
+              </a:rPr>
+              <a:t>SDF </a:t>
+            </a:r>
+          </a:p>
+        </p:txBody>
+      </p:sp>
+      <p:sp>
+        <p:nvSpPr>
+          <p:cNvPr id="31" name="Right Arrow 30">
+            <a:extLst>
+              <a:ext uri="{FF2B5EF4-FFF2-40B4-BE49-F238E27FC236}">
+                <a16:creationId xmlns:a16="http://schemas.microsoft.com/office/drawing/2014/main" id="{F201939F-55C1-CA4D-A309-8A2DA505B376}"/>
+              </a:ext>
+            </a:extLst>
+          </p:cNvPr>
+          <p:cNvSpPr/>
+          <p:nvPr/>
+        </p:nvSpPr>
+        <p:spPr>
+          <a:xfrm rot="16200000">
+            <a:off x="3177417" y="4408465"/>
+            <a:ext cx="437574" cy="357545"/>
+          </a:xfrm>
+          <a:prstGeom prst="rightArrow">
+            <a:avLst/>
+          </a:prstGeom>
+        </p:spPr>
+        <p:style>
+          <a:lnRef idx="2">
+            <a:schemeClr val="accent1">
+              <a:shade val="50000"/>
+            </a:schemeClr>
+          </a:lnRef>
+          <a:fillRef idx="1">
+            <a:schemeClr val="accent1"/>
+          </a:fillRef>
+          <a:effectRef idx="0">
+            <a:schemeClr val="accent1"/>
+          </a:effectRef>
+          <a:fontRef idx="minor">
+            <a:schemeClr val="lt1"/>
+          </a:fontRef>
+        </p:style>
+        <p:txBody>
+          <a:bodyPr rtlCol="0" anchor="ctr"/>
+          <a:lstStyle/>
+          <a:p>
+            <a:pPr algn="ctr"/>
+            <a:endParaRPr lang="en-US"/>
+          </a:p>
+        </p:txBody>
+      </p:sp>
+      <p:sp>
+        <p:nvSpPr>
+          <p:cNvPr id="34" name="TextBox 33">
+            <a:extLst>
+              <a:ext uri="{FF2B5EF4-FFF2-40B4-BE49-F238E27FC236}">
+                <a16:creationId xmlns:a16="http://schemas.microsoft.com/office/drawing/2014/main" id="{87977E00-852B-EF48-B630-B28C92A6DD93}"/>
+              </a:ext>
+            </a:extLst>
+          </p:cNvPr>
+          <p:cNvSpPr txBox="1"/>
+          <p:nvPr/>
+        </p:nvSpPr>
+        <p:spPr>
+          <a:xfrm>
+            <a:off x="2184944" y="2691798"/>
+            <a:ext cx="1289049" cy="646331"/>
+          </a:xfrm>
+          <a:prstGeom prst="rect">
+            <a:avLst/>
+          </a:prstGeom>
+          <a:noFill/>
+        </p:spPr>
+        <p:txBody>
+          <a:bodyPr wrap="square" rtlCol="0">
+            <a:spAutoFit/>
+          </a:bodyPr>
+          <a:lstStyle/>
+          <a:p>
+            <a:pPr algn="ctr"/>
+            <a:r>
+              <a:rPr lang="en-US" dirty="0"/>
+              <a:t>Select + Copy</a:t>
+            </a:r>
+          </a:p>
+        </p:txBody>
+      </p:sp>
+      <p:sp>
+        <p:nvSpPr>
+          <p:cNvPr id="35" name="Right Arrow 34">
+            <a:extLst>
+              <a:ext uri="{FF2B5EF4-FFF2-40B4-BE49-F238E27FC236}">
+                <a16:creationId xmlns:a16="http://schemas.microsoft.com/office/drawing/2014/main" id="{6377D4BF-436B-3C4C-B0C3-CC225501A7AA}"/>
+              </a:ext>
+            </a:extLst>
+          </p:cNvPr>
+          <p:cNvSpPr/>
+          <p:nvPr/>
+        </p:nvSpPr>
+        <p:spPr>
+          <a:xfrm>
+            <a:off x="3871740" y="3625733"/>
+            <a:ext cx="1174496" cy="357545"/>
+          </a:xfrm>
+          <a:prstGeom prst="rightArrow">
+            <a:avLst/>
+          </a:prstGeom>
+        </p:spPr>
+        <p:style>
+          <a:lnRef idx="2">
+            <a:schemeClr val="accent1">
+              <a:shade val="50000"/>
+            </a:schemeClr>
+          </a:lnRef>
+          <a:fillRef idx="1">
+            <a:schemeClr val="accent1"/>
+          </a:fillRef>
+          <a:effectRef idx="0">
+            <a:schemeClr val="accent1"/>
+          </a:effectRef>
+          <a:fontRef idx="minor">
+            <a:schemeClr val="lt1"/>
+          </a:fontRef>
+        </p:style>
+        <p:txBody>
+          <a:bodyPr rtlCol="0" anchor="ctr"/>
+          <a:lstStyle/>
+          <a:p>
+            <a:pPr algn="ctr"/>
+            <a:endParaRPr lang="en-US"/>
+          </a:p>
+        </p:txBody>
+      </p:sp>
+      <p:sp>
+        <p:nvSpPr>
+          <p:cNvPr id="38" name="TextBox 37">
+            <a:extLst>
+              <a:ext uri="{FF2B5EF4-FFF2-40B4-BE49-F238E27FC236}">
+                <a16:creationId xmlns:a16="http://schemas.microsoft.com/office/drawing/2014/main" id="{2BB3334C-7793-864E-A5A4-870B94F1BD96}"/>
+              </a:ext>
+            </a:extLst>
+          </p:cNvPr>
+          <p:cNvSpPr txBox="1"/>
+          <p:nvPr/>
+        </p:nvSpPr>
+        <p:spPr>
+          <a:xfrm>
+            <a:off x="2122408" y="4464408"/>
+            <a:ext cx="1289049" cy="369332"/>
+          </a:xfrm>
+          <a:prstGeom prst="rect">
+            <a:avLst/>
+          </a:prstGeom>
+          <a:noFill/>
+        </p:spPr>
+        <p:txBody>
+          <a:bodyPr wrap="square" rtlCol="0">
+            <a:spAutoFit/>
+          </a:bodyPr>
+          <a:lstStyle/>
+          <a:p>
+            <a:pPr algn="ctr"/>
+            <a:r>
+              <a:rPr lang="en-US" dirty="0"/>
+              <a:t>Configure</a:t>
+            </a:r>
+          </a:p>
+        </p:txBody>
+      </p:sp>
+      <p:sp>
+        <p:nvSpPr>
+          <p:cNvPr id="14" name="Rectangle 13">
+            <a:extLst>
+              <a:ext uri="{FF2B5EF4-FFF2-40B4-BE49-F238E27FC236}">
+                <a16:creationId xmlns:a16="http://schemas.microsoft.com/office/drawing/2014/main" id="{E7AB3456-2F7E-6049-8D44-19FE8209A40D}"/>
+              </a:ext>
+            </a:extLst>
+          </p:cNvPr>
+          <p:cNvSpPr/>
+          <p:nvPr/>
+        </p:nvSpPr>
+        <p:spPr>
+          <a:xfrm>
+            <a:off x="1907156" y="5003549"/>
+            <a:ext cx="840242" cy="369332"/>
+          </a:xfrm>
+          <a:prstGeom prst="rect">
+            <a:avLst/>
+          </a:prstGeom>
+        </p:spPr>
+        <p:txBody>
+          <a:bodyPr wrap="square">
+            <a:spAutoFit/>
+          </a:bodyPr>
+          <a:lstStyle/>
+          <a:p>
+            <a:r>
+              <a:rPr lang="en-US" dirty="0"/>
+              <a:t>Merge</a:t>
+            </a:r>
+          </a:p>
+        </p:txBody>
+      </p:sp>
+      <p:sp>
+        <p:nvSpPr>
+          <p:cNvPr id="43" name="Rectangle 42">
+            <a:extLst>
+              <a:ext uri="{FF2B5EF4-FFF2-40B4-BE49-F238E27FC236}">
+                <a16:creationId xmlns:a16="http://schemas.microsoft.com/office/drawing/2014/main" id="{2C7B5693-4B52-1E49-8E23-FFE4DD5956E7}"/>
+              </a:ext>
+            </a:extLst>
+          </p:cNvPr>
+          <p:cNvSpPr/>
+          <p:nvPr/>
+        </p:nvSpPr>
+        <p:spPr>
+          <a:xfrm>
+            <a:off x="1858317" y="1792979"/>
+            <a:ext cx="840242" cy="369332"/>
+          </a:xfrm>
+          <a:prstGeom prst="rect">
+            <a:avLst/>
+          </a:prstGeom>
+        </p:spPr>
+        <p:txBody>
+          <a:bodyPr wrap="square">
+            <a:spAutoFit/>
+          </a:bodyPr>
+          <a:lstStyle/>
+          <a:p>
+            <a:r>
+              <a:rPr lang="en-US" dirty="0"/>
+              <a:t>Merge</a:t>
+            </a:r>
+          </a:p>
+        </p:txBody>
+      </p:sp>
+      <p:sp>
+        <p:nvSpPr>
+          <p:cNvPr id="44" name="Rectangle 43">
+            <a:extLst>
+              <a:ext uri="{FF2B5EF4-FFF2-40B4-BE49-F238E27FC236}">
+                <a16:creationId xmlns:a16="http://schemas.microsoft.com/office/drawing/2014/main" id="{B54A1FEE-54B4-4B4D-8301-2496E4869626}"/>
+              </a:ext>
+            </a:extLst>
+          </p:cNvPr>
+          <p:cNvSpPr/>
+          <p:nvPr/>
+        </p:nvSpPr>
+        <p:spPr>
+          <a:xfrm>
+            <a:off x="3953863" y="3338129"/>
+            <a:ext cx="973731" cy="369332"/>
+          </a:xfrm>
+          <a:prstGeom prst="rect">
+            <a:avLst/>
+          </a:prstGeom>
+        </p:spPr>
+        <p:txBody>
+          <a:bodyPr wrap="square">
+            <a:spAutoFit/>
+          </a:bodyPr>
+          <a:lstStyle/>
+          <a:p>
+            <a:r>
+              <a:rPr lang="en-US" dirty="0"/>
+              <a:t>Serialize</a:t>
+            </a:r>
+          </a:p>
+        </p:txBody>
+      </p:sp>
+      <p:sp>
+        <p:nvSpPr>
+          <p:cNvPr id="45" name="Rectangle 44">
+            <a:extLst>
+              <a:ext uri="{FF2B5EF4-FFF2-40B4-BE49-F238E27FC236}">
+                <a16:creationId xmlns:a16="http://schemas.microsoft.com/office/drawing/2014/main" id="{F8304AEB-16B5-5E4E-8EB0-0A494AF87FB8}"/>
+              </a:ext>
+            </a:extLst>
+          </p:cNvPr>
+          <p:cNvSpPr/>
+          <p:nvPr/>
+        </p:nvSpPr>
+        <p:spPr>
+          <a:xfrm>
+            <a:off x="6057550" y="3338129"/>
+            <a:ext cx="1128145" cy="369332"/>
+          </a:xfrm>
+          <a:prstGeom prst="rect">
+            <a:avLst/>
+          </a:prstGeom>
+        </p:spPr>
+        <p:txBody>
+          <a:bodyPr wrap="square">
+            <a:spAutoFit/>
+          </a:bodyPr>
+          <a:lstStyle/>
+          <a:p>
+            <a:r>
+              <a:rPr lang="en-US" dirty="0"/>
+              <a:t>Code Gen</a:t>
+            </a:r>
+          </a:p>
+        </p:txBody>
+      </p:sp>
+      <p:sp>
+        <p:nvSpPr>
+          <p:cNvPr id="46" name="Card 45">
+            <a:extLst>
+              <a:ext uri="{FF2B5EF4-FFF2-40B4-BE49-F238E27FC236}">
+                <a16:creationId xmlns:a16="http://schemas.microsoft.com/office/drawing/2014/main" id="{2029FDE7-0201-8A45-853B-0260647B17D6}"/>
+              </a:ext>
+            </a:extLst>
+          </p:cNvPr>
+          <p:cNvSpPr/>
+          <p:nvPr/>
+        </p:nvSpPr>
+        <p:spPr>
+          <a:xfrm>
+            <a:off x="5095876" y="4896471"/>
+            <a:ext cx="901700" cy="1066800"/>
+          </a:xfrm>
+          <a:prstGeom prst="flowChartPunchedCard">
+            <a:avLst/>
+          </a:prstGeom>
+          <a:solidFill>
+            <a:schemeClr val="bg1"/>
+          </a:solidFill>
+          <a:ln w="19050">
+            <a:solidFill>
+              <a:schemeClr val="tx1"/>
+            </a:solidFill>
+          </a:ln>
+        </p:spPr>
+        <p:style>
+          <a:lnRef idx="2">
+            <a:schemeClr val="accent1">
+              <a:shade val="50000"/>
+            </a:schemeClr>
+          </a:lnRef>
+          <a:fillRef idx="1">
+            <a:schemeClr val="accent1"/>
+          </a:fillRef>
+          <a:effectRef idx="0">
+            <a:schemeClr val="accent1"/>
+          </a:effectRef>
+          <a:fontRef idx="minor">
+            <a:schemeClr val="lt1"/>
+          </a:fontRef>
+        </p:style>
+        <p:txBody>
+          <a:bodyPr rtlCol="0" anchor="ctr"/>
+          <a:lstStyle/>
+          <a:p>
+            <a:pPr algn="ctr"/>
+            <a:r>
+              <a:rPr lang="en-US" dirty="0">
+                <a:solidFill>
+                  <a:schemeClr val="tx1"/>
+                </a:solidFill>
+              </a:rPr>
+              <a:t>Flow UML</a:t>
+            </a:r>
+          </a:p>
+        </p:txBody>
+      </p:sp>
+      <p:sp>
+        <p:nvSpPr>
+          <p:cNvPr id="47" name="Right Arrow 46">
+            <a:extLst>
+              <a:ext uri="{FF2B5EF4-FFF2-40B4-BE49-F238E27FC236}">
+                <a16:creationId xmlns:a16="http://schemas.microsoft.com/office/drawing/2014/main" id="{9836322C-C76F-444D-9C28-2C4DB299B1CE}"/>
+              </a:ext>
+            </a:extLst>
+          </p:cNvPr>
+          <p:cNvSpPr/>
+          <p:nvPr/>
+        </p:nvSpPr>
+        <p:spPr>
+          <a:xfrm rot="5400000">
+            <a:off x="5329347" y="4434487"/>
+            <a:ext cx="487550" cy="357545"/>
+          </a:xfrm>
+          <a:prstGeom prst="rightArrow">
+            <a:avLst/>
+          </a:prstGeom>
+        </p:spPr>
+        <p:style>
+          <a:lnRef idx="2">
+            <a:schemeClr val="accent1">
+              <a:shade val="50000"/>
+            </a:schemeClr>
+          </a:lnRef>
+          <a:fillRef idx="1">
+            <a:schemeClr val="accent1"/>
+          </a:fillRef>
+          <a:effectRef idx="0">
+            <a:schemeClr val="accent1"/>
+          </a:effectRef>
+          <a:fontRef idx="minor">
+            <a:schemeClr val="lt1"/>
+          </a:fontRef>
+        </p:style>
+        <p:txBody>
+          <a:bodyPr rtlCol="0" anchor="ctr"/>
+          <a:lstStyle/>
+          <a:p>
+            <a:pPr algn="ctr"/>
+            <a:endParaRPr lang="en-US"/>
+          </a:p>
+        </p:txBody>
+      </p:sp>
+      <p:sp>
+        <p:nvSpPr>
+          <p:cNvPr id="48" name="TextBox 47">
+            <a:extLst>
+              <a:ext uri="{FF2B5EF4-FFF2-40B4-BE49-F238E27FC236}">
+                <a16:creationId xmlns:a16="http://schemas.microsoft.com/office/drawing/2014/main" id="{13E67A25-0024-784E-9212-A0DC8FFB27A6}"/>
+              </a:ext>
+            </a:extLst>
+          </p:cNvPr>
+          <p:cNvSpPr txBox="1"/>
+          <p:nvPr/>
+        </p:nvSpPr>
+        <p:spPr>
+          <a:xfrm>
+            <a:off x="4401711" y="4427525"/>
+            <a:ext cx="1289049" cy="369332"/>
+          </a:xfrm>
+          <a:prstGeom prst="rect">
+            <a:avLst/>
+          </a:prstGeom>
+          <a:noFill/>
+        </p:spPr>
+        <p:txBody>
+          <a:bodyPr wrap="square" rtlCol="0">
+            <a:spAutoFit/>
+          </a:bodyPr>
+          <a:lstStyle/>
+          <a:p>
+            <a:pPr algn="ctr"/>
+            <a:r>
+              <a:rPr lang="en-US" dirty="0"/>
+              <a:t>Render</a:t>
             </a:r>
           </a:p>
         </p:txBody>
@@ -5247,7 +5516,7 @@
                   <a:schemeClr val="tx1"/>
                 </a:solidFill>
               </a:rPr>
-              <a:t>JSON DSL</a:t>
+              <a:t>Flow JSON</a:t>
             </a:r>
           </a:p>
         </p:txBody>
@@ -5587,7 +5856,7 @@
         </p:nvSpPr>
         <p:spPr>
           <a:xfrm>
-            <a:off x="4821239" y="3008253"/>
+            <a:off x="4821239" y="2829833"/>
             <a:ext cx="1773238" cy="373975"/>
           </a:xfrm>
           <a:prstGeom prst="rightArrow">
@@ -5661,7 +5930,7 @@
         </p:nvSpPr>
         <p:spPr>
           <a:xfrm>
-            <a:off x="1206500" y="2420940"/>
+            <a:off x="1206500" y="2242520"/>
             <a:ext cx="901700" cy="1066800"/>
           </a:xfrm>
           <a:prstGeom prst="flowChartPunchedCard">
@@ -5722,7 +5991,7 @@
         </p:nvSpPr>
         <p:spPr>
           <a:xfrm>
-            <a:off x="1206500" y="4257678"/>
+            <a:off x="1206500" y="4079258"/>
             <a:ext cx="901700" cy="1066800"/>
           </a:xfrm>
           <a:prstGeom prst="flowChartPunchedCard">
@@ -5785,7 +6054,7 @@
         </p:nvCxnSpPr>
         <p:spPr>
           <a:xfrm>
-            <a:off x="2222500" y="2954340"/>
+            <a:off x="2222500" y="2775920"/>
             <a:ext cx="1023938" cy="0"/>
           </a:xfrm>
           <a:prstGeom prst="straightConnector1">
@@ -5829,7 +6098,7 @@
         </p:nvCxnSpPr>
         <p:spPr>
           <a:xfrm>
-            <a:off x="2260600" y="4805366"/>
+            <a:off x="2260600" y="4626946"/>
             <a:ext cx="985838" cy="1"/>
           </a:xfrm>
           <a:prstGeom prst="straightConnector1">
@@ -5871,7 +6140,7 @@
         </p:nvSpPr>
         <p:spPr>
           <a:xfrm>
-            <a:off x="3398838" y="4078289"/>
+            <a:off x="3398838" y="3899869"/>
             <a:ext cx="901700" cy="1066800"/>
           </a:xfrm>
           <a:prstGeom prst="flowChartPunchedCard">
@@ -5935,7 +6204,7 @@
         </p:nvSpPr>
         <p:spPr>
           <a:xfrm>
-            <a:off x="3551238" y="4230689"/>
+            <a:off x="3551238" y="4052269"/>
             <a:ext cx="901700" cy="1066800"/>
           </a:xfrm>
           <a:prstGeom prst="flowChartPunchedCard">
@@ -5999,7 +6268,7 @@
         </p:nvSpPr>
         <p:spPr>
           <a:xfrm>
-            <a:off x="3703638" y="4383089"/>
+            <a:off x="3703638" y="4204669"/>
             <a:ext cx="901700" cy="1066800"/>
           </a:xfrm>
           <a:prstGeom prst="flowChartPunchedCard">
@@ -6063,7 +6332,7 @@
         </p:nvSpPr>
         <p:spPr>
           <a:xfrm>
-            <a:off x="3856038" y="4535489"/>
+            <a:off x="3856038" y="4357069"/>
             <a:ext cx="901700" cy="1066800"/>
           </a:xfrm>
           <a:prstGeom prst="flowChartPunchedCard">
@@ -6127,7 +6396,7 @@
         </p:nvSpPr>
         <p:spPr>
           <a:xfrm>
-            <a:off x="3398838" y="2357041"/>
+            <a:off x="3398838" y="2178621"/>
             <a:ext cx="901700" cy="1066800"/>
           </a:xfrm>
           <a:prstGeom prst="flowChartPunchedCard">
@@ -6191,7 +6460,7 @@
         </p:nvSpPr>
         <p:spPr>
           <a:xfrm>
-            <a:off x="3551238" y="2509441"/>
+            <a:off x="3551238" y="2331021"/>
             <a:ext cx="901700" cy="1066800"/>
           </a:xfrm>
           <a:prstGeom prst="flowChartPunchedCard">
@@ -6255,7 +6524,7 @@
         </p:nvSpPr>
         <p:spPr>
           <a:xfrm>
-            <a:off x="3703638" y="2661841"/>
+            <a:off x="3703638" y="2483421"/>
             <a:ext cx="901700" cy="1066800"/>
           </a:xfrm>
           <a:prstGeom prst="flowChartPunchedCard">
@@ -6319,7 +6588,7 @@
         </p:nvSpPr>
         <p:spPr>
           <a:xfrm>
-            <a:off x="3856038" y="2814241"/>
+            <a:off x="3856038" y="2635821"/>
             <a:ext cx="901700" cy="1066800"/>
           </a:xfrm>
           <a:prstGeom prst="flowChartPunchedCard">
@@ -6383,7 +6652,7 @@
         </p:nvSpPr>
         <p:spPr>
           <a:xfrm>
-            <a:off x="5131595" y="2794400"/>
+            <a:off x="5131595" y="2615980"/>
             <a:ext cx="1101725" cy="738981"/>
           </a:xfrm>
           <a:prstGeom prst="flowChartAlternateProcess">
@@ -6432,7 +6701,7 @@
         </p:nvSpPr>
         <p:spPr>
           <a:xfrm>
-            <a:off x="6637338" y="2579689"/>
+            <a:off x="6637338" y="2401269"/>
             <a:ext cx="901700" cy="1066800"/>
           </a:xfrm>
           <a:prstGeom prst="flowChartPunchedCard">
@@ -6500,7 +6769,7 @@
         </p:nvCxnSpPr>
         <p:spPr>
           <a:xfrm flipV="1">
-            <a:off x="1671638" y="3629423"/>
+            <a:off x="1671638" y="3451003"/>
             <a:ext cx="0" cy="503235"/>
           </a:xfrm>
           <a:prstGeom prst="straightConnector1">
@@ -6543,7 +6812,7 @@
         </p:nvSpPr>
         <p:spPr>
           <a:xfrm>
-            <a:off x="1711806" y="3689632"/>
+            <a:off x="1711806" y="3511212"/>
             <a:ext cx="1250471" cy="369332"/>
           </a:xfrm>
           <a:prstGeom prst="rect">

--- a/Documents/ObjectFlow.pptx
+++ b/Documents/ObjectFlow.pptx
@@ -4002,7 +4002,7 @@
         </p:nvSpPr>
         <p:spPr>
           <a:xfrm>
-            <a:off x="6018546" y="3683487"/>
+            <a:off x="6152358" y="3683487"/>
             <a:ext cx="1269998" cy="355600"/>
           </a:xfrm>
           <a:prstGeom prst="rightArrow">
@@ -4048,7 +4048,7 @@
         </p:nvSpPr>
         <p:spPr>
           <a:xfrm>
-            <a:off x="1724028" y="5296662"/>
+            <a:off x="1857840" y="5296662"/>
             <a:ext cx="1190622" cy="357545"/>
           </a:xfrm>
           <a:prstGeom prst="rightArrow">
@@ -4094,7 +4094,7 @@
         </p:nvSpPr>
         <p:spPr>
           <a:xfrm>
-            <a:off x="1731461" y="2069185"/>
+            <a:off x="1865273" y="2069185"/>
             <a:ext cx="1203322" cy="357545"/>
           </a:xfrm>
           <a:prstGeom prst="rightArrow">
@@ -4144,7 +4144,7 @@
         </p:nvSpPr>
         <p:spPr>
           <a:xfrm>
-            <a:off x="323850" y="94456"/>
+            <a:off x="335001" y="15529"/>
             <a:ext cx="7886700" cy="1325563"/>
           </a:xfrm>
         </p:spPr>
@@ -4173,7 +4173,7 @@
         </p:nvSpPr>
         <p:spPr>
           <a:xfrm>
-            <a:off x="483609" y="1462393"/>
+            <a:off x="617421" y="1462393"/>
             <a:ext cx="901700" cy="1066800"/>
           </a:xfrm>
           <a:prstGeom prst="flowChartPunchedCard">
@@ -4234,7 +4234,7 @@
         </p:nvSpPr>
         <p:spPr>
           <a:xfrm>
-            <a:off x="636009" y="1614793"/>
+            <a:off x="769821" y="1614793"/>
             <a:ext cx="901700" cy="1066800"/>
           </a:xfrm>
           <a:prstGeom prst="flowChartPunchedCard">
@@ -4295,7 +4295,7 @@
         </p:nvSpPr>
         <p:spPr>
           <a:xfrm>
-            <a:off x="788409" y="1767193"/>
+            <a:off x="922221" y="1767193"/>
             <a:ext cx="901700" cy="1066800"/>
           </a:xfrm>
           <a:prstGeom prst="flowChartPunchedCard">
@@ -4356,7 +4356,7 @@
         </p:nvSpPr>
         <p:spPr>
           <a:xfrm>
-            <a:off x="2949577" y="1612217"/>
+            <a:off x="3083389" y="1612217"/>
             <a:ext cx="901700" cy="1066800"/>
           </a:xfrm>
           <a:prstGeom prst="flowChartPunchedCard">
@@ -4417,7 +4417,7 @@
         </p:nvSpPr>
         <p:spPr>
           <a:xfrm>
-            <a:off x="650878" y="4740026"/>
+            <a:off x="784690" y="4740026"/>
             <a:ext cx="901700" cy="1066800"/>
           </a:xfrm>
           <a:prstGeom prst="flowChartPunchedCard">
@@ -4478,7 +4478,7 @@
         </p:nvSpPr>
         <p:spPr>
           <a:xfrm>
-            <a:off x="803278" y="4892426"/>
+            <a:off x="937090" y="4892426"/>
             <a:ext cx="901700" cy="1066800"/>
           </a:xfrm>
           <a:prstGeom prst="flowChartPunchedCard">
@@ -4539,7 +4539,7 @@
         </p:nvSpPr>
         <p:spPr>
           <a:xfrm>
-            <a:off x="2949577" y="4892424"/>
+            <a:off x="3083389" y="4892424"/>
             <a:ext cx="901700" cy="1066800"/>
           </a:xfrm>
           <a:prstGeom prst="flowChartPunchedCard">
@@ -4600,7 +4600,7 @@
         </p:nvSpPr>
         <p:spPr>
           <a:xfrm>
-            <a:off x="5073645" y="3271105"/>
+            <a:off x="5207457" y="3271105"/>
             <a:ext cx="901700" cy="1066800"/>
           </a:xfrm>
           <a:prstGeom prst="flowChartPunchedCard">
@@ -4661,7 +4661,7 @@
         </p:nvSpPr>
         <p:spPr>
           <a:xfrm>
-            <a:off x="1852110" y="1234706"/>
+            <a:off x="1985922" y="1234706"/>
             <a:ext cx="901700" cy="369332"/>
           </a:xfrm>
           <a:prstGeom prst="rect">
@@ -4697,7 +4697,7 @@
         </p:nvSpPr>
         <p:spPr>
           <a:xfrm>
-            <a:off x="1806870" y="3537540"/>
+            <a:off x="1940682" y="3537540"/>
             <a:ext cx="1289049" cy="646331"/>
           </a:xfrm>
           <a:prstGeom prst="rect">
@@ -4733,7 +4733,7 @@
         </p:nvSpPr>
         <p:spPr>
           <a:xfrm>
-            <a:off x="4550773" y="2535154"/>
+            <a:off x="4684585" y="2535154"/>
             <a:ext cx="2044700" cy="646331"/>
           </a:xfrm>
           <a:prstGeom prst="rect">
@@ -4769,7 +4769,7 @@
         </p:nvSpPr>
         <p:spPr>
           <a:xfrm>
-            <a:off x="7331745" y="3279348"/>
+            <a:off x="7465557" y="3279348"/>
             <a:ext cx="901700" cy="1066800"/>
           </a:xfrm>
           <a:prstGeom prst="flowChartPunchedCard">
@@ -4830,7 +4830,7 @@
         </p:nvSpPr>
         <p:spPr>
           <a:xfrm>
-            <a:off x="7185695" y="2633017"/>
+            <a:off x="7319507" y="2633017"/>
             <a:ext cx="1193800" cy="646331"/>
           </a:xfrm>
           <a:prstGeom prst="rect">
@@ -4866,7 +4866,7 @@
         </p:nvSpPr>
         <p:spPr>
           <a:xfrm rot="5400000">
-            <a:off x="3152429" y="2795740"/>
+            <a:off x="3286241" y="2795740"/>
             <a:ext cx="487550" cy="357545"/>
           </a:xfrm>
           <a:prstGeom prst="rightArrow">
@@ -4912,7 +4912,7 @@
         </p:nvSpPr>
         <p:spPr>
           <a:xfrm>
-            <a:off x="2949577" y="3273935"/>
+            <a:off x="3083389" y="3273935"/>
             <a:ext cx="901700" cy="1066800"/>
           </a:xfrm>
           <a:prstGeom prst="flowChartPunchedCard">
@@ -4973,7 +4973,7 @@
         </p:nvSpPr>
         <p:spPr>
           <a:xfrm rot="16200000">
-            <a:off x="3177417" y="4408465"/>
+            <a:off x="3311229" y="4408465"/>
             <a:ext cx="437574" cy="357545"/>
           </a:xfrm>
           <a:prstGeom prst="rightArrow">
@@ -5019,7 +5019,7 @@
         </p:nvSpPr>
         <p:spPr>
           <a:xfrm>
-            <a:off x="2184944" y="2691798"/>
+            <a:off x="2318756" y="2691798"/>
             <a:ext cx="1289049" cy="646331"/>
           </a:xfrm>
           <a:prstGeom prst="rect">
@@ -5055,7 +5055,7 @@
         </p:nvSpPr>
         <p:spPr>
           <a:xfrm>
-            <a:off x="3871740" y="3625733"/>
+            <a:off x="4005552" y="3625733"/>
             <a:ext cx="1174496" cy="357545"/>
           </a:xfrm>
           <a:prstGeom prst="rightArrow">
@@ -5101,7 +5101,7 @@
         </p:nvSpPr>
         <p:spPr>
           <a:xfrm>
-            <a:off x="2122408" y="4464408"/>
+            <a:off x="2256220" y="4464408"/>
             <a:ext cx="1289049" cy="369332"/>
           </a:xfrm>
           <a:prstGeom prst="rect">
@@ -5137,7 +5137,7 @@
         </p:nvSpPr>
         <p:spPr>
           <a:xfrm>
-            <a:off x="1907156" y="5003549"/>
+            <a:off x="2040968" y="5003549"/>
             <a:ext cx="840242" cy="369332"/>
           </a:xfrm>
           <a:prstGeom prst="rect">
@@ -5171,7 +5171,7 @@
         </p:nvSpPr>
         <p:spPr>
           <a:xfrm>
-            <a:off x="1858317" y="1792979"/>
+            <a:off x="1992129" y="1792979"/>
             <a:ext cx="840242" cy="369332"/>
           </a:xfrm>
           <a:prstGeom prst="rect">
@@ -5205,7 +5205,7 @@
         </p:nvSpPr>
         <p:spPr>
           <a:xfrm>
-            <a:off x="3953863" y="3338129"/>
+            <a:off x="4087675" y="3338129"/>
             <a:ext cx="973731" cy="369332"/>
           </a:xfrm>
           <a:prstGeom prst="rect">
@@ -5239,7 +5239,7 @@
         </p:nvSpPr>
         <p:spPr>
           <a:xfrm>
-            <a:off x="6057550" y="3338129"/>
+            <a:off x="6191362" y="3338129"/>
             <a:ext cx="1128145" cy="369332"/>
           </a:xfrm>
           <a:prstGeom prst="rect">
@@ -5273,7 +5273,7 @@
         </p:nvSpPr>
         <p:spPr>
           <a:xfrm>
-            <a:off x="5095876" y="4896471"/>
+            <a:off x="5229688" y="4896471"/>
             <a:ext cx="901700" cy="1066800"/>
           </a:xfrm>
           <a:prstGeom prst="flowChartPunchedCard">
@@ -5334,7 +5334,7 @@
         </p:nvSpPr>
         <p:spPr>
           <a:xfrm rot="5400000">
-            <a:off x="5329347" y="4434487"/>
+            <a:off x="5463159" y="4434487"/>
             <a:ext cx="487550" cy="357545"/>
           </a:xfrm>
           <a:prstGeom prst="rightArrow">
@@ -5380,7 +5380,7 @@
         </p:nvSpPr>
         <p:spPr>
           <a:xfrm>
-            <a:off x="4401711" y="4427525"/>
+            <a:off x="4535523" y="4427525"/>
             <a:ext cx="1289049" cy="369332"/>
           </a:xfrm>
           <a:prstGeom prst="rect">
@@ -16663,10 +16663,10 @@
       </p:sp>
       <p:pic>
         <p:nvPicPr>
-          <p:cNvPr id="11" name="Picture 10">
+          <p:cNvPr id="4" name="Picture 3">
             <a:extLst>
               <a:ext uri="{FF2B5EF4-FFF2-40B4-BE49-F238E27FC236}">
-                <a16:creationId xmlns:a16="http://schemas.microsoft.com/office/drawing/2014/main" id="{B706E4C6-83EB-6A43-9968-C1FF22ACB3E6}"/>
+                <a16:creationId xmlns:a16="http://schemas.microsoft.com/office/drawing/2014/main" id="{0FF01CC4-1BF1-1B44-847D-A2A73F3BBE55}"/>
               </a:ext>
             </a:extLst>
           </p:cNvPr>
@@ -16683,8 +16683,8 @@
         </p:blipFill>
         <p:spPr>
           <a:xfrm>
-            <a:off x="5384390" y="660917"/>
-            <a:ext cx="2788060" cy="5879583"/>
+            <a:off x="5485426" y="244602"/>
+            <a:ext cx="2985474" cy="6295898"/>
           </a:xfrm>
           <a:prstGeom prst="rect">
             <a:avLst/>

--- a/Documents/ObjectFlow.pptx
+++ b/Documents/ObjectFlow.pptx
@@ -4661,7 +4661,7 @@
         </p:nvSpPr>
         <p:spPr>
           <a:xfrm>
-            <a:off x="1985922" y="1234706"/>
+            <a:off x="1949982" y="1408902"/>
             <a:ext cx="901700" cy="369332"/>
           </a:xfrm>
           <a:prstGeom prst="rect">
@@ -5398,6 +5398,185 @@
             <a:r>
               <a:rPr lang="en-US" dirty="0"/>
               <a:t>Render</a:t>
+            </a:r>
+          </a:p>
+        </p:txBody>
+      </p:sp>
+      <p:sp>
+        <p:nvSpPr>
+          <p:cNvPr id="36" name="Card 35">
+            <a:extLst>
+              <a:ext uri="{FF2B5EF4-FFF2-40B4-BE49-F238E27FC236}">
+                <a16:creationId xmlns:a16="http://schemas.microsoft.com/office/drawing/2014/main" id="{333AD47B-0695-A747-B0C2-EC52F98BB599}"/>
+              </a:ext>
+            </a:extLst>
+          </p:cNvPr>
+          <p:cNvSpPr/>
+          <p:nvPr/>
+        </p:nvSpPr>
+        <p:spPr>
+          <a:xfrm>
+            <a:off x="5382088" y="5048871"/>
+            <a:ext cx="901700" cy="1066800"/>
+          </a:xfrm>
+          <a:prstGeom prst="flowChartPunchedCard">
+            <a:avLst/>
+          </a:prstGeom>
+          <a:solidFill>
+            <a:schemeClr val="bg1"/>
+          </a:solidFill>
+          <a:ln w="19050">
+            <a:solidFill>
+              <a:schemeClr val="tx1"/>
+            </a:solidFill>
+          </a:ln>
+        </p:spPr>
+        <p:style>
+          <a:lnRef idx="2">
+            <a:schemeClr val="accent1">
+              <a:shade val="50000"/>
+            </a:schemeClr>
+          </a:lnRef>
+          <a:fillRef idx="1">
+            <a:schemeClr val="accent1"/>
+          </a:fillRef>
+          <a:effectRef idx="0">
+            <a:schemeClr val="accent1"/>
+          </a:effectRef>
+          <a:fontRef idx="minor">
+            <a:schemeClr val="lt1"/>
+          </a:fontRef>
+        </p:style>
+        <p:txBody>
+          <a:bodyPr rtlCol="0" anchor="ctr"/>
+          <a:lstStyle/>
+          <a:p>
+            <a:pPr algn="ctr"/>
+            <a:r>
+              <a:rPr lang="en-US" dirty="0">
+                <a:solidFill>
+                  <a:schemeClr val="tx1"/>
+                </a:solidFill>
+              </a:rPr>
+              <a:t>Flow UML</a:t>
+            </a:r>
+          </a:p>
+        </p:txBody>
+      </p:sp>
+      <p:sp>
+        <p:nvSpPr>
+          <p:cNvPr id="37" name="Right Arrow 36">
+            <a:extLst>
+              <a:ext uri="{FF2B5EF4-FFF2-40B4-BE49-F238E27FC236}">
+                <a16:creationId xmlns:a16="http://schemas.microsoft.com/office/drawing/2014/main" id="{00CCA828-A119-E140-BC6D-5E9B3366CB44}"/>
+              </a:ext>
+            </a:extLst>
+          </p:cNvPr>
+          <p:cNvSpPr/>
+          <p:nvPr/>
+        </p:nvSpPr>
+        <p:spPr>
+          <a:xfrm>
+            <a:off x="4005552" y="5302533"/>
+            <a:ext cx="1190622" cy="357545"/>
+          </a:xfrm>
+          <a:prstGeom prst="rightArrow">
+            <a:avLst/>
+          </a:prstGeom>
+        </p:spPr>
+        <p:style>
+          <a:lnRef idx="2">
+            <a:schemeClr val="accent1">
+              <a:shade val="50000"/>
+            </a:schemeClr>
+          </a:lnRef>
+          <a:fillRef idx="1">
+            <a:schemeClr val="accent1"/>
+          </a:fillRef>
+          <a:effectRef idx="0">
+            <a:schemeClr val="accent1"/>
+          </a:effectRef>
+          <a:fontRef idx="minor">
+            <a:schemeClr val="lt1"/>
+          </a:fontRef>
+        </p:style>
+        <p:txBody>
+          <a:bodyPr rtlCol="0" anchor="ctr"/>
+          <a:lstStyle/>
+          <a:p>
+            <a:pPr algn="ctr"/>
+            <a:endParaRPr lang="en-US"/>
+          </a:p>
+        </p:txBody>
+      </p:sp>
+      <p:sp>
+        <p:nvSpPr>
+          <p:cNvPr id="41" name="TextBox 40">
+            <a:extLst>
+              <a:ext uri="{FF2B5EF4-FFF2-40B4-BE49-F238E27FC236}">
+                <a16:creationId xmlns:a16="http://schemas.microsoft.com/office/drawing/2014/main" id="{3BC3F445-3455-1240-8091-1D0BE7DE953D}"/>
+              </a:ext>
+            </a:extLst>
+          </p:cNvPr>
+          <p:cNvSpPr txBox="1"/>
+          <p:nvPr/>
+        </p:nvSpPr>
+        <p:spPr>
+          <a:xfrm>
+            <a:off x="3923907" y="5023084"/>
+            <a:ext cx="1289049" cy="369332"/>
+          </a:xfrm>
+          <a:prstGeom prst="rect">
+            <a:avLst/>
+          </a:prstGeom>
+          <a:noFill/>
+        </p:spPr>
+        <p:txBody>
+          <a:bodyPr wrap="square" rtlCol="0">
+            <a:spAutoFit/>
+          </a:bodyPr>
+          <a:lstStyle/>
+          <a:p>
+            <a:pPr algn="ctr"/>
+            <a:r>
+              <a:rPr lang="en-US" dirty="0"/>
+              <a:t>Render</a:t>
+            </a:r>
+          </a:p>
+        </p:txBody>
+      </p:sp>
+      <p:sp>
+        <p:nvSpPr>
+          <p:cNvPr id="49" name="TextBox 48">
+            <a:extLst>
+              <a:ext uri="{FF2B5EF4-FFF2-40B4-BE49-F238E27FC236}">
+                <a16:creationId xmlns:a16="http://schemas.microsoft.com/office/drawing/2014/main" id="{77C91406-1E6B-3645-ADDE-7F1B7278E939}"/>
+              </a:ext>
+            </a:extLst>
+          </p:cNvPr>
+          <p:cNvSpPr txBox="1"/>
+          <p:nvPr/>
+        </p:nvSpPr>
+        <p:spPr>
+          <a:xfrm>
+            <a:off x="6283788" y="5296662"/>
+            <a:ext cx="1289049" cy="369332"/>
+          </a:xfrm>
+          <a:prstGeom prst="rect">
+            <a:avLst/>
+          </a:prstGeom>
+          <a:noFill/>
+        </p:spPr>
+        <p:txBody>
+          <a:bodyPr wrap="square" rtlCol="0">
+            <a:spAutoFit/>
+          </a:bodyPr>
+          <a:lstStyle/>
+          <a:p>
+            <a:pPr algn="ctr"/>
+            <a:r>
+              <a:rPr lang="en-US" dirty="0"/>
+              <a:t>Documents</a:t>
             </a:r>
           </a:p>
         </p:txBody>
@@ -5672,7 +5851,7 @@
         </p:nvSpPr>
         <p:spPr>
           <a:xfrm>
-            <a:off x="5473700" y="2224089"/>
+            <a:off x="5473700" y="2134881"/>
             <a:ext cx="901700" cy="1066800"/>
           </a:xfrm>
           <a:prstGeom prst="flowChartPunchedCard">
@@ -5808,6 +5987,67 @@
             <a:r>
               <a:rPr lang="en-US" dirty="0"/>
               <a:t>Target</a:t>
+            </a:r>
+          </a:p>
+        </p:txBody>
+      </p:sp>
+      <p:sp>
+        <p:nvSpPr>
+          <p:cNvPr id="10" name="Card 9">
+            <a:extLst>
+              <a:ext uri="{FF2B5EF4-FFF2-40B4-BE49-F238E27FC236}">
+                <a16:creationId xmlns:a16="http://schemas.microsoft.com/office/drawing/2014/main" id="{6B9A202E-5A3C-424C-A240-4281EE71CC51}"/>
+              </a:ext>
+            </a:extLst>
+          </p:cNvPr>
+          <p:cNvSpPr/>
+          <p:nvPr/>
+        </p:nvSpPr>
+        <p:spPr>
+          <a:xfrm>
+            <a:off x="5626100" y="2287281"/>
+            <a:ext cx="901700" cy="1066800"/>
+          </a:xfrm>
+          <a:prstGeom prst="flowChartPunchedCard">
+            <a:avLst/>
+          </a:prstGeom>
+          <a:solidFill>
+            <a:schemeClr val="bg1"/>
+          </a:solidFill>
+          <a:ln w="19050">
+            <a:solidFill>
+              <a:schemeClr val="tx1"/>
+            </a:solidFill>
+          </a:ln>
+        </p:spPr>
+        <p:style>
+          <a:lnRef idx="2">
+            <a:schemeClr val="accent1">
+              <a:shade val="50000"/>
+            </a:schemeClr>
+          </a:lnRef>
+          <a:fillRef idx="1">
+            <a:schemeClr val="accent1"/>
+          </a:fillRef>
+          <a:effectRef idx="0">
+            <a:schemeClr val="accent1"/>
+          </a:effectRef>
+          <a:fontRef idx="minor">
+            <a:schemeClr val="lt1"/>
+          </a:fontRef>
+        </p:style>
+        <p:txBody>
+          <a:bodyPr rtlCol="0" anchor="ctr"/>
+          <a:lstStyle/>
+          <a:p>
+            <a:pPr algn="ctr"/>
+            <a:r>
+              <a:rPr lang="en-US" dirty="0">
+                <a:solidFill>
+                  <a:schemeClr val="tx1"/>
+                </a:solidFill>
+              </a:rPr>
+              <a:t>UML Doc</a:t>
             </a:r>
           </a:p>
         </p:txBody>
@@ -11253,8 +11493,8 @@
         </p:nvSpPr>
         <p:spPr>
           <a:xfrm>
-            <a:off x="450850" y="909003"/>
-            <a:ext cx="6356350" cy="2554545"/>
+            <a:off x="406246" y="909003"/>
+            <a:ext cx="6356350" cy="2800767"/>
           </a:xfrm>
           <a:prstGeom prst="rect">
             <a:avLst/>
@@ -11343,6 +11583,53 @@
                 </a:solidFill>
                 <a:latin typeface="Courier" pitchFamily="2" charset="0"/>
               </a:rPr>
+              <a:t>ValueType</a:t>
+            </a:r>
+            <a:r>
+              <a:rPr lang="en-US" sz="1600" dirty="0">
+                <a:solidFill>
+                  <a:srgbClr val="000000"/>
+                </a:solidFill>
+                <a:latin typeface="Courier" pitchFamily="2" charset="0"/>
+              </a:rPr>
+              <a:t>: { </a:t>
+            </a:r>
+            <a:r>
+              <a:rPr lang="en-US" sz="1600" dirty="0" err="1">
+                <a:solidFill>
+                  <a:srgbClr val="000000"/>
+                </a:solidFill>
+                <a:latin typeface="Courier" pitchFamily="2" charset="0"/>
+              </a:rPr>
+              <a:t>const</a:t>
+            </a:r>
+            <a:r>
+              <a:rPr lang="en-US" sz="1600" dirty="0">
+                <a:solidFill>
+                  <a:srgbClr val="000000"/>
+                </a:solidFill>
+                <a:latin typeface="Courier" pitchFamily="2" charset="0"/>
+              </a:rPr>
+              <a:t>: 27000 }</a:t>
+            </a:r>
+          </a:p>
+          <a:p>
+            <a:r>
+              <a:rPr lang="en-US" sz="1600" dirty="0">
+                <a:solidFill>
+                  <a:srgbClr val="000000"/>
+                </a:solidFill>
+                <a:latin typeface="Courier" pitchFamily="2" charset="0"/>
+              </a:rPr>
+              <a:t>    </a:t>
+            </a:r>
+            <a:r>
+              <a:rPr lang="en-US" sz="1600" dirty="0" err="1">
+                <a:solidFill>
+                  <a:srgbClr val="000000"/>
+                </a:solidFill>
+                <a:latin typeface="Courier" pitchFamily="2" charset="0"/>
+              </a:rPr>
               <a:t>InputLinkType</a:t>
             </a:r>
             <a:r>
@@ -11370,7 +11657,7 @@
                 </a:solidFill>
                 <a:latin typeface="Courier" pitchFamily="2" charset="0"/>
               </a:rPr>
-              <a:t>: 27000 }</a:t>
+              <a:t>: 27001 }</a:t>
             </a:r>
             <a:br>
               <a:rPr lang="en-US" sz="1600" dirty="0">
@@ -11423,7 +11710,7 @@
                 </a:solidFill>
                 <a:latin typeface="Courier" pitchFamily="2" charset="0"/>
               </a:rPr>
-              <a:t>: 27001 }</a:t>
+              <a:t>: 27002 }</a:t>
             </a:r>
             <a:br>
               <a:rPr lang="en-US" sz="1600" dirty="0">
@@ -11476,7 +11763,7 @@
                 </a:solidFill>
                 <a:latin typeface="Courier" pitchFamily="2" charset="0"/>
               </a:rPr>
-              <a:t>: 27002 }</a:t>
+              <a:t>: 27003 }</a:t>
             </a:r>
             <a:br>
               <a:rPr lang="en-US" sz="1600" dirty="0">
@@ -11529,7 +11816,7 @@
                 </a:solidFill>
                 <a:latin typeface="Courier" pitchFamily="2" charset="0"/>
               </a:rPr>
-              <a:t>: 27003 }</a:t>
+              <a:t>: 27004 }</a:t>
             </a:r>
             <a:br>
               <a:rPr lang="en-US" sz="1600" dirty="0">
@@ -11582,7 +11869,7 @@
                 </a:solidFill>
                 <a:latin typeface="Courier" pitchFamily="2" charset="0"/>
               </a:rPr>
-              <a:t>: 27004 }</a:t>
+              <a:t>: 27005 }</a:t>
             </a:r>
             <a:br>
               <a:rPr lang="en-US" sz="1600" dirty="0">
@@ -11635,7 +11922,7 @@
                 </a:solidFill>
                 <a:latin typeface="Courier" pitchFamily="2" charset="0"/>
               </a:rPr>
-              <a:t>: 27005 }</a:t>
+              <a:t>: 27006 }</a:t>
             </a:r>
             <a:br>
               <a:rPr lang="en-US" sz="1600" dirty="0">
@@ -11688,7 +11975,7 @@
                 </a:solidFill>
                 <a:latin typeface="Courier" pitchFamily="2" charset="0"/>
               </a:rPr>
-              <a:t>: 27006 }</a:t>
+              <a:t>: 27007 }</a:t>
             </a:r>
             <a:br>
               <a:rPr lang="en-US" sz="1600" dirty="0">
@@ -11741,7 +12028,7 @@
                 </a:solidFill>
                 <a:latin typeface="Courier" pitchFamily="2" charset="0"/>
               </a:rPr>
-              <a:t>: 27007 }</a:t>
+              <a:t>: 27008 }</a:t>
             </a:r>
             <a:endParaRPr lang="en-US" sz="1600" dirty="0"/>
           </a:p>
@@ -11761,8 +12048,8 @@
         </p:nvSpPr>
         <p:spPr>
           <a:xfrm>
-            <a:off x="3822700" y="4082177"/>
-            <a:ext cx="4692650" cy="2062103"/>
+            <a:off x="3822700" y="4037573"/>
+            <a:ext cx="4692650" cy="2308324"/>
           </a:xfrm>
           <a:prstGeom prst="rect">
             <a:avLst/>
@@ -11801,6 +12088,35 @@
               </a:rPr>
               <a:t> 27000</a:t>
             </a:r>
+          </a:p>
+          <a:p>
+            <a:r>
+              <a:rPr lang="en-US" sz="1600" dirty="0">
+                <a:solidFill>
+                  <a:srgbClr val="000000"/>
+                </a:solidFill>
+                <a:latin typeface="Courier" pitchFamily="2" charset="0"/>
+              </a:rPr>
+              <a:t>#define </a:t>
+            </a:r>
+            <a:r>
+              <a:rPr lang="en-US" sz="1600" dirty="0" err="1">
+                <a:solidFill>
+                  <a:srgbClr val="000000"/>
+                </a:solidFill>
+                <a:latin typeface="Courier" pitchFamily="2" charset="0"/>
+              </a:rPr>
+              <a:t>InputLinkType</a:t>
+            </a:r>
+            <a:r>
+              <a:rPr lang="en-US" sz="1600" dirty="0">
+                <a:solidFill>
+                  <a:srgbClr val="000000"/>
+                </a:solidFill>
+                <a:latin typeface="Courier" pitchFamily="2" charset="0"/>
+              </a:rPr>
+              <a:t> 27001</a:t>
+            </a:r>
             <a:br>
               <a:rPr lang="en-US" sz="1600" dirty="0"/>
             </a:br>
@@ -11829,7 +12145,7 @@
                 </a:solidFill>
                 <a:latin typeface="Courier" pitchFamily="2" charset="0"/>
               </a:rPr>
-              <a:t> 27001</a:t>
+              <a:t> 27002</a:t>
             </a:r>
             <a:br>
               <a:rPr lang="en-US" sz="1600" dirty="0"/>
@@ -11859,7 +12175,7 @@
                 </a:solidFill>
                 <a:latin typeface="Courier" pitchFamily="2" charset="0"/>
               </a:rPr>
-              <a:t> 27002</a:t>
+              <a:t> 27003</a:t>
             </a:r>
             <a:br>
               <a:rPr lang="en-US" sz="1600" dirty="0"/>
@@ -11889,7 +12205,7 @@
                 </a:solidFill>
                 <a:latin typeface="Courier" pitchFamily="2" charset="0"/>
               </a:rPr>
-              <a:t> 27003</a:t>
+              <a:t> 27004</a:t>
             </a:r>
             <a:br>
               <a:rPr lang="en-US" sz="1600" dirty="0"/>
@@ -11919,7 +12235,7 @@
                 </a:solidFill>
                 <a:latin typeface="Courier" pitchFamily="2" charset="0"/>
               </a:rPr>
-              <a:t> 27004</a:t>
+              <a:t> 27005</a:t>
             </a:r>
             <a:br>
               <a:rPr lang="en-US" sz="1600" dirty="0"/>
@@ -11949,7 +12265,7 @@
                 </a:solidFill>
                 <a:latin typeface="Courier" pitchFamily="2" charset="0"/>
               </a:rPr>
-              <a:t> 27005</a:t>
+              <a:t> 27006</a:t>
             </a:r>
             <a:br>
               <a:rPr lang="en-US" sz="1600" dirty="0"/>
@@ -11979,7 +12295,7 @@
                 </a:solidFill>
                 <a:latin typeface="Courier" pitchFamily="2" charset="0"/>
               </a:rPr>
-              <a:t> 27006</a:t>
+              <a:t> 27007</a:t>
             </a:r>
             <a:br>
               <a:rPr lang="en-US" sz="1600" dirty="0"/>
@@ -12009,7 +12325,7 @@
                 </a:solidFill>
                 <a:latin typeface="Courier" pitchFamily="2" charset="0"/>
               </a:rPr>
-              <a:t> 27007</a:t>
+              <a:t> 27008</a:t>
             </a:r>
             <a:endParaRPr lang="en-US" sz="1600" dirty="0"/>
           </a:p>
@@ -12029,8 +12345,8 @@
         </p:nvSpPr>
         <p:spPr>
           <a:xfrm>
-            <a:off x="6617992" y="2132945"/>
-            <a:ext cx="1960858" cy="523220"/>
+            <a:off x="6554492" y="2301472"/>
+            <a:ext cx="2255810" cy="523220"/>
           </a:xfrm>
           <a:prstGeom prst="rect">
             <a:avLst/>
@@ -12045,7 +12361,7 @@
           <a:p>
             <a:r>
               <a:rPr lang="en-US" sz="2800" dirty="0"/>
-              <a:t>SDF Defined</a:t>
+              <a:t>SDF Definition</a:t>
             </a:r>
           </a:p>
         </p:txBody>
@@ -12064,7 +12380,7 @@
         </p:nvSpPr>
         <p:spPr>
           <a:xfrm>
-            <a:off x="5880100" y="1325562"/>
+            <a:off x="5888230" y="1515579"/>
             <a:ext cx="673100" cy="2137986"/>
           </a:xfrm>
           <a:prstGeom prst="rightBrace">
@@ -12114,7 +12430,7 @@
         <p:spPr>
           <a:xfrm rot="10800000">
             <a:off x="3073400" y="4082175"/>
-            <a:ext cx="673100" cy="2062104"/>
+            <a:ext cx="673100" cy="2162508"/>
           </a:xfrm>
           <a:prstGeom prst="rightBrace">
             <a:avLst/>
@@ -13076,7 +13392,7 @@
             <a:pPr lvl="1"/>
             <a:r>
               <a:rPr lang="en-US" dirty="0"/>
-              <a:t>Subtypes for Input, Output, and Current Value</a:t>
+              <a:t>Value subtypes for Input, Output, and Current Value</a:t>
             </a:r>
           </a:p>
           <a:p>
@@ -14587,7 +14903,7 @@
           <a:p>
             <a:r>
               <a:rPr lang="en-US" dirty="0"/>
-              <a:t>Complex Function Objects</a:t>
+              <a:t>Complex Functions </a:t>
             </a:r>
           </a:p>
         </p:txBody>
@@ -14658,7 +14974,7 @@
         </p:nvSpPr>
         <p:spPr>
           <a:xfrm>
-            <a:off x="1333500" y="2383230"/>
+            <a:off x="1333500" y="3008304"/>
             <a:ext cx="1041400" cy="990600"/>
           </a:xfrm>
           <a:prstGeom prst="rect">
@@ -14710,7 +15026,7 @@
         </p:nvSpPr>
         <p:spPr>
           <a:xfrm>
-            <a:off x="1333500" y="2862652"/>
+            <a:off x="1333500" y="3487726"/>
             <a:ext cx="1041400" cy="255589"/>
           </a:xfrm>
           <a:prstGeom prst="rect">
@@ -15005,7 +15321,7 @@
         </p:nvSpPr>
         <p:spPr>
           <a:xfrm>
-            <a:off x="1333500" y="3914765"/>
+            <a:off x="1333500" y="4296559"/>
             <a:ext cx="1041400" cy="990600"/>
           </a:xfrm>
           <a:prstGeom prst="rect">
@@ -15057,7 +15373,7 @@
         </p:nvSpPr>
         <p:spPr>
           <a:xfrm>
-            <a:off x="1333500" y="4394187"/>
+            <a:off x="1333500" y="4775981"/>
             <a:ext cx="1041400" cy="255589"/>
           </a:xfrm>
           <a:prstGeom prst="rect">
@@ -15347,9 +15663,9 @@
           <p:nvPr/>
         </p:nvCxnSpPr>
         <p:spPr>
-          <a:xfrm>
-            <a:off x="2374900" y="2990447"/>
-            <a:ext cx="1270000" cy="219475"/>
+          <a:xfrm flipV="1">
+            <a:off x="2374900" y="3209922"/>
+            <a:ext cx="1270000" cy="405599"/>
           </a:xfrm>
           <a:prstGeom prst="straightConnector1">
             <a:avLst/>
@@ -15396,7 +15712,7 @@
         <p:spPr>
           <a:xfrm flipV="1">
             <a:off x="2374900" y="3933027"/>
-            <a:ext cx="1270000" cy="588955"/>
+            <a:ext cx="1270000" cy="970749"/>
           </a:xfrm>
           <a:prstGeom prst="straightConnector1">
             <a:avLst/>
@@ -15544,7 +15860,7 @@
         </p:nvSpPr>
         <p:spPr>
           <a:xfrm>
-            <a:off x="1131085" y="1887296"/>
+            <a:off x="1131085" y="2554807"/>
             <a:ext cx="1446230" cy="369332"/>
           </a:xfrm>
           <a:prstGeom prst="rect">
@@ -15557,6 +15873,7 @@
           </a:bodyPr>
           <a:lstStyle/>
           <a:p>
+            <a:pPr algn="ctr"/>
             <a:r>
               <a:rPr lang="en-US" dirty="0"/>
               <a:t>Input Objects</a:t>
@@ -15578,7 +15895,7 @@
         </p:nvSpPr>
         <p:spPr>
           <a:xfrm>
-            <a:off x="6426985" y="3470550"/>
+            <a:off x="6285921" y="3482442"/>
             <a:ext cx="1617751" cy="369332"/>
           </a:xfrm>
           <a:prstGeom prst="rect">
@@ -15591,6 +15908,7 @@
           </a:bodyPr>
           <a:lstStyle/>
           <a:p>
+            <a:pPr algn="ctr"/>
             <a:r>
               <a:rPr lang="en-US" dirty="0"/>
               <a:t>Output Objects</a:t>
@@ -15625,6 +15943,7 @@
           </a:bodyPr>
           <a:lstStyle/>
           <a:p>
+            <a:pPr algn="ctr"/>
             <a:r>
               <a:rPr lang="en-US" dirty="0"/>
               <a:t>Function Object</a:t>
@@ -15632,6 +15951,228 @@
           </a:p>
         </p:txBody>
       </p:sp>
+      <p:cxnSp>
+        <p:nvCxnSpPr>
+          <p:cNvPr id="23" name="Straight Arrow Connector 22">
+            <a:extLst>
+              <a:ext uri="{FF2B5EF4-FFF2-40B4-BE49-F238E27FC236}">
+                <a16:creationId xmlns:a16="http://schemas.microsoft.com/office/drawing/2014/main" id="{09AACC59-6F92-7E46-A493-4AE7197E31AF}"/>
+              </a:ext>
+            </a:extLst>
+          </p:cNvPr>
+          <p:cNvCxnSpPr>
+            <a:cxnSpLocks/>
+            <a:stCxn id="26" idx="3"/>
+            <a:endCxn id="33" idx="1"/>
+          </p:cNvCxnSpPr>
+          <p:nvPr/>
+        </p:nvCxnSpPr>
+        <p:spPr>
+          <a:xfrm>
+            <a:off x="2718379" y="2214963"/>
+            <a:ext cx="926521" cy="205561"/>
+          </a:xfrm>
+          <a:prstGeom prst="straightConnector1">
+            <a:avLst/>
+          </a:prstGeom>
+          <a:ln w="25400">
+            <a:solidFill>
+              <a:schemeClr val="tx1"/>
+            </a:solidFill>
+            <a:headEnd type="none"/>
+            <a:tailEnd type="triangle" w="lg" len="lg"/>
+          </a:ln>
+        </p:spPr>
+        <p:style>
+          <a:lnRef idx="1">
+            <a:schemeClr val="accent1"/>
+          </a:lnRef>
+          <a:fillRef idx="0">
+            <a:schemeClr val="accent1"/>
+          </a:fillRef>
+          <a:effectRef idx="0">
+            <a:schemeClr val="accent1"/>
+          </a:effectRef>
+          <a:fontRef idx="minor">
+            <a:schemeClr val="tx1"/>
+          </a:fontRef>
+        </p:style>
+      </p:cxnSp>
+      <p:sp>
+        <p:nvSpPr>
+          <p:cNvPr id="26" name="Rectangle 25">
+            <a:extLst>
+              <a:ext uri="{FF2B5EF4-FFF2-40B4-BE49-F238E27FC236}">
+                <a16:creationId xmlns:a16="http://schemas.microsoft.com/office/drawing/2014/main" id="{B4D26200-5611-8F48-A509-76E8F1E4AC44}"/>
+              </a:ext>
+            </a:extLst>
+          </p:cNvPr>
+          <p:cNvSpPr/>
+          <p:nvPr/>
+        </p:nvSpPr>
+        <p:spPr>
+          <a:xfrm>
+            <a:off x="1747921" y="2030297"/>
+            <a:ext cx="970458" cy="369332"/>
+          </a:xfrm>
+          <a:prstGeom prst="rect">
+            <a:avLst/>
+          </a:prstGeom>
+        </p:spPr>
+        <p:txBody>
+          <a:bodyPr wrap="none">
+            <a:spAutoFit/>
+          </a:bodyPr>
+          <a:lstStyle/>
+          <a:p>
+            <a:r>
+              <a:rPr lang="en-US" dirty="0"/>
+              <a:t>(Trigger)</a:t>
+            </a:r>
+          </a:p>
+        </p:txBody>
+      </p:sp>
+      <p:cxnSp>
+        <p:nvCxnSpPr>
+          <p:cNvPr id="37" name="Straight Arrow Connector 36">
+            <a:extLst>
+              <a:ext uri="{FF2B5EF4-FFF2-40B4-BE49-F238E27FC236}">
+                <a16:creationId xmlns:a16="http://schemas.microsoft.com/office/drawing/2014/main" id="{ED5A02E4-6F26-5A4B-B86A-78AADB5A903F}"/>
+              </a:ext>
+            </a:extLst>
+          </p:cNvPr>
+          <p:cNvCxnSpPr>
+            <a:cxnSpLocks/>
+            <a:stCxn id="10" idx="1"/>
+          </p:cNvCxnSpPr>
+          <p:nvPr/>
+        </p:nvCxnSpPr>
+        <p:spPr>
+          <a:xfrm flipH="1">
+            <a:off x="2374900" y="2954333"/>
+            <a:ext cx="1270000" cy="172691"/>
+          </a:xfrm>
+          <a:prstGeom prst="straightConnector1">
+            <a:avLst/>
+          </a:prstGeom>
+          <a:ln w="25400">
+            <a:solidFill>
+              <a:schemeClr val="tx1"/>
+            </a:solidFill>
+            <a:prstDash val="lgDash"/>
+            <a:headEnd type="none"/>
+            <a:tailEnd type="triangle" w="lg" len="lg"/>
+          </a:ln>
+        </p:spPr>
+        <p:style>
+          <a:lnRef idx="1">
+            <a:schemeClr val="accent1"/>
+          </a:lnRef>
+          <a:fillRef idx="0">
+            <a:schemeClr val="accent1"/>
+          </a:fillRef>
+          <a:effectRef idx="0">
+            <a:schemeClr val="accent1"/>
+          </a:effectRef>
+          <a:fontRef idx="minor">
+            <a:schemeClr val="tx1"/>
+          </a:fontRef>
+        </p:style>
+      </p:cxnSp>
+      <p:cxnSp>
+        <p:nvCxnSpPr>
+          <p:cNvPr id="38" name="Straight Arrow Connector 37">
+            <a:extLst>
+              <a:ext uri="{FF2B5EF4-FFF2-40B4-BE49-F238E27FC236}">
+                <a16:creationId xmlns:a16="http://schemas.microsoft.com/office/drawing/2014/main" id="{0CC92905-CE1E-2C41-8420-83A63424E22A}"/>
+              </a:ext>
+            </a:extLst>
+          </p:cNvPr>
+          <p:cNvCxnSpPr>
+            <a:cxnSpLocks/>
+            <a:stCxn id="11" idx="1"/>
+          </p:cNvCxnSpPr>
+          <p:nvPr/>
+        </p:nvCxnSpPr>
+        <p:spPr>
+          <a:xfrm flipH="1">
+            <a:off x="2374900" y="3677438"/>
+            <a:ext cx="1270000" cy="740963"/>
+          </a:xfrm>
+          <a:prstGeom prst="straightConnector1">
+            <a:avLst/>
+          </a:prstGeom>
+          <a:ln w="25400">
+            <a:solidFill>
+              <a:schemeClr val="tx1"/>
+            </a:solidFill>
+            <a:prstDash val="lgDash"/>
+            <a:headEnd type="none"/>
+            <a:tailEnd type="triangle" w="lg" len="lg"/>
+          </a:ln>
+        </p:spPr>
+        <p:style>
+          <a:lnRef idx="1">
+            <a:schemeClr val="accent1"/>
+          </a:lnRef>
+          <a:fillRef idx="0">
+            <a:schemeClr val="accent1"/>
+          </a:fillRef>
+          <a:effectRef idx="0">
+            <a:schemeClr val="accent1"/>
+          </a:effectRef>
+          <a:fontRef idx="minor">
+            <a:schemeClr val="tx1"/>
+          </a:fontRef>
+        </p:style>
+      </p:cxnSp>
+      <p:cxnSp>
+        <p:nvCxnSpPr>
+          <p:cNvPr id="42" name="Straight Arrow Connector 41">
+            <a:extLst>
+              <a:ext uri="{FF2B5EF4-FFF2-40B4-BE49-F238E27FC236}">
+                <a16:creationId xmlns:a16="http://schemas.microsoft.com/office/drawing/2014/main" id="{C0202091-C7E2-0A41-BE4C-43965FDC2D17}"/>
+              </a:ext>
+            </a:extLst>
+          </p:cNvPr>
+          <p:cNvCxnSpPr>
+            <a:cxnSpLocks/>
+            <a:stCxn id="18" idx="3"/>
+          </p:cNvCxnSpPr>
+          <p:nvPr/>
+        </p:nvCxnSpPr>
+        <p:spPr>
+          <a:xfrm flipV="1">
+            <a:off x="5359400" y="4068617"/>
+            <a:ext cx="1270000" cy="595448"/>
+          </a:xfrm>
+          <a:prstGeom prst="straightConnector1">
+            <a:avLst/>
+          </a:prstGeom>
+          <a:ln w="25400">
+            <a:solidFill>
+              <a:schemeClr val="tx1"/>
+            </a:solidFill>
+            <a:prstDash val="lgDash"/>
+            <a:headEnd type="none"/>
+            <a:tailEnd type="triangle" w="lg" len="lg"/>
+          </a:ln>
+        </p:spPr>
+        <p:style>
+          <a:lnRef idx="1">
+            <a:schemeClr val="accent1"/>
+          </a:lnRef>
+          <a:fillRef idx="0">
+            <a:schemeClr val="accent1"/>
+          </a:fillRef>
+          <a:effectRef idx="0">
+            <a:schemeClr val="accent1"/>
+          </a:effectRef>
+          <a:fontRef idx="minor">
+            <a:schemeClr val="tx1"/>
+          </a:fontRef>
+        </p:style>
+      </p:cxnSp>
     </p:spTree>
     <p:extLst>
       <p:ext uri="{BB962C8B-B14F-4D97-AF65-F5344CB8AC3E}">
@@ -16663,10 +17204,10 @@
       </p:sp>
       <p:pic>
         <p:nvPicPr>
-          <p:cNvPr id="4" name="Picture 3">
+          <p:cNvPr id="5" name="Picture 4">
             <a:extLst>
               <a:ext uri="{FF2B5EF4-FFF2-40B4-BE49-F238E27FC236}">
-                <a16:creationId xmlns:a16="http://schemas.microsoft.com/office/drawing/2014/main" id="{0FF01CC4-1BF1-1B44-847D-A2A73F3BBE55}"/>
+                <a16:creationId xmlns:a16="http://schemas.microsoft.com/office/drawing/2014/main" id="{8A7C0814-7B45-2043-A6A5-D9BAC4A76816}"/>
               </a:ext>
             </a:extLst>
           </p:cNvPr>
@@ -16683,8 +17224,8 @@
         </p:blipFill>
         <p:spPr>
           <a:xfrm>
-            <a:off x="5485426" y="244602"/>
-            <a:ext cx="2985474" cy="6295898"/>
+            <a:off x="5472697" y="217759"/>
+            <a:ext cx="2998203" cy="6322741"/>
           </a:xfrm>
           <a:prstGeom prst="rect">
             <a:avLst/>

--- a/Documents/ObjectFlow.pptx
+++ b/Documents/ObjectFlow.pptx
@@ -261,7 +261,7 @@
           <a:p>
             <a:fld id="{1B0CFD80-FBD1-AB49-BE80-B9AD21A11C7F}" type="datetimeFigureOut">
               <a:rPr lang="en-US" smtClean="0"/>
-              <a:t>3/31/22</a:t>
+              <a:t>4/13/22</a:t>
             </a:fld>
             <a:endParaRPr lang="en-US"/>
           </a:p>
@@ -431,7 +431,7 @@
           <a:p>
             <a:fld id="{1B0CFD80-FBD1-AB49-BE80-B9AD21A11C7F}" type="datetimeFigureOut">
               <a:rPr lang="en-US" smtClean="0"/>
-              <a:t>3/31/22</a:t>
+              <a:t>4/13/22</a:t>
             </a:fld>
             <a:endParaRPr lang="en-US"/>
           </a:p>
@@ -611,7 +611,7 @@
           <a:p>
             <a:fld id="{1B0CFD80-FBD1-AB49-BE80-B9AD21A11C7F}" type="datetimeFigureOut">
               <a:rPr lang="en-US" smtClean="0"/>
-              <a:t>3/31/22</a:t>
+              <a:t>4/13/22</a:t>
             </a:fld>
             <a:endParaRPr lang="en-US"/>
           </a:p>
@@ -781,7 +781,7 @@
           <a:p>
             <a:fld id="{1B0CFD80-FBD1-AB49-BE80-B9AD21A11C7F}" type="datetimeFigureOut">
               <a:rPr lang="en-US" smtClean="0"/>
-              <a:t>3/31/22</a:t>
+              <a:t>4/13/22</a:t>
             </a:fld>
             <a:endParaRPr lang="en-US"/>
           </a:p>
@@ -1025,7 +1025,7 @@
           <a:p>
             <a:fld id="{1B0CFD80-FBD1-AB49-BE80-B9AD21A11C7F}" type="datetimeFigureOut">
               <a:rPr lang="en-US" smtClean="0"/>
-              <a:t>3/31/22</a:t>
+              <a:t>4/13/22</a:t>
             </a:fld>
             <a:endParaRPr lang="en-US"/>
           </a:p>
@@ -1257,7 +1257,7 @@
           <a:p>
             <a:fld id="{1B0CFD80-FBD1-AB49-BE80-B9AD21A11C7F}" type="datetimeFigureOut">
               <a:rPr lang="en-US" smtClean="0"/>
-              <a:t>3/31/22</a:t>
+              <a:t>4/13/22</a:t>
             </a:fld>
             <a:endParaRPr lang="en-US"/>
           </a:p>
@@ -1624,7 +1624,7 @@
           <a:p>
             <a:fld id="{1B0CFD80-FBD1-AB49-BE80-B9AD21A11C7F}" type="datetimeFigureOut">
               <a:rPr lang="en-US" smtClean="0"/>
-              <a:t>3/31/22</a:t>
+              <a:t>4/13/22</a:t>
             </a:fld>
             <a:endParaRPr lang="en-US"/>
           </a:p>
@@ -1742,7 +1742,7 @@
           <a:p>
             <a:fld id="{1B0CFD80-FBD1-AB49-BE80-B9AD21A11C7F}" type="datetimeFigureOut">
               <a:rPr lang="en-US" smtClean="0"/>
-              <a:t>3/31/22</a:t>
+              <a:t>4/13/22</a:t>
             </a:fld>
             <a:endParaRPr lang="en-US"/>
           </a:p>
@@ -1837,7 +1837,7 @@
           <a:p>
             <a:fld id="{1B0CFD80-FBD1-AB49-BE80-B9AD21A11C7F}" type="datetimeFigureOut">
               <a:rPr lang="en-US" smtClean="0"/>
-              <a:t>3/31/22</a:t>
+              <a:t>4/13/22</a:t>
             </a:fld>
             <a:endParaRPr lang="en-US"/>
           </a:p>
@@ -2114,7 +2114,7 @@
           <a:p>
             <a:fld id="{1B0CFD80-FBD1-AB49-BE80-B9AD21A11C7F}" type="datetimeFigureOut">
               <a:rPr lang="en-US" smtClean="0"/>
-              <a:t>3/31/22</a:t>
+              <a:t>4/13/22</a:t>
             </a:fld>
             <a:endParaRPr lang="en-US"/>
           </a:p>
@@ -2371,7 +2371,7 @@
           <a:p>
             <a:fld id="{1B0CFD80-FBD1-AB49-BE80-B9AD21A11C7F}" type="datetimeFigureOut">
               <a:rPr lang="en-US" smtClean="0"/>
-              <a:t>3/31/22</a:t>
+              <a:t>4/13/22</a:t>
             </a:fld>
             <a:endParaRPr lang="en-US"/>
           </a:p>
@@ -2584,7 +2584,7 @@
           <a:p>
             <a:fld id="{1B0CFD80-FBD1-AB49-BE80-B9AD21A11C7F}" type="datetimeFigureOut">
               <a:rPr lang="en-US" smtClean="0"/>
-              <a:t>3/31/22</a:t>
+              <a:t>4/13/22</a:t>
             </a:fld>
             <a:endParaRPr lang="en-US"/>
           </a:p>
@@ -5458,7 +5458,18 @@
                   <a:schemeClr val="tx1"/>
                 </a:solidFill>
               </a:rPr>
-              <a:t>Flow UML</a:t>
+              <a:t>YAML UML</a:t>
+            </a:r>
+          </a:p>
+          <a:p>
+            <a:pPr algn="ctr"/>
+            <a:r>
+              <a:rPr lang="en-US" dirty="0">
+                <a:solidFill>
+                  <a:schemeClr val="tx1"/>
+                </a:solidFill>
+              </a:rPr>
+              <a:t>TD</a:t>
             </a:r>
           </a:p>
         </p:txBody>
@@ -5559,8 +5570,8 @@
         </p:nvSpPr>
         <p:spPr>
           <a:xfrm>
-            <a:off x="6283788" y="5296662"/>
-            <a:ext cx="1289049" cy="369332"/>
+            <a:off x="6391738" y="4911790"/>
+            <a:ext cx="1289049" cy="1200329"/>
           </a:xfrm>
           <a:prstGeom prst="rect">
             <a:avLst/>
@@ -5573,10 +5584,43 @@
           </a:bodyPr>
           <a:lstStyle/>
           <a:p>
-            <a:pPr algn="ctr"/>
             <a:r>
               <a:rPr lang="en-US" dirty="0"/>
               <a:t>Documents</a:t>
+            </a:r>
+          </a:p>
+          <a:p>
+            <a:pPr marL="285750" indent="-285750">
+              <a:buFontTx/>
+              <a:buChar char="-"/>
+            </a:pPr>
+            <a:r>
+              <a:rPr lang="en-US" dirty="0"/>
+              <a:t>YAML</a:t>
+            </a:r>
+          </a:p>
+          <a:p>
+            <a:pPr marL="285750" indent="-285750">
+              <a:buFontTx/>
+              <a:buChar char="-"/>
+            </a:pPr>
+            <a:r>
+              <a:rPr lang="en-US" dirty="0"/>
+              <a:t>UML</a:t>
+            </a:r>
+          </a:p>
+          <a:p>
+            <a:pPr marL="285750" indent="-285750">
+              <a:buFontTx/>
+              <a:buChar char="-"/>
+            </a:pPr>
+            <a:r>
+              <a:rPr lang="en-US" dirty="0" err="1"/>
+              <a:t>WoT</a:t>
+            </a:r>
+            <a:r>
+              <a:rPr lang="en-US" dirty="0"/>
+              <a:t> TD</a:t>
             </a:r>
           </a:p>
         </p:txBody>

--- a/Documents/ObjectFlow.pptx
+++ b/Documents/ObjectFlow.pptx
@@ -3144,7 +3144,7 @@
           <a:p>
             <a:r>
               <a:rPr lang="en-US" dirty="0"/>
-              <a:t>The DFG model tools do all of the heavy lifting so the embedded code can be extremely simple and lightweight, e.g. type checking is done in the model</a:t>
+              <a:t>The DFG model tools do all of the heavy lifting so the embedded code can be extremely simple and lightweight, e.g. typing is done in the model</a:t>
             </a:r>
           </a:p>
           <a:p>
@@ -3336,20 +3336,12 @@
           <a:p>
             <a:pPr algn="ctr"/>
             <a:r>
-              <a:rPr lang="en-US" dirty="0" err="1">
+              <a:rPr lang="en-US" dirty="0">
                 <a:solidFill>
                   <a:schemeClr val="tx1"/>
                 </a:solidFill>
               </a:rPr>
-              <a:t>FLow</a:t>
-            </a:r>
-            <a:r>
-              <a:rPr lang="en-US" dirty="0">
-                <a:solidFill>
-                  <a:schemeClr val="tx1"/>
-                </a:solidFill>
-              </a:rPr>
-              <a:t> JSON</a:t>
+              <a:t>Flow JSON</a:t>
             </a:r>
           </a:p>
         </p:txBody>
@@ -6195,7 +6187,7 @@
           <a:p>
             <a:r>
               <a:rPr lang="en-US" dirty="0"/>
-              <a:t>Making a New Object</a:t>
+              <a:t>Making a New Object Type</a:t>
             </a:r>
           </a:p>
         </p:txBody>
@@ -12753,7 +12745,7 @@
           <a:p>
             <a:r>
               <a:rPr lang="en-US" dirty="0"/>
-              <a:t>Communication is implemented in the application layer using  a set of well-known LWM2M types</a:t>
+              <a:t>Communication is implemented in the application layer using  a set of standardized LWM2M types</a:t>
             </a:r>
           </a:p>
         </p:txBody>
@@ -12854,7 +12846,7 @@
           <a:p>
             <a:r>
               <a:rPr lang="en-US" dirty="0"/>
-              <a:t>A small set of primitives implemented as static C++ wrapper classes for Object and Resource </a:t>
+              <a:t>A small set of primitives implemented as static C++ wrappers for application Objects and Resources</a:t>
             </a:r>
           </a:p>
           <a:p>

--- a/Documents/ObjectFlow.pptx
+++ b/Documents/ObjectFlow.pptx
@@ -4390,7 +4390,7 @@
                   <a:schemeClr val="tx1"/>
                 </a:solidFill>
               </a:rPr>
-              <a:t>SDF</a:t>
+              <a:t>Model SDF</a:t>
             </a:r>
           </a:p>
         </p:txBody>
@@ -4634,7 +4634,7 @@
                   <a:schemeClr val="tx1"/>
                 </a:solidFill>
               </a:rPr>
-              <a:t>Flow JSON</a:t>
+              <a:t>Flow SDF</a:t>
             </a:r>
           </a:p>
         </p:txBody>
@@ -4689,8 +4689,8 @@
         </p:nvSpPr>
         <p:spPr>
           <a:xfrm>
-            <a:off x="1940682" y="3537540"/>
-            <a:ext cx="1289049" cy="646331"/>
+            <a:off x="1627473" y="3428153"/>
+            <a:ext cx="1439937" cy="923330"/>
           </a:xfrm>
           <a:prstGeom prst="rect">
             <a:avLst/>
@@ -4706,7 +4706,7 @@
             <a:pPr algn="ctr"/>
             <a:r>
               <a:rPr lang="en-US" dirty="0"/>
-              <a:t>Build SDF  Instances</a:t>
+              <a:t>Resolve SDF  Instance Templates</a:t>
             </a:r>
           </a:p>
         </p:txBody>
@@ -4725,7 +4725,7 @@
         </p:nvSpPr>
         <p:spPr>
           <a:xfrm>
-            <a:off x="4684585" y="2535154"/>
+            <a:off x="4635957" y="2633017"/>
             <a:ext cx="2044700" cy="646331"/>
           </a:xfrm>
           <a:prstGeom prst="rect">
@@ -4946,7 +4946,7 @@
                   <a:schemeClr val="tx1"/>
                 </a:solidFill>
               </a:rPr>
-              <a:t>SDF </a:t>
+              <a:t>Flow SDF </a:t>
             </a:r>
           </a:p>
         </p:txBody>
@@ -5028,7 +5028,7 @@
             <a:pPr algn="ctr"/>
             <a:r>
               <a:rPr lang="en-US" dirty="0"/>
-              <a:t>Select + Copy</a:t>
+              <a:t>Select + Merge</a:t>
             </a:r>
           </a:p>
         </p:txBody>
@@ -5179,40 +5179,6 @@
             <a:r>
               <a:rPr lang="en-US" dirty="0"/>
               <a:t>Merge</a:t>
-            </a:r>
-          </a:p>
-        </p:txBody>
-      </p:sp>
-      <p:sp>
-        <p:nvSpPr>
-          <p:cNvPr id="44" name="Rectangle 43">
-            <a:extLst>
-              <a:ext uri="{FF2B5EF4-FFF2-40B4-BE49-F238E27FC236}">
-                <a16:creationId xmlns:a16="http://schemas.microsoft.com/office/drawing/2014/main" id="{B54A1FEE-54B4-4B4D-8301-2496E4869626}"/>
-              </a:ext>
-            </a:extLst>
-          </p:cNvPr>
-          <p:cNvSpPr/>
-          <p:nvPr/>
-        </p:nvSpPr>
-        <p:spPr>
-          <a:xfrm>
-            <a:off x="4087675" y="3338129"/>
-            <a:ext cx="973731" cy="369332"/>
-          </a:xfrm>
-          <a:prstGeom prst="rect">
-            <a:avLst/>
-          </a:prstGeom>
-        </p:spPr>
-        <p:txBody>
-          <a:bodyPr wrap="square">
-            <a:spAutoFit/>
-          </a:bodyPr>
-          <a:lstStyle/>
-          <a:p>
-            <a:r>
-              <a:rPr lang="en-US" dirty="0"/>
-              <a:t>Serialize</a:t>
             </a:r>
           </a:p>
         </p:txBody>
@@ -7186,8 +7152,8 @@
         </p:nvSpPr>
         <p:spPr>
           <a:xfrm>
-            <a:off x="628650" y="1020763"/>
-            <a:ext cx="7886700" cy="5447645"/>
+            <a:off x="628650" y="1327050"/>
+            <a:ext cx="7043389" cy="4524315"/>
           </a:xfrm>
           <a:prstGeom prst="rect">
             <a:avLst/>
@@ -7224,7 +7190,7 @@
                 </a:solidFill>
                 <a:latin typeface="Courier" pitchFamily="2" charset="0"/>
               </a:rPr>
-              <a:t>objectflow</a:t>
+              <a:t>flo</a:t>
             </a:r>
             <a:br>
               <a:rPr lang="en-US" sz="1200" dirty="0"/>
@@ -7401,7 +7367,7 @@
                 </a:solidFill>
                 <a:latin typeface="Courier" pitchFamily="2" charset="0"/>
               </a:rPr>
-              <a:t>sdfThing</a:t>
+              <a:t>sdfObject</a:t>
             </a:r>
             <a:r>
               <a:rPr lang="en-US" sz="1200" dirty="0">
@@ -7473,7 +7439,7 @@
                 </a:solidFill>
                 <a:latin typeface="Courier" pitchFamily="2" charset="0"/>
               </a:rPr>
-              <a:t>sdfThing</a:t>
+              <a:t>sdfObject</a:t>
             </a:r>
             <a:r>
               <a:rPr lang="en-US" sz="1200" dirty="0">
@@ -7512,7 +7478,7 @@
                 </a:solidFill>
                 <a:latin typeface="Courier" pitchFamily="2" charset="0"/>
               </a:rPr>
-              <a:t>sdfData</a:t>
+              <a:t>flo:meta</a:t>
             </a:r>
             <a:r>
               <a:rPr lang="en-US" sz="1200" dirty="0">
@@ -7758,7 +7724,7 @@
                 </a:solidFill>
                 <a:latin typeface="Courier" pitchFamily="2" charset="0"/>
               </a:rPr>
-              <a:t>sdfThing</a:t>
+              <a:t>sdfProperty</a:t>
             </a:r>
             <a:r>
               <a:rPr lang="en-US" sz="1200" dirty="0">
@@ -7772,6 +7738,33 @@
             <a:br>
               <a:rPr lang="en-US" sz="1200" dirty="0"/>
             </a:br>
+            <a:r>
+              <a:rPr lang="en-US" sz="1200" dirty="0">
+                <a:solidFill>
+                  <a:srgbClr val="000000"/>
+                </a:solidFill>
+                <a:latin typeface="Courier" pitchFamily="2" charset="0"/>
+              </a:rPr>
+              <a:t>      </a:t>
+            </a:r>
+            <a:r>
+              <a:rPr lang="en-US" sz="1200" dirty="0" err="1">
+                <a:solidFill>
+                  <a:srgbClr val="000000"/>
+                </a:solidFill>
+                <a:latin typeface="Courier" pitchFamily="2" charset="0"/>
+              </a:rPr>
+              <a:t>InputValue</a:t>
+            </a:r>
+            <a:r>
+              <a:rPr lang="en-US" sz="1200" dirty="0">
+                <a:solidFill>
+                  <a:srgbClr val="000000"/>
+                </a:solidFill>
+                <a:latin typeface="Courier" pitchFamily="2" charset="0"/>
+              </a:rPr>
+              <a:t>:</a:t>
+            </a:r>
             <a:br>
               <a:rPr lang="en-US" sz="1200" dirty="0"/>
             </a:br>
@@ -7782,7 +7775,7 @@
                 </a:solidFill>
                 <a:latin typeface="Courier" pitchFamily="2" charset="0"/>
               </a:rPr>
-              <a:t>      </a:t>
+              <a:t>        </a:t>
             </a:r>
             <a:r>
               <a:rPr lang="en-US" sz="1200" dirty="0" err="1">
@@ -7791,6 +7784,78 @@
                 </a:solidFill>
                 <a:latin typeface="Courier" pitchFamily="2" charset="0"/>
               </a:rPr>
+              <a:t>sdfRef</a:t>
+            </a:r>
+            <a:r>
+              <a:rPr lang="en-US" sz="1200" dirty="0">
+                <a:solidFill>
+                  <a:srgbClr val="000000"/>
+                </a:solidFill>
+                <a:latin typeface="Courier" pitchFamily="2" charset="0"/>
+              </a:rPr>
+              <a:t>: /#/</a:t>
+            </a:r>
+            <a:r>
+              <a:rPr lang="en-US" sz="1200" dirty="0" err="1">
+                <a:solidFill>
+                  <a:srgbClr val="000000"/>
+                </a:solidFill>
+                <a:latin typeface="Courier" pitchFamily="2" charset="0"/>
+              </a:rPr>
+              <a:t>sdfObject</a:t>
+            </a:r>
+            <a:r>
+              <a:rPr lang="en-US" sz="1200" dirty="0">
+                <a:solidFill>
+                  <a:srgbClr val="000000"/>
+                </a:solidFill>
+                <a:latin typeface="Courier" pitchFamily="2" charset="0"/>
+              </a:rPr>
+              <a:t>/</a:t>
+            </a:r>
+            <a:r>
+              <a:rPr lang="en-US" sz="1200" dirty="0" err="1">
+                <a:solidFill>
+                  <a:srgbClr val="000000"/>
+                </a:solidFill>
+                <a:latin typeface="Courier" pitchFamily="2" charset="0"/>
+              </a:rPr>
+              <a:t>ObjectFlowObject</a:t>
+            </a:r>
+            <a:r>
+              <a:rPr lang="en-US" sz="1200" dirty="0">
+                <a:solidFill>
+                  <a:srgbClr val="000000"/>
+                </a:solidFill>
+                <a:latin typeface="Courier" pitchFamily="2" charset="0"/>
+              </a:rPr>
+              <a:t>/</a:t>
+            </a:r>
+            <a:r>
+              <a:rPr lang="en-US" sz="1200" dirty="0" err="1">
+                <a:solidFill>
+                  <a:srgbClr val="000000"/>
+                </a:solidFill>
+                <a:latin typeface="Courier" pitchFamily="2" charset="0"/>
+              </a:rPr>
+              <a:t>sdfProperty</a:t>
+            </a:r>
+            <a:r>
+              <a:rPr lang="en-US" sz="1200" dirty="0">
+                <a:solidFill>
+                  <a:srgbClr val="000000"/>
+                </a:solidFill>
+                <a:latin typeface="Courier" pitchFamily="2" charset="0"/>
+              </a:rPr>
+              <a:t>/</a:t>
+            </a:r>
+            <a:r>
+              <a:rPr lang="en-US" sz="1200" dirty="0" err="1">
+                <a:solidFill>
+                  <a:srgbClr val="000000"/>
+                </a:solidFill>
+                <a:latin typeface="Courier" pitchFamily="2" charset="0"/>
+              </a:rPr>
               <a:t>InputValue</a:t>
             </a:r>
             <a:r>
@@ -7800,7 +7865,7 @@
                 </a:solidFill>
                 <a:latin typeface="Courier" pitchFamily="2" charset="0"/>
               </a:rPr>
-              <a:t>:</a:t>
+              <a:t> </a:t>
             </a:r>
             <a:br>
               <a:rPr lang="en-US" sz="1200" dirty="0"/>
@@ -7812,7 +7877,7 @@
                 </a:solidFill>
                 <a:latin typeface="Courier" pitchFamily="2" charset="0"/>
               </a:rPr>
-              <a:t>        </a:t>
+              <a:t>        </a:t>
             </a:r>
             <a:r>
               <a:rPr lang="en-US" sz="1200" dirty="0" err="1">
@@ -7821,79 +7886,16 @@
                 </a:solidFill>
                 <a:latin typeface="Courier" pitchFamily="2" charset="0"/>
               </a:rPr>
-              <a:t>sdfRef</a:t>
-            </a:r>
-            <a:r>
-              <a:rPr lang="en-US" sz="1200" dirty="0">
-                <a:solidFill>
-                  <a:srgbClr val="000000"/>
-                </a:solidFill>
-                <a:latin typeface="Courier" pitchFamily="2" charset="0"/>
-              </a:rPr>
-              <a:t>: /#/</a:t>
-            </a:r>
-            <a:r>
-              <a:rPr lang="en-US" sz="1200" dirty="0" err="1">
-                <a:solidFill>
-                  <a:srgbClr val="000000"/>
-                </a:solidFill>
-                <a:latin typeface="Courier" pitchFamily="2" charset="0"/>
-              </a:rPr>
-              <a:t>sdfThing</a:t>
-            </a:r>
-            <a:r>
-              <a:rPr lang="en-US" sz="1200" dirty="0">
-                <a:solidFill>
-                  <a:srgbClr val="000000"/>
-                </a:solidFill>
-                <a:latin typeface="Courier" pitchFamily="2" charset="0"/>
-              </a:rPr>
-              <a:t>/</a:t>
-            </a:r>
-            <a:r>
-              <a:rPr lang="en-US" sz="1200" dirty="0" err="1">
-                <a:solidFill>
-                  <a:srgbClr val="000000"/>
-                </a:solidFill>
-                <a:latin typeface="Courier" pitchFamily="2" charset="0"/>
-              </a:rPr>
-              <a:t>ObjectFlowObject</a:t>
-            </a:r>
-            <a:r>
-              <a:rPr lang="en-US" sz="1200" dirty="0">
-                <a:solidFill>
-                  <a:srgbClr val="000000"/>
-                </a:solidFill>
-                <a:latin typeface="Courier" pitchFamily="2" charset="0"/>
-              </a:rPr>
-              <a:t>/</a:t>
-            </a:r>
-            <a:r>
-              <a:rPr lang="en-US" sz="1200" dirty="0" err="1">
-                <a:solidFill>
-                  <a:srgbClr val="000000"/>
-                </a:solidFill>
-                <a:latin typeface="Courier" pitchFamily="2" charset="0"/>
-              </a:rPr>
-              <a:t>sdfThing</a:t>
-            </a:r>
-            <a:r>
-              <a:rPr lang="en-US" sz="1200" dirty="0">
-                <a:solidFill>
-                  <a:srgbClr val="000000"/>
-                </a:solidFill>
-                <a:latin typeface="Courier" pitchFamily="2" charset="0"/>
-              </a:rPr>
-              <a:t>/</a:t>
-            </a:r>
-            <a:r>
-              <a:rPr lang="en-US" sz="1200" dirty="0" err="1">
-                <a:solidFill>
-                  <a:srgbClr val="000000"/>
-                </a:solidFill>
-                <a:latin typeface="Courier" pitchFamily="2" charset="0"/>
-              </a:rPr>
-              <a:t>InputValue</a:t>
+              <a:t>sdfChoice</a:t>
+            </a:r>
+            <a:r>
+              <a:rPr lang="en-US" sz="1200" dirty="0">
+                <a:solidFill>
+                  <a:srgbClr val="000000"/>
+                </a:solidFill>
+                <a:latin typeface="Courier" pitchFamily="2" charset="0"/>
+              </a:rPr>
+              <a:t>: </a:t>
             </a:r>
             <a:br>
               <a:rPr lang="en-US" sz="1200" dirty="0"/>
@@ -7905,7 +7907,7 @@
                 </a:solidFill>
                 <a:latin typeface="Courier" pitchFamily="2" charset="0"/>
               </a:rPr>
-              <a:t>        </a:t>
+              <a:t>          </a:t>
             </a:r>
             <a:r>
               <a:rPr lang="en-US" sz="1200" dirty="0" err="1">
@@ -7914,138 +7916,6 @@
                 </a:solidFill>
                 <a:latin typeface="Courier" pitchFamily="2" charset="0"/>
               </a:rPr>
-              <a:t>ValueType</a:t>
-            </a:r>
-            <a:r>
-              <a:rPr lang="en-US" sz="1200" dirty="0">
-                <a:solidFill>
-                  <a:srgbClr val="000000"/>
-                </a:solidFill>
-                <a:latin typeface="Courier" pitchFamily="2" charset="0"/>
-              </a:rPr>
-              <a:t>: </a:t>
-            </a:r>
-            <a:br>
-              <a:rPr lang="en-US" sz="1200" dirty="0"/>
-            </a:br>
-            <a:r>
-              <a:rPr lang="en-US" sz="1200" dirty="0">
-                <a:solidFill>
-                  <a:srgbClr val="000000"/>
-                </a:solidFill>
-                <a:latin typeface="Courier" pitchFamily="2" charset="0"/>
-              </a:rPr>
-              <a:t>          </a:t>
-            </a:r>
-            <a:r>
-              <a:rPr lang="en-US" sz="1200" dirty="0" err="1">
-                <a:solidFill>
-                  <a:srgbClr val="000000"/>
-                </a:solidFill>
-                <a:latin typeface="Courier" pitchFamily="2" charset="0"/>
-              </a:rPr>
-              <a:t>sdfChoice</a:t>
-            </a:r>
-            <a:r>
-              <a:rPr lang="en-US" sz="1200" dirty="0">
-                <a:solidFill>
-                  <a:srgbClr val="000000"/>
-                </a:solidFill>
-                <a:latin typeface="Courier" pitchFamily="2" charset="0"/>
-              </a:rPr>
-              <a:t>: </a:t>
-            </a:r>
-            <a:br>
-              <a:rPr lang="en-US" sz="1200" dirty="0"/>
-            </a:br>
-            <a:r>
-              <a:rPr lang="en-US" sz="1200" dirty="0">
-                <a:solidFill>
-                  <a:srgbClr val="000000"/>
-                </a:solidFill>
-                <a:latin typeface="Courier" pitchFamily="2" charset="0"/>
-              </a:rPr>
-              <a:t>            default: { </a:t>
-            </a:r>
-            <a:r>
-              <a:rPr lang="en-US" sz="1200" dirty="0" err="1">
-                <a:solidFill>
-                  <a:srgbClr val="000000"/>
-                </a:solidFill>
-                <a:latin typeface="Courier" pitchFamily="2" charset="0"/>
-              </a:rPr>
-              <a:t>sdfRef</a:t>
-            </a:r>
-            <a:r>
-              <a:rPr lang="en-US" sz="1200" dirty="0">
-                <a:solidFill>
-                  <a:srgbClr val="000000"/>
-                </a:solidFill>
-                <a:latin typeface="Courier" pitchFamily="2" charset="0"/>
-              </a:rPr>
-              <a:t>: /#/</a:t>
-            </a:r>
-            <a:r>
-              <a:rPr lang="en-US" sz="1200" dirty="0" err="1">
-                <a:solidFill>
-                  <a:srgbClr val="000000"/>
-                </a:solidFill>
-                <a:latin typeface="Courier" pitchFamily="2" charset="0"/>
-              </a:rPr>
-              <a:t>sdfData</a:t>
-            </a:r>
-            <a:r>
-              <a:rPr lang="en-US" sz="1200" dirty="0">
-                <a:solidFill>
-                  <a:srgbClr val="000000"/>
-                </a:solidFill>
-                <a:latin typeface="Courier" pitchFamily="2" charset="0"/>
-              </a:rPr>
-              <a:t>/</a:t>
-            </a:r>
-            <a:r>
-              <a:rPr lang="en-US" sz="1200" dirty="0" err="1">
-                <a:solidFill>
-                  <a:srgbClr val="000000"/>
-                </a:solidFill>
-                <a:latin typeface="Courier" pitchFamily="2" charset="0"/>
-              </a:rPr>
-              <a:t>ValueType</a:t>
-            </a:r>
-            <a:r>
-              <a:rPr lang="en-US" sz="1200" dirty="0">
-                <a:solidFill>
-                  <a:srgbClr val="000000"/>
-                </a:solidFill>
-                <a:latin typeface="Courier" pitchFamily="2" charset="0"/>
-              </a:rPr>
-              <a:t>/</a:t>
-            </a:r>
-            <a:r>
-              <a:rPr lang="en-US" sz="1200" dirty="0" err="1">
-                <a:solidFill>
-                  <a:srgbClr val="000000"/>
-                </a:solidFill>
-                <a:latin typeface="Courier" pitchFamily="2" charset="0"/>
-              </a:rPr>
-              <a:t>sdfChoice</a:t>
-            </a:r>
-            <a:r>
-              <a:rPr lang="en-US" sz="1200" dirty="0">
-                <a:solidFill>
-                  <a:srgbClr val="000000"/>
-                </a:solidFill>
-                <a:latin typeface="Courier" pitchFamily="2" charset="0"/>
-              </a:rPr>
-              <a:t>/</a:t>
-            </a:r>
-            <a:r>
-              <a:rPr lang="en-US" sz="1200" dirty="0" err="1">
-                <a:solidFill>
-                  <a:srgbClr val="000000"/>
-                </a:solidFill>
-                <a:latin typeface="Courier" pitchFamily="2" charset="0"/>
-              </a:rPr>
               <a:t>IntegerType</a:t>
             </a:r>
             <a:r>
@@ -8055,148 +7925,9 @@
                 </a:solidFill>
                 <a:latin typeface="Courier" pitchFamily="2" charset="0"/>
               </a:rPr>
-              <a:t> }</a:t>
-            </a:r>
-            <a:br>
-              <a:rPr lang="en-US" sz="1200" dirty="0"/>
-            </a:br>
-            <a:br>
-              <a:rPr lang="en-US" sz="1200" dirty="0"/>
-            </a:br>
-            <a:r>
-              <a:rPr lang="en-US" sz="1200" dirty="0">
-                <a:solidFill>
-                  <a:srgbClr val="000000"/>
-                </a:solidFill>
-                <a:latin typeface="Courier" pitchFamily="2" charset="0"/>
-              </a:rPr>
-              <a:t>    </a:t>
-            </a:r>
-            <a:r>
-              <a:rPr lang="en-US" sz="1200" dirty="0" err="1">
-                <a:solidFill>
-                  <a:srgbClr val="000000"/>
-                </a:solidFill>
-                <a:latin typeface="Courier" pitchFamily="2" charset="0"/>
-              </a:rPr>
-              <a:t>sdfAction</a:t>
-            </a:r>
-            <a:r>
-              <a:rPr lang="en-US" sz="1200" dirty="0">
-                <a:solidFill>
-                  <a:srgbClr val="000000"/>
-                </a:solidFill>
-                <a:latin typeface="Courier" pitchFamily="2" charset="0"/>
-              </a:rPr>
-              <a:t>:</a:t>
-            </a:r>
-            <a:br>
-              <a:rPr lang="en-US" sz="1200" dirty="0"/>
-            </a:br>
-            <a:r>
-              <a:rPr lang="en-US" sz="1200" dirty="0">
-                <a:solidFill>
-                  <a:srgbClr val="000000"/>
-                </a:solidFill>
-                <a:latin typeface="Courier" pitchFamily="2" charset="0"/>
-              </a:rPr>
-              <a:t>      </a:t>
-            </a:r>
-            <a:r>
-              <a:rPr lang="en-US" sz="1200" dirty="0" err="1">
-                <a:solidFill>
-                  <a:srgbClr val="000000"/>
-                </a:solidFill>
-                <a:latin typeface="Courier" pitchFamily="2" charset="0"/>
-              </a:rPr>
-              <a:t>OnDefaultValueUpdate</a:t>
-            </a:r>
-            <a:r>
-              <a:rPr lang="en-US" sz="1200" dirty="0">
-                <a:solidFill>
-                  <a:srgbClr val="000000"/>
-                </a:solidFill>
-                <a:latin typeface="Courier" pitchFamily="2" charset="0"/>
-              </a:rPr>
-              <a:t>: Publish the data to the endpoint</a:t>
+              <a:t>: { default: 0 }</a:t>
             </a:r>
             <a:endParaRPr lang="en-US" sz="1200" dirty="0"/>
-          </a:p>
-        </p:txBody>
-      </p:sp>
-      <p:sp>
-        <p:nvSpPr>
-          <p:cNvPr id="5" name="Rectangle 4">
-            <a:extLst>
-              <a:ext uri="{FF2B5EF4-FFF2-40B4-BE49-F238E27FC236}">
-                <a16:creationId xmlns:a16="http://schemas.microsoft.com/office/drawing/2014/main" id="{A965233A-A99A-E546-9140-9BC76397FA83}"/>
-              </a:ext>
-            </a:extLst>
-          </p:cNvPr>
-          <p:cNvSpPr/>
-          <p:nvPr/>
-        </p:nvSpPr>
-        <p:spPr>
-          <a:xfrm>
-            <a:off x="5753055" y="3435320"/>
-            <a:ext cx="3084499" cy="307777"/>
-          </a:xfrm>
-          <a:prstGeom prst="rect">
-            <a:avLst/>
-          </a:prstGeom>
-        </p:spPr>
-        <p:txBody>
-          <a:bodyPr wrap="none">
-            <a:spAutoFit/>
-          </a:bodyPr>
-          <a:lstStyle/>
-          <a:p>
-            <a:r>
-              <a:rPr lang="en-US" sz="1400" dirty="0">
-                <a:solidFill>
-                  <a:srgbClr val="000000"/>
-                </a:solidFill>
-                <a:latin typeface="Courier" pitchFamily="2" charset="0"/>
-              </a:rPr>
-              <a:t>=&gt; </a:t>
-            </a:r>
-            <a:r>
-              <a:rPr lang="en-US" sz="1400" dirty="0" err="1">
-                <a:solidFill>
-                  <a:srgbClr val="000000"/>
-                </a:solidFill>
-                <a:latin typeface="Courier" pitchFamily="2" charset="0"/>
-              </a:rPr>
-              <a:t>TypeID</a:t>
-            </a:r>
-            <a:r>
-              <a:rPr lang="en-US" sz="1400" dirty="0">
-                <a:solidFill>
-                  <a:srgbClr val="000000"/>
-                </a:solidFill>
-                <a:latin typeface="Courier" pitchFamily="2" charset="0"/>
-              </a:rPr>
-              <a:t>: { </a:t>
-            </a:r>
-            <a:r>
-              <a:rPr lang="en-US" sz="1400" dirty="0" err="1">
-                <a:solidFill>
-                  <a:srgbClr val="000000"/>
-                </a:solidFill>
-                <a:latin typeface="Courier" pitchFamily="2" charset="0"/>
-              </a:rPr>
-              <a:t>const</a:t>
-            </a:r>
-            <a:r>
-              <a:rPr lang="en-US" sz="1400" dirty="0">
-                <a:solidFill>
-                  <a:srgbClr val="000000"/>
-                </a:solidFill>
-                <a:latin typeface="Courier" pitchFamily="2" charset="0"/>
-              </a:rPr>
-              <a:t>: 43008 }</a:t>
-            </a:r>
-            <a:endParaRPr lang="en-US" sz="1400" dirty="0"/>
           </a:p>
         </p:txBody>
       </p:sp>
@@ -8277,8 +8008,8 @@
         </p:nvSpPr>
         <p:spPr>
           <a:xfrm>
-            <a:off x="349250" y="258425"/>
-            <a:ext cx="8153400" cy="6370975"/>
+            <a:off x="583426" y="882893"/>
+            <a:ext cx="8063106" cy="5262979"/>
           </a:xfrm>
           <a:prstGeom prst="rect">
             <a:avLst/>
@@ -8315,7 +8046,7 @@
                 </a:solidFill>
                 <a:latin typeface="Courier" pitchFamily="2" charset="0"/>
               </a:rPr>
-              <a:t>objectflow</a:t>
+              <a:t>flo</a:t>
             </a:r>
             <a:br>
               <a:rPr lang="en-US" sz="1200" dirty="0"/>
@@ -8363,25 +8094,7 @@
                 </a:solidFill>
                 <a:latin typeface="Courier" pitchFamily="2" charset="0"/>
               </a:rPr>
-              <a:t>  </a:t>
-            </a:r>
-            <a:r>
-              <a:rPr lang="en-US" sz="1200" dirty="0" err="1">
-                <a:solidFill>
-                  <a:srgbClr val="000000"/>
-                </a:solidFill>
-                <a:latin typeface="Courier" pitchFamily="2" charset="0"/>
-              </a:rPr>
-              <a:t>InstanceGraph</a:t>
-            </a:r>
-            <a:r>
-              <a:rPr lang="en-US" sz="1200" dirty="0">
-                <a:solidFill>
-                  <a:srgbClr val="000000"/>
-                </a:solidFill>
-                <a:latin typeface="Courier" pitchFamily="2" charset="0"/>
-              </a:rPr>
-              <a:t>:</a:t>
+              <a:t>  Flow:</a:t>
             </a:r>
             <a:br>
               <a:rPr lang="en-US" sz="1200" dirty="0"/>
@@ -8471,7 +8184,7 @@
                 </a:solidFill>
                 <a:latin typeface="Courier" pitchFamily="2" charset="0"/>
               </a:rPr>
-              <a:t>sdfThing</a:t>
+              <a:t>sdfObject</a:t>
             </a:r>
             <a:r>
               <a:rPr lang="en-US" sz="1200" dirty="0">
@@ -8485,6 +8198,33 @@
             <a:br>
               <a:rPr lang="en-US" sz="1200" dirty="0"/>
             </a:br>
+            <a:r>
+              <a:rPr lang="en-US" sz="1200" dirty="0">
+                <a:solidFill>
+                  <a:srgbClr val="000000"/>
+                </a:solidFill>
+                <a:latin typeface="Courier" pitchFamily="2" charset="0"/>
+              </a:rPr>
+              <a:t>      </a:t>
+            </a:r>
+            <a:r>
+              <a:rPr lang="en-US" sz="1200" dirty="0" err="1">
+                <a:solidFill>
+                  <a:srgbClr val="000000"/>
+                </a:solidFill>
+                <a:latin typeface="Courier" pitchFamily="2" charset="0"/>
+              </a:rPr>
+              <a:t>TimeSource</a:t>
+            </a:r>
+            <a:r>
+              <a:rPr lang="en-US" sz="1200" dirty="0">
+                <a:solidFill>
+                  <a:srgbClr val="000000"/>
+                </a:solidFill>
+                <a:latin typeface="Courier" pitchFamily="2" charset="0"/>
+              </a:rPr>
+              <a:t>:</a:t>
+            </a:r>
             <a:br>
               <a:rPr lang="en-US" sz="1200" dirty="0"/>
             </a:br>
@@ -8495,7 +8235,7 @@
                 </a:solidFill>
                 <a:latin typeface="Courier" pitchFamily="2" charset="0"/>
               </a:rPr>
-              <a:t>      </a:t>
+              <a:t>        </a:t>
             </a:r>
             <a:r>
               <a:rPr lang="en-US" sz="1200" dirty="0" err="1">
@@ -8504,16 +8244,43 @@
                 </a:solidFill>
                 <a:latin typeface="Courier" pitchFamily="2" charset="0"/>
               </a:rPr>
+              <a:t>sdfRef</a:t>
+            </a:r>
+            <a:r>
+              <a:rPr lang="en-US" sz="1200" dirty="0">
+                <a:solidFill>
+                  <a:srgbClr val="000000"/>
+                </a:solidFill>
+                <a:latin typeface="Courier" pitchFamily="2" charset="0"/>
+              </a:rPr>
+              <a:t>: /#/</a:t>
+            </a:r>
+            <a:r>
+              <a:rPr lang="en-US" sz="1200" dirty="0" err="1">
+                <a:solidFill>
+                  <a:srgbClr val="000000"/>
+                </a:solidFill>
+                <a:latin typeface="Courier" pitchFamily="2" charset="0"/>
+              </a:rPr>
+              <a:t>sdfObject</a:t>
+            </a:r>
+            <a:r>
+              <a:rPr lang="en-US" sz="1200" dirty="0">
+                <a:solidFill>
+                  <a:srgbClr val="000000"/>
+                </a:solidFill>
+                <a:latin typeface="Courier" pitchFamily="2" charset="0"/>
+              </a:rPr>
+              <a:t>/</a:t>
+            </a:r>
+            <a:r>
+              <a:rPr lang="en-US" sz="1200" dirty="0" err="1">
+                <a:solidFill>
+                  <a:srgbClr val="000000"/>
+                </a:solidFill>
+                <a:latin typeface="Courier" pitchFamily="2" charset="0"/>
+              </a:rPr>
               <a:t>TimeSource</a:t>
-            </a:r>
-            <a:r>
-              <a:rPr lang="en-US" sz="1200" dirty="0">
-                <a:solidFill>
-                  <a:srgbClr val="000000"/>
-                </a:solidFill>
-                <a:latin typeface="Courier" pitchFamily="2" charset="0"/>
-              </a:rPr>
-              <a:t>:</a:t>
             </a:r>
             <a:br>
               <a:rPr lang="en-US" sz="1200" dirty="0"/>
@@ -8534,43 +8301,16 @@
                 </a:solidFill>
                 <a:latin typeface="Courier" pitchFamily="2" charset="0"/>
               </a:rPr>
-              <a:t>sdfRef</a:t>
-            </a:r>
-            <a:r>
-              <a:rPr lang="en-US" sz="1200" dirty="0">
-                <a:solidFill>
-                  <a:srgbClr val="000000"/>
-                </a:solidFill>
-                <a:latin typeface="Courier" pitchFamily="2" charset="0"/>
-              </a:rPr>
-              <a:t>: /#/</a:t>
-            </a:r>
-            <a:r>
-              <a:rPr lang="en-US" sz="1200" dirty="0" err="1">
-                <a:solidFill>
-                  <a:srgbClr val="000000"/>
-                </a:solidFill>
-                <a:latin typeface="Courier" pitchFamily="2" charset="0"/>
-              </a:rPr>
-              <a:t>sdfThing</a:t>
-            </a:r>
-            <a:r>
-              <a:rPr lang="en-US" sz="1200" dirty="0">
-                <a:solidFill>
-                  <a:srgbClr val="000000"/>
-                </a:solidFill>
-                <a:latin typeface="Courier" pitchFamily="2" charset="0"/>
-              </a:rPr>
-              <a:t>/</a:t>
-            </a:r>
-            <a:r>
-              <a:rPr lang="en-US" sz="1200" dirty="0" err="1">
-                <a:solidFill>
-                  <a:srgbClr val="000000"/>
-                </a:solidFill>
-                <a:latin typeface="Courier" pitchFamily="2" charset="0"/>
-              </a:rPr>
-              <a:t>TimeSource</a:t>
+              <a:t>sdfProperty</a:t>
+            </a:r>
+            <a:r>
+              <a:rPr lang="en-US" sz="1200" dirty="0">
+                <a:solidFill>
+                  <a:srgbClr val="000000"/>
+                </a:solidFill>
+                <a:latin typeface="Courier" pitchFamily="2" charset="0"/>
+              </a:rPr>
+              <a:t>:</a:t>
             </a:r>
             <a:br>
               <a:rPr lang="en-US" sz="1200" dirty="0"/>
@@ -8582,7 +8322,7 @@
                 </a:solidFill>
                 <a:latin typeface="Courier" pitchFamily="2" charset="0"/>
               </a:rPr>
-              <a:t>        </a:t>
+              <a:t>          </a:t>
             </a:r>
             <a:r>
               <a:rPr lang="en-US" sz="1200" dirty="0" err="1">
@@ -8591,7 +8331,7 @@
                 </a:solidFill>
                 <a:latin typeface="Courier" pitchFamily="2" charset="0"/>
               </a:rPr>
-              <a:t>sdfThing</a:t>
+              <a:t>IntervalTime</a:t>
             </a:r>
             <a:r>
               <a:rPr lang="en-US" sz="1200" dirty="0">
@@ -8612,7 +8352,7 @@
                 </a:solidFill>
                 <a:latin typeface="Courier" pitchFamily="2" charset="0"/>
               </a:rPr>
-              <a:t>          </a:t>
+              <a:t>            </a:t>
             </a:r>
             <a:r>
               <a:rPr lang="en-US" sz="1200" dirty="0" err="1">
@@ -8621,7 +8361,7 @@
                 </a:solidFill>
                 <a:latin typeface="Courier" pitchFamily="2" charset="0"/>
               </a:rPr>
-              <a:t>IntervalTime</a:t>
+              <a:t>sdfProperty</a:t>
             </a:r>
             <a:r>
               <a:rPr lang="en-US" sz="1200" dirty="0">
@@ -8642,7 +8382,7 @@
                 </a:solidFill>
                 <a:latin typeface="Courier" pitchFamily="2" charset="0"/>
               </a:rPr>
-              <a:t>            </a:t>
+              <a:t>              </a:t>
             </a:r>
             <a:r>
               <a:rPr lang="en-US" sz="1200" dirty="0" err="1">
@@ -8651,7 +8391,7 @@
                 </a:solidFill>
                 <a:latin typeface="Courier" pitchFamily="2" charset="0"/>
               </a:rPr>
-              <a:t>sdfProperty</a:t>
+              <a:t>sdfChoice</a:t>
             </a:r>
             <a:r>
               <a:rPr lang="en-US" sz="1200" dirty="0">
@@ -8672,7 +8412,43 @@
                 </a:solidFill>
                 <a:latin typeface="Courier" pitchFamily="2" charset="0"/>
               </a:rPr>
-              <a:t>              Value: </a:t>
+              <a:t>                </a:t>
+            </a:r>
+            <a:r>
+              <a:rPr lang="en-US" sz="1200" dirty="0" err="1">
+                <a:solidFill>
+                  <a:srgbClr val="000000"/>
+                </a:solidFill>
+                <a:latin typeface="Courier" pitchFamily="2" charset="0"/>
+              </a:rPr>
+              <a:t>IntegerType</a:t>
+            </a:r>
+            <a:r>
+              <a:rPr lang="en-US" sz="1200" dirty="0">
+                <a:solidFill>
+                  <a:srgbClr val="000000"/>
+                </a:solidFill>
+                <a:latin typeface="Courier" pitchFamily="2" charset="0"/>
+              </a:rPr>
+              <a:t>: { </a:t>
+            </a:r>
+            <a:r>
+              <a:rPr lang="en-US" sz="1200" dirty="0" err="1">
+                <a:solidFill>
+                  <a:srgbClr val="000000"/>
+                </a:solidFill>
+                <a:latin typeface="Courier" pitchFamily="2" charset="0"/>
+              </a:rPr>
+              <a:t>const</a:t>
+            </a:r>
+            <a:r>
+              <a:rPr lang="en-US" sz="1200" dirty="0">
+                <a:solidFill>
+                  <a:srgbClr val="000000"/>
+                </a:solidFill>
+                <a:latin typeface="Courier" pitchFamily="2" charset="0"/>
+              </a:rPr>
+              <a:t>: 1000 }</a:t>
             </a:r>
             <a:br>
               <a:rPr lang="en-US" sz="1200" dirty="0"/>
@@ -8684,7 +8460,7 @@
                 </a:solidFill>
                 <a:latin typeface="Courier" pitchFamily="2" charset="0"/>
               </a:rPr>
-              <a:t>                </a:t>
+              <a:t>          </a:t>
             </a:r>
             <a:r>
               <a:rPr lang="en-US" sz="1200" dirty="0" err="1">
@@ -8693,7 +8469,7 @@
                 </a:solidFill>
                 <a:latin typeface="Courier" pitchFamily="2" charset="0"/>
               </a:rPr>
-              <a:t>sdfChoice</a:t>
+              <a:t>OutputLink</a:t>
             </a:r>
             <a:r>
               <a:rPr lang="en-US" sz="1200" dirty="0">
@@ -8714,7 +8490,7 @@
                 </a:solidFill>
                 <a:latin typeface="Courier" pitchFamily="2" charset="0"/>
               </a:rPr>
-              <a:t>                  </a:t>
+              <a:t>            </a:t>
             </a:r>
             <a:r>
               <a:rPr lang="en-US" sz="1200" dirty="0" err="1">
@@ -8723,34 +8499,16 @@
                 </a:solidFill>
                 <a:latin typeface="Courier" pitchFamily="2" charset="0"/>
               </a:rPr>
-              <a:t>IntegerType</a:t>
-            </a:r>
-            <a:r>
-              <a:rPr lang="en-US" sz="1200" dirty="0">
-                <a:solidFill>
-                  <a:srgbClr val="000000"/>
-                </a:solidFill>
-                <a:latin typeface="Courier" pitchFamily="2" charset="0"/>
-              </a:rPr>
-              <a:t>: { </a:t>
-            </a:r>
-            <a:r>
-              <a:rPr lang="en-US" sz="1200" dirty="0" err="1">
-                <a:solidFill>
-                  <a:srgbClr val="000000"/>
-                </a:solidFill>
-                <a:latin typeface="Courier" pitchFamily="2" charset="0"/>
-              </a:rPr>
-              <a:t>const</a:t>
-            </a:r>
-            <a:r>
-              <a:rPr lang="en-US" sz="1200" dirty="0">
-                <a:solidFill>
-                  <a:srgbClr val="000000"/>
-                </a:solidFill>
-                <a:latin typeface="Courier" pitchFamily="2" charset="0"/>
-              </a:rPr>
-              <a:t>: 1000 }</a:t>
+              <a:t>flo:meta</a:t>
+            </a:r>
+            <a:r>
+              <a:rPr lang="en-US" sz="1200" dirty="0">
+                <a:solidFill>
+                  <a:srgbClr val="000000"/>
+                </a:solidFill>
+                <a:latin typeface="Courier" pitchFamily="2" charset="0"/>
+              </a:rPr>
+              <a:t>:</a:t>
             </a:r>
             <a:br>
               <a:rPr lang="en-US" sz="1200" dirty="0"/>
@@ -8762,7 +8520,7 @@
                 </a:solidFill>
                 <a:latin typeface="Courier" pitchFamily="2" charset="0"/>
               </a:rPr>
-              <a:t>          </a:t>
+              <a:t>              </a:t>
             </a:r>
             <a:r>
               <a:rPr lang="en-US" sz="1200" dirty="0" err="1">
@@ -8771,16 +8529,88 @@
                 </a:solidFill>
                 <a:latin typeface="Courier" pitchFamily="2" charset="0"/>
               </a:rPr>
-              <a:t>OutputLink</a:t>
-            </a:r>
-            <a:r>
-              <a:rPr lang="en-US" sz="1200" dirty="0">
-                <a:solidFill>
-                  <a:srgbClr val="000000"/>
-                </a:solidFill>
-                <a:latin typeface="Courier" pitchFamily="2" charset="0"/>
-              </a:rPr>
-              <a:t>:</a:t>
+              <a:t>SdfLink</a:t>
+            </a:r>
+            <a:r>
+              <a:rPr lang="en-US" sz="1200" dirty="0">
+                <a:solidFill>
+                  <a:srgbClr val="000000"/>
+                </a:solidFill>
+                <a:latin typeface="Courier" pitchFamily="2" charset="0"/>
+              </a:rPr>
+              <a:t>: { </a:t>
+            </a:r>
+            <a:r>
+              <a:rPr lang="en-US" sz="1200" dirty="0" err="1">
+                <a:solidFill>
+                  <a:srgbClr val="000000"/>
+                </a:solidFill>
+                <a:latin typeface="Courier" pitchFamily="2" charset="0"/>
+              </a:rPr>
+              <a:t>InstancePointer</a:t>
+            </a:r>
+            <a:r>
+              <a:rPr lang="en-US" sz="1200" dirty="0">
+                <a:solidFill>
+                  <a:srgbClr val="000000"/>
+                </a:solidFill>
+                <a:latin typeface="Courier" pitchFamily="2" charset="0"/>
+              </a:rPr>
+              <a:t>: /#/</a:t>
+            </a:r>
+            <a:r>
+              <a:rPr lang="en-US" sz="1200" dirty="0" err="1">
+                <a:solidFill>
+                  <a:srgbClr val="000000"/>
+                </a:solidFill>
+                <a:latin typeface="Courier" pitchFamily="2" charset="0"/>
+              </a:rPr>
+              <a:t>sdfThing</a:t>
+            </a:r>
+            <a:r>
+              <a:rPr lang="en-US" sz="1200" dirty="0">
+                <a:solidFill>
+                  <a:srgbClr val="000000"/>
+                </a:solidFill>
+                <a:latin typeface="Courier" pitchFamily="2" charset="0"/>
+              </a:rPr>
+              <a:t>/Flow/</a:t>
+            </a:r>
+            <a:r>
+              <a:rPr lang="en-US" sz="1200" dirty="0" err="1">
+                <a:solidFill>
+                  <a:srgbClr val="000000"/>
+                </a:solidFill>
+                <a:latin typeface="Courier" pitchFamily="2" charset="0"/>
+              </a:rPr>
+              <a:t>sdfObject</a:t>
+            </a:r>
+            <a:r>
+              <a:rPr lang="en-US" sz="1200" dirty="0">
+                <a:solidFill>
+                  <a:srgbClr val="000000"/>
+                </a:solidFill>
+                <a:latin typeface="Courier" pitchFamily="2" charset="0"/>
+              </a:rPr>
+              <a:t>/</a:t>
+            </a:r>
+            <a:r>
+              <a:rPr lang="en-US" sz="1200" dirty="0" err="1">
+                <a:solidFill>
+                  <a:srgbClr val="000000"/>
+                </a:solidFill>
+                <a:latin typeface="Courier" pitchFamily="2" charset="0"/>
+              </a:rPr>
+              <a:t>AnalogInput</a:t>
+            </a:r>
+            <a:r>
+              <a:rPr lang="en-US" sz="1200" dirty="0">
+                <a:solidFill>
+                  <a:srgbClr val="000000"/>
+                </a:solidFill>
+                <a:latin typeface="Courier" pitchFamily="2" charset="0"/>
+              </a:rPr>
+              <a:t> }</a:t>
             </a:r>
             <a:br>
               <a:rPr lang="en-US" sz="1200" dirty="0"/>
@@ -8792,7 +8622,7 @@
                 </a:solidFill>
                 <a:latin typeface="Courier" pitchFamily="2" charset="0"/>
               </a:rPr>
-              <a:t>            </a:t>
+              <a:t>      </a:t>
             </a:r>
             <a:r>
               <a:rPr lang="en-US" sz="1200" dirty="0" err="1">
@@ -8801,7 +8631,7 @@
                 </a:solidFill>
                 <a:latin typeface="Courier" pitchFamily="2" charset="0"/>
               </a:rPr>
-              <a:t>sdfData</a:t>
+              <a:t>AnalogInput</a:t>
             </a:r>
             <a:r>
               <a:rPr lang="en-US" sz="1200" dirty="0">
@@ -8822,7 +8652,7 @@
                 </a:solidFill>
                 <a:latin typeface="Courier" pitchFamily="2" charset="0"/>
               </a:rPr>
-              <a:t>              </a:t>
+              <a:t>        </a:t>
             </a:r>
             <a:r>
               <a:rPr lang="en-US" sz="1200" dirty="0" err="1">
@@ -8831,16 +8661,16 @@
                 </a:solidFill>
                 <a:latin typeface="Courier" pitchFamily="2" charset="0"/>
               </a:rPr>
-              <a:t>SdfLink</a:t>
-            </a:r>
-            <a:r>
-              <a:rPr lang="en-US" sz="1200" dirty="0">
-                <a:solidFill>
-                  <a:srgbClr val="000000"/>
-                </a:solidFill>
-                <a:latin typeface="Courier" pitchFamily="2" charset="0"/>
-              </a:rPr>
-              <a:t>: { </a:t>
+              <a:t>sdfRef</a:t>
+            </a:r>
+            <a:r>
+              <a:rPr lang="en-US" sz="1200" dirty="0">
+                <a:solidFill>
+                  <a:srgbClr val="000000"/>
+                </a:solidFill>
+                <a:latin typeface="Courier" pitchFamily="2" charset="0"/>
+              </a:rPr>
+              <a:t>: /#/</a:t>
             </a:r>
             <a:r>
               <a:rPr lang="en-US" sz="1200" dirty="0" err="1">
@@ -8849,16 +8679,16 @@
                 </a:solidFill>
                 <a:latin typeface="Courier" pitchFamily="2" charset="0"/>
               </a:rPr>
-              <a:t>InstancePointer</a:t>
-            </a:r>
-            <a:r>
-              <a:rPr lang="en-US" sz="1200" dirty="0">
-                <a:solidFill>
-                  <a:srgbClr val="000000"/>
-                </a:solidFill>
-                <a:latin typeface="Courier" pitchFamily="2" charset="0"/>
-              </a:rPr>
-              <a:t>: /#/</a:t>
+              <a:t>sdfObject</a:t>
+            </a:r>
+            <a:r>
+              <a:rPr lang="en-US" sz="1200" dirty="0">
+                <a:solidFill>
+                  <a:srgbClr val="000000"/>
+                </a:solidFill>
+                <a:latin typeface="Courier" pitchFamily="2" charset="0"/>
+              </a:rPr>
+              <a:t>/</a:t>
             </a:r>
             <a:r>
               <a:rPr lang="en-US" sz="1200" dirty="0" err="1">
@@ -8867,74 +8697,38 @@
                 </a:solidFill>
                 <a:latin typeface="Courier" pitchFamily="2" charset="0"/>
               </a:rPr>
-              <a:t>sdfThing</a:t>
-            </a:r>
-            <a:r>
-              <a:rPr lang="en-US" sz="1200" dirty="0">
-                <a:solidFill>
-                  <a:srgbClr val="000000"/>
-                </a:solidFill>
-                <a:latin typeface="Courier" pitchFamily="2" charset="0"/>
-              </a:rPr>
-              <a:t>/</a:t>
-            </a:r>
-            <a:r>
-              <a:rPr lang="en-US" sz="1200" dirty="0" err="1">
-                <a:solidFill>
-                  <a:srgbClr val="000000"/>
-                </a:solidFill>
-                <a:latin typeface="Courier" pitchFamily="2" charset="0"/>
-              </a:rPr>
-              <a:t>InstanceGraph</a:t>
-            </a:r>
-            <a:r>
-              <a:rPr lang="en-US" sz="1200" dirty="0">
-                <a:solidFill>
-                  <a:srgbClr val="000000"/>
-                </a:solidFill>
-                <a:latin typeface="Courier" pitchFamily="2" charset="0"/>
-              </a:rPr>
-              <a:t>/</a:t>
-            </a:r>
-            <a:r>
-              <a:rPr lang="en-US" sz="1200" dirty="0" err="1">
-                <a:solidFill>
-                  <a:srgbClr val="000000"/>
-                </a:solidFill>
-                <a:latin typeface="Courier" pitchFamily="2" charset="0"/>
-              </a:rPr>
-              <a:t>sdfThing</a:t>
-            </a:r>
-            <a:r>
-              <a:rPr lang="en-US" sz="1200" dirty="0">
-                <a:solidFill>
-                  <a:srgbClr val="000000"/>
-                </a:solidFill>
-                <a:latin typeface="Courier" pitchFamily="2" charset="0"/>
-              </a:rPr>
-              <a:t>/</a:t>
-            </a:r>
-            <a:r>
-              <a:rPr lang="en-US" sz="1200" dirty="0" err="1">
-                <a:solidFill>
-                  <a:srgbClr val="000000"/>
-                </a:solidFill>
-                <a:latin typeface="Courier" pitchFamily="2" charset="0"/>
-              </a:rPr>
               <a:t>AnalogInput</a:t>
-            </a:r>
-            <a:r>
-              <a:rPr lang="en-US" sz="1200" dirty="0">
-                <a:solidFill>
-                  <a:srgbClr val="000000"/>
-                </a:solidFill>
-                <a:latin typeface="Courier" pitchFamily="2" charset="0"/>
-              </a:rPr>
-              <a:t> }</a:t>
             </a:r>
             <a:br>
               <a:rPr lang="en-US" sz="1200" dirty="0"/>
             </a:br>
+            <a:r>
+              <a:rPr lang="en-US" sz="1200" dirty="0">
+                <a:solidFill>
+                  <a:srgbClr val="000000"/>
+                </a:solidFill>
+                <a:latin typeface="Courier" pitchFamily="2" charset="0"/>
+              </a:rPr>
+              <a:t>        </a:t>
+            </a:r>
+            <a:r>
+              <a:rPr lang="en-US" sz="1200" dirty="0" err="1">
+                <a:solidFill>
+                  <a:srgbClr val="000000"/>
+                </a:solidFill>
+                <a:latin typeface="Courier" pitchFamily="2" charset="0"/>
+              </a:rPr>
+              <a:t>sdfProperty</a:t>
+            </a:r>
+            <a:r>
+              <a:rPr lang="en-US" sz="1200" dirty="0">
+                <a:solidFill>
+                  <a:srgbClr val="000000"/>
+                </a:solidFill>
+                <a:latin typeface="Courier" pitchFamily="2" charset="0"/>
+              </a:rPr>
+              <a:t>:</a:t>
+            </a:r>
             <a:br>
               <a:rPr lang="en-US" sz="1200" dirty="0"/>
             </a:br>
@@ -8945,7 +8739,7 @@
                 </a:solidFill>
                 <a:latin typeface="Courier" pitchFamily="2" charset="0"/>
               </a:rPr>
-              <a:t>      </a:t>
+              <a:t>          </a:t>
             </a:r>
             <a:r>
               <a:rPr lang="en-US" sz="1200" dirty="0" err="1">
@@ -8954,7 +8748,7 @@
                 </a:solidFill>
                 <a:latin typeface="Courier" pitchFamily="2" charset="0"/>
               </a:rPr>
-              <a:t>AnalogInput</a:t>
+              <a:t>GpioPinID</a:t>
             </a:r>
             <a:r>
               <a:rPr lang="en-US" sz="1200" dirty="0">
@@ -8975,7 +8769,7 @@
                 </a:solidFill>
                 <a:latin typeface="Courier" pitchFamily="2" charset="0"/>
               </a:rPr>
-              <a:t>        </a:t>
+              <a:t>            </a:t>
             </a:r>
             <a:r>
               <a:rPr lang="en-US" sz="1200" dirty="0" err="1">
@@ -8984,43 +8778,16 @@
                 </a:solidFill>
                 <a:latin typeface="Courier" pitchFamily="2" charset="0"/>
               </a:rPr>
-              <a:t>sdfRef</a:t>
-            </a:r>
-            <a:r>
-              <a:rPr lang="en-US" sz="1200" dirty="0">
-                <a:solidFill>
-                  <a:srgbClr val="000000"/>
-                </a:solidFill>
-                <a:latin typeface="Courier" pitchFamily="2" charset="0"/>
-              </a:rPr>
-              <a:t>: /#/</a:t>
-            </a:r>
-            <a:r>
-              <a:rPr lang="en-US" sz="1200" dirty="0" err="1">
-                <a:solidFill>
-                  <a:srgbClr val="000000"/>
-                </a:solidFill>
-                <a:latin typeface="Courier" pitchFamily="2" charset="0"/>
-              </a:rPr>
-              <a:t>sdfThing</a:t>
-            </a:r>
-            <a:r>
-              <a:rPr lang="en-US" sz="1200" dirty="0">
-                <a:solidFill>
-                  <a:srgbClr val="000000"/>
-                </a:solidFill>
-                <a:latin typeface="Courier" pitchFamily="2" charset="0"/>
-              </a:rPr>
-              <a:t>/</a:t>
-            </a:r>
-            <a:r>
-              <a:rPr lang="en-US" sz="1200" dirty="0" err="1">
-                <a:solidFill>
-                  <a:srgbClr val="000000"/>
-                </a:solidFill>
-                <a:latin typeface="Courier" pitchFamily="2" charset="0"/>
-              </a:rPr>
-              <a:t>AnalogInput</a:t>
+              <a:t>sdfProperty</a:t>
+            </a:r>
+            <a:r>
+              <a:rPr lang="en-US" sz="1200" dirty="0">
+                <a:solidFill>
+                  <a:srgbClr val="000000"/>
+                </a:solidFill>
+                <a:latin typeface="Courier" pitchFamily="2" charset="0"/>
+              </a:rPr>
+              <a:t>:</a:t>
             </a:r>
             <a:br>
               <a:rPr lang="en-US" sz="1200" dirty="0"/>
@@ -9032,7 +8799,7 @@
                 </a:solidFill>
                 <a:latin typeface="Courier" pitchFamily="2" charset="0"/>
               </a:rPr>
-              <a:t>        </a:t>
+              <a:t>              </a:t>
             </a:r>
             <a:r>
               <a:rPr lang="en-US" sz="1200" dirty="0" err="1">
@@ -9041,7 +8808,7 @@
                 </a:solidFill>
                 <a:latin typeface="Courier" pitchFamily="2" charset="0"/>
               </a:rPr>
-              <a:t>sdfThing</a:t>
+              <a:t>sdfChoice</a:t>
             </a:r>
             <a:r>
               <a:rPr lang="en-US" sz="1200" dirty="0">
@@ -9062,7 +8829,7 @@
                 </a:solidFill>
                 <a:latin typeface="Courier" pitchFamily="2" charset="0"/>
               </a:rPr>
-              <a:t>          </a:t>
+              <a:t>                </a:t>
             </a:r>
             <a:r>
               <a:rPr lang="en-US" sz="1200" dirty="0" err="1">
@@ -9071,16 +8838,34 @@
                 </a:solidFill>
                 <a:latin typeface="Courier" pitchFamily="2" charset="0"/>
               </a:rPr>
-              <a:t>GpioPinID</a:t>
-            </a:r>
-            <a:r>
-              <a:rPr lang="en-US" sz="1200" dirty="0">
-                <a:solidFill>
-                  <a:srgbClr val="000000"/>
-                </a:solidFill>
-                <a:latin typeface="Courier" pitchFamily="2" charset="0"/>
-              </a:rPr>
-              <a:t>:</a:t>
+              <a:t>IntegerType</a:t>
+            </a:r>
+            <a:r>
+              <a:rPr lang="en-US" sz="1200" dirty="0">
+                <a:solidFill>
+                  <a:srgbClr val="000000"/>
+                </a:solidFill>
+                <a:latin typeface="Courier" pitchFamily="2" charset="0"/>
+              </a:rPr>
+              <a:t>: { </a:t>
+            </a:r>
+            <a:r>
+              <a:rPr lang="en-US" sz="1200" dirty="0" err="1">
+                <a:solidFill>
+                  <a:srgbClr val="000000"/>
+                </a:solidFill>
+                <a:latin typeface="Courier" pitchFamily="2" charset="0"/>
+              </a:rPr>
+              <a:t>const</a:t>
+            </a:r>
+            <a:r>
+              <a:rPr lang="en-US" sz="1200" dirty="0">
+                <a:solidFill>
+                  <a:srgbClr val="000000"/>
+                </a:solidFill>
+                <a:latin typeface="Courier" pitchFamily="2" charset="0"/>
+              </a:rPr>
+              <a:t>: 7 }</a:t>
             </a:r>
             <a:br>
               <a:rPr lang="en-US" sz="1200" dirty="0"/>
@@ -9092,7 +8877,7 @@
                 </a:solidFill>
                 <a:latin typeface="Courier" pitchFamily="2" charset="0"/>
               </a:rPr>
-              <a:t>            </a:t>
+              <a:t>          </a:t>
             </a:r>
             <a:r>
               <a:rPr lang="en-US" sz="1200" dirty="0" err="1">
@@ -9101,7 +8886,7 @@
                 </a:solidFill>
                 <a:latin typeface="Courier" pitchFamily="2" charset="0"/>
               </a:rPr>
-              <a:t>sdfProperty</a:t>
+              <a:t>OutputLink</a:t>
             </a:r>
             <a:r>
               <a:rPr lang="en-US" sz="1200" dirty="0">
@@ -9122,7 +8907,25 @@
                 </a:solidFill>
                 <a:latin typeface="Courier" pitchFamily="2" charset="0"/>
               </a:rPr>
-              <a:t>              Value: </a:t>
+              <a:t>            </a:t>
+            </a:r>
+            <a:r>
+              <a:rPr lang="en-US" sz="1200" dirty="0" err="1">
+                <a:solidFill>
+                  <a:srgbClr val="000000"/>
+                </a:solidFill>
+                <a:latin typeface="Courier" pitchFamily="2" charset="0"/>
+              </a:rPr>
+              <a:t>flo:meta</a:t>
+            </a:r>
+            <a:r>
+              <a:rPr lang="en-US" sz="1200" dirty="0">
+                <a:solidFill>
+                  <a:srgbClr val="000000"/>
+                </a:solidFill>
+                <a:latin typeface="Courier" pitchFamily="2" charset="0"/>
+              </a:rPr>
+              <a:t>:</a:t>
             </a:r>
             <a:br>
               <a:rPr lang="en-US" sz="1200" dirty="0"/>
@@ -9134,7 +8937,7 @@
                 </a:solidFill>
                 <a:latin typeface="Courier" pitchFamily="2" charset="0"/>
               </a:rPr>
-              <a:t>                </a:t>
+              <a:t>              </a:t>
             </a:r>
             <a:r>
               <a:rPr lang="en-US" sz="1200" dirty="0" err="1">
@@ -9143,28 +8946,16 @@
                 </a:solidFill>
                 <a:latin typeface="Courier" pitchFamily="2" charset="0"/>
               </a:rPr>
-              <a:t>sdfChoice</a:t>
-            </a:r>
-            <a:r>
-              <a:rPr lang="en-US" sz="1200" dirty="0">
-                <a:solidFill>
-                  <a:srgbClr val="000000"/>
-                </a:solidFill>
-                <a:latin typeface="Courier" pitchFamily="2" charset="0"/>
-              </a:rPr>
-              <a:t>:</a:t>
-            </a:r>
-            <a:br>
-              <a:rPr lang="en-US" sz="1200" dirty="0"/>
-            </a:br>
-            <a:r>
-              <a:rPr lang="en-US" sz="1200" dirty="0">
-                <a:solidFill>
-                  <a:srgbClr val="000000"/>
-                </a:solidFill>
-                <a:latin typeface="Courier" pitchFamily="2" charset="0"/>
-              </a:rPr>
-              <a:t>                  </a:t>
+              <a:t>SdfLink</a:t>
+            </a:r>
+            <a:r>
+              <a:rPr lang="en-US" sz="1200" dirty="0">
+                <a:solidFill>
+                  <a:srgbClr val="000000"/>
+                </a:solidFill>
+                <a:latin typeface="Courier" pitchFamily="2" charset="0"/>
+              </a:rPr>
+              <a:t>: { </a:t>
             </a:r>
             <a:r>
               <a:rPr lang="en-US" sz="1200" dirty="0" err="1">
@@ -9173,16 +8964,16 @@
                 </a:solidFill>
                 <a:latin typeface="Courier" pitchFamily="2" charset="0"/>
               </a:rPr>
-              <a:t>IntegerType</a:t>
-            </a:r>
-            <a:r>
-              <a:rPr lang="en-US" sz="1200" dirty="0">
-                <a:solidFill>
-                  <a:srgbClr val="000000"/>
-                </a:solidFill>
-                <a:latin typeface="Courier" pitchFamily="2" charset="0"/>
-              </a:rPr>
-              <a:t>: { </a:t>
+              <a:t>InstancePointer</a:t>
+            </a:r>
+            <a:r>
+              <a:rPr lang="en-US" sz="1200" dirty="0">
+                <a:solidFill>
+                  <a:srgbClr val="000000"/>
+                </a:solidFill>
+                <a:latin typeface="Courier" pitchFamily="2" charset="0"/>
+              </a:rPr>
+              <a:t>: /#/</a:t>
             </a:r>
             <a:r>
               <a:rPr lang="en-US" sz="1200" dirty="0" err="1">
@@ -9191,28 +8982,16 @@
                 </a:solidFill>
                 <a:latin typeface="Courier" pitchFamily="2" charset="0"/>
               </a:rPr>
-              <a:t>const</a:t>
-            </a:r>
-            <a:r>
-              <a:rPr lang="en-US" sz="1200" dirty="0">
-                <a:solidFill>
-                  <a:srgbClr val="000000"/>
-                </a:solidFill>
-                <a:latin typeface="Courier" pitchFamily="2" charset="0"/>
-              </a:rPr>
-              <a:t>: 7 }</a:t>
-            </a:r>
-            <a:br>
-              <a:rPr lang="en-US" sz="1200" dirty="0"/>
-            </a:br>
-            <a:r>
-              <a:rPr lang="en-US" sz="1200" dirty="0">
-                <a:solidFill>
-                  <a:srgbClr val="000000"/>
-                </a:solidFill>
-                <a:latin typeface="Courier" pitchFamily="2" charset="0"/>
-              </a:rPr>
-              <a:t>            </a:t>
+              <a:t>sdfThing</a:t>
+            </a:r>
+            <a:r>
+              <a:rPr lang="en-US" sz="1200" dirty="0">
+                <a:solidFill>
+                  <a:srgbClr val="000000"/>
+                </a:solidFill>
+                <a:latin typeface="Courier" pitchFamily="2" charset="0"/>
+              </a:rPr>
+              <a:t>/Flow/</a:t>
             </a:r>
             <a:r>
               <a:rPr lang="en-US" sz="1200" dirty="0" err="1">
@@ -9221,139 +9000,7 @@
                 </a:solidFill>
                 <a:latin typeface="Courier" pitchFamily="2" charset="0"/>
               </a:rPr>
-              <a:t>OutputLink</a:t>
-            </a:r>
-            <a:r>
-              <a:rPr lang="en-US" sz="1200" dirty="0">
-                <a:solidFill>
-                  <a:srgbClr val="000000"/>
-                </a:solidFill>
-                <a:latin typeface="Courier" pitchFamily="2" charset="0"/>
-              </a:rPr>
-              <a:t>:</a:t>
-            </a:r>
-            <a:br>
-              <a:rPr lang="en-US" sz="1200" dirty="0"/>
-            </a:br>
-            <a:r>
-              <a:rPr lang="en-US" sz="1200" dirty="0">
-                <a:solidFill>
-                  <a:srgbClr val="000000"/>
-                </a:solidFill>
-                <a:latin typeface="Courier" pitchFamily="2" charset="0"/>
-              </a:rPr>
-              <a:t>              </a:t>
-            </a:r>
-            <a:r>
-              <a:rPr lang="en-US" sz="1200" dirty="0" err="1">
-                <a:solidFill>
-                  <a:srgbClr val="000000"/>
-                </a:solidFill>
-                <a:latin typeface="Courier" pitchFamily="2" charset="0"/>
-              </a:rPr>
-              <a:t>sdfData</a:t>
-            </a:r>
-            <a:r>
-              <a:rPr lang="en-US" sz="1200" dirty="0">
-                <a:solidFill>
-                  <a:srgbClr val="000000"/>
-                </a:solidFill>
-                <a:latin typeface="Courier" pitchFamily="2" charset="0"/>
-              </a:rPr>
-              <a:t>:</a:t>
-            </a:r>
-            <a:br>
-              <a:rPr lang="en-US" sz="1200" dirty="0"/>
-            </a:br>
-            <a:r>
-              <a:rPr lang="en-US" sz="1200" dirty="0">
-                <a:solidFill>
-                  <a:srgbClr val="000000"/>
-                </a:solidFill>
-                <a:latin typeface="Courier" pitchFamily="2" charset="0"/>
-              </a:rPr>
-              <a:t>                </a:t>
-            </a:r>
-            <a:r>
-              <a:rPr lang="en-US" sz="1200" dirty="0" err="1">
-                <a:solidFill>
-                  <a:srgbClr val="000000"/>
-                </a:solidFill>
-                <a:latin typeface="Courier" pitchFamily="2" charset="0"/>
-              </a:rPr>
-              <a:t>SdfLink</a:t>
-            </a:r>
-            <a:r>
-              <a:rPr lang="en-US" sz="1200" dirty="0">
-                <a:solidFill>
-                  <a:srgbClr val="000000"/>
-                </a:solidFill>
-                <a:latin typeface="Courier" pitchFamily="2" charset="0"/>
-              </a:rPr>
-              <a:t>: { </a:t>
-            </a:r>
-            <a:r>
-              <a:rPr lang="en-US" sz="1200" dirty="0" err="1">
-                <a:solidFill>
-                  <a:srgbClr val="000000"/>
-                </a:solidFill>
-                <a:latin typeface="Courier" pitchFamily="2" charset="0"/>
-              </a:rPr>
-              <a:t>InstancePointer</a:t>
-            </a:r>
-            <a:r>
-              <a:rPr lang="en-US" sz="1200" dirty="0">
-                <a:solidFill>
-                  <a:srgbClr val="000000"/>
-                </a:solidFill>
-                <a:latin typeface="Courier" pitchFamily="2" charset="0"/>
-              </a:rPr>
-              <a:t>: /#/</a:t>
-            </a:r>
-            <a:r>
-              <a:rPr lang="en-US" sz="1200" dirty="0" err="1">
-                <a:solidFill>
-                  <a:srgbClr val="000000"/>
-                </a:solidFill>
-                <a:latin typeface="Courier" pitchFamily="2" charset="0"/>
-              </a:rPr>
-              <a:t>sdfThing</a:t>
-            </a:r>
-            <a:r>
-              <a:rPr lang="en-US" sz="1200" dirty="0">
-                <a:solidFill>
-                  <a:srgbClr val="000000"/>
-                </a:solidFill>
-                <a:latin typeface="Courier" pitchFamily="2" charset="0"/>
-              </a:rPr>
-              <a:t>/</a:t>
-            </a:r>
-            <a:r>
-              <a:rPr lang="en-US" sz="1200" dirty="0" err="1">
-                <a:solidFill>
-                  <a:srgbClr val="000000"/>
-                </a:solidFill>
-                <a:latin typeface="Courier" pitchFamily="2" charset="0"/>
-              </a:rPr>
-              <a:t>InstanceGraph</a:t>
-            </a:r>
-            <a:r>
-              <a:rPr lang="en-US" sz="1200" dirty="0">
-                <a:solidFill>
-                  <a:srgbClr val="000000"/>
-                </a:solidFill>
-                <a:latin typeface="Courier" pitchFamily="2" charset="0"/>
-              </a:rPr>
-              <a:t>/</a:t>
-            </a:r>
-            <a:r>
-              <a:rPr lang="en-US" sz="1200" dirty="0" err="1">
-                <a:solidFill>
-                  <a:srgbClr val="000000"/>
-                </a:solidFill>
-                <a:latin typeface="Courier" pitchFamily="2" charset="0"/>
-              </a:rPr>
-              <a:t>sdfThing</a:t>
+              <a:t>sdfObject</a:t>
             </a:r>
             <a:r>
               <a:rPr lang="en-US" sz="1200" dirty="0">
@@ -9418,1988 +9065,6 @@
       </p:grpSpPr>
       <p:sp>
         <p:nvSpPr>
-          <p:cNvPr id="2" name="Title 1">
-            <a:extLst>
-              <a:ext uri="{FF2B5EF4-FFF2-40B4-BE49-F238E27FC236}">
-                <a16:creationId xmlns:a16="http://schemas.microsoft.com/office/drawing/2014/main" id="{154CA31C-7ABE-7D43-995C-B74B6BD73989}"/>
-              </a:ext>
-            </a:extLst>
-          </p:cNvPr>
-          <p:cNvSpPr>
-            <a:spLocks noGrp="1"/>
-          </p:cNvSpPr>
-          <p:nvPr>
-            <p:ph type="title"/>
-          </p:nvPr>
-        </p:nvSpPr>
-        <p:spPr>
-          <a:xfrm>
-            <a:off x="5029200" y="0"/>
-            <a:ext cx="3663950" cy="1325563"/>
-          </a:xfrm>
-        </p:spPr>
-        <p:txBody>
-          <a:bodyPr/>
-          <a:lstStyle/>
-          <a:p>
-            <a:r>
-              <a:rPr lang="en-US" dirty="0"/>
-              <a:t>Simplified DSL</a:t>
-            </a:r>
-          </a:p>
-        </p:txBody>
-      </p:sp>
-      <p:sp>
-        <p:nvSpPr>
-          <p:cNvPr id="4" name="Rectangle 3">
-            <a:extLst>
-              <a:ext uri="{FF2B5EF4-FFF2-40B4-BE49-F238E27FC236}">
-                <a16:creationId xmlns:a16="http://schemas.microsoft.com/office/drawing/2014/main" id="{1DB75D56-A29F-5C43-91EF-3F7459B3E858}"/>
-              </a:ext>
-            </a:extLst>
-          </p:cNvPr>
-          <p:cNvSpPr/>
-          <p:nvPr/>
-        </p:nvSpPr>
-        <p:spPr>
-          <a:xfrm>
-            <a:off x="349250" y="258425"/>
-            <a:ext cx="8153400" cy="6370975"/>
-          </a:xfrm>
-          <a:prstGeom prst="rect">
-            <a:avLst/>
-          </a:prstGeom>
-        </p:spPr>
-        <p:txBody>
-          <a:bodyPr wrap="square">
-            <a:spAutoFit/>
-          </a:bodyPr>
-          <a:lstStyle/>
-          <a:p>
-            <a:r>
-              <a:rPr lang="en-US" sz="1200" dirty="0" err="1">
-                <a:solidFill>
-                  <a:schemeClr val="tx1">
-                    <a:lumMod val="50000"/>
-                    <a:lumOff val="50000"/>
-                  </a:schemeClr>
-                </a:solidFill>
-                <a:latin typeface="Courier" pitchFamily="2" charset="0"/>
-              </a:rPr>
-              <a:t>defaultnamespace</a:t>
-            </a:r>
-            <a:r>
-              <a:rPr lang="en-US" sz="1200" dirty="0">
-                <a:solidFill>
-                  <a:schemeClr val="tx1">
-                    <a:lumMod val="50000"/>
-                    <a:lumOff val="50000"/>
-                  </a:schemeClr>
-                </a:solidFill>
-                <a:latin typeface="Courier" pitchFamily="2" charset="0"/>
-              </a:rPr>
-              <a:t>: </a:t>
-            </a:r>
-            <a:r>
-              <a:rPr lang="en-US" sz="1200" dirty="0" err="1">
-                <a:solidFill>
-                  <a:schemeClr val="tx1">
-                    <a:lumMod val="50000"/>
-                    <a:lumOff val="50000"/>
-                  </a:schemeClr>
-                </a:solidFill>
-                <a:latin typeface="Courier" pitchFamily="2" charset="0"/>
-              </a:rPr>
-              <a:t>objectflow</a:t>
-            </a:r>
-            <a:br>
-              <a:rPr lang="en-US" sz="1200" dirty="0">
-                <a:solidFill>
-                  <a:schemeClr val="tx1">
-                    <a:lumMod val="50000"/>
-                    <a:lumOff val="50000"/>
-                  </a:schemeClr>
-                </a:solidFill>
-              </a:rPr>
-            </a:br>
-            <a:br>
-              <a:rPr lang="en-US" sz="1200" dirty="0">
-                <a:solidFill>
-                  <a:schemeClr val="tx1">
-                    <a:lumMod val="50000"/>
-                    <a:lumOff val="50000"/>
-                  </a:schemeClr>
-                </a:solidFill>
-              </a:rPr>
-            </a:br>
-            <a:r>
-              <a:rPr lang="en-US" sz="1200" dirty="0" err="1">
-                <a:solidFill>
-                  <a:schemeClr val="tx1">
-                    <a:lumMod val="50000"/>
-                    <a:lumOff val="50000"/>
-                  </a:schemeClr>
-                </a:solidFill>
-                <a:latin typeface="Courier" pitchFamily="2" charset="0"/>
-              </a:rPr>
-              <a:t>sdfThing</a:t>
-            </a:r>
-            <a:r>
-              <a:rPr lang="en-US" sz="1200" dirty="0">
-                <a:solidFill>
-                  <a:schemeClr val="tx1">
-                    <a:lumMod val="50000"/>
-                    <a:lumOff val="50000"/>
-                  </a:schemeClr>
-                </a:solidFill>
-                <a:latin typeface="Courier" pitchFamily="2" charset="0"/>
-              </a:rPr>
-              <a:t>:</a:t>
-            </a:r>
-            <a:br>
-              <a:rPr lang="en-US" sz="1200" dirty="0">
-                <a:solidFill>
-                  <a:schemeClr val="tx1">
-                    <a:lumMod val="50000"/>
-                    <a:lumOff val="50000"/>
-                  </a:schemeClr>
-                </a:solidFill>
-              </a:rPr>
-            </a:br>
-            <a:r>
-              <a:rPr lang="en-US" sz="1200" dirty="0">
-                <a:solidFill>
-                  <a:schemeClr val="tx1">
-                    <a:lumMod val="50000"/>
-                    <a:lumOff val="50000"/>
-                  </a:schemeClr>
-                </a:solidFill>
-                <a:latin typeface="Courier" pitchFamily="2" charset="0"/>
-              </a:rPr>
-              <a:t>  # Instance Graph</a:t>
-            </a:r>
-            <a:br>
-              <a:rPr lang="en-US" sz="1200" dirty="0"/>
-            </a:br>
-            <a:r>
-              <a:rPr lang="en-US" sz="1200" dirty="0">
-                <a:solidFill>
-                  <a:srgbClr val="000000"/>
-                </a:solidFill>
-                <a:latin typeface="Courier" pitchFamily="2" charset="0"/>
-              </a:rPr>
-              <a:t> </a:t>
-            </a:r>
-            <a:r>
-              <a:rPr lang="en-US" sz="1200" dirty="0">
-                <a:solidFill>
-                  <a:schemeClr val="tx1">
-                    <a:lumMod val="50000"/>
-                    <a:lumOff val="50000"/>
-                  </a:schemeClr>
-                </a:solidFill>
-                <a:latin typeface="Courier" pitchFamily="2" charset="0"/>
-              </a:rPr>
-              <a:t> </a:t>
-            </a:r>
-            <a:r>
-              <a:rPr lang="en-US" sz="1200" dirty="0" err="1">
-                <a:solidFill>
-                  <a:schemeClr val="tx1">
-                    <a:lumMod val="50000"/>
-                    <a:lumOff val="50000"/>
-                  </a:schemeClr>
-                </a:solidFill>
-                <a:latin typeface="Courier" pitchFamily="2" charset="0"/>
-              </a:rPr>
-              <a:t>InstanceGraph</a:t>
-            </a:r>
-            <a:r>
-              <a:rPr lang="en-US" sz="1200" dirty="0">
-                <a:solidFill>
-                  <a:schemeClr val="tx1">
-                    <a:lumMod val="50000"/>
-                    <a:lumOff val="50000"/>
-                  </a:schemeClr>
-                </a:solidFill>
-                <a:latin typeface="Courier" pitchFamily="2" charset="0"/>
-              </a:rPr>
-              <a:t>:</a:t>
-            </a:r>
-            <a:br>
-              <a:rPr lang="en-US" sz="1200" dirty="0"/>
-            </a:br>
-            <a:r>
-              <a:rPr lang="en-US" sz="1200" dirty="0">
-                <a:solidFill>
-                  <a:srgbClr val="000000"/>
-                </a:solidFill>
-                <a:latin typeface="Courier" pitchFamily="2" charset="0"/>
-              </a:rPr>
-              <a:t>    </a:t>
-            </a:r>
-            <a:r>
-              <a:rPr lang="en-US" sz="1200" dirty="0" err="1">
-                <a:solidFill>
-                  <a:schemeClr val="tx1">
-                    <a:lumMod val="50000"/>
-                    <a:lumOff val="50000"/>
-                  </a:schemeClr>
-                </a:solidFill>
-                <a:latin typeface="Courier" pitchFamily="2" charset="0"/>
-              </a:rPr>
-              <a:t>sdfRef</a:t>
-            </a:r>
-            <a:r>
-              <a:rPr lang="en-US" sz="1200" dirty="0">
-                <a:solidFill>
-                  <a:schemeClr val="tx1">
-                    <a:lumMod val="50000"/>
-                    <a:lumOff val="50000"/>
-                  </a:schemeClr>
-                </a:solidFill>
-                <a:latin typeface="Courier" pitchFamily="2" charset="0"/>
-              </a:rPr>
-              <a:t>: /#/</a:t>
-            </a:r>
-            <a:r>
-              <a:rPr lang="en-US" sz="1200" dirty="0" err="1">
-                <a:solidFill>
-                  <a:schemeClr val="tx1">
-                    <a:lumMod val="50000"/>
-                    <a:lumOff val="50000"/>
-                  </a:schemeClr>
-                </a:solidFill>
-                <a:latin typeface="Courier" pitchFamily="2" charset="0"/>
-              </a:rPr>
-              <a:t>sdfThing</a:t>
-            </a:r>
-            <a:r>
-              <a:rPr lang="en-US" sz="1200" dirty="0">
-                <a:solidFill>
-                  <a:schemeClr val="tx1">
-                    <a:lumMod val="50000"/>
-                    <a:lumOff val="50000"/>
-                  </a:schemeClr>
-                </a:solidFill>
-                <a:latin typeface="Courier" pitchFamily="2" charset="0"/>
-              </a:rPr>
-              <a:t>/</a:t>
-            </a:r>
-            <a:r>
-              <a:rPr lang="en-US" sz="1200" dirty="0" err="1">
-                <a:solidFill>
-                  <a:schemeClr val="tx1">
-                    <a:lumMod val="50000"/>
-                    <a:lumOff val="50000"/>
-                  </a:schemeClr>
-                </a:solidFill>
-                <a:latin typeface="Courier" pitchFamily="2" charset="0"/>
-              </a:rPr>
-              <a:t>ObjectList</a:t>
-            </a:r>
-            <a:br>
-              <a:rPr lang="en-US" sz="1200" dirty="0">
-                <a:solidFill>
-                  <a:schemeClr val="tx1">
-                    <a:lumMod val="50000"/>
-                    <a:lumOff val="50000"/>
-                  </a:schemeClr>
-                </a:solidFill>
-              </a:rPr>
-            </a:br>
-            <a:r>
-              <a:rPr lang="en-US" sz="1200" dirty="0">
-                <a:solidFill>
-                  <a:schemeClr val="tx1">
-                    <a:lumMod val="50000"/>
-                    <a:lumOff val="50000"/>
-                  </a:schemeClr>
-                </a:solidFill>
-                <a:latin typeface="Courier" pitchFamily="2" charset="0"/>
-              </a:rPr>
-              <a:t>    # Objects in the graph</a:t>
-            </a:r>
-            <a:br>
-              <a:rPr lang="en-US" sz="1200" dirty="0">
-                <a:solidFill>
-                  <a:schemeClr val="tx1">
-                    <a:lumMod val="50000"/>
-                    <a:lumOff val="50000"/>
-                  </a:schemeClr>
-                </a:solidFill>
-              </a:rPr>
-            </a:br>
-            <a:r>
-              <a:rPr lang="en-US" sz="1200" dirty="0">
-                <a:solidFill>
-                  <a:schemeClr val="tx1">
-                    <a:lumMod val="50000"/>
-                    <a:lumOff val="50000"/>
-                  </a:schemeClr>
-                </a:solidFill>
-                <a:latin typeface="Courier" pitchFamily="2" charset="0"/>
-              </a:rPr>
-              <a:t>    </a:t>
-            </a:r>
-            <a:r>
-              <a:rPr lang="en-US" sz="1200" dirty="0" err="1">
-                <a:solidFill>
-                  <a:schemeClr val="tx1">
-                    <a:lumMod val="50000"/>
-                    <a:lumOff val="50000"/>
-                  </a:schemeClr>
-                </a:solidFill>
-                <a:latin typeface="Courier" pitchFamily="2" charset="0"/>
-              </a:rPr>
-              <a:t>sdfThing</a:t>
-            </a:r>
-            <a:r>
-              <a:rPr lang="en-US" sz="1200" dirty="0">
-                <a:solidFill>
-                  <a:schemeClr val="tx1">
-                    <a:lumMod val="50000"/>
-                    <a:lumOff val="50000"/>
-                  </a:schemeClr>
-                </a:solidFill>
-                <a:latin typeface="Courier" pitchFamily="2" charset="0"/>
-              </a:rPr>
-              <a:t>:</a:t>
-            </a:r>
-            <a:br>
-              <a:rPr lang="en-US" sz="1200" dirty="0">
-                <a:solidFill>
-                  <a:schemeClr val="tx1">
-                    <a:lumMod val="50000"/>
-                    <a:lumOff val="50000"/>
-                  </a:schemeClr>
-                </a:solidFill>
-              </a:rPr>
-            </a:br>
-            <a:br>
-              <a:rPr lang="en-US" sz="1200" dirty="0">
-                <a:solidFill>
-                  <a:schemeClr val="tx1">
-                    <a:lumMod val="50000"/>
-                    <a:lumOff val="50000"/>
-                  </a:schemeClr>
-                </a:solidFill>
-              </a:rPr>
-            </a:br>
-            <a:r>
-              <a:rPr lang="en-US" sz="1200" dirty="0">
-                <a:solidFill>
-                  <a:srgbClr val="000000"/>
-                </a:solidFill>
-                <a:latin typeface="Courier" pitchFamily="2" charset="0"/>
-              </a:rPr>
-              <a:t>      </a:t>
-            </a:r>
-            <a:r>
-              <a:rPr lang="en-US" sz="1200" dirty="0" err="1">
-                <a:solidFill>
-                  <a:srgbClr val="000000"/>
-                </a:solidFill>
-                <a:latin typeface="Courier" pitchFamily="2" charset="0"/>
-              </a:rPr>
-              <a:t>TimeSource</a:t>
-            </a:r>
-            <a:r>
-              <a:rPr lang="en-US" sz="1200" dirty="0">
-                <a:solidFill>
-                  <a:srgbClr val="000000"/>
-                </a:solidFill>
-                <a:latin typeface="Courier" pitchFamily="2" charset="0"/>
-              </a:rPr>
-              <a:t>:</a:t>
-            </a:r>
-            <a:br>
-              <a:rPr lang="en-US" sz="1200" dirty="0"/>
-            </a:br>
-            <a:r>
-              <a:rPr lang="en-US" sz="1200" dirty="0">
-                <a:solidFill>
-                  <a:srgbClr val="000000"/>
-                </a:solidFill>
-                <a:latin typeface="Courier" pitchFamily="2" charset="0"/>
-              </a:rPr>
-              <a:t>       </a:t>
-            </a:r>
-            <a:r>
-              <a:rPr lang="en-US" sz="1200" dirty="0">
-                <a:solidFill>
-                  <a:schemeClr val="tx1">
-                    <a:lumMod val="50000"/>
-                    <a:lumOff val="50000"/>
-                  </a:schemeClr>
-                </a:solidFill>
-                <a:latin typeface="Courier" pitchFamily="2" charset="0"/>
-              </a:rPr>
-              <a:t> </a:t>
-            </a:r>
-            <a:r>
-              <a:rPr lang="en-US" sz="1200" dirty="0" err="1">
-                <a:latin typeface="Courier" pitchFamily="2" charset="0"/>
-              </a:rPr>
-              <a:t>sdfRef</a:t>
-            </a:r>
-            <a:r>
-              <a:rPr lang="en-US" sz="1200" dirty="0">
-                <a:latin typeface="Courier" pitchFamily="2" charset="0"/>
-              </a:rPr>
-              <a:t>:</a:t>
-            </a:r>
-            <a:r>
-              <a:rPr lang="en-US" sz="1200" dirty="0">
-                <a:solidFill>
-                  <a:schemeClr val="tx1">
-                    <a:lumMod val="50000"/>
-                    <a:lumOff val="50000"/>
-                  </a:schemeClr>
-                </a:solidFill>
-                <a:latin typeface="Courier" pitchFamily="2" charset="0"/>
-              </a:rPr>
-              <a:t> /#/</a:t>
-            </a:r>
-            <a:r>
-              <a:rPr lang="en-US" sz="1200" dirty="0" err="1">
-                <a:solidFill>
-                  <a:schemeClr val="tx1">
-                    <a:lumMod val="50000"/>
-                    <a:lumOff val="50000"/>
-                  </a:schemeClr>
-                </a:solidFill>
-                <a:latin typeface="Courier" pitchFamily="2" charset="0"/>
-              </a:rPr>
-              <a:t>sdfThing</a:t>
-            </a:r>
-            <a:r>
-              <a:rPr lang="en-US" sz="1200" dirty="0">
-                <a:solidFill>
-                  <a:schemeClr val="tx1">
-                    <a:lumMod val="50000"/>
-                    <a:lumOff val="50000"/>
-                  </a:schemeClr>
-                </a:solidFill>
-                <a:latin typeface="Courier" pitchFamily="2" charset="0"/>
-              </a:rPr>
-              <a:t>/</a:t>
-            </a:r>
-            <a:r>
-              <a:rPr lang="en-US" sz="1200" dirty="0" err="1">
-                <a:latin typeface="Courier" pitchFamily="2" charset="0"/>
-              </a:rPr>
-              <a:t>TimeSource</a:t>
-            </a:r>
-            <a:br>
-              <a:rPr lang="en-US" sz="1200" dirty="0">
-                <a:solidFill>
-                  <a:schemeClr val="tx1">
-                    <a:lumMod val="50000"/>
-                    <a:lumOff val="50000"/>
-                  </a:schemeClr>
-                </a:solidFill>
-              </a:rPr>
-            </a:br>
-            <a:r>
-              <a:rPr lang="en-US" sz="1200" dirty="0">
-                <a:solidFill>
-                  <a:schemeClr val="tx1">
-                    <a:lumMod val="50000"/>
-                    <a:lumOff val="50000"/>
-                  </a:schemeClr>
-                </a:solidFill>
-                <a:latin typeface="Courier" pitchFamily="2" charset="0"/>
-              </a:rPr>
-              <a:t>        </a:t>
-            </a:r>
-            <a:r>
-              <a:rPr lang="en-US" sz="1200" dirty="0" err="1">
-                <a:solidFill>
-                  <a:schemeClr val="tx1">
-                    <a:lumMod val="50000"/>
-                    <a:lumOff val="50000"/>
-                  </a:schemeClr>
-                </a:solidFill>
-                <a:latin typeface="Courier" pitchFamily="2" charset="0"/>
-              </a:rPr>
-              <a:t>sdfThing</a:t>
-            </a:r>
-            <a:r>
-              <a:rPr lang="en-US" sz="1200" dirty="0">
-                <a:solidFill>
-                  <a:schemeClr val="tx1">
-                    <a:lumMod val="50000"/>
-                    <a:lumOff val="50000"/>
-                  </a:schemeClr>
-                </a:solidFill>
-                <a:latin typeface="Courier" pitchFamily="2" charset="0"/>
-              </a:rPr>
-              <a:t>:</a:t>
-            </a:r>
-            <a:br>
-              <a:rPr lang="en-US" sz="1200" dirty="0">
-                <a:solidFill>
-                  <a:schemeClr val="tx1">
-                    <a:lumMod val="50000"/>
-                    <a:lumOff val="50000"/>
-                  </a:schemeClr>
-                </a:solidFill>
-              </a:rPr>
-            </a:br>
-            <a:r>
-              <a:rPr lang="en-US" sz="1200" dirty="0">
-                <a:solidFill>
-                  <a:srgbClr val="000000"/>
-                </a:solidFill>
-                <a:latin typeface="Courier" pitchFamily="2" charset="0"/>
-              </a:rPr>
-              <a:t>          </a:t>
-            </a:r>
-            <a:r>
-              <a:rPr lang="en-US" sz="1200" dirty="0" err="1">
-                <a:solidFill>
-                  <a:srgbClr val="000000"/>
-                </a:solidFill>
-                <a:latin typeface="Courier" pitchFamily="2" charset="0"/>
-              </a:rPr>
-              <a:t>IntervalTime</a:t>
-            </a:r>
-            <a:r>
-              <a:rPr lang="en-US" sz="1200" dirty="0">
-                <a:solidFill>
-                  <a:srgbClr val="000000"/>
-                </a:solidFill>
-                <a:latin typeface="Courier" pitchFamily="2" charset="0"/>
-              </a:rPr>
-              <a:t>:</a:t>
-            </a:r>
-            <a:br>
-              <a:rPr lang="en-US" sz="1200" dirty="0"/>
-            </a:br>
-            <a:r>
-              <a:rPr lang="en-US" sz="1200" dirty="0">
-                <a:solidFill>
-                  <a:srgbClr val="000000"/>
-                </a:solidFill>
-                <a:latin typeface="Courier" pitchFamily="2" charset="0"/>
-              </a:rPr>
-              <a:t>            </a:t>
-            </a:r>
-            <a:r>
-              <a:rPr lang="en-US" sz="1200" dirty="0" err="1">
-                <a:solidFill>
-                  <a:schemeClr val="tx1">
-                    <a:lumMod val="50000"/>
-                    <a:lumOff val="50000"/>
-                  </a:schemeClr>
-                </a:solidFill>
-                <a:latin typeface="Courier" pitchFamily="2" charset="0"/>
-              </a:rPr>
-              <a:t>sdfProperty</a:t>
-            </a:r>
-            <a:r>
-              <a:rPr lang="en-US" sz="1200" dirty="0">
-                <a:solidFill>
-                  <a:schemeClr val="tx1">
-                    <a:lumMod val="50000"/>
-                    <a:lumOff val="50000"/>
-                  </a:schemeClr>
-                </a:solidFill>
-                <a:latin typeface="Courier" pitchFamily="2" charset="0"/>
-              </a:rPr>
-              <a:t>:</a:t>
-            </a:r>
-            <a:br>
-              <a:rPr lang="en-US" sz="1200" dirty="0">
-                <a:solidFill>
-                  <a:schemeClr val="tx1">
-                    <a:lumMod val="50000"/>
-                    <a:lumOff val="50000"/>
-                  </a:schemeClr>
-                </a:solidFill>
-              </a:rPr>
-            </a:br>
-            <a:r>
-              <a:rPr lang="en-US" sz="1200" dirty="0">
-                <a:solidFill>
-                  <a:schemeClr val="tx1">
-                    <a:lumMod val="50000"/>
-                    <a:lumOff val="50000"/>
-                  </a:schemeClr>
-                </a:solidFill>
-                <a:latin typeface="Courier" pitchFamily="2" charset="0"/>
-              </a:rPr>
-              <a:t>              Value: </a:t>
-            </a:r>
-            <a:br>
-              <a:rPr lang="en-US" sz="1200" dirty="0">
-                <a:solidFill>
-                  <a:schemeClr val="tx1">
-                    <a:lumMod val="50000"/>
-                    <a:lumOff val="50000"/>
-                  </a:schemeClr>
-                </a:solidFill>
-              </a:rPr>
-            </a:br>
-            <a:r>
-              <a:rPr lang="en-US" sz="1200" dirty="0">
-                <a:solidFill>
-                  <a:schemeClr val="tx1">
-                    <a:lumMod val="50000"/>
-                    <a:lumOff val="50000"/>
-                  </a:schemeClr>
-                </a:solidFill>
-                <a:latin typeface="Courier" pitchFamily="2" charset="0"/>
-              </a:rPr>
-              <a:t>                </a:t>
-            </a:r>
-            <a:r>
-              <a:rPr lang="en-US" sz="1200" dirty="0" err="1">
-                <a:solidFill>
-                  <a:schemeClr val="tx1">
-                    <a:lumMod val="50000"/>
-                    <a:lumOff val="50000"/>
-                  </a:schemeClr>
-                </a:solidFill>
-                <a:latin typeface="Courier" pitchFamily="2" charset="0"/>
-              </a:rPr>
-              <a:t>sdfChoice</a:t>
-            </a:r>
-            <a:r>
-              <a:rPr lang="en-US" sz="1200" dirty="0">
-                <a:solidFill>
-                  <a:schemeClr val="tx1">
-                    <a:lumMod val="50000"/>
-                    <a:lumOff val="50000"/>
-                  </a:schemeClr>
-                </a:solidFill>
-                <a:latin typeface="Courier" pitchFamily="2" charset="0"/>
-              </a:rPr>
-              <a:t>:</a:t>
-            </a:r>
-            <a:br>
-              <a:rPr lang="en-US" sz="1200" dirty="0">
-                <a:solidFill>
-                  <a:schemeClr val="tx1">
-                    <a:lumMod val="50000"/>
-                    <a:lumOff val="50000"/>
-                  </a:schemeClr>
-                </a:solidFill>
-              </a:rPr>
-            </a:br>
-            <a:r>
-              <a:rPr lang="en-US" sz="1200" dirty="0">
-                <a:solidFill>
-                  <a:schemeClr val="tx1">
-                    <a:lumMod val="50000"/>
-                    <a:lumOff val="50000"/>
-                  </a:schemeClr>
-                </a:solidFill>
-                <a:latin typeface="Courier" pitchFamily="2" charset="0"/>
-              </a:rPr>
-              <a:t>                  </a:t>
-            </a:r>
-            <a:r>
-              <a:rPr lang="en-US" sz="1200" dirty="0" err="1">
-                <a:solidFill>
-                  <a:schemeClr val="tx1">
-                    <a:lumMod val="50000"/>
-                    <a:lumOff val="50000"/>
-                  </a:schemeClr>
-                </a:solidFill>
-                <a:latin typeface="Courier" pitchFamily="2" charset="0"/>
-              </a:rPr>
-              <a:t>IntegerType</a:t>
-            </a:r>
-            <a:r>
-              <a:rPr lang="en-US" sz="1200" dirty="0">
-                <a:solidFill>
-                  <a:schemeClr val="tx1">
-                    <a:lumMod val="50000"/>
-                    <a:lumOff val="50000"/>
-                  </a:schemeClr>
-                </a:solidFill>
-                <a:latin typeface="Courier" pitchFamily="2" charset="0"/>
-              </a:rPr>
-              <a:t>: { </a:t>
-            </a:r>
-            <a:r>
-              <a:rPr lang="en-US" sz="1200" dirty="0" err="1">
-                <a:solidFill>
-                  <a:schemeClr val="tx1">
-                    <a:lumMod val="50000"/>
-                    <a:lumOff val="50000"/>
-                  </a:schemeClr>
-                </a:solidFill>
-                <a:latin typeface="Courier" pitchFamily="2" charset="0"/>
-              </a:rPr>
-              <a:t>const</a:t>
-            </a:r>
-            <a:r>
-              <a:rPr lang="en-US" sz="1200" dirty="0">
-                <a:solidFill>
-                  <a:schemeClr val="tx1">
-                    <a:lumMod val="50000"/>
-                    <a:lumOff val="50000"/>
-                  </a:schemeClr>
-                </a:solidFill>
-                <a:latin typeface="Courier" pitchFamily="2" charset="0"/>
-              </a:rPr>
-              <a:t>:</a:t>
-            </a:r>
-            <a:r>
-              <a:rPr lang="en-US" sz="1200" dirty="0">
-                <a:solidFill>
-                  <a:srgbClr val="000000"/>
-                </a:solidFill>
-                <a:latin typeface="Courier" pitchFamily="2" charset="0"/>
-              </a:rPr>
-              <a:t> 1000</a:t>
-            </a:r>
-            <a:r>
-              <a:rPr lang="en-US" sz="1200" dirty="0">
-                <a:solidFill>
-                  <a:schemeClr val="tx1">
-                    <a:lumMod val="50000"/>
-                    <a:lumOff val="50000"/>
-                  </a:schemeClr>
-                </a:solidFill>
-                <a:latin typeface="Courier" pitchFamily="2" charset="0"/>
-              </a:rPr>
-              <a:t> }</a:t>
-            </a:r>
-            <a:br>
-              <a:rPr lang="en-US" sz="1200" dirty="0"/>
-            </a:br>
-            <a:r>
-              <a:rPr lang="en-US" sz="1200" dirty="0">
-                <a:solidFill>
-                  <a:srgbClr val="000000"/>
-                </a:solidFill>
-                <a:latin typeface="Courier" pitchFamily="2" charset="0"/>
-              </a:rPr>
-              <a:t>          </a:t>
-            </a:r>
-            <a:r>
-              <a:rPr lang="en-US" sz="1200" dirty="0" err="1">
-                <a:solidFill>
-                  <a:srgbClr val="000000"/>
-                </a:solidFill>
-                <a:latin typeface="Courier" pitchFamily="2" charset="0"/>
-              </a:rPr>
-              <a:t>TimerOutputLink</a:t>
-            </a:r>
-            <a:r>
-              <a:rPr lang="en-US" sz="1200" dirty="0">
-                <a:solidFill>
-                  <a:srgbClr val="000000"/>
-                </a:solidFill>
-                <a:latin typeface="Courier" pitchFamily="2" charset="0"/>
-              </a:rPr>
-              <a:t>:</a:t>
-            </a:r>
-            <a:br>
-              <a:rPr lang="en-US" sz="1200" dirty="0"/>
-            </a:br>
-            <a:r>
-              <a:rPr lang="en-US" sz="1200" dirty="0">
-                <a:solidFill>
-                  <a:srgbClr val="000000"/>
-                </a:solidFill>
-                <a:latin typeface="Courier" pitchFamily="2" charset="0"/>
-              </a:rPr>
-              <a:t>           </a:t>
-            </a:r>
-            <a:r>
-              <a:rPr lang="en-US" sz="1200" dirty="0">
-                <a:solidFill>
-                  <a:schemeClr val="tx1">
-                    <a:lumMod val="50000"/>
-                    <a:lumOff val="50000"/>
-                  </a:schemeClr>
-                </a:solidFill>
-                <a:latin typeface="Courier" pitchFamily="2" charset="0"/>
-              </a:rPr>
-              <a:t> </a:t>
-            </a:r>
-            <a:r>
-              <a:rPr lang="en-US" sz="1200" dirty="0" err="1">
-                <a:solidFill>
-                  <a:schemeClr val="tx1">
-                    <a:lumMod val="50000"/>
-                    <a:lumOff val="50000"/>
-                  </a:schemeClr>
-                </a:solidFill>
-                <a:latin typeface="Courier" pitchFamily="2" charset="0"/>
-              </a:rPr>
-              <a:t>sdfData</a:t>
-            </a:r>
-            <a:r>
-              <a:rPr lang="en-US" sz="1200" dirty="0">
-                <a:solidFill>
-                  <a:schemeClr val="tx1">
-                    <a:lumMod val="50000"/>
-                    <a:lumOff val="50000"/>
-                  </a:schemeClr>
-                </a:solidFill>
-                <a:latin typeface="Courier" pitchFamily="2" charset="0"/>
-              </a:rPr>
-              <a:t>:</a:t>
-            </a:r>
-            <a:br>
-              <a:rPr lang="en-US" sz="1200" dirty="0">
-                <a:solidFill>
-                  <a:schemeClr val="tx1">
-                    <a:lumMod val="50000"/>
-                    <a:lumOff val="50000"/>
-                  </a:schemeClr>
-                </a:solidFill>
-              </a:rPr>
-            </a:br>
-            <a:r>
-              <a:rPr lang="en-US" sz="1200" dirty="0">
-                <a:solidFill>
-                  <a:schemeClr val="tx1">
-                    <a:lumMod val="50000"/>
-                    <a:lumOff val="50000"/>
-                  </a:schemeClr>
-                </a:solidFill>
-                <a:latin typeface="Courier" pitchFamily="2" charset="0"/>
-              </a:rPr>
-              <a:t>              </a:t>
-            </a:r>
-            <a:r>
-              <a:rPr lang="en-US" sz="1200" dirty="0" err="1">
-                <a:solidFill>
-                  <a:schemeClr val="tx1">
-                    <a:lumMod val="50000"/>
-                    <a:lumOff val="50000"/>
-                  </a:schemeClr>
-                </a:solidFill>
-                <a:latin typeface="Courier" pitchFamily="2" charset="0"/>
-              </a:rPr>
-              <a:t>SdfLink</a:t>
-            </a:r>
-            <a:r>
-              <a:rPr lang="en-US" sz="1200" dirty="0">
-                <a:solidFill>
-                  <a:schemeClr val="tx1">
-                    <a:lumMod val="50000"/>
-                    <a:lumOff val="50000"/>
-                  </a:schemeClr>
-                </a:solidFill>
-                <a:latin typeface="Courier" pitchFamily="2" charset="0"/>
-              </a:rPr>
-              <a:t>: { </a:t>
-            </a:r>
-            <a:r>
-              <a:rPr lang="en-US" sz="1200" dirty="0" err="1">
-                <a:solidFill>
-                  <a:schemeClr val="tx1">
-                    <a:lumMod val="50000"/>
-                    <a:lumOff val="50000"/>
-                  </a:schemeClr>
-                </a:solidFill>
-                <a:latin typeface="Courier" pitchFamily="2" charset="0"/>
-              </a:rPr>
-              <a:t>InstancePointer</a:t>
-            </a:r>
-            <a:r>
-              <a:rPr lang="en-US" sz="1200" dirty="0">
-                <a:solidFill>
-                  <a:schemeClr val="tx1">
-                    <a:lumMod val="50000"/>
-                    <a:lumOff val="50000"/>
-                  </a:schemeClr>
-                </a:solidFill>
-                <a:latin typeface="Courier" pitchFamily="2" charset="0"/>
-              </a:rPr>
-              <a:t>: /#/</a:t>
-            </a:r>
-            <a:r>
-              <a:rPr lang="en-US" sz="1200" dirty="0" err="1">
-                <a:solidFill>
-                  <a:schemeClr val="tx1">
-                    <a:lumMod val="50000"/>
-                    <a:lumOff val="50000"/>
-                  </a:schemeClr>
-                </a:solidFill>
-                <a:latin typeface="Courier" pitchFamily="2" charset="0"/>
-              </a:rPr>
-              <a:t>sdfThing</a:t>
-            </a:r>
-            <a:r>
-              <a:rPr lang="en-US" sz="1200" dirty="0">
-                <a:solidFill>
-                  <a:schemeClr val="tx1">
-                    <a:lumMod val="50000"/>
-                    <a:lumOff val="50000"/>
-                  </a:schemeClr>
-                </a:solidFill>
-                <a:latin typeface="Courier" pitchFamily="2" charset="0"/>
-              </a:rPr>
-              <a:t>/</a:t>
-            </a:r>
-            <a:r>
-              <a:rPr lang="en-US" sz="1200" dirty="0" err="1">
-                <a:solidFill>
-                  <a:schemeClr val="tx1">
-                    <a:lumMod val="50000"/>
-                    <a:lumOff val="50000"/>
-                  </a:schemeClr>
-                </a:solidFill>
-                <a:latin typeface="Courier" pitchFamily="2" charset="0"/>
-              </a:rPr>
-              <a:t>InstanceGraph</a:t>
-            </a:r>
-            <a:r>
-              <a:rPr lang="en-US" sz="1200" dirty="0">
-                <a:solidFill>
-                  <a:schemeClr val="tx1">
-                    <a:lumMod val="50000"/>
-                    <a:lumOff val="50000"/>
-                  </a:schemeClr>
-                </a:solidFill>
-                <a:latin typeface="Courier" pitchFamily="2" charset="0"/>
-              </a:rPr>
-              <a:t>/</a:t>
-            </a:r>
-            <a:r>
-              <a:rPr lang="en-US" sz="1200" dirty="0" err="1">
-                <a:solidFill>
-                  <a:schemeClr val="tx1">
-                    <a:lumMod val="50000"/>
-                    <a:lumOff val="50000"/>
-                  </a:schemeClr>
-                </a:solidFill>
-                <a:latin typeface="Courier" pitchFamily="2" charset="0"/>
-              </a:rPr>
-              <a:t>sdfThing</a:t>
-            </a:r>
-            <a:r>
-              <a:rPr lang="en-US" sz="1200" dirty="0">
-                <a:solidFill>
-                  <a:schemeClr val="tx1">
-                    <a:lumMod val="50000"/>
-                    <a:lumOff val="50000"/>
-                  </a:schemeClr>
-                </a:solidFill>
-                <a:latin typeface="Courier" pitchFamily="2" charset="0"/>
-              </a:rPr>
-              <a:t>/</a:t>
-            </a:r>
-            <a:r>
-              <a:rPr lang="en-US" sz="1200" dirty="0" err="1">
-                <a:solidFill>
-                  <a:srgbClr val="000000"/>
-                </a:solidFill>
-                <a:latin typeface="Courier" pitchFamily="2" charset="0"/>
-              </a:rPr>
-              <a:t>AnalogInput</a:t>
-            </a:r>
-            <a:r>
-              <a:rPr lang="en-US" sz="1200" dirty="0">
-                <a:solidFill>
-                  <a:srgbClr val="000000"/>
-                </a:solidFill>
-                <a:latin typeface="Courier" pitchFamily="2" charset="0"/>
-              </a:rPr>
-              <a:t> </a:t>
-            </a:r>
-            <a:r>
-              <a:rPr lang="en-US" sz="1200" dirty="0">
-                <a:solidFill>
-                  <a:schemeClr val="tx1">
-                    <a:lumMod val="50000"/>
-                    <a:lumOff val="50000"/>
-                  </a:schemeClr>
-                </a:solidFill>
-                <a:latin typeface="Courier" pitchFamily="2" charset="0"/>
-              </a:rPr>
-              <a:t>}</a:t>
-            </a:r>
-            <a:br>
-              <a:rPr lang="en-US" sz="1200" dirty="0"/>
-            </a:br>
-            <a:br>
-              <a:rPr lang="en-US" sz="1200" dirty="0"/>
-            </a:br>
-            <a:r>
-              <a:rPr lang="en-US" sz="1200" dirty="0">
-                <a:solidFill>
-                  <a:srgbClr val="000000"/>
-                </a:solidFill>
-                <a:latin typeface="Courier" pitchFamily="2" charset="0"/>
-              </a:rPr>
-              <a:t>      </a:t>
-            </a:r>
-            <a:r>
-              <a:rPr lang="en-US" sz="1200" dirty="0" err="1">
-                <a:solidFill>
-                  <a:srgbClr val="000000"/>
-                </a:solidFill>
-                <a:latin typeface="Courier" pitchFamily="2" charset="0"/>
-              </a:rPr>
-              <a:t>AnalogInput</a:t>
-            </a:r>
-            <a:r>
-              <a:rPr lang="en-US" sz="1200" dirty="0">
-                <a:solidFill>
-                  <a:srgbClr val="000000"/>
-                </a:solidFill>
-                <a:latin typeface="Courier" pitchFamily="2" charset="0"/>
-              </a:rPr>
-              <a:t>:</a:t>
-            </a:r>
-            <a:br>
-              <a:rPr lang="en-US" sz="1200" dirty="0"/>
-            </a:br>
-            <a:r>
-              <a:rPr lang="en-US" sz="1200" dirty="0">
-                <a:solidFill>
-                  <a:srgbClr val="000000"/>
-                </a:solidFill>
-                <a:latin typeface="Courier" pitchFamily="2" charset="0"/>
-              </a:rPr>
-              <a:t>        </a:t>
-            </a:r>
-            <a:r>
-              <a:rPr lang="en-US" sz="1200" dirty="0" err="1">
-                <a:latin typeface="Courier" pitchFamily="2" charset="0"/>
-              </a:rPr>
-              <a:t>sdfRef</a:t>
-            </a:r>
-            <a:r>
-              <a:rPr lang="en-US" sz="1200" dirty="0">
-                <a:latin typeface="Courier" pitchFamily="2" charset="0"/>
-              </a:rPr>
-              <a:t>:</a:t>
-            </a:r>
-            <a:r>
-              <a:rPr lang="en-US" sz="1200" dirty="0">
-                <a:solidFill>
-                  <a:schemeClr val="tx1">
-                    <a:lumMod val="50000"/>
-                    <a:lumOff val="50000"/>
-                  </a:schemeClr>
-                </a:solidFill>
-                <a:latin typeface="Courier" pitchFamily="2" charset="0"/>
-              </a:rPr>
-              <a:t> /#/</a:t>
-            </a:r>
-            <a:r>
-              <a:rPr lang="en-US" sz="1200" dirty="0" err="1">
-                <a:solidFill>
-                  <a:schemeClr val="tx1">
-                    <a:lumMod val="50000"/>
-                    <a:lumOff val="50000"/>
-                  </a:schemeClr>
-                </a:solidFill>
-                <a:latin typeface="Courier" pitchFamily="2" charset="0"/>
-              </a:rPr>
-              <a:t>sdfThing</a:t>
-            </a:r>
-            <a:r>
-              <a:rPr lang="en-US" sz="1200" dirty="0">
-                <a:solidFill>
-                  <a:schemeClr val="tx1">
-                    <a:lumMod val="50000"/>
-                    <a:lumOff val="50000"/>
-                  </a:schemeClr>
-                </a:solidFill>
-                <a:latin typeface="Courier" pitchFamily="2" charset="0"/>
-              </a:rPr>
-              <a:t>/</a:t>
-            </a:r>
-            <a:r>
-              <a:rPr lang="en-US" sz="1200" dirty="0" err="1">
-                <a:latin typeface="Courier" pitchFamily="2" charset="0"/>
-              </a:rPr>
-              <a:t>AnalogInput</a:t>
-            </a:r>
-            <a:br>
-              <a:rPr lang="en-US" sz="1200" dirty="0">
-                <a:solidFill>
-                  <a:schemeClr val="tx1">
-                    <a:lumMod val="50000"/>
-                    <a:lumOff val="50000"/>
-                  </a:schemeClr>
-                </a:solidFill>
-              </a:rPr>
-            </a:br>
-            <a:r>
-              <a:rPr lang="en-US" sz="1200" dirty="0">
-                <a:solidFill>
-                  <a:schemeClr val="tx1">
-                    <a:lumMod val="50000"/>
-                    <a:lumOff val="50000"/>
-                  </a:schemeClr>
-                </a:solidFill>
-                <a:latin typeface="Courier" pitchFamily="2" charset="0"/>
-              </a:rPr>
-              <a:t>        </a:t>
-            </a:r>
-            <a:r>
-              <a:rPr lang="en-US" sz="1200" dirty="0" err="1">
-                <a:solidFill>
-                  <a:schemeClr val="tx1">
-                    <a:lumMod val="50000"/>
-                    <a:lumOff val="50000"/>
-                  </a:schemeClr>
-                </a:solidFill>
-                <a:latin typeface="Courier" pitchFamily="2" charset="0"/>
-              </a:rPr>
-              <a:t>sdfThing</a:t>
-            </a:r>
-            <a:r>
-              <a:rPr lang="en-US" sz="1200" dirty="0">
-                <a:solidFill>
-                  <a:schemeClr val="tx1">
-                    <a:lumMod val="50000"/>
-                    <a:lumOff val="50000"/>
-                  </a:schemeClr>
-                </a:solidFill>
-                <a:latin typeface="Courier" pitchFamily="2" charset="0"/>
-              </a:rPr>
-              <a:t>:</a:t>
-            </a:r>
-            <a:br>
-              <a:rPr lang="en-US" sz="1200" dirty="0">
-                <a:solidFill>
-                  <a:schemeClr val="tx1">
-                    <a:lumMod val="50000"/>
-                    <a:lumOff val="50000"/>
-                  </a:schemeClr>
-                </a:solidFill>
-              </a:rPr>
-            </a:br>
-            <a:r>
-              <a:rPr lang="en-US" sz="1200" dirty="0">
-                <a:solidFill>
-                  <a:srgbClr val="000000"/>
-                </a:solidFill>
-                <a:latin typeface="Courier" pitchFamily="2" charset="0"/>
-              </a:rPr>
-              <a:t>          </a:t>
-            </a:r>
-            <a:r>
-              <a:rPr lang="en-US" sz="1200" dirty="0" err="1">
-                <a:solidFill>
-                  <a:srgbClr val="000000"/>
-                </a:solidFill>
-                <a:latin typeface="Courier" pitchFamily="2" charset="0"/>
-              </a:rPr>
-              <a:t>GpioPinID</a:t>
-            </a:r>
-            <a:r>
-              <a:rPr lang="en-US" sz="1200" dirty="0">
-                <a:solidFill>
-                  <a:srgbClr val="000000"/>
-                </a:solidFill>
-                <a:latin typeface="Courier" pitchFamily="2" charset="0"/>
-              </a:rPr>
-              <a:t>:</a:t>
-            </a:r>
-            <a:br>
-              <a:rPr lang="en-US" sz="1200" dirty="0"/>
-            </a:br>
-            <a:r>
-              <a:rPr lang="en-US" sz="1200" dirty="0">
-                <a:solidFill>
-                  <a:srgbClr val="000000"/>
-                </a:solidFill>
-                <a:latin typeface="Courier" pitchFamily="2" charset="0"/>
-              </a:rPr>
-              <a:t>            </a:t>
-            </a:r>
-            <a:r>
-              <a:rPr lang="en-US" sz="1200" dirty="0" err="1">
-                <a:solidFill>
-                  <a:schemeClr val="tx1">
-                    <a:lumMod val="50000"/>
-                    <a:lumOff val="50000"/>
-                  </a:schemeClr>
-                </a:solidFill>
-                <a:latin typeface="Courier" pitchFamily="2" charset="0"/>
-              </a:rPr>
-              <a:t>sdfProperty</a:t>
-            </a:r>
-            <a:r>
-              <a:rPr lang="en-US" sz="1200" dirty="0">
-                <a:solidFill>
-                  <a:schemeClr val="tx1">
-                    <a:lumMod val="50000"/>
-                    <a:lumOff val="50000"/>
-                  </a:schemeClr>
-                </a:solidFill>
-                <a:latin typeface="Courier" pitchFamily="2" charset="0"/>
-              </a:rPr>
-              <a:t>:</a:t>
-            </a:r>
-            <a:br>
-              <a:rPr lang="en-US" sz="1200" dirty="0">
-                <a:solidFill>
-                  <a:schemeClr val="tx1">
-                    <a:lumMod val="50000"/>
-                    <a:lumOff val="50000"/>
-                  </a:schemeClr>
-                </a:solidFill>
-              </a:rPr>
-            </a:br>
-            <a:r>
-              <a:rPr lang="en-US" sz="1200" dirty="0">
-                <a:solidFill>
-                  <a:schemeClr val="tx1">
-                    <a:lumMod val="50000"/>
-                    <a:lumOff val="50000"/>
-                  </a:schemeClr>
-                </a:solidFill>
-                <a:latin typeface="Courier" pitchFamily="2" charset="0"/>
-              </a:rPr>
-              <a:t>              Value: </a:t>
-            </a:r>
-            <a:br>
-              <a:rPr lang="en-US" sz="1200" dirty="0">
-                <a:solidFill>
-                  <a:schemeClr val="tx1">
-                    <a:lumMod val="50000"/>
-                    <a:lumOff val="50000"/>
-                  </a:schemeClr>
-                </a:solidFill>
-              </a:rPr>
-            </a:br>
-            <a:r>
-              <a:rPr lang="en-US" sz="1200" dirty="0">
-                <a:solidFill>
-                  <a:schemeClr val="tx1">
-                    <a:lumMod val="50000"/>
-                    <a:lumOff val="50000"/>
-                  </a:schemeClr>
-                </a:solidFill>
-                <a:latin typeface="Courier" pitchFamily="2" charset="0"/>
-              </a:rPr>
-              <a:t>                </a:t>
-            </a:r>
-            <a:r>
-              <a:rPr lang="en-US" sz="1200" dirty="0" err="1">
-                <a:solidFill>
-                  <a:schemeClr val="tx1">
-                    <a:lumMod val="50000"/>
-                    <a:lumOff val="50000"/>
-                  </a:schemeClr>
-                </a:solidFill>
-                <a:latin typeface="Courier" pitchFamily="2" charset="0"/>
-              </a:rPr>
-              <a:t>sdfChoice</a:t>
-            </a:r>
-            <a:r>
-              <a:rPr lang="en-US" sz="1200" dirty="0">
-                <a:solidFill>
-                  <a:schemeClr val="tx1">
-                    <a:lumMod val="50000"/>
-                    <a:lumOff val="50000"/>
-                  </a:schemeClr>
-                </a:solidFill>
-                <a:latin typeface="Courier" pitchFamily="2" charset="0"/>
-              </a:rPr>
-              <a:t>:</a:t>
-            </a:r>
-            <a:br>
-              <a:rPr lang="en-US" sz="1200" dirty="0">
-                <a:solidFill>
-                  <a:schemeClr val="tx1">
-                    <a:lumMod val="50000"/>
-                    <a:lumOff val="50000"/>
-                  </a:schemeClr>
-                </a:solidFill>
-              </a:rPr>
-            </a:br>
-            <a:r>
-              <a:rPr lang="en-US" sz="1200" dirty="0">
-                <a:solidFill>
-                  <a:schemeClr val="tx1">
-                    <a:lumMod val="50000"/>
-                    <a:lumOff val="50000"/>
-                  </a:schemeClr>
-                </a:solidFill>
-                <a:latin typeface="Courier" pitchFamily="2" charset="0"/>
-              </a:rPr>
-              <a:t>                  </a:t>
-            </a:r>
-            <a:r>
-              <a:rPr lang="en-US" sz="1200" dirty="0" err="1">
-                <a:solidFill>
-                  <a:schemeClr val="tx1">
-                    <a:lumMod val="50000"/>
-                    <a:lumOff val="50000"/>
-                  </a:schemeClr>
-                </a:solidFill>
-                <a:latin typeface="Courier" pitchFamily="2" charset="0"/>
-              </a:rPr>
-              <a:t>IntegerType</a:t>
-            </a:r>
-            <a:r>
-              <a:rPr lang="en-US" sz="1200" dirty="0">
-                <a:solidFill>
-                  <a:schemeClr val="tx1">
-                    <a:lumMod val="50000"/>
-                    <a:lumOff val="50000"/>
-                  </a:schemeClr>
-                </a:solidFill>
-                <a:latin typeface="Courier" pitchFamily="2" charset="0"/>
-              </a:rPr>
-              <a:t>: { </a:t>
-            </a:r>
-            <a:r>
-              <a:rPr lang="en-US" sz="1200" dirty="0" err="1">
-                <a:solidFill>
-                  <a:schemeClr val="tx1">
-                    <a:lumMod val="50000"/>
-                    <a:lumOff val="50000"/>
-                  </a:schemeClr>
-                </a:solidFill>
-                <a:latin typeface="Courier" pitchFamily="2" charset="0"/>
-              </a:rPr>
-              <a:t>const</a:t>
-            </a:r>
-            <a:r>
-              <a:rPr lang="en-US" sz="1200" dirty="0">
-                <a:solidFill>
-                  <a:schemeClr val="tx1">
-                    <a:lumMod val="50000"/>
-                    <a:lumOff val="50000"/>
-                  </a:schemeClr>
-                </a:solidFill>
-                <a:latin typeface="Courier" pitchFamily="2" charset="0"/>
-              </a:rPr>
-              <a:t>:</a:t>
-            </a:r>
-            <a:r>
-              <a:rPr lang="en-US" sz="1200" dirty="0">
-                <a:solidFill>
-                  <a:srgbClr val="000000"/>
-                </a:solidFill>
-                <a:latin typeface="Courier" pitchFamily="2" charset="0"/>
-              </a:rPr>
-              <a:t> 7 </a:t>
-            </a:r>
-            <a:r>
-              <a:rPr lang="en-US" sz="1200" dirty="0">
-                <a:solidFill>
-                  <a:schemeClr val="tx1">
-                    <a:lumMod val="50000"/>
-                    <a:lumOff val="50000"/>
-                  </a:schemeClr>
-                </a:solidFill>
-                <a:latin typeface="Courier" pitchFamily="2" charset="0"/>
-              </a:rPr>
-              <a:t>}</a:t>
-            </a:r>
-            <a:br>
-              <a:rPr lang="en-US" sz="1200" dirty="0"/>
-            </a:br>
-            <a:r>
-              <a:rPr lang="en-US" sz="1200" dirty="0">
-                <a:solidFill>
-                  <a:srgbClr val="000000"/>
-                </a:solidFill>
-                <a:latin typeface="Courier" pitchFamily="2" charset="0"/>
-              </a:rPr>
-              <a:t>            </a:t>
-            </a:r>
-            <a:r>
-              <a:rPr lang="en-US" sz="1200" dirty="0" err="1">
-                <a:solidFill>
-                  <a:srgbClr val="000000"/>
-                </a:solidFill>
-                <a:latin typeface="Courier" pitchFamily="2" charset="0"/>
-              </a:rPr>
-              <a:t>OutputLink</a:t>
-            </a:r>
-            <a:r>
-              <a:rPr lang="en-US" sz="1200" dirty="0">
-                <a:solidFill>
-                  <a:srgbClr val="000000"/>
-                </a:solidFill>
-                <a:latin typeface="Courier" pitchFamily="2" charset="0"/>
-              </a:rPr>
-              <a:t>:</a:t>
-            </a:r>
-            <a:br>
-              <a:rPr lang="en-US" sz="1200" dirty="0"/>
-            </a:br>
-            <a:r>
-              <a:rPr lang="en-US" sz="1200" dirty="0">
-                <a:solidFill>
-                  <a:srgbClr val="000000"/>
-                </a:solidFill>
-                <a:latin typeface="Courier" pitchFamily="2" charset="0"/>
-              </a:rPr>
-              <a:t>              </a:t>
-            </a:r>
-            <a:r>
-              <a:rPr lang="en-US" sz="1200" dirty="0" err="1">
-                <a:solidFill>
-                  <a:schemeClr val="tx1">
-                    <a:lumMod val="50000"/>
-                    <a:lumOff val="50000"/>
-                  </a:schemeClr>
-                </a:solidFill>
-                <a:latin typeface="Courier" pitchFamily="2" charset="0"/>
-              </a:rPr>
-              <a:t>sdfData</a:t>
-            </a:r>
-            <a:r>
-              <a:rPr lang="en-US" sz="1200" dirty="0">
-                <a:solidFill>
-                  <a:schemeClr val="tx1">
-                    <a:lumMod val="50000"/>
-                    <a:lumOff val="50000"/>
-                  </a:schemeClr>
-                </a:solidFill>
-                <a:latin typeface="Courier" pitchFamily="2" charset="0"/>
-              </a:rPr>
-              <a:t>:</a:t>
-            </a:r>
-            <a:br>
-              <a:rPr lang="en-US" sz="1200" dirty="0">
-                <a:solidFill>
-                  <a:schemeClr val="tx1">
-                    <a:lumMod val="50000"/>
-                    <a:lumOff val="50000"/>
-                  </a:schemeClr>
-                </a:solidFill>
-              </a:rPr>
-            </a:br>
-            <a:r>
-              <a:rPr lang="en-US" sz="1200" dirty="0">
-                <a:solidFill>
-                  <a:schemeClr val="tx1">
-                    <a:lumMod val="50000"/>
-                    <a:lumOff val="50000"/>
-                  </a:schemeClr>
-                </a:solidFill>
-                <a:latin typeface="Courier" pitchFamily="2" charset="0"/>
-              </a:rPr>
-              <a:t>                </a:t>
-            </a:r>
-            <a:r>
-              <a:rPr lang="en-US" sz="1200" dirty="0" err="1">
-                <a:solidFill>
-                  <a:schemeClr val="tx1">
-                    <a:lumMod val="50000"/>
-                    <a:lumOff val="50000"/>
-                  </a:schemeClr>
-                </a:solidFill>
-                <a:latin typeface="Courier" pitchFamily="2" charset="0"/>
-              </a:rPr>
-              <a:t>SdfLink</a:t>
-            </a:r>
-            <a:r>
-              <a:rPr lang="en-US" sz="1200" dirty="0">
-                <a:solidFill>
-                  <a:schemeClr val="tx1">
-                    <a:lumMod val="50000"/>
-                    <a:lumOff val="50000"/>
-                  </a:schemeClr>
-                </a:solidFill>
-                <a:latin typeface="Courier" pitchFamily="2" charset="0"/>
-              </a:rPr>
-              <a:t>: { </a:t>
-            </a:r>
-            <a:r>
-              <a:rPr lang="en-US" sz="1200" dirty="0" err="1">
-                <a:solidFill>
-                  <a:schemeClr val="tx1">
-                    <a:lumMod val="50000"/>
-                    <a:lumOff val="50000"/>
-                  </a:schemeClr>
-                </a:solidFill>
-                <a:latin typeface="Courier" pitchFamily="2" charset="0"/>
-              </a:rPr>
-              <a:t>InstancePointer</a:t>
-            </a:r>
-            <a:r>
-              <a:rPr lang="en-US" sz="1200" dirty="0">
-                <a:solidFill>
-                  <a:schemeClr val="tx1">
-                    <a:lumMod val="50000"/>
-                    <a:lumOff val="50000"/>
-                  </a:schemeClr>
-                </a:solidFill>
-                <a:latin typeface="Courier" pitchFamily="2" charset="0"/>
-              </a:rPr>
-              <a:t>: /#/</a:t>
-            </a:r>
-            <a:r>
-              <a:rPr lang="en-US" sz="1200" dirty="0" err="1">
-                <a:solidFill>
-                  <a:schemeClr val="tx1">
-                    <a:lumMod val="50000"/>
-                    <a:lumOff val="50000"/>
-                  </a:schemeClr>
-                </a:solidFill>
-                <a:latin typeface="Courier" pitchFamily="2" charset="0"/>
-              </a:rPr>
-              <a:t>sdfThing</a:t>
-            </a:r>
-            <a:r>
-              <a:rPr lang="en-US" sz="1200" dirty="0">
-                <a:solidFill>
-                  <a:schemeClr val="tx1">
-                    <a:lumMod val="50000"/>
-                    <a:lumOff val="50000"/>
-                  </a:schemeClr>
-                </a:solidFill>
-                <a:latin typeface="Courier" pitchFamily="2" charset="0"/>
-              </a:rPr>
-              <a:t>/</a:t>
-            </a:r>
-            <a:r>
-              <a:rPr lang="en-US" sz="1200" dirty="0" err="1">
-                <a:solidFill>
-                  <a:schemeClr val="tx1">
-                    <a:lumMod val="50000"/>
-                    <a:lumOff val="50000"/>
-                  </a:schemeClr>
-                </a:solidFill>
-                <a:latin typeface="Courier" pitchFamily="2" charset="0"/>
-              </a:rPr>
-              <a:t>InstanceGraph</a:t>
-            </a:r>
-            <a:r>
-              <a:rPr lang="en-US" sz="1200" dirty="0">
-                <a:solidFill>
-                  <a:schemeClr val="tx1">
-                    <a:lumMod val="50000"/>
-                    <a:lumOff val="50000"/>
-                  </a:schemeClr>
-                </a:solidFill>
-                <a:latin typeface="Courier" pitchFamily="2" charset="0"/>
-              </a:rPr>
-              <a:t>/</a:t>
-            </a:r>
-            <a:r>
-              <a:rPr lang="en-US" sz="1200" dirty="0" err="1">
-                <a:solidFill>
-                  <a:schemeClr val="tx1">
-                    <a:lumMod val="50000"/>
-                    <a:lumOff val="50000"/>
-                  </a:schemeClr>
-                </a:solidFill>
-                <a:latin typeface="Courier" pitchFamily="2" charset="0"/>
-              </a:rPr>
-              <a:t>sdfThing</a:t>
-            </a:r>
-            <a:r>
-              <a:rPr lang="en-US" sz="1200" dirty="0">
-                <a:solidFill>
-                  <a:schemeClr val="tx1">
-                    <a:lumMod val="50000"/>
-                    <a:lumOff val="50000"/>
-                  </a:schemeClr>
-                </a:solidFill>
-                <a:latin typeface="Courier" pitchFamily="2" charset="0"/>
-              </a:rPr>
-              <a:t>/</a:t>
-            </a:r>
-            <a:r>
-              <a:rPr lang="en-US" sz="1200" dirty="0" err="1">
-                <a:solidFill>
-                  <a:srgbClr val="000000"/>
-                </a:solidFill>
-                <a:latin typeface="Courier" pitchFamily="2" charset="0"/>
-              </a:rPr>
-              <a:t>MapToCelsius</a:t>
-            </a:r>
-            <a:r>
-              <a:rPr lang="en-US" sz="1200" dirty="0">
-                <a:solidFill>
-                  <a:schemeClr val="tx1">
-                    <a:lumMod val="50000"/>
-                    <a:lumOff val="50000"/>
-                  </a:schemeClr>
-                </a:solidFill>
-                <a:latin typeface="Courier" pitchFamily="2" charset="0"/>
-              </a:rPr>
-              <a:t> }</a:t>
-            </a:r>
-            <a:endParaRPr lang="en-US" sz="1200" dirty="0">
-              <a:solidFill>
-                <a:schemeClr val="tx1">
-                  <a:lumMod val="50000"/>
-                  <a:lumOff val="50000"/>
-                </a:schemeClr>
-              </a:solidFill>
-            </a:endParaRPr>
-          </a:p>
-        </p:txBody>
-      </p:sp>
-      <p:sp>
-        <p:nvSpPr>
-          <p:cNvPr id="5" name="Rectangle 4">
-            <a:extLst>
-              <a:ext uri="{FF2B5EF4-FFF2-40B4-BE49-F238E27FC236}">
-                <a16:creationId xmlns:a16="http://schemas.microsoft.com/office/drawing/2014/main" id="{1CA0658D-D2B7-A446-9E9D-6C6CED7A9EDB}"/>
-              </a:ext>
-            </a:extLst>
-          </p:cNvPr>
-          <p:cNvSpPr/>
-          <p:nvPr/>
-        </p:nvSpPr>
-        <p:spPr>
-          <a:xfrm>
-            <a:off x="4984750" y="766256"/>
-            <a:ext cx="3708400" cy="2677656"/>
-          </a:xfrm>
-          <a:prstGeom prst="rect">
-            <a:avLst/>
-          </a:prstGeom>
-        </p:spPr>
-        <p:txBody>
-          <a:bodyPr wrap="square">
-            <a:spAutoFit/>
-          </a:bodyPr>
-          <a:lstStyle/>
-          <a:p>
-            <a:br>
-              <a:rPr lang="en-US" sz="1400" dirty="0">
-                <a:solidFill>
-                  <a:srgbClr val="000000"/>
-                </a:solidFill>
-                <a:latin typeface="Courier" pitchFamily="2" charset="0"/>
-              </a:rPr>
-            </a:br>
-            <a:r>
-              <a:rPr lang="en-US" sz="1400" dirty="0">
-                <a:solidFill>
-                  <a:srgbClr val="000000"/>
-                </a:solidFill>
-                <a:latin typeface="Courier" pitchFamily="2" charset="0"/>
-              </a:rPr>
-              <a:t>  </a:t>
-            </a:r>
-            <a:r>
-              <a:rPr lang="en-US" sz="1400" dirty="0" err="1">
-                <a:solidFill>
-                  <a:srgbClr val="000000"/>
-                </a:solidFill>
-                <a:latin typeface="Courier" pitchFamily="2" charset="0"/>
-              </a:rPr>
-              <a:t>TimeSource</a:t>
-            </a:r>
-            <a:r>
-              <a:rPr lang="en-US" sz="1400" dirty="0">
-                <a:solidFill>
-                  <a:srgbClr val="000000"/>
-                </a:solidFill>
-                <a:latin typeface="Courier" pitchFamily="2" charset="0"/>
-              </a:rPr>
-              <a:t>: </a:t>
-            </a:r>
-            <a:br>
-              <a:rPr lang="en-US" sz="1400" dirty="0">
-                <a:solidFill>
-                  <a:srgbClr val="000000"/>
-                </a:solidFill>
-                <a:latin typeface="Courier" pitchFamily="2" charset="0"/>
-              </a:rPr>
-            </a:br>
-            <a:r>
-              <a:rPr lang="en-US" sz="1400" dirty="0">
-                <a:solidFill>
-                  <a:srgbClr val="000000"/>
-                </a:solidFill>
-                <a:latin typeface="Courier" pitchFamily="2" charset="0"/>
-              </a:rPr>
-              <a:t>    Type: </a:t>
-            </a:r>
-            <a:r>
-              <a:rPr lang="en-US" sz="1400" dirty="0" err="1">
-                <a:solidFill>
-                  <a:srgbClr val="000000"/>
-                </a:solidFill>
-                <a:latin typeface="Courier" pitchFamily="2" charset="0"/>
-              </a:rPr>
-              <a:t>TimeSource</a:t>
-            </a:r>
-            <a:br>
-              <a:rPr lang="en-US" sz="1400" dirty="0">
-                <a:solidFill>
-                  <a:srgbClr val="000000"/>
-                </a:solidFill>
-                <a:latin typeface="Courier" pitchFamily="2" charset="0"/>
-              </a:rPr>
-            </a:br>
-            <a:r>
-              <a:rPr lang="en-US" sz="1400" dirty="0">
-                <a:solidFill>
-                  <a:srgbClr val="000000"/>
-                </a:solidFill>
-                <a:latin typeface="Courier" pitchFamily="2" charset="0"/>
-              </a:rPr>
-              <a:t>    </a:t>
-            </a:r>
-            <a:r>
-              <a:rPr lang="en-US" sz="1400" dirty="0" err="1">
-                <a:solidFill>
-                  <a:srgbClr val="000000"/>
-                </a:solidFill>
-                <a:latin typeface="Courier" pitchFamily="2" charset="0"/>
-              </a:rPr>
-              <a:t>IntervalTime</a:t>
-            </a:r>
-            <a:r>
-              <a:rPr lang="en-US" sz="1400" dirty="0">
-                <a:solidFill>
-                  <a:srgbClr val="000000"/>
-                </a:solidFill>
-                <a:latin typeface="Courier" pitchFamily="2" charset="0"/>
-              </a:rPr>
-              <a:t>: 1000 </a:t>
-            </a:r>
-            <a:br>
-              <a:rPr lang="en-US" sz="1400" dirty="0">
-                <a:solidFill>
-                  <a:srgbClr val="000000"/>
-                </a:solidFill>
-                <a:latin typeface="Courier" pitchFamily="2" charset="0"/>
-              </a:rPr>
-            </a:br>
-            <a:r>
-              <a:rPr lang="en-US" sz="1400" dirty="0">
-                <a:solidFill>
-                  <a:srgbClr val="000000"/>
-                </a:solidFill>
-                <a:latin typeface="Courier" pitchFamily="2" charset="0"/>
-              </a:rPr>
-              <a:t>    </a:t>
-            </a:r>
-            <a:r>
-              <a:rPr lang="en-US" sz="1400" dirty="0" err="1">
-                <a:solidFill>
-                  <a:srgbClr val="000000"/>
-                </a:solidFill>
-                <a:latin typeface="Courier" pitchFamily="2" charset="0"/>
-              </a:rPr>
-              <a:t>TimerOutputLink</a:t>
-            </a:r>
-            <a:r>
-              <a:rPr lang="en-US" sz="1400" dirty="0">
-                <a:solidFill>
-                  <a:srgbClr val="000000"/>
-                </a:solidFill>
-                <a:latin typeface="Courier" pitchFamily="2" charset="0"/>
-              </a:rPr>
-              <a:t>: </a:t>
-            </a:r>
-            <a:r>
-              <a:rPr lang="en-US" sz="1400" dirty="0" err="1">
-                <a:solidFill>
-                  <a:srgbClr val="000000"/>
-                </a:solidFill>
-                <a:latin typeface="Courier" pitchFamily="2" charset="0"/>
-              </a:rPr>
-              <a:t>AnalogInput</a:t>
-            </a:r>
-            <a:r>
-              <a:rPr lang="en-US" sz="1400" dirty="0">
-                <a:solidFill>
-                  <a:srgbClr val="000000"/>
-                </a:solidFill>
-                <a:latin typeface="Courier" pitchFamily="2" charset="0"/>
-              </a:rPr>
-              <a:t> </a:t>
-            </a:r>
-            <a:br>
-              <a:rPr lang="en-US" sz="1400" dirty="0">
-                <a:solidFill>
-                  <a:srgbClr val="000000"/>
-                </a:solidFill>
-                <a:latin typeface="Courier" pitchFamily="2" charset="0"/>
-              </a:rPr>
-            </a:br>
-            <a:br>
-              <a:rPr lang="en-US" sz="1400" dirty="0">
-                <a:solidFill>
-                  <a:srgbClr val="000000"/>
-                </a:solidFill>
-                <a:latin typeface="Courier" pitchFamily="2" charset="0"/>
-              </a:rPr>
-            </a:br>
-            <a:r>
-              <a:rPr lang="en-US" sz="1400" dirty="0">
-                <a:solidFill>
-                  <a:srgbClr val="000000"/>
-                </a:solidFill>
-                <a:latin typeface="Courier" pitchFamily="2" charset="0"/>
-              </a:rPr>
-              <a:t>  </a:t>
-            </a:r>
-            <a:r>
-              <a:rPr lang="en-US" sz="1400" dirty="0" err="1">
-                <a:solidFill>
-                  <a:srgbClr val="000000"/>
-                </a:solidFill>
-                <a:latin typeface="Courier" pitchFamily="2" charset="0"/>
-              </a:rPr>
-              <a:t>AnalogInput</a:t>
-            </a:r>
-            <a:r>
-              <a:rPr lang="en-US" sz="1400" dirty="0">
-                <a:solidFill>
-                  <a:srgbClr val="000000"/>
-                </a:solidFill>
-                <a:latin typeface="Courier" pitchFamily="2" charset="0"/>
-              </a:rPr>
-              <a:t>: </a:t>
-            </a:r>
-            <a:br>
-              <a:rPr lang="en-US" sz="1400" dirty="0">
-                <a:solidFill>
-                  <a:srgbClr val="000000"/>
-                </a:solidFill>
-                <a:latin typeface="Courier" pitchFamily="2" charset="0"/>
-              </a:rPr>
-            </a:br>
-            <a:r>
-              <a:rPr lang="en-US" sz="1400" dirty="0">
-                <a:solidFill>
-                  <a:srgbClr val="000000"/>
-                </a:solidFill>
-                <a:latin typeface="Courier" pitchFamily="2" charset="0"/>
-              </a:rPr>
-              <a:t>    Type: </a:t>
-            </a:r>
-            <a:r>
-              <a:rPr lang="en-US" sz="1400" dirty="0" err="1">
-                <a:solidFill>
-                  <a:srgbClr val="000000"/>
-                </a:solidFill>
-                <a:latin typeface="Courier" pitchFamily="2" charset="0"/>
-              </a:rPr>
-              <a:t>AnalogInput</a:t>
-            </a:r>
-            <a:br>
-              <a:rPr lang="en-US" sz="1400" dirty="0">
-                <a:solidFill>
-                  <a:srgbClr val="000000"/>
-                </a:solidFill>
-                <a:latin typeface="Courier" pitchFamily="2" charset="0"/>
-              </a:rPr>
-            </a:br>
-            <a:r>
-              <a:rPr lang="en-US" sz="1400" dirty="0">
-                <a:solidFill>
-                  <a:srgbClr val="000000"/>
-                </a:solidFill>
-                <a:latin typeface="Courier" pitchFamily="2" charset="0"/>
-              </a:rPr>
-              <a:t>    </a:t>
-            </a:r>
-            <a:r>
-              <a:rPr lang="en-US" sz="1400" dirty="0" err="1">
-                <a:solidFill>
-                  <a:srgbClr val="000000"/>
-                </a:solidFill>
-                <a:latin typeface="Courier" pitchFamily="2" charset="0"/>
-              </a:rPr>
-              <a:t>GpioPinID</a:t>
-            </a:r>
-            <a:r>
-              <a:rPr lang="en-US" sz="1400" dirty="0">
-                <a:solidFill>
-                  <a:srgbClr val="000000"/>
-                </a:solidFill>
-                <a:latin typeface="Courier" pitchFamily="2" charset="0"/>
-              </a:rPr>
-              <a:t>: 7 </a:t>
-            </a:r>
-            <a:br>
-              <a:rPr lang="en-US" sz="1400" dirty="0">
-                <a:solidFill>
-                  <a:srgbClr val="000000"/>
-                </a:solidFill>
-                <a:latin typeface="Courier" pitchFamily="2" charset="0"/>
-              </a:rPr>
-            </a:br>
-            <a:r>
-              <a:rPr lang="en-US" sz="1400" dirty="0">
-                <a:solidFill>
-                  <a:srgbClr val="000000"/>
-                </a:solidFill>
-                <a:latin typeface="Courier" pitchFamily="2" charset="0"/>
-              </a:rPr>
-              <a:t>    </a:t>
-            </a:r>
-            <a:r>
-              <a:rPr lang="en-US" sz="1400" dirty="0" err="1">
-                <a:solidFill>
-                  <a:srgbClr val="000000"/>
-                </a:solidFill>
-                <a:latin typeface="Courier" pitchFamily="2" charset="0"/>
-              </a:rPr>
-              <a:t>OutputLink</a:t>
-            </a:r>
-            <a:r>
-              <a:rPr lang="en-US" sz="1400" dirty="0">
-                <a:solidFill>
-                  <a:srgbClr val="000000"/>
-                </a:solidFill>
-                <a:latin typeface="Courier" pitchFamily="2" charset="0"/>
-              </a:rPr>
-              <a:t>: </a:t>
-            </a:r>
-            <a:r>
-              <a:rPr lang="en-US" sz="1400" dirty="0" err="1">
-                <a:solidFill>
-                  <a:srgbClr val="000000"/>
-                </a:solidFill>
-                <a:latin typeface="Courier" pitchFamily="2" charset="0"/>
-              </a:rPr>
-              <a:t>MapToCelsius</a:t>
-            </a:r>
-            <a:r>
-              <a:rPr lang="en-US" sz="1400" dirty="0">
-                <a:solidFill>
-                  <a:srgbClr val="000000"/>
-                </a:solidFill>
-                <a:latin typeface="Courier" pitchFamily="2" charset="0"/>
-              </a:rPr>
-              <a:t> </a:t>
-            </a:r>
-            <a:br>
-              <a:rPr lang="en-US" sz="1400" dirty="0">
-                <a:solidFill>
-                  <a:srgbClr val="000000"/>
-                </a:solidFill>
-                <a:latin typeface="Courier" pitchFamily="2" charset="0"/>
-              </a:rPr>
-            </a:br>
-            <a:br>
-              <a:rPr lang="en-US" sz="1400" dirty="0">
-                <a:solidFill>
-                  <a:srgbClr val="000000"/>
-                </a:solidFill>
-                <a:latin typeface="Courier" pitchFamily="2" charset="0"/>
-              </a:rPr>
-            </a:br>
-            <a:r>
-              <a:rPr lang="en-US" sz="1400" dirty="0">
-                <a:solidFill>
-                  <a:srgbClr val="000000"/>
-                </a:solidFill>
-                <a:latin typeface="Courier" pitchFamily="2" charset="0"/>
-              </a:rPr>
-              <a:t>  </a:t>
-            </a:r>
-            <a:endParaRPr lang="en-US" sz="1400" dirty="0"/>
-          </a:p>
-        </p:txBody>
-      </p:sp>
-      <p:sp>
-        <p:nvSpPr>
           <p:cNvPr id="3" name="Right Arrow 2">
             <a:extLst>
               <a:ext uri="{FF2B5EF4-FFF2-40B4-BE49-F238E27FC236}">
@@ -11449,6 +9114,1862 @@
           <a:p>
             <a:pPr algn="ctr"/>
             <a:endParaRPr lang="en-US"/>
+          </a:p>
+        </p:txBody>
+      </p:sp>
+      <p:sp>
+        <p:nvSpPr>
+          <p:cNvPr id="2" name="Title 1">
+            <a:extLst>
+              <a:ext uri="{FF2B5EF4-FFF2-40B4-BE49-F238E27FC236}">
+                <a16:creationId xmlns:a16="http://schemas.microsoft.com/office/drawing/2014/main" id="{154CA31C-7ABE-7D43-995C-B74B6BD73989}"/>
+              </a:ext>
+            </a:extLst>
+          </p:cNvPr>
+          <p:cNvSpPr>
+            <a:spLocks noGrp="1"/>
+          </p:cNvSpPr>
+          <p:nvPr>
+            <p:ph type="title"/>
+          </p:nvPr>
+        </p:nvSpPr>
+        <p:spPr>
+          <a:xfrm>
+            <a:off x="5029200" y="0"/>
+            <a:ext cx="3663950" cy="1325563"/>
+          </a:xfrm>
+        </p:spPr>
+        <p:txBody>
+          <a:bodyPr/>
+          <a:lstStyle/>
+          <a:p>
+            <a:r>
+              <a:rPr lang="en-US" dirty="0"/>
+              <a:t>Simplified DSL</a:t>
+            </a:r>
+          </a:p>
+        </p:txBody>
+      </p:sp>
+      <p:sp>
+        <p:nvSpPr>
+          <p:cNvPr id="4" name="Rectangle 3">
+            <a:extLst>
+              <a:ext uri="{FF2B5EF4-FFF2-40B4-BE49-F238E27FC236}">
+                <a16:creationId xmlns:a16="http://schemas.microsoft.com/office/drawing/2014/main" id="{1DB75D56-A29F-5C43-91EF-3F7459B3E858}"/>
+              </a:ext>
+            </a:extLst>
+          </p:cNvPr>
+          <p:cNvSpPr/>
+          <p:nvPr/>
+        </p:nvSpPr>
+        <p:spPr>
+          <a:xfrm>
+            <a:off x="271192" y="766256"/>
+            <a:ext cx="8153400" cy="5632311"/>
+          </a:xfrm>
+          <a:prstGeom prst="rect">
+            <a:avLst/>
+          </a:prstGeom>
+        </p:spPr>
+        <p:txBody>
+          <a:bodyPr wrap="square">
+            <a:spAutoFit/>
+          </a:bodyPr>
+          <a:lstStyle/>
+          <a:p>
+            <a:r>
+              <a:rPr lang="en-US" sz="1200" dirty="0" err="1">
+                <a:solidFill>
+                  <a:schemeClr val="tx1">
+                    <a:lumMod val="50000"/>
+                    <a:lumOff val="50000"/>
+                  </a:schemeClr>
+                </a:solidFill>
+                <a:latin typeface="Courier" pitchFamily="2" charset="0"/>
+              </a:rPr>
+              <a:t>defaultnamespace</a:t>
+            </a:r>
+            <a:r>
+              <a:rPr lang="en-US" sz="1200" dirty="0">
+                <a:solidFill>
+                  <a:schemeClr val="tx1">
+                    <a:lumMod val="50000"/>
+                    <a:lumOff val="50000"/>
+                  </a:schemeClr>
+                </a:solidFill>
+                <a:latin typeface="Courier" pitchFamily="2" charset="0"/>
+              </a:rPr>
+              <a:t>: </a:t>
+            </a:r>
+            <a:r>
+              <a:rPr lang="en-US" sz="1200" dirty="0" err="1">
+                <a:solidFill>
+                  <a:schemeClr val="tx1">
+                    <a:lumMod val="50000"/>
+                    <a:lumOff val="50000"/>
+                  </a:schemeClr>
+                </a:solidFill>
+                <a:latin typeface="Courier" pitchFamily="2" charset="0"/>
+              </a:rPr>
+              <a:t>flo</a:t>
+            </a:r>
+            <a:br>
+              <a:rPr lang="en-US" sz="1200" dirty="0">
+                <a:solidFill>
+                  <a:schemeClr val="tx1">
+                    <a:lumMod val="50000"/>
+                    <a:lumOff val="50000"/>
+                  </a:schemeClr>
+                </a:solidFill>
+              </a:rPr>
+            </a:br>
+            <a:br>
+              <a:rPr lang="en-US" sz="1200" dirty="0">
+                <a:solidFill>
+                  <a:schemeClr val="tx1">
+                    <a:lumMod val="50000"/>
+                    <a:lumOff val="50000"/>
+                  </a:schemeClr>
+                </a:solidFill>
+              </a:rPr>
+            </a:br>
+            <a:r>
+              <a:rPr lang="en-US" sz="1200" dirty="0" err="1">
+                <a:solidFill>
+                  <a:schemeClr val="tx1">
+                    <a:lumMod val="50000"/>
+                    <a:lumOff val="50000"/>
+                  </a:schemeClr>
+                </a:solidFill>
+                <a:latin typeface="Courier" pitchFamily="2" charset="0"/>
+              </a:rPr>
+              <a:t>sdfThing</a:t>
+            </a:r>
+            <a:r>
+              <a:rPr lang="en-US" sz="1200" dirty="0">
+                <a:solidFill>
+                  <a:schemeClr val="tx1">
+                    <a:lumMod val="50000"/>
+                    <a:lumOff val="50000"/>
+                  </a:schemeClr>
+                </a:solidFill>
+                <a:latin typeface="Courier" pitchFamily="2" charset="0"/>
+              </a:rPr>
+              <a:t>:</a:t>
+            </a:r>
+            <a:br>
+              <a:rPr lang="en-US" sz="1200" dirty="0">
+                <a:solidFill>
+                  <a:schemeClr val="tx1">
+                    <a:lumMod val="50000"/>
+                    <a:lumOff val="50000"/>
+                  </a:schemeClr>
+                </a:solidFill>
+              </a:rPr>
+            </a:br>
+            <a:r>
+              <a:rPr lang="en-US" sz="1200" dirty="0">
+                <a:solidFill>
+                  <a:schemeClr val="tx1">
+                    <a:lumMod val="50000"/>
+                    <a:lumOff val="50000"/>
+                  </a:schemeClr>
+                </a:solidFill>
+                <a:latin typeface="Courier" pitchFamily="2" charset="0"/>
+              </a:rPr>
+              <a:t>  # Instance Graph</a:t>
+            </a:r>
+            <a:br>
+              <a:rPr lang="en-US" sz="1200" dirty="0"/>
+            </a:br>
+            <a:r>
+              <a:rPr lang="en-US" sz="1200" dirty="0">
+                <a:solidFill>
+                  <a:srgbClr val="000000"/>
+                </a:solidFill>
+                <a:latin typeface="Courier" pitchFamily="2" charset="0"/>
+              </a:rPr>
+              <a:t> </a:t>
+            </a:r>
+            <a:r>
+              <a:rPr lang="en-US" sz="1200" dirty="0">
+                <a:solidFill>
+                  <a:schemeClr val="tx1">
+                    <a:lumMod val="50000"/>
+                    <a:lumOff val="50000"/>
+                  </a:schemeClr>
+                </a:solidFill>
+                <a:latin typeface="Courier" pitchFamily="2" charset="0"/>
+              </a:rPr>
+              <a:t> Flow:</a:t>
+            </a:r>
+            <a:br>
+              <a:rPr lang="en-US" sz="1200" dirty="0"/>
+            </a:br>
+            <a:r>
+              <a:rPr lang="en-US" sz="1200" dirty="0">
+                <a:solidFill>
+                  <a:srgbClr val="000000"/>
+                </a:solidFill>
+                <a:latin typeface="Courier" pitchFamily="2" charset="0"/>
+              </a:rPr>
+              <a:t>    </a:t>
+            </a:r>
+            <a:r>
+              <a:rPr lang="en-US" sz="1200" dirty="0" err="1">
+                <a:solidFill>
+                  <a:schemeClr val="tx1">
+                    <a:lumMod val="50000"/>
+                    <a:lumOff val="50000"/>
+                  </a:schemeClr>
+                </a:solidFill>
+                <a:latin typeface="Courier" pitchFamily="2" charset="0"/>
+              </a:rPr>
+              <a:t>sdfRef</a:t>
+            </a:r>
+            <a:r>
+              <a:rPr lang="en-US" sz="1200" dirty="0">
+                <a:solidFill>
+                  <a:schemeClr val="tx1">
+                    <a:lumMod val="50000"/>
+                    <a:lumOff val="50000"/>
+                  </a:schemeClr>
+                </a:solidFill>
+                <a:latin typeface="Courier" pitchFamily="2" charset="0"/>
+              </a:rPr>
+              <a:t>: /#/</a:t>
+            </a:r>
+            <a:r>
+              <a:rPr lang="en-US" sz="1200" dirty="0" err="1">
+                <a:solidFill>
+                  <a:schemeClr val="tx1">
+                    <a:lumMod val="50000"/>
+                    <a:lumOff val="50000"/>
+                  </a:schemeClr>
+                </a:solidFill>
+                <a:latin typeface="Courier" pitchFamily="2" charset="0"/>
+              </a:rPr>
+              <a:t>sdfThing</a:t>
+            </a:r>
+            <a:r>
+              <a:rPr lang="en-US" sz="1200" dirty="0">
+                <a:solidFill>
+                  <a:schemeClr val="tx1">
+                    <a:lumMod val="50000"/>
+                    <a:lumOff val="50000"/>
+                  </a:schemeClr>
+                </a:solidFill>
+                <a:latin typeface="Courier" pitchFamily="2" charset="0"/>
+              </a:rPr>
+              <a:t>/</a:t>
+            </a:r>
+            <a:r>
+              <a:rPr lang="en-US" sz="1200" dirty="0" err="1">
+                <a:solidFill>
+                  <a:schemeClr val="tx1">
+                    <a:lumMod val="50000"/>
+                    <a:lumOff val="50000"/>
+                  </a:schemeClr>
+                </a:solidFill>
+                <a:latin typeface="Courier" pitchFamily="2" charset="0"/>
+              </a:rPr>
+              <a:t>ObjectList</a:t>
+            </a:r>
+            <a:br>
+              <a:rPr lang="en-US" sz="1200" dirty="0">
+                <a:solidFill>
+                  <a:schemeClr val="tx1">
+                    <a:lumMod val="50000"/>
+                    <a:lumOff val="50000"/>
+                  </a:schemeClr>
+                </a:solidFill>
+              </a:rPr>
+            </a:br>
+            <a:r>
+              <a:rPr lang="en-US" sz="1200" dirty="0">
+                <a:solidFill>
+                  <a:schemeClr val="tx1">
+                    <a:lumMod val="50000"/>
+                    <a:lumOff val="50000"/>
+                  </a:schemeClr>
+                </a:solidFill>
+                <a:latin typeface="Courier" pitchFamily="2" charset="0"/>
+              </a:rPr>
+              <a:t>    # Objects in the graph</a:t>
+            </a:r>
+            <a:br>
+              <a:rPr lang="en-US" sz="1200" dirty="0">
+                <a:solidFill>
+                  <a:schemeClr val="tx1">
+                    <a:lumMod val="50000"/>
+                    <a:lumOff val="50000"/>
+                  </a:schemeClr>
+                </a:solidFill>
+              </a:rPr>
+            </a:br>
+            <a:r>
+              <a:rPr lang="en-US" sz="1200" dirty="0">
+                <a:solidFill>
+                  <a:schemeClr val="tx1">
+                    <a:lumMod val="50000"/>
+                    <a:lumOff val="50000"/>
+                  </a:schemeClr>
+                </a:solidFill>
+                <a:latin typeface="Courier" pitchFamily="2" charset="0"/>
+              </a:rPr>
+              <a:t>    </a:t>
+            </a:r>
+            <a:r>
+              <a:rPr lang="en-US" sz="1200" dirty="0" err="1">
+                <a:solidFill>
+                  <a:schemeClr val="tx1">
+                    <a:lumMod val="50000"/>
+                    <a:lumOff val="50000"/>
+                  </a:schemeClr>
+                </a:solidFill>
+                <a:latin typeface="Courier" pitchFamily="2" charset="0"/>
+              </a:rPr>
+              <a:t>sdfObject</a:t>
+            </a:r>
+            <a:r>
+              <a:rPr lang="en-US" sz="1200" dirty="0">
+                <a:solidFill>
+                  <a:schemeClr val="tx1">
+                    <a:lumMod val="50000"/>
+                    <a:lumOff val="50000"/>
+                  </a:schemeClr>
+                </a:solidFill>
+                <a:latin typeface="Courier" pitchFamily="2" charset="0"/>
+              </a:rPr>
+              <a:t>:</a:t>
+            </a:r>
+            <a:br>
+              <a:rPr lang="en-US" sz="1200" dirty="0">
+                <a:solidFill>
+                  <a:schemeClr val="tx1">
+                    <a:lumMod val="50000"/>
+                    <a:lumOff val="50000"/>
+                  </a:schemeClr>
+                </a:solidFill>
+              </a:rPr>
+            </a:br>
+            <a:r>
+              <a:rPr lang="en-US" sz="1200" dirty="0">
+                <a:solidFill>
+                  <a:srgbClr val="000000"/>
+                </a:solidFill>
+                <a:latin typeface="Courier" pitchFamily="2" charset="0"/>
+              </a:rPr>
+              <a:t>      </a:t>
+            </a:r>
+            <a:r>
+              <a:rPr lang="en-US" sz="1200" dirty="0" err="1">
+                <a:solidFill>
+                  <a:srgbClr val="000000"/>
+                </a:solidFill>
+                <a:latin typeface="Courier" pitchFamily="2" charset="0"/>
+              </a:rPr>
+              <a:t>TimeSource</a:t>
+            </a:r>
+            <a:r>
+              <a:rPr lang="en-US" sz="1200" dirty="0">
+                <a:solidFill>
+                  <a:srgbClr val="000000"/>
+                </a:solidFill>
+                <a:latin typeface="Courier" pitchFamily="2" charset="0"/>
+              </a:rPr>
+              <a:t>:</a:t>
+            </a:r>
+            <a:br>
+              <a:rPr lang="en-US" sz="1200" dirty="0"/>
+            </a:br>
+            <a:r>
+              <a:rPr lang="en-US" sz="1200" dirty="0">
+                <a:solidFill>
+                  <a:srgbClr val="000000"/>
+                </a:solidFill>
+                <a:latin typeface="Courier" pitchFamily="2" charset="0"/>
+              </a:rPr>
+              <a:t>       </a:t>
+            </a:r>
+            <a:r>
+              <a:rPr lang="en-US" sz="1200" dirty="0">
+                <a:solidFill>
+                  <a:schemeClr val="tx1">
+                    <a:lumMod val="50000"/>
+                    <a:lumOff val="50000"/>
+                  </a:schemeClr>
+                </a:solidFill>
+                <a:latin typeface="Courier" pitchFamily="2" charset="0"/>
+              </a:rPr>
+              <a:t> </a:t>
+            </a:r>
+            <a:r>
+              <a:rPr lang="en-US" sz="1200" dirty="0" err="1">
+                <a:latin typeface="Courier" pitchFamily="2" charset="0"/>
+              </a:rPr>
+              <a:t>sdfRef</a:t>
+            </a:r>
+            <a:r>
+              <a:rPr lang="en-US" sz="1200" dirty="0">
+                <a:latin typeface="Courier" pitchFamily="2" charset="0"/>
+              </a:rPr>
+              <a:t>:</a:t>
+            </a:r>
+            <a:r>
+              <a:rPr lang="en-US" sz="1200" dirty="0">
+                <a:solidFill>
+                  <a:schemeClr val="tx1">
+                    <a:lumMod val="50000"/>
+                    <a:lumOff val="50000"/>
+                  </a:schemeClr>
+                </a:solidFill>
+                <a:latin typeface="Courier" pitchFamily="2" charset="0"/>
+              </a:rPr>
+              <a:t> /#/</a:t>
+            </a:r>
+            <a:r>
+              <a:rPr lang="en-US" sz="1200" dirty="0" err="1">
+                <a:solidFill>
+                  <a:schemeClr val="tx1">
+                    <a:lumMod val="50000"/>
+                    <a:lumOff val="50000"/>
+                  </a:schemeClr>
+                </a:solidFill>
+                <a:latin typeface="Courier" pitchFamily="2" charset="0"/>
+              </a:rPr>
+              <a:t>sdfObject</a:t>
+            </a:r>
+            <a:r>
+              <a:rPr lang="en-US" sz="1200" dirty="0">
+                <a:solidFill>
+                  <a:schemeClr val="tx1">
+                    <a:lumMod val="50000"/>
+                    <a:lumOff val="50000"/>
+                  </a:schemeClr>
+                </a:solidFill>
+                <a:latin typeface="Courier" pitchFamily="2" charset="0"/>
+              </a:rPr>
+              <a:t>/</a:t>
+            </a:r>
+            <a:r>
+              <a:rPr lang="en-US" sz="1200" dirty="0" err="1">
+                <a:latin typeface="Courier" pitchFamily="2" charset="0"/>
+              </a:rPr>
+              <a:t>TimeSource</a:t>
+            </a:r>
+            <a:br>
+              <a:rPr lang="en-US" sz="1200" dirty="0">
+                <a:solidFill>
+                  <a:schemeClr val="tx1">
+                    <a:lumMod val="50000"/>
+                    <a:lumOff val="50000"/>
+                  </a:schemeClr>
+                </a:solidFill>
+              </a:rPr>
+            </a:br>
+            <a:r>
+              <a:rPr lang="en-US" sz="1200" dirty="0">
+                <a:solidFill>
+                  <a:schemeClr val="tx1">
+                    <a:lumMod val="50000"/>
+                    <a:lumOff val="50000"/>
+                  </a:schemeClr>
+                </a:solidFill>
+                <a:latin typeface="Courier" pitchFamily="2" charset="0"/>
+              </a:rPr>
+              <a:t>        </a:t>
+            </a:r>
+            <a:r>
+              <a:rPr lang="en-US" sz="1200" dirty="0" err="1">
+                <a:solidFill>
+                  <a:schemeClr val="tx1">
+                    <a:lumMod val="50000"/>
+                    <a:lumOff val="50000"/>
+                  </a:schemeClr>
+                </a:solidFill>
+                <a:latin typeface="Courier" pitchFamily="2" charset="0"/>
+              </a:rPr>
+              <a:t>sdfProperty</a:t>
+            </a:r>
+            <a:r>
+              <a:rPr lang="en-US" sz="1200" dirty="0">
+                <a:solidFill>
+                  <a:schemeClr val="tx1">
+                    <a:lumMod val="50000"/>
+                    <a:lumOff val="50000"/>
+                  </a:schemeClr>
+                </a:solidFill>
+                <a:latin typeface="Courier" pitchFamily="2" charset="0"/>
+              </a:rPr>
+              <a:t>:</a:t>
+            </a:r>
+            <a:br>
+              <a:rPr lang="en-US" sz="1200" dirty="0">
+                <a:solidFill>
+                  <a:schemeClr val="tx1">
+                    <a:lumMod val="50000"/>
+                    <a:lumOff val="50000"/>
+                  </a:schemeClr>
+                </a:solidFill>
+              </a:rPr>
+            </a:br>
+            <a:r>
+              <a:rPr lang="en-US" sz="1200" dirty="0">
+                <a:solidFill>
+                  <a:srgbClr val="000000"/>
+                </a:solidFill>
+                <a:latin typeface="Courier" pitchFamily="2" charset="0"/>
+              </a:rPr>
+              <a:t>          </a:t>
+            </a:r>
+            <a:r>
+              <a:rPr lang="en-US" sz="1200" dirty="0" err="1">
+                <a:solidFill>
+                  <a:srgbClr val="000000"/>
+                </a:solidFill>
+                <a:latin typeface="Courier" pitchFamily="2" charset="0"/>
+              </a:rPr>
+              <a:t>IntervalTime</a:t>
+            </a:r>
+            <a:r>
+              <a:rPr lang="en-US" sz="1200" dirty="0">
+                <a:solidFill>
+                  <a:srgbClr val="000000"/>
+                </a:solidFill>
+                <a:latin typeface="Courier" pitchFamily="2" charset="0"/>
+              </a:rPr>
+              <a:t>:</a:t>
+            </a:r>
+            <a:br>
+              <a:rPr lang="en-US" sz="1200" dirty="0"/>
+            </a:br>
+            <a:r>
+              <a:rPr lang="en-US" sz="1200" dirty="0">
+                <a:solidFill>
+                  <a:srgbClr val="000000"/>
+                </a:solidFill>
+                <a:latin typeface="Courier" pitchFamily="2" charset="0"/>
+              </a:rPr>
+              <a:t>            </a:t>
+            </a:r>
+            <a:r>
+              <a:rPr lang="en-US" sz="1200" dirty="0" err="1">
+                <a:solidFill>
+                  <a:schemeClr val="tx1">
+                    <a:lumMod val="50000"/>
+                    <a:lumOff val="50000"/>
+                  </a:schemeClr>
+                </a:solidFill>
+                <a:latin typeface="Courier" pitchFamily="2" charset="0"/>
+              </a:rPr>
+              <a:t>sdfProperty</a:t>
+            </a:r>
+            <a:r>
+              <a:rPr lang="en-US" sz="1200" dirty="0">
+                <a:solidFill>
+                  <a:schemeClr val="tx1">
+                    <a:lumMod val="50000"/>
+                    <a:lumOff val="50000"/>
+                  </a:schemeClr>
+                </a:solidFill>
+                <a:latin typeface="Courier" pitchFamily="2" charset="0"/>
+              </a:rPr>
+              <a:t>:</a:t>
+            </a:r>
+            <a:br>
+              <a:rPr lang="en-US" sz="1200" dirty="0">
+                <a:solidFill>
+                  <a:schemeClr val="tx1">
+                    <a:lumMod val="50000"/>
+                    <a:lumOff val="50000"/>
+                  </a:schemeClr>
+                </a:solidFill>
+              </a:rPr>
+            </a:br>
+            <a:r>
+              <a:rPr lang="en-US" sz="1200" dirty="0">
+                <a:solidFill>
+                  <a:schemeClr val="tx1">
+                    <a:lumMod val="50000"/>
+                    <a:lumOff val="50000"/>
+                  </a:schemeClr>
+                </a:solidFill>
+                <a:latin typeface="Courier" pitchFamily="2" charset="0"/>
+              </a:rPr>
+              <a:t>              </a:t>
+            </a:r>
+            <a:r>
+              <a:rPr lang="en-US" sz="1200" dirty="0" err="1">
+                <a:solidFill>
+                  <a:schemeClr val="tx1">
+                    <a:lumMod val="50000"/>
+                    <a:lumOff val="50000"/>
+                  </a:schemeClr>
+                </a:solidFill>
+                <a:latin typeface="Courier" pitchFamily="2" charset="0"/>
+              </a:rPr>
+              <a:t>sdfChoice</a:t>
+            </a:r>
+            <a:r>
+              <a:rPr lang="en-US" sz="1200" dirty="0">
+                <a:solidFill>
+                  <a:schemeClr val="tx1">
+                    <a:lumMod val="50000"/>
+                    <a:lumOff val="50000"/>
+                  </a:schemeClr>
+                </a:solidFill>
+                <a:latin typeface="Courier" pitchFamily="2" charset="0"/>
+              </a:rPr>
+              <a:t>:</a:t>
+            </a:r>
+            <a:br>
+              <a:rPr lang="en-US" sz="1200" dirty="0">
+                <a:solidFill>
+                  <a:schemeClr val="tx1">
+                    <a:lumMod val="50000"/>
+                    <a:lumOff val="50000"/>
+                  </a:schemeClr>
+                </a:solidFill>
+              </a:rPr>
+            </a:br>
+            <a:r>
+              <a:rPr lang="en-US" sz="1200" dirty="0">
+                <a:solidFill>
+                  <a:schemeClr val="tx1">
+                    <a:lumMod val="50000"/>
+                    <a:lumOff val="50000"/>
+                  </a:schemeClr>
+                </a:solidFill>
+                <a:latin typeface="Courier" pitchFamily="2" charset="0"/>
+              </a:rPr>
+              <a:t>                </a:t>
+            </a:r>
+            <a:r>
+              <a:rPr lang="en-US" sz="1200" dirty="0" err="1">
+                <a:solidFill>
+                  <a:schemeClr val="tx1">
+                    <a:lumMod val="50000"/>
+                    <a:lumOff val="50000"/>
+                  </a:schemeClr>
+                </a:solidFill>
+                <a:latin typeface="Courier" pitchFamily="2" charset="0"/>
+              </a:rPr>
+              <a:t>IntegerType</a:t>
+            </a:r>
+            <a:r>
+              <a:rPr lang="en-US" sz="1200" dirty="0">
+                <a:solidFill>
+                  <a:schemeClr val="tx1">
+                    <a:lumMod val="50000"/>
+                    <a:lumOff val="50000"/>
+                  </a:schemeClr>
+                </a:solidFill>
+                <a:latin typeface="Courier" pitchFamily="2" charset="0"/>
+              </a:rPr>
+              <a:t>: { </a:t>
+            </a:r>
+            <a:r>
+              <a:rPr lang="en-US" sz="1200" dirty="0" err="1">
+                <a:solidFill>
+                  <a:schemeClr val="tx1">
+                    <a:lumMod val="50000"/>
+                    <a:lumOff val="50000"/>
+                  </a:schemeClr>
+                </a:solidFill>
+                <a:latin typeface="Courier" pitchFamily="2" charset="0"/>
+              </a:rPr>
+              <a:t>const</a:t>
+            </a:r>
+            <a:r>
+              <a:rPr lang="en-US" sz="1200" dirty="0">
+                <a:solidFill>
+                  <a:schemeClr val="tx1">
+                    <a:lumMod val="50000"/>
+                    <a:lumOff val="50000"/>
+                  </a:schemeClr>
+                </a:solidFill>
+                <a:latin typeface="Courier" pitchFamily="2" charset="0"/>
+              </a:rPr>
+              <a:t>:</a:t>
+            </a:r>
+            <a:r>
+              <a:rPr lang="en-US" sz="1200" dirty="0">
+                <a:solidFill>
+                  <a:srgbClr val="000000"/>
+                </a:solidFill>
+                <a:latin typeface="Courier" pitchFamily="2" charset="0"/>
+              </a:rPr>
+              <a:t> 1000</a:t>
+            </a:r>
+            <a:r>
+              <a:rPr lang="en-US" sz="1200" dirty="0">
+                <a:solidFill>
+                  <a:schemeClr val="tx1">
+                    <a:lumMod val="50000"/>
+                    <a:lumOff val="50000"/>
+                  </a:schemeClr>
+                </a:solidFill>
+                <a:latin typeface="Courier" pitchFamily="2" charset="0"/>
+              </a:rPr>
+              <a:t> }</a:t>
+            </a:r>
+            <a:br>
+              <a:rPr lang="en-US" sz="1200" dirty="0"/>
+            </a:br>
+            <a:r>
+              <a:rPr lang="en-US" sz="1200" dirty="0">
+                <a:solidFill>
+                  <a:srgbClr val="000000"/>
+                </a:solidFill>
+                <a:latin typeface="Courier" pitchFamily="2" charset="0"/>
+              </a:rPr>
+              <a:t>          </a:t>
+            </a:r>
+            <a:r>
+              <a:rPr lang="en-US" sz="1200" dirty="0" err="1">
+                <a:solidFill>
+                  <a:srgbClr val="000000"/>
+                </a:solidFill>
+                <a:latin typeface="Courier" pitchFamily="2" charset="0"/>
+              </a:rPr>
+              <a:t>TimerOutputLink</a:t>
+            </a:r>
+            <a:r>
+              <a:rPr lang="en-US" sz="1200" dirty="0">
+                <a:solidFill>
+                  <a:srgbClr val="000000"/>
+                </a:solidFill>
+                <a:latin typeface="Courier" pitchFamily="2" charset="0"/>
+              </a:rPr>
+              <a:t>:</a:t>
+            </a:r>
+            <a:br>
+              <a:rPr lang="en-US" sz="1200" dirty="0"/>
+            </a:br>
+            <a:r>
+              <a:rPr lang="en-US" sz="1200" dirty="0">
+                <a:solidFill>
+                  <a:srgbClr val="000000"/>
+                </a:solidFill>
+                <a:latin typeface="Courier" pitchFamily="2" charset="0"/>
+              </a:rPr>
+              <a:t>           </a:t>
+            </a:r>
+            <a:r>
+              <a:rPr lang="en-US" sz="1200" dirty="0">
+                <a:solidFill>
+                  <a:schemeClr val="tx1">
+                    <a:lumMod val="50000"/>
+                    <a:lumOff val="50000"/>
+                  </a:schemeClr>
+                </a:solidFill>
+                <a:latin typeface="Courier" pitchFamily="2" charset="0"/>
+              </a:rPr>
+              <a:t> </a:t>
+            </a:r>
+            <a:r>
+              <a:rPr lang="en-US" sz="1200" dirty="0" err="1">
+                <a:solidFill>
+                  <a:schemeClr val="tx1">
+                    <a:lumMod val="50000"/>
+                    <a:lumOff val="50000"/>
+                  </a:schemeClr>
+                </a:solidFill>
+                <a:latin typeface="Courier" pitchFamily="2" charset="0"/>
+              </a:rPr>
+              <a:t>flo:meta</a:t>
+            </a:r>
+            <a:r>
+              <a:rPr lang="en-US" sz="1200" dirty="0">
+                <a:solidFill>
+                  <a:schemeClr val="tx1">
+                    <a:lumMod val="50000"/>
+                    <a:lumOff val="50000"/>
+                  </a:schemeClr>
+                </a:solidFill>
+                <a:latin typeface="Courier" pitchFamily="2" charset="0"/>
+              </a:rPr>
+              <a:t>:</a:t>
+            </a:r>
+            <a:br>
+              <a:rPr lang="en-US" sz="1200" dirty="0">
+                <a:solidFill>
+                  <a:schemeClr val="tx1">
+                    <a:lumMod val="50000"/>
+                    <a:lumOff val="50000"/>
+                  </a:schemeClr>
+                </a:solidFill>
+              </a:rPr>
+            </a:br>
+            <a:r>
+              <a:rPr lang="en-US" sz="1200" dirty="0">
+                <a:solidFill>
+                  <a:schemeClr val="tx1">
+                    <a:lumMod val="50000"/>
+                    <a:lumOff val="50000"/>
+                  </a:schemeClr>
+                </a:solidFill>
+                <a:latin typeface="Courier" pitchFamily="2" charset="0"/>
+              </a:rPr>
+              <a:t>              </a:t>
+            </a:r>
+            <a:r>
+              <a:rPr lang="en-US" sz="1200" dirty="0" err="1">
+                <a:solidFill>
+                  <a:schemeClr val="tx1">
+                    <a:lumMod val="50000"/>
+                    <a:lumOff val="50000"/>
+                  </a:schemeClr>
+                </a:solidFill>
+                <a:latin typeface="Courier" pitchFamily="2" charset="0"/>
+              </a:rPr>
+              <a:t>SdfLink</a:t>
+            </a:r>
+            <a:r>
+              <a:rPr lang="en-US" sz="1200" dirty="0">
+                <a:solidFill>
+                  <a:schemeClr val="tx1">
+                    <a:lumMod val="50000"/>
+                    <a:lumOff val="50000"/>
+                  </a:schemeClr>
+                </a:solidFill>
+                <a:latin typeface="Courier" pitchFamily="2" charset="0"/>
+              </a:rPr>
+              <a:t>: { </a:t>
+            </a:r>
+            <a:r>
+              <a:rPr lang="en-US" sz="1200" dirty="0" err="1">
+                <a:solidFill>
+                  <a:schemeClr val="tx1">
+                    <a:lumMod val="50000"/>
+                    <a:lumOff val="50000"/>
+                  </a:schemeClr>
+                </a:solidFill>
+                <a:latin typeface="Courier" pitchFamily="2" charset="0"/>
+              </a:rPr>
+              <a:t>InstancePointer</a:t>
+            </a:r>
+            <a:r>
+              <a:rPr lang="en-US" sz="1200" dirty="0">
+                <a:solidFill>
+                  <a:schemeClr val="tx1">
+                    <a:lumMod val="50000"/>
+                    <a:lumOff val="50000"/>
+                  </a:schemeClr>
+                </a:solidFill>
+                <a:latin typeface="Courier" pitchFamily="2" charset="0"/>
+              </a:rPr>
+              <a:t>: /#/</a:t>
+            </a:r>
+            <a:r>
+              <a:rPr lang="en-US" sz="1200" dirty="0" err="1">
+                <a:solidFill>
+                  <a:schemeClr val="tx1">
+                    <a:lumMod val="50000"/>
+                    <a:lumOff val="50000"/>
+                  </a:schemeClr>
+                </a:solidFill>
+                <a:latin typeface="Courier" pitchFamily="2" charset="0"/>
+              </a:rPr>
+              <a:t>sdfThing</a:t>
+            </a:r>
+            <a:r>
+              <a:rPr lang="en-US" sz="1200" dirty="0">
+                <a:solidFill>
+                  <a:schemeClr val="tx1">
+                    <a:lumMod val="50000"/>
+                    <a:lumOff val="50000"/>
+                  </a:schemeClr>
+                </a:solidFill>
+                <a:latin typeface="Courier" pitchFamily="2" charset="0"/>
+              </a:rPr>
+              <a:t>/Flow/</a:t>
+            </a:r>
+            <a:r>
+              <a:rPr lang="en-US" sz="1200" dirty="0" err="1">
+                <a:solidFill>
+                  <a:schemeClr val="tx1">
+                    <a:lumMod val="50000"/>
+                    <a:lumOff val="50000"/>
+                  </a:schemeClr>
+                </a:solidFill>
+                <a:latin typeface="Courier" pitchFamily="2" charset="0"/>
+              </a:rPr>
+              <a:t>sdfObject</a:t>
+            </a:r>
+            <a:r>
+              <a:rPr lang="en-US" sz="1200" dirty="0">
+                <a:solidFill>
+                  <a:schemeClr val="tx1">
+                    <a:lumMod val="50000"/>
+                    <a:lumOff val="50000"/>
+                  </a:schemeClr>
+                </a:solidFill>
+                <a:latin typeface="Courier" pitchFamily="2" charset="0"/>
+              </a:rPr>
+              <a:t>/</a:t>
+            </a:r>
+            <a:r>
+              <a:rPr lang="en-US" sz="1200" dirty="0" err="1">
+                <a:solidFill>
+                  <a:srgbClr val="000000"/>
+                </a:solidFill>
+                <a:latin typeface="Courier" pitchFamily="2" charset="0"/>
+              </a:rPr>
+              <a:t>AnalogInput</a:t>
+            </a:r>
+            <a:r>
+              <a:rPr lang="en-US" sz="1200" dirty="0">
+                <a:solidFill>
+                  <a:srgbClr val="000000"/>
+                </a:solidFill>
+                <a:latin typeface="Courier" pitchFamily="2" charset="0"/>
+              </a:rPr>
+              <a:t> </a:t>
+            </a:r>
+            <a:r>
+              <a:rPr lang="en-US" sz="1200" dirty="0">
+                <a:solidFill>
+                  <a:schemeClr val="tx1">
+                    <a:lumMod val="50000"/>
+                    <a:lumOff val="50000"/>
+                  </a:schemeClr>
+                </a:solidFill>
+                <a:latin typeface="Courier" pitchFamily="2" charset="0"/>
+              </a:rPr>
+              <a:t>}</a:t>
+            </a:r>
+            <a:br>
+              <a:rPr lang="en-US" sz="1200" dirty="0"/>
+            </a:br>
+            <a:br>
+              <a:rPr lang="en-US" sz="1200" dirty="0"/>
+            </a:br>
+            <a:r>
+              <a:rPr lang="en-US" sz="1200" dirty="0">
+                <a:solidFill>
+                  <a:srgbClr val="000000"/>
+                </a:solidFill>
+                <a:latin typeface="Courier" pitchFamily="2" charset="0"/>
+              </a:rPr>
+              <a:t>      </a:t>
+            </a:r>
+            <a:r>
+              <a:rPr lang="en-US" sz="1200" dirty="0" err="1">
+                <a:solidFill>
+                  <a:srgbClr val="000000"/>
+                </a:solidFill>
+                <a:latin typeface="Courier" pitchFamily="2" charset="0"/>
+              </a:rPr>
+              <a:t>AnalogInput</a:t>
+            </a:r>
+            <a:r>
+              <a:rPr lang="en-US" sz="1200" dirty="0">
+                <a:solidFill>
+                  <a:srgbClr val="000000"/>
+                </a:solidFill>
+                <a:latin typeface="Courier" pitchFamily="2" charset="0"/>
+              </a:rPr>
+              <a:t>:</a:t>
+            </a:r>
+            <a:br>
+              <a:rPr lang="en-US" sz="1200" dirty="0"/>
+            </a:br>
+            <a:r>
+              <a:rPr lang="en-US" sz="1200" dirty="0">
+                <a:solidFill>
+                  <a:srgbClr val="000000"/>
+                </a:solidFill>
+                <a:latin typeface="Courier" pitchFamily="2" charset="0"/>
+              </a:rPr>
+              <a:t>        </a:t>
+            </a:r>
+            <a:r>
+              <a:rPr lang="en-US" sz="1200" dirty="0" err="1">
+                <a:latin typeface="Courier" pitchFamily="2" charset="0"/>
+              </a:rPr>
+              <a:t>sdfRef</a:t>
+            </a:r>
+            <a:r>
+              <a:rPr lang="en-US" sz="1200" dirty="0">
+                <a:latin typeface="Courier" pitchFamily="2" charset="0"/>
+              </a:rPr>
+              <a:t>:</a:t>
+            </a:r>
+            <a:r>
+              <a:rPr lang="en-US" sz="1200" dirty="0">
+                <a:solidFill>
+                  <a:schemeClr val="tx1">
+                    <a:lumMod val="50000"/>
+                    <a:lumOff val="50000"/>
+                  </a:schemeClr>
+                </a:solidFill>
+                <a:latin typeface="Courier" pitchFamily="2" charset="0"/>
+              </a:rPr>
+              <a:t> /#/</a:t>
+            </a:r>
+            <a:r>
+              <a:rPr lang="en-US" sz="1200" dirty="0" err="1">
+                <a:solidFill>
+                  <a:schemeClr val="tx1">
+                    <a:lumMod val="50000"/>
+                    <a:lumOff val="50000"/>
+                  </a:schemeClr>
+                </a:solidFill>
+                <a:latin typeface="Courier" pitchFamily="2" charset="0"/>
+              </a:rPr>
+              <a:t>sdfThing</a:t>
+            </a:r>
+            <a:r>
+              <a:rPr lang="en-US" sz="1200" dirty="0">
+                <a:solidFill>
+                  <a:schemeClr val="tx1">
+                    <a:lumMod val="50000"/>
+                    <a:lumOff val="50000"/>
+                  </a:schemeClr>
+                </a:solidFill>
+                <a:latin typeface="Courier" pitchFamily="2" charset="0"/>
+              </a:rPr>
+              <a:t>/</a:t>
+            </a:r>
+            <a:r>
+              <a:rPr lang="en-US" sz="1200" dirty="0" err="1">
+                <a:latin typeface="Courier" pitchFamily="2" charset="0"/>
+              </a:rPr>
+              <a:t>AnalogInput</a:t>
+            </a:r>
+            <a:br>
+              <a:rPr lang="en-US" sz="1200" dirty="0">
+                <a:solidFill>
+                  <a:schemeClr val="tx1">
+                    <a:lumMod val="50000"/>
+                    <a:lumOff val="50000"/>
+                  </a:schemeClr>
+                </a:solidFill>
+              </a:rPr>
+            </a:br>
+            <a:r>
+              <a:rPr lang="en-US" sz="1200" dirty="0">
+                <a:solidFill>
+                  <a:schemeClr val="tx1">
+                    <a:lumMod val="50000"/>
+                    <a:lumOff val="50000"/>
+                  </a:schemeClr>
+                </a:solidFill>
+                <a:latin typeface="Courier" pitchFamily="2" charset="0"/>
+              </a:rPr>
+              <a:t>        </a:t>
+            </a:r>
+            <a:r>
+              <a:rPr lang="en-US" sz="1200" dirty="0" err="1">
+                <a:solidFill>
+                  <a:schemeClr val="tx1">
+                    <a:lumMod val="50000"/>
+                    <a:lumOff val="50000"/>
+                  </a:schemeClr>
+                </a:solidFill>
+                <a:latin typeface="Courier" pitchFamily="2" charset="0"/>
+              </a:rPr>
+              <a:t>sdfProperty</a:t>
+            </a:r>
+            <a:r>
+              <a:rPr lang="en-US" sz="1200" dirty="0">
+                <a:solidFill>
+                  <a:schemeClr val="tx1">
+                    <a:lumMod val="50000"/>
+                    <a:lumOff val="50000"/>
+                  </a:schemeClr>
+                </a:solidFill>
+                <a:latin typeface="Courier" pitchFamily="2" charset="0"/>
+              </a:rPr>
+              <a:t>:</a:t>
+            </a:r>
+            <a:br>
+              <a:rPr lang="en-US" sz="1200" dirty="0">
+                <a:solidFill>
+                  <a:schemeClr val="tx1">
+                    <a:lumMod val="50000"/>
+                    <a:lumOff val="50000"/>
+                  </a:schemeClr>
+                </a:solidFill>
+              </a:rPr>
+            </a:br>
+            <a:r>
+              <a:rPr lang="en-US" sz="1200" dirty="0">
+                <a:solidFill>
+                  <a:srgbClr val="000000"/>
+                </a:solidFill>
+                <a:latin typeface="Courier" pitchFamily="2" charset="0"/>
+              </a:rPr>
+              <a:t>          </a:t>
+            </a:r>
+            <a:r>
+              <a:rPr lang="en-US" sz="1200" dirty="0" err="1">
+                <a:solidFill>
+                  <a:srgbClr val="000000"/>
+                </a:solidFill>
+                <a:latin typeface="Courier" pitchFamily="2" charset="0"/>
+              </a:rPr>
+              <a:t>GpioPinID</a:t>
+            </a:r>
+            <a:r>
+              <a:rPr lang="en-US" sz="1200" dirty="0">
+                <a:solidFill>
+                  <a:srgbClr val="000000"/>
+                </a:solidFill>
+                <a:latin typeface="Courier" pitchFamily="2" charset="0"/>
+              </a:rPr>
+              <a:t>:</a:t>
+            </a:r>
+            <a:br>
+              <a:rPr lang="en-US" sz="1200" dirty="0"/>
+            </a:br>
+            <a:r>
+              <a:rPr lang="en-US" sz="1200" dirty="0">
+                <a:solidFill>
+                  <a:srgbClr val="000000"/>
+                </a:solidFill>
+                <a:latin typeface="Courier" pitchFamily="2" charset="0"/>
+              </a:rPr>
+              <a:t>            </a:t>
+            </a:r>
+            <a:r>
+              <a:rPr lang="en-US" sz="1200" dirty="0" err="1">
+                <a:solidFill>
+                  <a:schemeClr val="tx1">
+                    <a:lumMod val="50000"/>
+                    <a:lumOff val="50000"/>
+                  </a:schemeClr>
+                </a:solidFill>
+                <a:latin typeface="Courier" pitchFamily="2" charset="0"/>
+              </a:rPr>
+              <a:t>sdfProperty</a:t>
+            </a:r>
+            <a:r>
+              <a:rPr lang="en-US" sz="1200" dirty="0">
+                <a:solidFill>
+                  <a:schemeClr val="tx1">
+                    <a:lumMod val="50000"/>
+                    <a:lumOff val="50000"/>
+                  </a:schemeClr>
+                </a:solidFill>
+                <a:latin typeface="Courier" pitchFamily="2" charset="0"/>
+              </a:rPr>
+              <a:t>: </a:t>
+            </a:r>
+            <a:br>
+              <a:rPr lang="en-US" sz="1200" dirty="0">
+                <a:solidFill>
+                  <a:schemeClr val="tx1">
+                    <a:lumMod val="50000"/>
+                    <a:lumOff val="50000"/>
+                  </a:schemeClr>
+                </a:solidFill>
+              </a:rPr>
+            </a:br>
+            <a:r>
+              <a:rPr lang="en-US" sz="1200" dirty="0">
+                <a:solidFill>
+                  <a:schemeClr val="tx1">
+                    <a:lumMod val="50000"/>
+                    <a:lumOff val="50000"/>
+                  </a:schemeClr>
+                </a:solidFill>
+                <a:latin typeface="Courier" pitchFamily="2" charset="0"/>
+              </a:rPr>
+              <a:t>              </a:t>
+            </a:r>
+            <a:r>
+              <a:rPr lang="en-US" sz="1200" dirty="0" err="1">
+                <a:solidFill>
+                  <a:schemeClr val="tx1">
+                    <a:lumMod val="50000"/>
+                    <a:lumOff val="50000"/>
+                  </a:schemeClr>
+                </a:solidFill>
+                <a:latin typeface="Courier" pitchFamily="2" charset="0"/>
+              </a:rPr>
+              <a:t>sdfChoice</a:t>
+            </a:r>
+            <a:r>
+              <a:rPr lang="en-US" sz="1200" dirty="0">
+                <a:solidFill>
+                  <a:schemeClr val="tx1">
+                    <a:lumMod val="50000"/>
+                    <a:lumOff val="50000"/>
+                  </a:schemeClr>
+                </a:solidFill>
+                <a:latin typeface="Courier" pitchFamily="2" charset="0"/>
+              </a:rPr>
+              <a:t>:</a:t>
+            </a:r>
+            <a:br>
+              <a:rPr lang="en-US" sz="1200" dirty="0">
+                <a:solidFill>
+                  <a:schemeClr val="tx1">
+                    <a:lumMod val="50000"/>
+                    <a:lumOff val="50000"/>
+                  </a:schemeClr>
+                </a:solidFill>
+              </a:rPr>
+            </a:br>
+            <a:r>
+              <a:rPr lang="en-US" sz="1200" dirty="0">
+                <a:solidFill>
+                  <a:schemeClr val="tx1">
+                    <a:lumMod val="50000"/>
+                    <a:lumOff val="50000"/>
+                  </a:schemeClr>
+                </a:solidFill>
+                <a:latin typeface="Courier" pitchFamily="2" charset="0"/>
+              </a:rPr>
+              <a:t>                </a:t>
+            </a:r>
+            <a:r>
+              <a:rPr lang="en-US" sz="1200" dirty="0" err="1">
+                <a:solidFill>
+                  <a:schemeClr val="tx1">
+                    <a:lumMod val="50000"/>
+                    <a:lumOff val="50000"/>
+                  </a:schemeClr>
+                </a:solidFill>
+                <a:latin typeface="Courier" pitchFamily="2" charset="0"/>
+              </a:rPr>
+              <a:t>IntegerType</a:t>
+            </a:r>
+            <a:r>
+              <a:rPr lang="en-US" sz="1200" dirty="0">
+                <a:solidFill>
+                  <a:schemeClr val="tx1">
+                    <a:lumMod val="50000"/>
+                    <a:lumOff val="50000"/>
+                  </a:schemeClr>
+                </a:solidFill>
+                <a:latin typeface="Courier" pitchFamily="2" charset="0"/>
+              </a:rPr>
+              <a:t>: { </a:t>
+            </a:r>
+            <a:r>
+              <a:rPr lang="en-US" sz="1200" dirty="0" err="1">
+                <a:solidFill>
+                  <a:schemeClr val="tx1">
+                    <a:lumMod val="50000"/>
+                    <a:lumOff val="50000"/>
+                  </a:schemeClr>
+                </a:solidFill>
+                <a:latin typeface="Courier" pitchFamily="2" charset="0"/>
+              </a:rPr>
+              <a:t>const</a:t>
+            </a:r>
+            <a:r>
+              <a:rPr lang="en-US" sz="1200" dirty="0">
+                <a:solidFill>
+                  <a:schemeClr val="tx1">
+                    <a:lumMod val="50000"/>
+                    <a:lumOff val="50000"/>
+                  </a:schemeClr>
+                </a:solidFill>
+                <a:latin typeface="Courier" pitchFamily="2" charset="0"/>
+              </a:rPr>
+              <a:t>:</a:t>
+            </a:r>
+            <a:r>
+              <a:rPr lang="en-US" sz="1200" dirty="0">
+                <a:solidFill>
+                  <a:srgbClr val="000000"/>
+                </a:solidFill>
+                <a:latin typeface="Courier" pitchFamily="2" charset="0"/>
+              </a:rPr>
+              <a:t> 7 </a:t>
+            </a:r>
+            <a:r>
+              <a:rPr lang="en-US" sz="1200" dirty="0">
+                <a:solidFill>
+                  <a:schemeClr val="tx1">
+                    <a:lumMod val="50000"/>
+                    <a:lumOff val="50000"/>
+                  </a:schemeClr>
+                </a:solidFill>
+                <a:latin typeface="Courier" pitchFamily="2" charset="0"/>
+              </a:rPr>
+              <a:t>}</a:t>
+            </a:r>
+            <a:br>
+              <a:rPr lang="en-US" sz="1200" dirty="0"/>
+            </a:br>
+            <a:r>
+              <a:rPr lang="en-US" sz="1200" dirty="0">
+                <a:solidFill>
+                  <a:srgbClr val="000000"/>
+                </a:solidFill>
+                <a:latin typeface="Courier" pitchFamily="2" charset="0"/>
+              </a:rPr>
+              <a:t>          </a:t>
+            </a:r>
+            <a:r>
+              <a:rPr lang="en-US" sz="1200" dirty="0" err="1">
+                <a:solidFill>
+                  <a:srgbClr val="000000"/>
+                </a:solidFill>
+                <a:latin typeface="Courier" pitchFamily="2" charset="0"/>
+              </a:rPr>
+              <a:t>OutputLink</a:t>
+            </a:r>
+            <a:r>
+              <a:rPr lang="en-US" sz="1200" dirty="0">
+                <a:solidFill>
+                  <a:srgbClr val="000000"/>
+                </a:solidFill>
+                <a:latin typeface="Courier" pitchFamily="2" charset="0"/>
+              </a:rPr>
+              <a:t>:</a:t>
+            </a:r>
+            <a:br>
+              <a:rPr lang="en-US" sz="1200" dirty="0"/>
+            </a:br>
+            <a:r>
+              <a:rPr lang="en-US" sz="1200" dirty="0">
+                <a:solidFill>
+                  <a:srgbClr val="000000"/>
+                </a:solidFill>
+                <a:latin typeface="Courier" pitchFamily="2" charset="0"/>
+              </a:rPr>
+              <a:t>            </a:t>
+            </a:r>
+            <a:r>
+              <a:rPr lang="en-US" sz="1200" dirty="0" err="1">
+                <a:solidFill>
+                  <a:schemeClr val="tx1">
+                    <a:lumMod val="50000"/>
+                    <a:lumOff val="50000"/>
+                  </a:schemeClr>
+                </a:solidFill>
+                <a:latin typeface="Courier" pitchFamily="2" charset="0"/>
+              </a:rPr>
+              <a:t>flo:meta</a:t>
+            </a:r>
+            <a:r>
+              <a:rPr lang="en-US" sz="1200" dirty="0">
+                <a:solidFill>
+                  <a:schemeClr val="tx1">
+                    <a:lumMod val="50000"/>
+                    <a:lumOff val="50000"/>
+                  </a:schemeClr>
+                </a:solidFill>
+                <a:latin typeface="Courier" pitchFamily="2" charset="0"/>
+              </a:rPr>
+              <a:t>:</a:t>
+            </a:r>
+            <a:br>
+              <a:rPr lang="en-US" sz="1200" dirty="0">
+                <a:solidFill>
+                  <a:schemeClr val="tx1">
+                    <a:lumMod val="50000"/>
+                    <a:lumOff val="50000"/>
+                  </a:schemeClr>
+                </a:solidFill>
+              </a:rPr>
+            </a:br>
+            <a:r>
+              <a:rPr lang="en-US" sz="1200" dirty="0">
+                <a:solidFill>
+                  <a:schemeClr val="tx1">
+                    <a:lumMod val="50000"/>
+                    <a:lumOff val="50000"/>
+                  </a:schemeClr>
+                </a:solidFill>
+                <a:latin typeface="Courier" pitchFamily="2" charset="0"/>
+              </a:rPr>
+              <a:t>              </a:t>
+            </a:r>
+            <a:r>
+              <a:rPr lang="en-US" sz="1200" dirty="0" err="1">
+                <a:solidFill>
+                  <a:schemeClr val="tx1">
+                    <a:lumMod val="50000"/>
+                    <a:lumOff val="50000"/>
+                  </a:schemeClr>
+                </a:solidFill>
+                <a:latin typeface="Courier" pitchFamily="2" charset="0"/>
+              </a:rPr>
+              <a:t>SdfLink</a:t>
+            </a:r>
+            <a:r>
+              <a:rPr lang="en-US" sz="1200" dirty="0">
+                <a:solidFill>
+                  <a:schemeClr val="tx1">
+                    <a:lumMod val="50000"/>
+                    <a:lumOff val="50000"/>
+                  </a:schemeClr>
+                </a:solidFill>
+                <a:latin typeface="Courier" pitchFamily="2" charset="0"/>
+              </a:rPr>
+              <a:t>: { </a:t>
+            </a:r>
+            <a:r>
+              <a:rPr lang="en-US" sz="1200" dirty="0" err="1">
+                <a:solidFill>
+                  <a:schemeClr val="tx1">
+                    <a:lumMod val="50000"/>
+                    <a:lumOff val="50000"/>
+                  </a:schemeClr>
+                </a:solidFill>
+                <a:latin typeface="Courier" pitchFamily="2" charset="0"/>
+              </a:rPr>
+              <a:t>InstancePointer</a:t>
+            </a:r>
+            <a:r>
+              <a:rPr lang="en-US" sz="1200" dirty="0">
+                <a:solidFill>
+                  <a:schemeClr val="tx1">
+                    <a:lumMod val="50000"/>
+                    <a:lumOff val="50000"/>
+                  </a:schemeClr>
+                </a:solidFill>
+                <a:latin typeface="Courier" pitchFamily="2" charset="0"/>
+              </a:rPr>
+              <a:t>: /#/</a:t>
+            </a:r>
+            <a:r>
+              <a:rPr lang="en-US" sz="1200" dirty="0" err="1">
+                <a:solidFill>
+                  <a:schemeClr val="tx1">
+                    <a:lumMod val="50000"/>
+                    <a:lumOff val="50000"/>
+                  </a:schemeClr>
+                </a:solidFill>
+                <a:latin typeface="Courier" pitchFamily="2" charset="0"/>
+              </a:rPr>
+              <a:t>sdfThing</a:t>
+            </a:r>
+            <a:r>
+              <a:rPr lang="en-US" sz="1200" dirty="0">
+                <a:solidFill>
+                  <a:schemeClr val="tx1">
+                    <a:lumMod val="50000"/>
+                    <a:lumOff val="50000"/>
+                  </a:schemeClr>
+                </a:solidFill>
+                <a:latin typeface="Courier" pitchFamily="2" charset="0"/>
+              </a:rPr>
+              <a:t>/Flow/</a:t>
+            </a:r>
+            <a:r>
+              <a:rPr lang="en-US" sz="1200" dirty="0" err="1">
+                <a:solidFill>
+                  <a:schemeClr val="tx1">
+                    <a:lumMod val="50000"/>
+                    <a:lumOff val="50000"/>
+                  </a:schemeClr>
+                </a:solidFill>
+                <a:latin typeface="Courier" pitchFamily="2" charset="0"/>
+              </a:rPr>
+              <a:t>sdfObject</a:t>
+            </a:r>
+            <a:r>
+              <a:rPr lang="en-US" sz="1200" dirty="0">
+                <a:solidFill>
+                  <a:schemeClr val="tx1">
+                    <a:lumMod val="50000"/>
+                    <a:lumOff val="50000"/>
+                  </a:schemeClr>
+                </a:solidFill>
+                <a:latin typeface="Courier" pitchFamily="2" charset="0"/>
+              </a:rPr>
+              <a:t>/</a:t>
+            </a:r>
+            <a:r>
+              <a:rPr lang="en-US" sz="1200" dirty="0" err="1">
+                <a:solidFill>
+                  <a:srgbClr val="000000"/>
+                </a:solidFill>
+                <a:latin typeface="Courier" pitchFamily="2" charset="0"/>
+              </a:rPr>
+              <a:t>MapToCelsius</a:t>
+            </a:r>
+            <a:r>
+              <a:rPr lang="en-US" sz="1200" dirty="0">
+                <a:solidFill>
+                  <a:schemeClr val="tx1">
+                    <a:lumMod val="50000"/>
+                    <a:lumOff val="50000"/>
+                  </a:schemeClr>
+                </a:solidFill>
+                <a:latin typeface="Courier" pitchFamily="2" charset="0"/>
+              </a:rPr>
+              <a:t> }</a:t>
+            </a:r>
+            <a:endParaRPr lang="en-US" sz="1200" dirty="0">
+              <a:solidFill>
+                <a:schemeClr val="tx1">
+                  <a:lumMod val="50000"/>
+                  <a:lumOff val="50000"/>
+                </a:schemeClr>
+              </a:solidFill>
+            </a:endParaRPr>
+          </a:p>
+        </p:txBody>
+      </p:sp>
+      <p:sp>
+        <p:nvSpPr>
+          <p:cNvPr id="5" name="Rectangle 4">
+            <a:extLst>
+              <a:ext uri="{FF2B5EF4-FFF2-40B4-BE49-F238E27FC236}">
+                <a16:creationId xmlns:a16="http://schemas.microsoft.com/office/drawing/2014/main" id="{1CA0658D-D2B7-A446-9E9D-6C6CED7A9EDB}"/>
+              </a:ext>
+            </a:extLst>
+          </p:cNvPr>
+          <p:cNvSpPr/>
+          <p:nvPr/>
+        </p:nvSpPr>
+        <p:spPr>
+          <a:xfrm>
+            <a:off x="4984750" y="766256"/>
+            <a:ext cx="3708400" cy="2677656"/>
+          </a:xfrm>
+          <a:prstGeom prst="rect">
+            <a:avLst/>
+          </a:prstGeom>
+        </p:spPr>
+        <p:txBody>
+          <a:bodyPr wrap="square">
+            <a:spAutoFit/>
+          </a:bodyPr>
+          <a:lstStyle/>
+          <a:p>
+            <a:br>
+              <a:rPr lang="en-US" sz="1400" dirty="0">
+                <a:solidFill>
+                  <a:srgbClr val="000000"/>
+                </a:solidFill>
+                <a:latin typeface="Courier" pitchFamily="2" charset="0"/>
+              </a:rPr>
+            </a:br>
+            <a:r>
+              <a:rPr lang="en-US" sz="1400" dirty="0">
+                <a:solidFill>
+                  <a:srgbClr val="000000"/>
+                </a:solidFill>
+                <a:latin typeface="Courier" pitchFamily="2" charset="0"/>
+              </a:rPr>
+              <a:t>  </a:t>
+            </a:r>
+            <a:r>
+              <a:rPr lang="en-US" sz="1400" dirty="0" err="1">
+                <a:solidFill>
+                  <a:srgbClr val="000000"/>
+                </a:solidFill>
+                <a:latin typeface="Courier" pitchFamily="2" charset="0"/>
+              </a:rPr>
+              <a:t>TimeSource</a:t>
+            </a:r>
+            <a:r>
+              <a:rPr lang="en-US" sz="1400" dirty="0">
+                <a:solidFill>
+                  <a:srgbClr val="000000"/>
+                </a:solidFill>
+                <a:latin typeface="Courier" pitchFamily="2" charset="0"/>
+              </a:rPr>
+              <a:t>: </a:t>
+            </a:r>
+            <a:br>
+              <a:rPr lang="en-US" sz="1400" dirty="0">
+                <a:solidFill>
+                  <a:srgbClr val="000000"/>
+                </a:solidFill>
+                <a:latin typeface="Courier" pitchFamily="2" charset="0"/>
+              </a:rPr>
+            </a:br>
+            <a:r>
+              <a:rPr lang="en-US" sz="1400" dirty="0">
+                <a:solidFill>
+                  <a:srgbClr val="000000"/>
+                </a:solidFill>
+                <a:latin typeface="Courier" pitchFamily="2" charset="0"/>
+              </a:rPr>
+              <a:t>    Type: </a:t>
+            </a:r>
+            <a:r>
+              <a:rPr lang="en-US" sz="1400" dirty="0" err="1">
+                <a:solidFill>
+                  <a:srgbClr val="000000"/>
+                </a:solidFill>
+                <a:latin typeface="Courier" pitchFamily="2" charset="0"/>
+              </a:rPr>
+              <a:t>TimeSource</a:t>
+            </a:r>
+            <a:br>
+              <a:rPr lang="en-US" sz="1400" dirty="0">
+                <a:solidFill>
+                  <a:srgbClr val="000000"/>
+                </a:solidFill>
+                <a:latin typeface="Courier" pitchFamily="2" charset="0"/>
+              </a:rPr>
+            </a:br>
+            <a:r>
+              <a:rPr lang="en-US" sz="1400" dirty="0">
+                <a:solidFill>
+                  <a:srgbClr val="000000"/>
+                </a:solidFill>
+                <a:latin typeface="Courier" pitchFamily="2" charset="0"/>
+              </a:rPr>
+              <a:t>    </a:t>
+            </a:r>
+            <a:r>
+              <a:rPr lang="en-US" sz="1400" dirty="0" err="1">
+                <a:solidFill>
+                  <a:srgbClr val="000000"/>
+                </a:solidFill>
+                <a:latin typeface="Courier" pitchFamily="2" charset="0"/>
+              </a:rPr>
+              <a:t>IntervalTime</a:t>
+            </a:r>
+            <a:r>
+              <a:rPr lang="en-US" sz="1400" dirty="0">
+                <a:solidFill>
+                  <a:srgbClr val="000000"/>
+                </a:solidFill>
+                <a:latin typeface="Courier" pitchFamily="2" charset="0"/>
+              </a:rPr>
+              <a:t>: 1000 </a:t>
+            </a:r>
+            <a:br>
+              <a:rPr lang="en-US" sz="1400" dirty="0">
+                <a:solidFill>
+                  <a:srgbClr val="000000"/>
+                </a:solidFill>
+                <a:latin typeface="Courier" pitchFamily="2" charset="0"/>
+              </a:rPr>
+            </a:br>
+            <a:r>
+              <a:rPr lang="en-US" sz="1400" dirty="0">
+                <a:solidFill>
+                  <a:srgbClr val="000000"/>
+                </a:solidFill>
+                <a:latin typeface="Courier" pitchFamily="2" charset="0"/>
+              </a:rPr>
+              <a:t>    </a:t>
+            </a:r>
+            <a:r>
+              <a:rPr lang="en-US" sz="1400" dirty="0" err="1">
+                <a:solidFill>
+                  <a:srgbClr val="000000"/>
+                </a:solidFill>
+                <a:latin typeface="Courier" pitchFamily="2" charset="0"/>
+              </a:rPr>
+              <a:t>TimerOutputLink</a:t>
+            </a:r>
+            <a:r>
+              <a:rPr lang="en-US" sz="1400" dirty="0">
+                <a:solidFill>
+                  <a:srgbClr val="000000"/>
+                </a:solidFill>
+                <a:latin typeface="Courier" pitchFamily="2" charset="0"/>
+              </a:rPr>
+              <a:t>: </a:t>
+            </a:r>
+            <a:r>
+              <a:rPr lang="en-US" sz="1400" dirty="0" err="1">
+                <a:solidFill>
+                  <a:srgbClr val="000000"/>
+                </a:solidFill>
+                <a:latin typeface="Courier" pitchFamily="2" charset="0"/>
+              </a:rPr>
+              <a:t>AnalogInput</a:t>
+            </a:r>
+            <a:r>
+              <a:rPr lang="en-US" sz="1400" dirty="0">
+                <a:solidFill>
+                  <a:srgbClr val="000000"/>
+                </a:solidFill>
+                <a:latin typeface="Courier" pitchFamily="2" charset="0"/>
+              </a:rPr>
+              <a:t> </a:t>
+            </a:r>
+            <a:br>
+              <a:rPr lang="en-US" sz="1400" dirty="0">
+                <a:solidFill>
+                  <a:srgbClr val="000000"/>
+                </a:solidFill>
+                <a:latin typeface="Courier" pitchFamily="2" charset="0"/>
+              </a:rPr>
+            </a:br>
+            <a:br>
+              <a:rPr lang="en-US" sz="1400" dirty="0">
+                <a:solidFill>
+                  <a:srgbClr val="000000"/>
+                </a:solidFill>
+                <a:latin typeface="Courier" pitchFamily="2" charset="0"/>
+              </a:rPr>
+            </a:br>
+            <a:r>
+              <a:rPr lang="en-US" sz="1400" dirty="0">
+                <a:solidFill>
+                  <a:srgbClr val="000000"/>
+                </a:solidFill>
+                <a:latin typeface="Courier" pitchFamily="2" charset="0"/>
+              </a:rPr>
+              <a:t>  </a:t>
+            </a:r>
+            <a:r>
+              <a:rPr lang="en-US" sz="1400" dirty="0" err="1">
+                <a:solidFill>
+                  <a:srgbClr val="000000"/>
+                </a:solidFill>
+                <a:latin typeface="Courier" pitchFamily="2" charset="0"/>
+              </a:rPr>
+              <a:t>AnalogInput</a:t>
+            </a:r>
+            <a:r>
+              <a:rPr lang="en-US" sz="1400" dirty="0">
+                <a:solidFill>
+                  <a:srgbClr val="000000"/>
+                </a:solidFill>
+                <a:latin typeface="Courier" pitchFamily="2" charset="0"/>
+              </a:rPr>
+              <a:t>: </a:t>
+            </a:r>
+            <a:br>
+              <a:rPr lang="en-US" sz="1400" dirty="0">
+                <a:solidFill>
+                  <a:srgbClr val="000000"/>
+                </a:solidFill>
+                <a:latin typeface="Courier" pitchFamily="2" charset="0"/>
+              </a:rPr>
+            </a:br>
+            <a:r>
+              <a:rPr lang="en-US" sz="1400" dirty="0">
+                <a:solidFill>
+                  <a:srgbClr val="000000"/>
+                </a:solidFill>
+                <a:latin typeface="Courier" pitchFamily="2" charset="0"/>
+              </a:rPr>
+              <a:t>    Type: </a:t>
+            </a:r>
+            <a:r>
+              <a:rPr lang="en-US" sz="1400" dirty="0" err="1">
+                <a:solidFill>
+                  <a:srgbClr val="000000"/>
+                </a:solidFill>
+                <a:latin typeface="Courier" pitchFamily="2" charset="0"/>
+              </a:rPr>
+              <a:t>AnalogInput</a:t>
+            </a:r>
+            <a:br>
+              <a:rPr lang="en-US" sz="1400" dirty="0">
+                <a:solidFill>
+                  <a:srgbClr val="000000"/>
+                </a:solidFill>
+                <a:latin typeface="Courier" pitchFamily="2" charset="0"/>
+              </a:rPr>
+            </a:br>
+            <a:r>
+              <a:rPr lang="en-US" sz="1400" dirty="0">
+                <a:solidFill>
+                  <a:srgbClr val="000000"/>
+                </a:solidFill>
+                <a:latin typeface="Courier" pitchFamily="2" charset="0"/>
+              </a:rPr>
+              <a:t>    </a:t>
+            </a:r>
+            <a:r>
+              <a:rPr lang="en-US" sz="1400" dirty="0" err="1">
+                <a:solidFill>
+                  <a:srgbClr val="000000"/>
+                </a:solidFill>
+                <a:latin typeface="Courier" pitchFamily="2" charset="0"/>
+              </a:rPr>
+              <a:t>GpioPinID</a:t>
+            </a:r>
+            <a:r>
+              <a:rPr lang="en-US" sz="1400" dirty="0">
+                <a:solidFill>
+                  <a:srgbClr val="000000"/>
+                </a:solidFill>
+                <a:latin typeface="Courier" pitchFamily="2" charset="0"/>
+              </a:rPr>
+              <a:t>: 7 </a:t>
+            </a:r>
+            <a:br>
+              <a:rPr lang="en-US" sz="1400" dirty="0">
+                <a:solidFill>
+                  <a:srgbClr val="000000"/>
+                </a:solidFill>
+                <a:latin typeface="Courier" pitchFamily="2" charset="0"/>
+              </a:rPr>
+            </a:br>
+            <a:r>
+              <a:rPr lang="en-US" sz="1400" dirty="0">
+                <a:solidFill>
+                  <a:srgbClr val="000000"/>
+                </a:solidFill>
+                <a:latin typeface="Courier" pitchFamily="2" charset="0"/>
+              </a:rPr>
+              <a:t>    </a:t>
+            </a:r>
+            <a:r>
+              <a:rPr lang="en-US" sz="1400" dirty="0" err="1">
+                <a:solidFill>
+                  <a:srgbClr val="000000"/>
+                </a:solidFill>
+                <a:latin typeface="Courier" pitchFamily="2" charset="0"/>
+              </a:rPr>
+              <a:t>OutputLink</a:t>
+            </a:r>
+            <a:r>
+              <a:rPr lang="en-US" sz="1400" dirty="0">
+                <a:solidFill>
+                  <a:srgbClr val="000000"/>
+                </a:solidFill>
+                <a:latin typeface="Courier" pitchFamily="2" charset="0"/>
+              </a:rPr>
+              <a:t>: </a:t>
+            </a:r>
+            <a:r>
+              <a:rPr lang="en-US" sz="1400" dirty="0" err="1">
+                <a:solidFill>
+                  <a:srgbClr val="000000"/>
+                </a:solidFill>
+                <a:latin typeface="Courier" pitchFamily="2" charset="0"/>
+              </a:rPr>
+              <a:t>MapToCelsius</a:t>
+            </a:r>
+            <a:r>
+              <a:rPr lang="en-US" sz="1400" dirty="0">
+                <a:solidFill>
+                  <a:srgbClr val="000000"/>
+                </a:solidFill>
+                <a:latin typeface="Courier" pitchFamily="2" charset="0"/>
+              </a:rPr>
+              <a:t> </a:t>
+            </a:r>
+            <a:br>
+              <a:rPr lang="en-US" sz="1400" dirty="0">
+                <a:solidFill>
+                  <a:srgbClr val="000000"/>
+                </a:solidFill>
+                <a:latin typeface="Courier" pitchFamily="2" charset="0"/>
+              </a:rPr>
+            </a:br>
+            <a:br>
+              <a:rPr lang="en-US" sz="1400" dirty="0">
+                <a:solidFill>
+                  <a:srgbClr val="000000"/>
+                </a:solidFill>
+                <a:latin typeface="Courier" pitchFamily="2" charset="0"/>
+              </a:rPr>
+            </a:br>
+            <a:r>
+              <a:rPr lang="en-US" sz="1400" dirty="0">
+                <a:solidFill>
+                  <a:srgbClr val="000000"/>
+                </a:solidFill>
+                <a:latin typeface="Courier" pitchFamily="2" charset="0"/>
+              </a:rPr>
+              <a:t>  </a:t>
+            </a:r>
+            <a:endParaRPr lang="en-US" sz="1400" dirty="0"/>
           </a:p>
         </p:txBody>
       </p:sp>

--- a/Documents/ObjectFlow.pptx
+++ b/Documents/ObjectFlow.pptx
@@ -8009,7 +8009,7 @@
         <p:spPr>
           <a:xfrm>
             <a:off x="583426" y="882893"/>
-            <a:ext cx="8063106" cy="5262979"/>
+            <a:ext cx="8063106" cy="4893647"/>
           </a:xfrm>
           <a:prstGeom prst="rect">
             <a:avLst/>
@@ -8352,7 +8352,7 @@
                 </a:solidFill>
                 <a:latin typeface="Courier" pitchFamily="2" charset="0"/>
               </a:rPr>
-              <a:t>            </a:t>
+              <a:t>            </a:t>
             </a:r>
             <a:r>
               <a:rPr lang="en-US" sz="1200" dirty="0" err="1">
@@ -8361,7 +8361,7 @@
                 </a:solidFill>
                 <a:latin typeface="Courier" pitchFamily="2" charset="0"/>
               </a:rPr>
-              <a:t>sdfProperty</a:t>
+              <a:t>sdfChoice</a:t>
             </a:r>
             <a:r>
               <a:rPr lang="en-US" sz="1200" dirty="0">
@@ -8391,16 +8391,34 @@
                 </a:solidFill>
                 <a:latin typeface="Courier" pitchFamily="2" charset="0"/>
               </a:rPr>
-              <a:t>sdfChoice</a:t>
-            </a:r>
-            <a:r>
-              <a:rPr lang="en-US" sz="1200" dirty="0">
-                <a:solidFill>
-                  <a:srgbClr val="000000"/>
-                </a:solidFill>
-                <a:latin typeface="Courier" pitchFamily="2" charset="0"/>
-              </a:rPr>
-              <a:t>:</a:t>
+              <a:t>IntegerType</a:t>
+            </a:r>
+            <a:r>
+              <a:rPr lang="en-US" sz="1200" dirty="0">
+                <a:solidFill>
+                  <a:srgbClr val="000000"/>
+                </a:solidFill>
+                <a:latin typeface="Courier" pitchFamily="2" charset="0"/>
+              </a:rPr>
+              <a:t>: { </a:t>
+            </a:r>
+            <a:r>
+              <a:rPr lang="en-US" sz="1200" dirty="0" err="1">
+                <a:solidFill>
+                  <a:srgbClr val="000000"/>
+                </a:solidFill>
+                <a:latin typeface="Courier" pitchFamily="2" charset="0"/>
+              </a:rPr>
+              <a:t>const</a:t>
+            </a:r>
+            <a:r>
+              <a:rPr lang="en-US" sz="1200" dirty="0">
+                <a:solidFill>
+                  <a:srgbClr val="000000"/>
+                </a:solidFill>
+                <a:latin typeface="Courier" pitchFamily="2" charset="0"/>
+              </a:rPr>
+              <a:t>: 1000 }</a:t>
             </a:r>
             <a:br>
               <a:rPr lang="en-US" sz="1200" dirty="0"/>
@@ -8412,7 +8430,7 @@
                 </a:solidFill>
                 <a:latin typeface="Courier" pitchFamily="2" charset="0"/>
               </a:rPr>
-              <a:t>                </a:t>
+              <a:t>          </a:t>
             </a:r>
             <a:r>
               <a:rPr lang="en-US" sz="1200" dirty="0" err="1">
@@ -8421,34 +8439,16 @@
                 </a:solidFill>
                 <a:latin typeface="Courier" pitchFamily="2" charset="0"/>
               </a:rPr>
-              <a:t>IntegerType</a:t>
-            </a:r>
-            <a:r>
-              <a:rPr lang="en-US" sz="1200" dirty="0">
-                <a:solidFill>
-                  <a:srgbClr val="000000"/>
-                </a:solidFill>
-                <a:latin typeface="Courier" pitchFamily="2" charset="0"/>
-              </a:rPr>
-              <a:t>: { </a:t>
-            </a:r>
-            <a:r>
-              <a:rPr lang="en-US" sz="1200" dirty="0" err="1">
-                <a:solidFill>
-                  <a:srgbClr val="000000"/>
-                </a:solidFill>
-                <a:latin typeface="Courier" pitchFamily="2" charset="0"/>
-              </a:rPr>
-              <a:t>const</a:t>
-            </a:r>
-            <a:r>
-              <a:rPr lang="en-US" sz="1200" dirty="0">
-                <a:solidFill>
-                  <a:srgbClr val="000000"/>
-                </a:solidFill>
-                <a:latin typeface="Courier" pitchFamily="2" charset="0"/>
-              </a:rPr>
-              <a:t>: 1000 }</a:t>
+              <a:t>OutputLink</a:t>
+            </a:r>
+            <a:r>
+              <a:rPr lang="en-US" sz="1200" dirty="0">
+                <a:solidFill>
+                  <a:srgbClr val="000000"/>
+                </a:solidFill>
+                <a:latin typeface="Courier" pitchFamily="2" charset="0"/>
+              </a:rPr>
+              <a:t>:</a:t>
             </a:r>
             <a:br>
               <a:rPr lang="en-US" sz="1200" dirty="0"/>
@@ -8460,7 +8460,7 @@
                 </a:solidFill>
                 <a:latin typeface="Courier" pitchFamily="2" charset="0"/>
               </a:rPr>
-              <a:t>          </a:t>
+              <a:t>            </a:t>
             </a:r>
             <a:r>
               <a:rPr lang="en-US" sz="1200" dirty="0" err="1">
@@ -8469,7 +8469,7 @@
                 </a:solidFill>
                 <a:latin typeface="Courier" pitchFamily="2" charset="0"/>
               </a:rPr>
-              <a:t>OutputLink</a:t>
+              <a:t>flo:meta</a:t>
             </a:r>
             <a:r>
               <a:rPr lang="en-US" sz="1200" dirty="0">
@@ -8490,7 +8490,7 @@
                 </a:solidFill>
                 <a:latin typeface="Courier" pitchFamily="2" charset="0"/>
               </a:rPr>
-              <a:t>            </a:t>
+              <a:t>              </a:t>
             </a:r>
             <a:r>
               <a:rPr lang="en-US" sz="1200" dirty="0" err="1">
@@ -8499,16 +8499,88 @@
                 </a:solidFill>
                 <a:latin typeface="Courier" pitchFamily="2" charset="0"/>
               </a:rPr>
-              <a:t>flo:meta</a:t>
-            </a:r>
-            <a:r>
-              <a:rPr lang="en-US" sz="1200" dirty="0">
-                <a:solidFill>
-                  <a:srgbClr val="000000"/>
-                </a:solidFill>
-                <a:latin typeface="Courier" pitchFamily="2" charset="0"/>
-              </a:rPr>
-              <a:t>:</a:t>
+              <a:t>SdfLink</a:t>
+            </a:r>
+            <a:r>
+              <a:rPr lang="en-US" sz="1200" dirty="0">
+                <a:solidFill>
+                  <a:srgbClr val="000000"/>
+                </a:solidFill>
+                <a:latin typeface="Courier" pitchFamily="2" charset="0"/>
+              </a:rPr>
+              <a:t>: { </a:t>
+            </a:r>
+            <a:r>
+              <a:rPr lang="en-US" sz="1200" dirty="0" err="1">
+                <a:solidFill>
+                  <a:srgbClr val="000000"/>
+                </a:solidFill>
+                <a:latin typeface="Courier" pitchFamily="2" charset="0"/>
+              </a:rPr>
+              <a:t>InstancePointer</a:t>
+            </a:r>
+            <a:r>
+              <a:rPr lang="en-US" sz="1200" dirty="0">
+                <a:solidFill>
+                  <a:srgbClr val="000000"/>
+                </a:solidFill>
+                <a:latin typeface="Courier" pitchFamily="2" charset="0"/>
+              </a:rPr>
+              <a:t>: /#/</a:t>
+            </a:r>
+            <a:r>
+              <a:rPr lang="en-US" sz="1200" dirty="0" err="1">
+                <a:solidFill>
+                  <a:srgbClr val="000000"/>
+                </a:solidFill>
+                <a:latin typeface="Courier" pitchFamily="2" charset="0"/>
+              </a:rPr>
+              <a:t>sdfThing</a:t>
+            </a:r>
+            <a:r>
+              <a:rPr lang="en-US" sz="1200" dirty="0">
+                <a:solidFill>
+                  <a:srgbClr val="000000"/>
+                </a:solidFill>
+                <a:latin typeface="Courier" pitchFamily="2" charset="0"/>
+              </a:rPr>
+              <a:t>/Flow/</a:t>
+            </a:r>
+            <a:r>
+              <a:rPr lang="en-US" sz="1200" dirty="0" err="1">
+                <a:solidFill>
+                  <a:srgbClr val="000000"/>
+                </a:solidFill>
+                <a:latin typeface="Courier" pitchFamily="2" charset="0"/>
+              </a:rPr>
+              <a:t>sdfObject</a:t>
+            </a:r>
+            <a:r>
+              <a:rPr lang="en-US" sz="1200" dirty="0">
+                <a:solidFill>
+                  <a:srgbClr val="000000"/>
+                </a:solidFill>
+                <a:latin typeface="Courier" pitchFamily="2" charset="0"/>
+              </a:rPr>
+              <a:t>/</a:t>
+            </a:r>
+            <a:r>
+              <a:rPr lang="en-US" sz="1200" dirty="0" err="1">
+                <a:solidFill>
+                  <a:srgbClr val="000000"/>
+                </a:solidFill>
+                <a:latin typeface="Courier" pitchFamily="2" charset="0"/>
+              </a:rPr>
+              <a:t>AnalogInput</a:t>
+            </a:r>
+            <a:r>
+              <a:rPr lang="en-US" sz="1200" dirty="0">
+                <a:solidFill>
+                  <a:srgbClr val="000000"/>
+                </a:solidFill>
+                <a:latin typeface="Courier" pitchFamily="2" charset="0"/>
+              </a:rPr>
+              <a:t> }</a:t>
             </a:r>
             <a:br>
               <a:rPr lang="en-US" sz="1200" dirty="0"/>
@@ -8520,7 +8592,7 @@
                 </a:solidFill>
                 <a:latin typeface="Courier" pitchFamily="2" charset="0"/>
               </a:rPr>
-              <a:t>              </a:t>
+              <a:t>      </a:t>
             </a:r>
             <a:r>
               <a:rPr lang="en-US" sz="1200" dirty="0" err="1">
@@ -8529,78 +8601,6 @@
                 </a:solidFill>
                 <a:latin typeface="Courier" pitchFamily="2" charset="0"/>
               </a:rPr>
-              <a:t>SdfLink</a:t>
-            </a:r>
-            <a:r>
-              <a:rPr lang="en-US" sz="1200" dirty="0">
-                <a:solidFill>
-                  <a:srgbClr val="000000"/>
-                </a:solidFill>
-                <a:latin typeface="Courier" pitchFamily="2" charset="0"/>
-              </a:rPr>
-              <a:t>: { </a:t>
-            </a:r>
-            <a:r>
-              <a:rPr lang="en-US" sz="1200" dirty="0" err="1">
-                <a:solidFill>
-                  <a:srgbClr val="000000"/>
-                </a:solidFill>
-                <a:latin typeface="Courier" pitchFamily="2" charset="0"/>
-              </a:rPr>
-              <a:t>InstancePointer</a:t>
-            </a:r>
-            <a:r>
-              <a:rPr lang="en-US" sz="1200" dirty="0">
-                <a:solidFill>
-                  <a:srgbClr val="000000"/>
-                </a:solidFill>
-                <a:latin typeface="Courier" pitchFamily="2" charset="0"/>
-              </a:rPr>
-              <a:t>: /#/</a:t>
-            </a:r>
-            <a:r>
-              <a:rPr lang="en-US" sz="1200" dirty="0" err="1">
-                <a:solidFill>
-                  <a:srgbClr val="000000"/>
-                </a:solidFill>
-                <a:latin typeface="Courier" pitchFamily="2" charset="0"/>
-              </a:rPr>
-              <a:t>sdfThing</a:t>
-            </a:r>
-            <a:r>
-              <a:rPr lang="en-US" sz="1200" dirty="0">
-                <a:solidFill>
-                  <a:srgbClr val="000000"/>
-                </a:solidFill>
-                <a:latin typeface="Courier" pitchFamily="2" charset="0"/>
-              </a:rPr>
-              <a:t>/Flow/</a:t>
-            </a:r>
-            <a:r>
-              <a:rPr lang="en-US" sz="1200" dirty="0" err="1">
-                <a:solidFill>
-                  <a:srgbClr val="000000"/>
-                </a:solidFill>
-                <a:latin typeface="Courier" pitchFamily="2" charset="0"/>
-              </a:rPr>
-              <a:t>sdfObject</a:t>
-            </a:r>
-            <a:r>
-              <a:rPr lang="en-US" sz="1200" dirty="0">
-                <a:solidFill>
-                  <a:srgbClr val="000000"/>
-                </a:solidFill>
-                <a:latin typeface="Courier" pitchFamily="2" charset="0"/>
-              </a:rPr>
-              <a:t>/</a:t>
-            </a:r>
-            <a:r>
-              <a:rPr lang="en-US" sz="1200" dirty="0" err="1">
-                <a:solidFill>
-                  <a:srgbClr val="000000"/>
-                </a:solidFill>
-                <a:latin typeface="Courier" pitchFamily="2" charset="0"/>
-              </a:rPr>
               <a:t>AnalogInput</a:t>
             </a:r>
             <a:r>
@@ -8610,7 +8610,7 @@
                 </a:solidFill>
                 <a:latin typeface="Courier" pitchFamily="2" charset="0"/>
               </a:rPr>
-              <a:t> }</a:t>
+              <a:t>:</a:t>
             </a:r>
             <a:br>
               <a:rPr lang="en-US" sz="1200" dirty="0"/>
@@ -8622,7 +8622,7 @@
                 </a:solidFill>
                 <a:latin typeface="Courier" pitchFamily="2" charset="0"/>
               </a:rPr>
-              <a:t>      </a:t>
+              <a:t>        </a:t>
             </a:r>
             <a:r>
               <a:rPr lang="en-US" sz="1200" dirty="0" err="1">
@@ -8631,16 +8631,43 @@
                 </a:solidFill>
                 <a:latin typeface="Courier" pitchFamily="2" charset="0"/>
               </a:rPr>
+              <a:t>sdfRef</a:t>
+            </a:r>
+            <a:r>
+              <a:rPr lang="en-US" sz="1200" dirty="0">
+                <a:solidFill>
+                  <a:srgbClr val="000000"/>
+                </a:solidFill>
+                <a:latin typeface="Courier" pitchFamily="2" charset="0"/>
+              </a:rPr>
+              <a:t>: /#/</a:t>
+            </a:r>
+            <a:r>
+              <a:rPr lang="en-US" sz="1200" dirty="0" err="1">
+                <a:solidFill>
+                  <a:srgbClr val="000000"/>
+                </a:solidFill>
+                <a:latin typeface="Courier" pitchFamily="2" charset="0"/>
+              </a:rPr>
+              <a:t>sdfObject</a:t>
+            </a:r>
+            <a:r>
+              <a:rPr lang="en-US" sz="1200" dirty="0">
+                <a:solidFill>
+                  <a:srgbClr val="000000"/>
+                </a:solidFill>
+                <a:latin typeface="Courier" pitchFamily="2" charset="0"/>
+              </a:rPr>
+              <a:t>/</a:t>
+            </a:r>
+            <a:r>
+              <a:rPr lang="en-US" sz="1200" dirty="0" err="1">
+                <a:solidFill>
+                  <a:srgbClr val="000000"/>
+                </a:solidFill>
+                <a:latin typeface="Courier" pitchFamily="2" charset="0"/>
+              </a:rPr>
               <a:t>AnalogInput</a:t>
-            </a:r>
-            <a:r>
-              <a:rPr lang="en-US" sz="1200" dirty="0">
-                <a:solidFill>
-                  <a:srgbClr val="000000"/>
-                </a:solidFill>
-                <a:latin typeface="Courier" pitchFamily="2" charset="0"/>
-              </a:rPr>
-              <a:t>:</a:t>
             </a:r>
             <a:br>
               <a:rPr lang="en-US" sz="1200" dirty="0"/>
@@ -8661,43 +8688,16 @@
                 </a:solidFill>
                 <a:latin typeface="Courier" pitchFamily="2" charset="0"/>
               </a:rPr>
-              <a:t>sdfRef</a:t>
-            </a:r>
-            <a:r>
-              <a:rPr lang="en-US" sz="1200" dirty="0">
-                <a:solidFill>
-                  <a:srgbClr val="000000"/>
-                </a:solidFill>
-                <a:latin typeface="Courier" pitchFamily="2" charset="0"/>
-              </a:rPr>
-              <a:t>: /#/</a:t>
-            </a:r>
-            <a:r>
-              <a:rPr lang="en-US" sz="1200" dirty="0" err="1">
-                <a:solidFill>
-                  <a:srgbClr val="000000"/>
-                </a:solidFill>
-                <a:latin typeface="Courier" pitchFamily="2" charset="0"/>
-              </a:rPr>
-              <a:t>sdfObject</a:t>
-            </a:r>
-            <a:r>
-              <a:rPr lang="en-US" sz="1200" dirty="0">
-                <a:solidFill>
-                  <a:srgbClr val="000000"/>
-                </a:solidFill>
-                <a:latin typeface="Courier" pitchFamily="2" charset="0"/>
-              </a:rPr>
-              <a:t>/</a:t>
-            </a:r>
-            <a:r>
-              <a:rPr lang="en-US" sz="1200" dirty="0" err="1">
-                <a:solidFill>
-                  <a:srgbClr val="000000"/>
-                </a:solidFill>
-                <a:latin typeface="Courier" pitchFamily="2" charset="0"/>
-              </a:rPr>
-              <a:t>AnalogInput</a:t>
+              <a:t>sdfProperty</a:t>
+            </a:r>
+            <a:r>
+              <a:rPr lang="en-US" sz="1200" dirty="0">
+                <a:solidFill>
+                  <a:srgbClr val="000000"/>
+                </a:solidFill>
+                <a:latin typeface="Courier" pitchFamily="2" charset="0"/>
+              </a:rPr>
+              <a:t>:</a:t>
             </a:r>
             <a:br>
               <a:rPr lang="en-US" sz="1200" dirty="0"/>
@@ -8709,7 +8709,7 @@
                 </a:solidFill>
                 <a:latin typeface="Courier" pitchFamily="2" charset="0"/>
               </a:rPr>
-              <a:t>        </a:t>
+              <a:t>          </a:t>
             </a:r>
             <a:r>
               <a:rPr lang="en-US" sz="1200" dirty="0" err="1">
@@ -8718,7 +8718,7 @@
                 </a:solidFill>
                 <a:latin typeface="Courier" pitchFamily="2" charset="0"/>
               </a:rPr>
-              <a:t>sdfProperty</a:t>
+              <a:t>GpioPinID</a:t>
             </a:r>
             <a:r>
               <a:rPr lang="en-US" sz="1200" dirty="0">
@@ -8739,7 +8739,7 @@
                 </a:solidFill>
                 <a:latin typeface="Courier" pitchFamily="2" charset="0"/>
               </a:rPr>
-              <a:t>          </a:t>
+              <a:t>            </a:t>
             </a:r>
             <a:r>
               <a:rPr lang="en-US" sz="1200" dirty="0" err="1">
@@ -8748,7 +8748,7 @@
                 </a:solidFill>
                 <a:latin typeface="Courier" pitchFamily="2" charset="0"/>
               </a:rPr>
-              <a:t>GpioPinID</a:t>
+              <a:t>sdfChoice</a:t>
             </a:r>
             <a:r>
               <a:rPr lang="en-US" sz="1200" dirty="0">
@@ -8769,67 +8769,7 @@
                 </a:solidFill>
                 <a:latin typeface="Courier" pitchFamily="2" charset="0"/>
               </a:rPr>
-              <a:t>            </a:t>
-            </a:r>
-            <a:r>
-              <a:rPr lang="en-US" sz="1200" dirty="0" err="1">
-                <a:solidFill>
-                  <a:srgbClr val="000000"/>
-                </a:solidFill>
-                <a:latin typeface="Courier" pitchFamily="2" charset="0"/>
-              </a:rPr>
-              <a:t>sdfProperty</a:t>
-            </a:r>
-            <a:r>
-              <a:rPr lang="en-US" sz="1200" dirty="0">
-                <a:solidFill>
-                  <a:srgbClr val="000000"/>
-                </a:solidFill>
-                <a:latin typeface="Courier" pitchFamily="2" charset="0"/>
-              </a:rPr>
-              <a:t>:</a:t>
-            </a:r>
-            <a:br>
-              <a:rPr lang="en-US" sz="1200" dirty="0"/>
-            </a:br>
-            <a:r>
-              <a:rPr lang="en-US" sz="1200" dirty="0">
-                <a:solidFill>
-                  <a:srgbClr val="000000"/>
-                </a:solidFill>
-                <a:latin typeface="Courier" pitchFamily="2" charset="0"/>
-              </a:rPr>
               <a:t>              </a:t>
-            </a:r>
-            <a:r>
-              <a:rPr lang="en-US" sz="1200" dirty="0" err="1">
-                <a:solidFill>
-                  <a:srgbClr val="000000"/>
-                </a:solidFill>
-                <a:latin typeface="Courier" pitchFamily="2" charset="0"/>
-              </a:rPr>
-              <a:t>sdfChoice</a:t>
-            </a:r>
-            <a:r>
-              <a:rPr lang="en-US" sz="1200" dirty="0">
-                <a:solidFill>
-                  <a:srgbClr val="000000"/>
-                </a:solidFill>
-                <a:latin typeface="Courier" pitchFamily="2" charset="0"/>
-              </a:rPr>
-              <a:t>:</a:t>
-            </a:r>
-            <a:br>
-              <a:rPr lang="en-US" sz="1200" dirty="0"/>
-            </a:br>
-            <a:r>
-              <a:rPr lang="en-US" sz="1200" dirty="0">
-                <a:solidFill>
-                  <a:srgbClr val="000000"/>
-                </a:solidFill>
-                <a:latin typeface="Courier" pitchFamily="2" charset="0"/>
-              </a:rPr>
-              <a:t>                </a:t>
             </a:r>
             <a:r>
               <a:rPr lang="en-US" sz="1200" dirty="0" err="1">
@@ -9164,8 +9104,8 @@
         </p:nvSpPr>
         <p:spPr>
           <a:xfrm>
-            <a:off x="271192" y="766256"/>
-            <a:ext cx="8153400" cy="5632311"/>
+            <a:off x="476249" y="920844"/>
+            <a:ext cx="8009829" cy="5262979"/>
           </a:xfrm>
           <a:prstGeom prst="rect">
             <a:avLst/>
@@ -9642,29 +9582,15 @@
               <a:t>:</a:t>
             </a:r>
             <a:br>
-              <a:rPr lang="en-US" sz="1200" dirty="0"/>
-            </a:br>
-            <a:r>
-              <a:rPr lang="en-US" sz="1200" dirty="0">
-                <a:solidFill>
-                  <a:srgbClr val="000000"/>
-                </a:solidFill>
-                <a:latin typeface="Courier" pitchFamily="2" charset="0"/>
-              </a:rPr>
-              <a:t>            </a:t>
-            </a:r>
-            <a:r>
-              <a:rPr lang="en-US" sz="1200" dirty="0" err="1">
+              <a:rPr lang="en-US" sz="1200" dirty="0">
                 <a:solidFill>
                   <a:schemeClr val="tx1">
                     <a:lumMod val="50000"/>
                     <a:lumOff val="50000"/>
                   </a:schemeClr>
                 </a:solidFill>
-                <a:latin typeface="Courier" pitchFamily="2" charset="0"/>
-              </a:rPr>
-              <a:t>sdfProperty</a:t>
-            </a:r>
+              </a:rPr>
+            </a:br>
             <a:r>
               <a:rPr lang="en-US" sz="1200" dirty="0">
                 <a:solidFill>
@@ -9675,18 +9601,20 @@
                 </a:solidFill>
                 <a:latin typeface="Courier" pitchFamily="2" charset="0"/>
               </a:rPr>
-              <a:t>:</a:t>
-            </a:r>
-            <a:br>
-              <a:rPr lang="en-US" sz="1200" dirty="0">
+              <a:t>            </a:t>
+            </a:r>
+            <a:r>
+              <a:rPr lang="en-US" sz="1200" dirty="0" err="1">
                 <a:solidFill>
                   <a:schemeClr val="tx1">
                     <a:lumMod val="50000"/>
                     <a:lumOff val="50000"/>
                   </a:schemeClr>
                 </a:solidFill>
-              </a:rPr>
-            </a:br>
+                <a:latin typeface="Courier" pitchFamily="2" charset="0"/>
+              </a:rPr>
+              <a:t>sdfChoice</a:t>
+            </a:r>
             <a:r>
               <a:rPr lang="en-US" sz="1200" dirty="0">
                 <a:solidFill>
@@ -9697,20 +9625,18 @@
                 </a:solidFill>
                 <a:latin typeface="Courier" pitchFamily="2" charset="0"/>
               </a:rPr>
-              <a:t>              </a:t>
-            </a:r>
-            <a:r>
-              <a:rPr lang="en-US" sz="1200" dirty="0" err="1">
+              <a:t>:</a:t>
+            </a:r>
+            <a:br>
+              <a:rPr lang="en-US" sz="1200" dirty="0">
                 <a:solidFill>
                   <a:schemeClr val="tx1">
                     <a:lumMod val="50000"/>
                     <a:lumOff val="50000"/>
                   </a:schemeClr>
                 </a:solidFill>
-                <a:latin typeface="Courier" pitchFamily="2" charset="0"/>
-              </a:rPr>
-              <a:t>sdfChoice</a:t>
-            </a:r>
+              </a:rPr>
+            </a:br>
             <a:r>
               <a:rPr lang="en-US" sz="1200" dirty="0">
                 <a:solidFill>
@@ -9721,29 +9647,7 @@
                 </a:solidFill>
                 <a:latin typeface="Courier" pitchFamily="2" charset="0"/>
               </a:rPr>
-              <a:t>:</a:t>
-            </a:r>
-            <a:br>
-              <a:rPr lang="en-US" sz="1200" dirty="0">
-                <a:solidFill>
-                  <a:schemeClr val="tx1">
-                    <a:lumMod val="50000"/>
-                    <a:lumOff val="50000"/>
-                  </a:schemeClr>
-                </a:solidFill>
-              </a:rPr>
-            </a:br>
-            <a:r>
-              <a:rPr lang="en-US" sz="1200" dirty="0">
-                <a:solidFill>
-                  <a:schemeClr val="tx1">
-                    <a:lumMod val="50000"/>
-                    <a:lumOff val="50000"/>
-                  </a:schemeClr>
-                </a:solidFill>
-                <a:latin typeface="Courier" pitchFamily="2" charset="0"/>
-              </a:rPr>
-              <a:t>                </a:t>
+              <a:t>              </a:t>
             </a:r>
             <a:r>
               <a:rPr lang="en-US" sz="1200" dirty="0" err="1">
@@ -10223,29 +10127,15 @@
               <a:t>:</a:t>
             </a:r>
             <a:br>
-              <a:rPr lang="en-US" sz="1200" dirty="0"/>
-            </a:br>
-            <a:r>
-              <a:rPr lang="en-US" sz="1200" dirty="0">
-                <a:solidFill>
-                  <a:srgbClr val="000000"/>
-                </a:solidFill>
-                <a:latin typeface="Courier" pitchFamily="2" charset="0"/>
-              </a:rPr>
-              <a:t>            </a:t>
-            </a:r>
-            <a:r>
-              <a:rPr lang="en-US" sz="1200" dirty="0" err="1">
+              <a:rPr lang="en-US" sz="1200" dirty="0">
                 <a:solidFill>
                   <a:schemeClr val="tx1">
                     <a:lumMod val="50000"/>
                     <a:lumOff val="50000"/>
                   </a:schemeClr>
                 </a:solidFill>
-                <a:latin typeface="Courier" pitchFamily="2" charset="0"/>
-              </a:rPr>
-              <a:t>sdfProperty</a:t>
-            </a:r>
+              </a:rPr>
+            </a:br>
             <a:r>
               <a:rPr lang="en-US" sz="1200" dirty="0">
                 <a:solidFill>
@@ -10256,18 +10146,20 @@
                 </a:solidFill>
                 <a:latin typeface="Courier" pitchFamily="2" charset="0"/>
               </a:rPr>
-              <a:t>: </a:t>
-            </a:r>
-            <a:br>
-              <a:rPr lang="en-US" sz="1200" dirty="0">
+              <a:t>           </a:t>
+            </a:r>
+            <a:r>
+              <a:rPr lang="en-US" sz="1200">
                 <a:solidFill>
                   <a:schemeClr val="tx1">
                     <a:lumMod val="50000"/>
                     <a:lumOff val="50000"/>
                   </a:schemeClr>
                 </a:solidFill>
-              </a:rPr>
-            </a:br>
+                <a:latin typeface="Courier" pitchFamily="2" charset="0"/>
+              </a:rPr>
+              <a:t> sdfChoice</a:t>
+            </a:r>
             <a:r>
               <a:rPr lang="en-US" sz="1200" dirty="0">
                 <a:solidFill>
@@ -10278,20 +10170,18 @@
                 </a:solidFill>
                 <a:latin typeface="Courier" pitchFamily="2" charset="0"/>
               </a:rPr>
-              <a:t>              </a:t>
-            </a:r>
-            <a:r>
-              <a:rPr lang="en-US" sz="1200" dirty="0" err="1">
+              <a:t>:</a:t>
+            </a:r>
+            <a:br>
+              <a:rPr lang="en-US" sz="1200" dirty="0">
                 <a:solidFill>
                   <a:schemeClr val="tx1">
                     <a:lumMod val="50000"/>
                     <a:lumOff val="50000"/>
                   </a:schemeClr>
                 </a:solidFill>
-                <a:latin typeface="Courier" pitchFamily="2" charset="0"/>
-              </a:rPr>
-              <a:t>sdfChoice</a:t>
-            </a:r>
+              </a:rPr>
+            </a:br>
             <a:r>
               <a:rPr lang="en-US" sz="1200" dirty="0">
                 <a:solidFill>
@@ -10302,29 +10192,7 @@
                 </a:solidFill>
                 <a:latin typeface="Courier" pitchFamily="2" charset="0"/>
               </a:rPr>
-              <a:t>:</a:t>
-            </a:r>
-            <a:br>
-              <a:rPr lang="en-US" sz="1200" dirty="0">
-                <a:solidFill>
-                  <a:schemeClr val="tx1">
-                    <a:lumMod val="50000"/>
-                    <a:lumOff val="50000"/>
-                  </a:schemeClr>
-                </a:solidFill>
-              </a:rPr>
-            </a:br>
-            <a:r>
-              <a:rPr lang="en-US" sz="1200" dirty="0">
-                <a:solidFill>
-                  <a:schemeClr val="tx1">
-                    <a:lumMod val="50000"/>
-                    <a:lumOff val="50000"/>
-                  </a:schemeClr>
-                </a:solidFill>
-                <a:latin typeface="Courier" pitchFamily="2" charset="0"/>
-              </a:rPr>
-              <a:t>                </a:t>
+              <a:t>              </a:t>
             </a:r>
             <a:r>
               <a:rPr lang="en-US" sz="1200" dirty="0" err="1">

--- a/Documents/ObjectFlow.pptx
+++ b/Documents/ObjectFlow.pptx
@@ -261,7 +261,7 @@
           <a:p>
             <a:fld id="{1B0CFD80-FBD1-AB49-BE80-B9AD21A11C7F}" type="datetimeFigureOut">
               <a:rPr lang="en-US" smtClean="0"/>
-              <a:t>4/13/22</a:t>
+              <a:t>6/26/22</a:t>
             </a:fld>
             <a:endParaRPr lang="en-US"/>
           </a:p>
@@ -431,7 +431,7 @@
           <a:p>
             <a:fld id="{1B0CFD80-FBD1-AB49-BE80-B9AD21A11C7F}" type="datetimeFigureOut">
               <a:rPr lang="en-US" smtClean="0"/>
-              <a:t>4/13/22</a:t>
+              <a:t>6/26/22</a:t>
             </a:fld>
             <a:endParaRPr lang="en-US"/>
           </a:p>
@@ -611,7 +611,7 @@
           <a:p>
             <a:fld id="{1B0CFD80-FBD1-AB49-BE80-B9AD21A11C7F}" type="datetimeFigureOut">
               <a:rPr lang="en-US" smtClean="0"/>
-              <a:t>4/13/22</a:t>
+              <a:t>6/26/22</a:t>
             </a:fld>
             <a:endParaRPr lang="en-US"/>
           </a:p>
@@ -781,7 +781,7 @@
           <a:p>
             <a:fld id="{1B0CFD80-FBD1-AB49-BE80-B9AD21A11C7F}" type="datetimeFigureOut">
               <a:rPr lang="en-US" smtClean="0"/>
-              <a:t>4/13/22</a:t>
+              <a:t>6/26/22</a:t>
             </a:fld>
             <a:endParaRPr lang="en-US"/>
           </a:p>
@@ -1025,7 +1025,7 @@
           <a:p>
             <a:fld id="{1B0CFD80-FBD1-AB49-BE80-B9AD21A11C7F}" type="datetimeFigureOut">
               <a:rPr lang="en-US" smtClean="0"/>
-              <a:t>4/13/22</a:t>
+              <a:t>6/26/22</a:t>
             </a:fld>
             <a:endParaRPr lang="en-US"/>
           </a:p>
@@ -1257,7 +1257,7 @@
           <a:p>
             <a:fld id="{1B0CFD80-FBD1-AB49-BE80-B9AD21A11C7F}" type="datetimeFigureOut">
               <a:rPr lang="en-US" smtClean="0"/>
-              <a:t>4/13/22</a:t>
+              <a:t>6/26/22</a:t>
             </a:fld>
             <a:endParaRPr lang="en-US"/>
           </a:p>
@@ -1624,7 +1624,7 @@
           <a:p>
             <a:fld id="{1B0CFD80-FBD1-AB49-BE80-B9AD21A11C7F}" type="datetimeFigureOut">
               <a:rPr lang="en-US" smtClean="0"/>
-              <a:t>4/13/22</a:t>
+              <a:t>6/26/22</a:t>
             </a:fld>
             <a:endParaRPr lang="en-US"/>
           </a:p>
@@ -1742,7 +1742,7 @@
           <a:p>
             <a:fld id="{1B0CFD80-FBD1-AB49-BE80-B9AD21A11C7F}" type="datetimeFigureOut">
               <a:rPr lang="en-US" smtClean="0"/>
-              <a:t>4/13/22</a:t>
+              <a:t>6/26/22</a:t>
             </a:fld>
             <a:endParaRPr lang="en-US"/>
           </a:p>
@@ -1837,7 +1837,7 @@
           <a:p>
             <a:fld id="{1B0CFD80-FBD1-AB49-BE80-B9AD21A11C7F}" type="datetimeFigureOut">
               <a:rPr lang="en-US" smtClean="0"/>
-              <a:t>4/13/22</a:t>
+              <a:t>6/26/22</a:t>
             </a:fld>
             <a:endParaRPr lang="en-US"/>
           </a:p>
@@ -2114,7 +2114,7 @@
           <a:p>
             <a:fld id="{1B0CFD80-FBD1-AB49-BE80-B9AD21A11C7F}" type="datetimeFigureOut">
               <a:rPr lang="en-US" smtClean="0"/>
-              <a:t>4/13/22</a:t>
+              <a:t>6/26/22</a:t>
             </a:fld>
             <a:endParaRPr lang="en-US"/>
           </a:p>
@@ -2371,7 +2371,7 @@
           <a:p>
             <a:fld id="{1B0CFD80-FBD1-AB49-BE80-B9AD21A11C7F}" type="datetimeFigureOut">
               <a:rPr lang="en-US" smtClean="0"/>
-              <a:t>4/13/22</a:t>
+              <a:t>6/26/22</a:t>
             </a:fld>
             <a:endParaRPr lang="en-US"/>
           </a:p>
@@ -2584,7 +2584,7 @@
           <a:p>
             <a:fld id="{1B0CFD80-FBD1-AB49-BE80-B9AD21A11C7F}" type="datetimeFigureOut">
               <a:rPr lang="en-US" smtClean="0"/>
-              <a:t>4/13/22</a:t>
+              <a:t>6/26/22</a:t>
             </a:fld>
             <a:endParaRPr lang="en-US"/>
           </a:p>
@@ -3054,7 +3054,7 @@
           <a:p>
             <a:r>
               <a:rPr lang="en-US" dirty="0"/>
-              <a:t>Simple and Reliable Data Flow Graph programming for embedded applications</a:t>
+              <a:t>Model driven Data Flow Graph programming for embedded applications</a:t>
             </a:r>
           </a:p>
         </p:txBody>
@@ -9005,10 +9005,10 @@
       </p:grpSpPr>
       <p:sp>
         <p:nvSpPr>
-          <p:cNvPr id="3" name="Right Arrow 2">
+          <p:cNvPr id="4" name="Rectangle 3">
             <a:extLst>
               <a:ext uri="{FF2B5EF4-FFF2-40B4-BE49-F238E27FC236}">
-                <a16:creationId xmlns:a16="http://schemas.microsoft.com/office/drawing/2014/main" id="{5F8F3922-7687-D34C-B821-9E4DE5000898}"/>
+                <a16:creationId xmlns:a16="http://schemas.microsoft.com/office/drawing/2014/main" id="{1DB75D56-A29F-5C43-91EF-3F7459B3E858}"/>
               </a:ext>
             </a:extLst>
           </p:cNvPr>
@@ -9016,44 +9016,1416 @@
           <p:nvPr/>
         </p:nvSpPr>
         <p:spPr>
-          <a:xfrm rot="19477653">
-            <a:off x="1429894" y="1245932"/>
-            <a:ext cx="4133473" cy="4612805"/>
-          </a:xfrm>
-          <a:prstGeom prst="rightArrow">
+          <a:xfrm>
+            <a:off x="476249" y="920844"/>
+            <a:ext cx="8009829" cy="5447645"/>
+          </a:xfrm>
+          <a:prstGeom prst="rect">
             <a:avLst/>
           </a:prstGeom>
-          <a:solidFill>
-            <a:schemeClr val="accent1">
-              <a:alpha val="19000"/>
-            </a:schemeClr>
-          </a:solidFill>
-          <a:ln>
-            <a:noFill/>
-          </a:ln>
-        </p:spPr>
-        <p:style>
-          <a:lnRef idx="2">
-            <a:schemeClr val="accent1">
-              <a:shade val="50000"/>
-            </a:schemeClr>
-          </a:lnRef>
-          <a:fillRef idx="1">
-            <a:schemeClr val="accent1"/>
-          </a:fillRef>
-          <a:effectRef idx="0">
-            <a:schemeClr val="accent1"/>
-          </a:effectRef>
-          <a:fontRef idx="minor">
-            <a:schemeClr val="lt1"/>
-          </a:fontRef>
-        </p:style>
-        <p:txBody>
-          <a:bodyPr rtlCol="0" anchor="ctr"/>
-          <a:lstStyle/>
-          <a:p>
-            <a:pPr algn="ctr"/>
-            <a:endParaRPr lang="en-US"/>
+        </p:spPr>
+        <p:txBody>
+          <a:bodyPr wrap="square">
+            <a:spAutoFit/>
+          </a:bodyPr>
+          <a:lstStyle/>
+          <a:p>
+            <a:r>
+              <a:rPr lang="en-US" sz="1200" dirty="0" err="1">
+                <a:solidFill>
+                  <a:schemeClr val="tx1">
+                    <a:lumMod val="50000"/>
+                    <a:lumOff val="50000"/>
+                  </a:schemeClr>
+                </a:solidFill>
+                <a:latin typeface="Courier" pitchFamily="2" charset="0"/>
+              </a:rPr>
+              <a:t>defaultnamespace</a:t>
+            </a:r>
+            <a:r>
+              <a:rPr lang="en-US" sz="1200" dirty="0">
+                <a:solidFill>
+                  <a:schemeClr val="tx1">
+                    <a:lumMod val="50000"/>
+                    <a:lumOff val="50000"/>
+                  </a:schemeClr>
+                </a:solidFill>
+                <a:latin typeface="Courier" pitchFamily="2" charset="0"/>
+              </a:rPr>
+              <a:t>: </a:t>
+            </a:r>
+            <a:r>
+              <a:rPr lang="en-US" sz="1200" dirty="0" err="1">
+                <a:solidFill>
+                  <a:schemeClr val="tx1">
+                    <a:lumMod val="50000"/>
+                    <a:lumOff val="50000"/>
+                  </a:schemeClr>
+                </a:solidFill>
+                <a:latin typeface="Courier" pitchFamily="2" charset="0"/>
+              </a:rPr>
+              <a:t>flo</a:t>
+            </a:r>
+            <a:br>
+              <a:rPr lang="en-US" sz="1200" dirty="0">
+                <a:solidFill>
+                  <a:schemeClr val="tx1">
+                    <a:lumMod val="50000"/>
+                    <a:lumOff val="50000"/>
+                  </a:schemeClr>
+                </a:solidFill>
+              </a:rPr>
+            </a:br>
+            <a:br>
+              <a:rPr lang="en-US" sz="1200" dirty="0">
+                <a:solidFill>
+                  <a:schemeClr val="tx1">
+                    <a:lumMod val="50000"/>
+                    <a:lumOff val="50000"/>
+                  </a:schemeClr>
+                </a:solidFill>
+              </a:rPr>
+            </a:br>
+            <a:r>
+              <a:rPr lang="en-US" sz="1200" dirty="0" err="1">
+                <a:solidFill>
+                  <a:schemeClr val="tx1">
+                    <a:lumMod val="50000"/>
+                    <a:lumOff val="50000"/>
+                  </a:schemeClr>
+                </a:solidFill>
+                <a:latin typeface="Courier" pitchFamily="2" charset="0"/>
+              </a:rPr>
+              <a:t>sdfThing</a:t>
+            </a:r>
+            <a:r>
+              <a:rPr lang="en-US" sz="1200" dirty="0">
+                <a:solidFill>
+                  <a:schemeClr val="tx1">
+                    <a:lumMod val="50000"/>
+                    <a:lumOff val="50000"/>
+                  </a:schemeClr>
+                </a:solidFill>
+                <a:latin typeface="Courier" pitchFamily="2" charset="0"/>
+              </a:rPr>
+              <a:t>:</a:t>
+            </a:r>
+            <a:br>
+              <a:rPr lang="en-US" sz="1200" dirty="0">
+                <a:solidFill>
+                  <a:schemeClr val="tx1">
+                    <a:lumMod val="50000"/>
+                    <a:lumOff val="50000"/>
+                  </a:schemeClr>
+                </a:solidFill>
+              </a:rPr>
+            </a:br>
+            <a:r>
+              <a:rPr lang="en-US" sz="1200" dirty="0">
+                <a:solidFill>
+                  <a:schemeClr val="tx1">
+                    <a:lumMod val="50000"/>
+                    <a:lumOff val="50000"/>
+                  </a:schemeClr>
+                </a:solidFill>
+                <a:latin typeface="Courier" pitchFamily="2" charset="0"/>
+              </a:rPr>
+              <a:t>  # Instance Graph</a:t>
+            </a:r>
+            <a:br>
+              <a:rPr lang="en-US" sz="1200" dirty="0"/>
+            </a:br>
+            <a:r>
+              <a:rPr lang="en-US" sz="1200" dirty="0">
+                <a:solidFill>
+                  <a:srgbClr val="000000"/>
+                </a:solidFill>
+                <a:latin typeface="Courier" pitchFamily="2" charset="0"/>
+              </a:rPr>
+              <a:t> </a:t>
+            </a:r>
+            <a:r>
+              <a:rPr lang="en-US" sz="1200" dirty="0">
+                <a:solidFill>
+                  <a:schemeClr val="tx1">
+                    <a:lumMod val="50000"/>
+                    <a:lumOff val="50000"/>
+                  </a:schemeClr>
+                </a:solidFill>
+                <a:latin typeface="Courier" pitchFamily="2" charset="0"/>
+              </a:rPr>
+              <a:t> Flow:</a:t>
+            </a:r>
+            <a:br>
+              <a:rPr lang="en-US" sz="1200" dirty="0"/>
+            </a:br>
+            <a:r>
+              <a:rPr lang="en-US" sz="1200" dirty="0">
+                <a:solidFill>
+                  <a:srgbClr val="000000"/>
+                </a:solidFill>
+                <a:latin typeface="Courier" pitchFamily="2" charset="0"/>
+              </a:rPr>
+              <a:t>    </a:t>
+            </a:r>
+            <a:r>
+              <a:rPr lang="en-US" sz="1200" dirty="0" err="1">
+                <a:solidFill>
+                  <a:schemeClr val="tx1">
+                    <a:lumMod val="50000"/>
+                    <a:lumOff val="50000"/>
+                  </a:schemeClr>
+                </a:solidFill>
+                <a:latin typeface="Courier" pitchFamily="2" charset="0"/>
+              </a:rPr>
+              <a:t>sdfRef</a:t>
+            </a:r>
+            <a:r>
+              <a:rPr lang="en-US" sz="1200" dirty="0">
+                <a:solidFill>
+                  <a:schemeClr val="tx1">
+                    <a:lumMod val="50000"/>
+                    <a:lumOff val="50000"/>
+                  </a:schemeClr>
+                </a:solidFill>
+                <a:latin typeface="Courier" pitchFamily="2" charset="0"/>
+              </a:rPr>
+              <a:t>: /#/</a:t>
+            </a:r>
+            <a:r>
+              <a:rPr lang="en-US" sz="1200" dirty="0" err="1">
+                <a:solidFill>
+                  <a:schemeClr val="tx1">
+                    <a:lumMod val="50000"/>
+                    <a:lumOff val="50000"/>
+                  </a:schemeClr>
+                </a:solidFill>
+                <a:latin typeface="Courier" pitchFamily="2" charset="0"/>
+              </a:rPr>
+              <a:t>sdfThing</a:t>
+            </a:r>
+            <a:r>
+              <a:rPr lang="en-US" sz="1200" dirty="0">
+                <a:solidFill>
+                  <a:schemeClr val="tx1">
+                    <a:lumMod val="50000"/>
+                    <a:lumOff val="50000"/>
+                  </a:schemeClr>
+                </a:solidFill>
+                <a:latin typeface="Courier" pitchFamily="2" charset="0"/>
+              </a:rPr>
+              <a:t>/</a:t>
+            </a:r>
+            <a:r>
+              <a:rPr lang="en-US" sz="1200" dirty="0" err="1">
+                <a:solidFill>
+                  <a:schemeClr val="tx1">
+                    <a:lumMod val="50000"/>
+                    <a:lumOff val="50000"/>
+                  </a:schemeClr>
+                </a:solidFill>
+                <a:latin typeface="Courier" pitchFamily="2" charset="0"/>
+              </a:rPr>
+              <a:t>ObjectList</a:t>
+            </a:r>
+            <a:br>
+              <a:rPr lang="en-US" sz="1200" dirty="0">
+                <a:solidFill>
+                  <a:schemeClr val="tx1">
+                    <a:lumMod val="50000"/>
+                    <a:lumOff val="50000"/>
+                  </a:schemeClr>
+                </a:solidFill>
+              </a:rPr>
+            </a:br>
+            <a:r>
+              <a:rPr lang="en-US" sz="1200" dirty="0">
+                <a:solidFill>
+                  <a:schemeClr val="tx1">
+                    <a:lumMod val="50000"/>
+                    <a:lumOff val="50000"/>
+                  </a:schemeClr>
+                </a:solidFill>
+                <a:latin typeface="Courier" pitchFamily="2" charset="0"/>
+              </a:rPr>
+              <a:t>    # Objects in the graph</a:t>
+            </a:r>
+            <a:br>
+              <a:rPr lang="en-US" sz="1200" dirty="0">
+                <a:solidFill>
+                  <a:schemeClr val="tx1">
+                    <a:lumMod val="50000"/>
+                    <a:lumOff val="50000"/>
+                  </a:schemeClr>
+                </a:solidFill>
+              </a:rPr>
+            </a:br>
+            <a:r>
+              <a:rPr lang="en-US" sz="1200" dirty="0">
+                <a:solidFill>
+                  <a:schemeClr val="tx1">
+                    <a:lumMod val="50000"/>
+                    <a:lumOff val="50000"/>
+                  </a:schemeClr>
+                </a:solidFill>
+                <a:latin typeface="Courier" pitchFamily="2" charset="0"/>
+              </a:rPr>
+              <a:t>    </a:t>
+            </a:r>
+            <a:r>
+              <a:rPr lang="en-US" sz="1200" dirty="0" err="1">
+                <a:solidFill>
+                  <a:schemeClr val="tx1">
+                    <a:lumMod val="50000"/>
+                    <a:lumOff val="50000"/>
+                  </a:schemeClr>
+                </a:solidFill>
+                <a:latin typeface="Courier" pitchFamily="2" charset="0"/>
+              </a:rPr>
+              <a:t>sdfObject</a:t>
+            </a:r>
+            <a:r>
+              <a:rPr lang="en-US" sz="1200" dirty="0">
+                <a:solidFill>
+                  <a:schemeClr val="tx1">
+                    <a:lumMod val="50000"/>
+                    <a:lumOff val="50000"/>
+                  </a:schemeClr>
+                </a:solidFill>
+                <a:latin typeface="Courier" pitchFamily="2" charset="0"/>
+              </a:rPr>
+              <a:t>:</a:t>
+            </a:r>
+            <a:br>
+              <a:rPr lang="en-US" sz="1200" dirty="0">
+                <a:solidFill>
+                  <a:schemeClr val="tx1">
+                    <a:lumMod val="50000"/>
+                    <a:lumOff val="50000"/>
+                  </a:schemeClr>
+                </a:solidFill>
+              </a:rPr>
+            </a:br>
+            <a:r>
+              <a:rPr lang="en-US" sz="1200" dirty="0">
+                <a:solidFill>
+                  <a:srgbClr val="000000"/>
+                </a:solidFill>
+                <a:latin typeface="Courier" pitchFamily="2" charset="0"/>
+              </a:rPr>
+              <a:t>      </a:t>
+            </a:r>
+            <a:r>
+              <a:rPr lang="en-US" sz="1200" dirty="0" err="1">
+                <a:solidFill>
+                  <a:srgbClr val="000000"/>
+                </a:solidFill>
+                <a:latin typeface="Courier" pitchFamily="2" charset="0"/>
+              </a:rPr>
+              <a:t>TimeSource</a:t>
+            </a:r>
+            <a:r>
+              <a:rPr lang="en-US" sz="1200" dirty="0">
+                <a:solidFill>
+                  <a:srgbClr val="000000"/>
+                </a:solidFill>
+                <a:latin typeface="Courier" pitchFamily="2" charset="0"/>
+              </a:rPr>
+              <a:t>:</a:t>
+            </a:r>
+            <a:br>
+              <a:rPr lang="en-US" sz="1200" dirty="0"/>
+            </a:br>
+            <a:r>
+              <a:rPr lang="en-US" sz="1200" dirty="0">
+                <a:solidFill>
+                  <a:srgbClr val="000000"/>
+                </a:solidFill>
+                <a:latin typeface="Courier" pitchFamily="2" charset="0"/>
+              </a:rPr>
+              <a:t>       </a:t>
+            </a:r>
+            <a:r>
+              <a:rPr lang="en-US" sz="1200" dirty="0">
+                <a:solidFill>
+                  <a:schemeClr val="bg1">
+                    <a:lumMod val="50000"/>
+                  </a:schemeClr>
+                </a:solidFill>
+                <a:latin typeface="Courier" pitchFamily="2" charset="0"/>
+              </a:rPr>
+              <a:t> </a:t>
+            </a:r>
+            <a:r>
+              <a:rPr lang="en-US" sz="1200" dirty="0" err="1">
+                <a:solidFill>
+                  <a:schemeClr val="bg1">
+                    <a:lumMod val="50000"/>
+                  </a:schemeClr>
+                </a:solidFill>
+                <a:latin typeface="Courier" pitchFamily="2" charset="0"/>
+              </a:rPr>
+              <a:t>sdfRef</a:t>
+            </a:r>
+            <a:r>
+              <a:rPr lang="en-US" sz="1200" dirty="0">
+                <a:solidFill>
+                  <a:schemeClr val="bg1">
+                    <a:lumMod val="50000"/>
+                  </a:schemeClr>
+                </a:solidFill>
+                <a:latin typeface="Courier" pitchFamily="2" charset="0"/>
+              </a:rPr>
+              <a:t>:</a:t>
+            </a:r>
+            <a:r>
+              <a:rPr lang="en-US" sz="1200" dirty="0">
+                <a:solidFill>
+                  <a:schemeClr val="tx1">
+                    <a:lumMod val="50000"/>
+                    <a:lumOff val="50000"/>
+                  </a:schemeClr>
+                </a:solidFill>
+                <a:latin typeface="Courier" pitchFamily="2" charset="0"/>
+              </a:rPr>
+              <a:t> /#/</a:t>
+            </a:r>
+            <a:r>
+              <a:rPr lang="en-US" sz="1200" dirty="0" err="1">
+                <a:solidFill>
+                  <a:schemeClr val="tx1">
+                    <a:lumMod val="50000"/>
+                    <a:lumOff val="50000"/>
+                  </a:schemeClr>
+                </a:solidFill>
+                <a:latin typeface="Courier" pitchFamily="2" charset="0"/>
+              </a:rPr>
+              <a:t>sdfObject</a:t>
+            </a:r>
+            <a:r>
+              <a:rPr lang="en-US" sz="1200" dirty="0">
+                <a:solidFill>
+                  <a:schemeClr val="tx1">
+                    <a:lumMod val="50000"/>
+                    <a:lumOff val="50000"/>
+                  </a:schemeClr>
+                </a:solidFill>
+                <a:latin typeface="Courier" pitchFamily="2" charset="0"/>
+              </a:rPr>
+              <a:t>/</a:t>
+            </a:r>
+            <a:r>
+              <a:rPr lang="en-US" sz="1200" dirty="0" err="1">
+                <a:latin typeface="Courier" pitchFamily="2" charset="0"/>
+              </a:rPr>
+              <a:t>TimeSource</a:t>
+            </a:r>
+            <a:br>
+              <a:rPr lang="en-US" sz="1200" dirty="0">
+                <a:solidFill>
+                  <a:schemeClr val="tx1">
+                    <a:lumMod val="50000"/>
+                    <a:lumOff val="50000"/>
+                  </a:schemeClr>
+                </a:solidFill>
+              </a:rPr>
+            </a:br>
+            <a:r>
+              <a:rPr lang="en-US" sz="1200" dirty="0">
+                <a:solidFill>
+                  <a:schemeClr val="tx1">
+                    <a:lumMod val="50000"/>
+                    <a:lumOff val="50000"/>
+                  </a:schemeClr>
+                </a:solidFill>
+                <a:latin typeface="Courier" pitchFamily="2" charset="0"/>
+              </a:rPr>
+              <a:t>        </a:t>
+            </a:r>
+            <a:r>
+              <a:rPr lang="en-US" sz="1200" dirty="0" err="1">
+                <a:solidFill>
+                  <a:schemeClr val="tx1">
+                    <a:lumMod val="50000"/>
+                    <a:lumOff val="50000"/>
+                  </a:schemeClr>
+                </a:solidFill>
+                <a:latin typeface="Courier" pitchFamily="2" charset="0"/>
+              </a:rPr>
+              <a:t>sdfProperty</a:t>
+            </a:r>
+            <a:r>
+              <a:rPr lang="en-US" sz="1200" dirty="0">
+                <a:solidFill>
+                  <a:schemeClr val="tx1">
+                    <a:lumMod val="50000"/>
+                    <a:lumOff val="50000"/>
+                  </a:schemeClr>
+                </a:solidFill>
+                <a:latin typeface="Courier" pitchFamily="2" charset="0"/>
+              </a:rPr>
+              <a:t>:</a:t>
+            </a:r>
+            <a:br>
+              <a:rPr lang="en-US" sz="1200" dirty="0">
+                <a:solidFill>
+                  <a:schemeClr val="tx1">
+                    <a:lumMod val="50000"/>
+                    <a:lumOff val="50000"/>
+                  </a:schemeClr>
+                </a:solidFill>
+              </a:rPr>
+            </a:br>
+            <a:r>
+              <a:rPr lang="en-US" sz="1200" dirty="0">
+                <a:solidFill>
+                  <a:srgbClr val="000000"/>
+                </a:solidFill>
+                <a:latin typeface="Courier" pitchFamily="2" charset="0"/>
+              </a:rPr>
+              <a:t>          </a:t>
+            </a:r>
+            <a:r>
+              <a:rPr lang="en-US" sz="1200" dirty="0" err="1">
+                <a:solidFill>
+                  <a:srgbClr val="000000"/>
+                </a:solidFill>
+                <a:latin typeface="Courier" pitchFamily="2" charset="0"/>
+              </a:rPr>
+              <a:t>IntervalTime</a:t>
+            </a:r>
+            <a:r>
+              <a:rPr lang="en-US" sz="1200" dirty="0">
+                <a:solidFill>
+                  <a:srgbClr val="000000"/>
+                </a:solidFill>
+                <a:latin typeface="Courier" pitchFamily="2" charset="0"/>
+              </a:rPr>
+              <a:t>:</a:t>
+            </a:r>
+            <a:br>
+              <a:rPr lang="en-US" sz="1200" dirty="0">
+                <a:solidFill>
+                  <a:schemeClr val="tx1">
+                    <a:lumMod val="50000"/>
+                    <a:lumOff val="50000"/>
+                  </a:schemeClr>
+                </a:solidFill>
+              </a:rPr>
+            </a:br>
+            <a:r>
+              <a:rPr lang="en-US" sz="1200" dirty="0">
+                <a:solidFill>
+                  <a:schemeClr val="tx1">
+                    <a:lumMod val="50000"/>
+                    <a:lumOff val="50000"/>
+                  </a:schemeClr>
+                </a:solidFill>
+                <a:latin typeface="Courier" pitchFamily="2" charset="0"/>
+              </a:rPr>
+              <a:t>            </a:t>
+            </a:r>
+            <a:r>
+              <a:rPr lang="en-US" sz="1200" dirty="0" err="1">
+                <a:solidFill>
+                  <a:schemeClr val="tx1">
+                    <a:lumMod val="50000"/>
+                    <a:lumOff val="50000"/>
+                  </a:schemeClr>
+                </a:solidFill>
+                <a:latin typeface="Courier" pitchFamily="2" charset="0"/>
+              </a:rPr>
+              <a:t>sdfChoice</a:t>
+            </a:r>
+            <a:r>
+              <a:rPr lang="en-US" sz="1200" dirty="0">
+                <a:solidFill>
+                  <a:schemeClr val="tx1">
+                    <a:lumMod val="50000"/>
+                    <a:lumOff val="50000"/>
+                  </a:schemeClr>
+                </a:solidFill>
+                <a:latin typeface="Courier" pitchFamily="2" charset="0"/>
+              </a:rPr>
+              <a:t>:</a:t>
+            </a:r>
+            <a:br>
+              <a:rPr lang="en-US" sz="1200" dirty="0">
+                <a:solidFill>
+                  <a:schemeClr val="tx1">
+                    <a:lumMod val="50000"/>
+                    <a:lumOff val="50000"/>
+                  </a:schemeClr>
+                </a:solidFill>
+              </a:rPr>
+            </a:br>
+            <a:r>
+              <a:rPr lang="en-US" sz="1200" dirty="0">
+                <a:solidFill>
+                  <a:schemeClr val="tx1">
+                    <a:lumMod val="50000"/>
+                    <a:lumOff val="50000"/>
+                  </a:schemeClr>
+                </a:solidFill>
+                <a:latin typeface="Courier" pitchFamily="2" charset="0"/>
+              </a:rPr>
+              <a:t>              </a:t>
+            </a:r>
+            <a:r>
+              <a:rPr lang="en-US" sz="1200" dirty="0" err="1">
+                <a:solidFill>
+                  <a:schemeClr val="tx1">
+                    <a:lumMod val="50000"/>
+                    <a:lumOff val="50000"/>
+                  </a:schemeClr>
+                </a:solidFill>
+                <a:latin typeface="Courier" pitchFamily="2" charset="0"/>
+              </a:rPr>
+              <a:t>IntegerType</a:t>
+            </a:r>
+            <a:r>
+              <a:rPr lang="en-US" sz="1200" dirty="0">
+                <a:solidFill>
+                  <a:schemeClr val="tx1">
+                    <a:lumMod val="50000"/>
+                    <a:lumOff val="50000"/>
+                  </a:schemeClr>
+                </a:solidFill>
+                <a:latin typeface="Courier" pitchFamily="2" charset="0"/>
+              </a:rPr>
+              <a:t>: { </a:t>
+            </a:r>
+            <a:r>
+              <a:rPr lang="en-US" sz="1200" dirty="0" err="1">
+                <a:solidFill>
+                  <a:schemeClr val="tx1">
+                    <a:lumMod val="50000"/>
+                    <a:lumOff val="50000"/>
+                  </a:schemeClr>
+                </a:solidFill>
+                <a:latin typeface="Courier" pitchFamily="2" charset="0"/>
+              </a:rPr>
+              <a:t>const</a:t>
+            </a:r>
+            <a:r>
+              <a:rPr lang="en-US" sz="1200" dirty="0">
+                <a:solidFill>
+                  <a:schemeClr val="tx1">
+                    <a:lumMod val="50000"/>
+                    <a:lumOff val="50000"/>
+                  </a:schemeClr>
+                </a:solidFill>
+                <a:latin typeface="Courier" pitchFamily="2" charset="0"/>
+              </a:rPr>
+              <a:t>:</a:t>
+            </a:r>
+            <a:r>
+              <a:rPr lang="en-US" sz="1200" dirty="0">
+                <a:solidFill>
+                  <a:srgbClr val="000000"/>
+                </a:solidFill>
+                <a:latin typeface="Courier" pitchFamily="2" charset="0"/>
+              </a:rPr>
+              <a:t> 1000</a:t>
+            </a:r>
+            <a:r>
+              <a:rPr lang="en-US" sz="1200" dirty="0">
+                <a:solidFill>
+                  <a:schemeClr val="tx1">
+                    <a:lumMod val="50000"/>
+                    <a:lumOff val="50000"/>
+                  </a:schemeClr>
+                </a:solidFill>
+                <a:latin typeface="Courier" pitchFamily="2" charset="0"/>
+              </a:rPr>
+              <a:t> }</a:t>
+            </a:r>
+            <a:br>
+              <a:rPr lang="en-US" sz="1200" dirty="0"/>
+            </a:br>
+            <a:r>
+              <a:rPr lang="en-US" sz="1200" dirty="0">
+                <a:solidFill>
+                  <a:srgbClr val="000000"/>
+                </a:solidFill>
+                <a:latin typeface="Courier" pitchFamily="2" charset="0"/>
+              </a:rPr>
+              <a:t>          </a:t>
+            </a:r>
+            <a:r>
+              <a:rPr lang="en-US" sz="1200" dirty="0" err="1">
+                <a:solidFill>
+                  <a:srgbClr val="000000"/>
+                </a:solidFill>
+                <a:latin typeface="Courier" pitchFamily="2" charset="0"/>
+              </a:rPr>
+              <a:t>TimerOutputLink</a:t>
+            </a:r>
+            <a:r>
+              <a:rPr lang="en-US" sz="1200" dirty="0">
+                <a:solidFill>
+                  <a:srgbClr val="000000"/>
+                </a:solidFill>
+                <a:latin typeface="Courier" pitchFamily="2" charset="0"/>
+              </a:rPr>
+              <a:t>:</a:t>
+            </a:r>
+            <a:br>
+              <a:rPr lang="en-US" sz="1200" dirty="0"/>
+            </a:br>
+            <a:r>
+              <a:rPr lang="en-US" sz="1200" dirty="0">
+                <a:solidFill>
+                  <a:srgbClr val="000000"/>
+                </a:solidFill>
+                <a:latin typeface="Courier" pitchFamily="2" charset="0"/>
+              </a:rPr>
+              <a:t>           </a:t>
+            </a:r>
+            <a:r>
+              <a:rPr lang="en-US" sz="1200" dirty="0">
+                <a:solidFill>
+                  <a:schemeClr val="tx1">
+                    <a:lumMod val="50000"/>
+                    <a:lumOff val="50000"/>
+                  </a:schemeClr>
+                </a:solidFill>
+                <a:latin typeface="Courier" pitchFamily="2" charset="0"/>
+              </a:rPr>
+              <a:t> </a:t>
+            </a:r>
+            <a:r>
+              <a:rPr lang="en-US" sz="1200" dirty="0" err="1">
+                <a:solidFill>
+                  <a:schemeClr val="tx1">
+                    <a:lumMod val="50000"/>
+                    <a:lumOff val="50000"/>
+                  </a:schemeClr>
+                </a:solidFill>
+                <a:latin typeface="Courier" pitchFamily="2" charset="0"/>
+              </a:rPr>
+              <a:t>flo:meta</a:t>
+            </a:r>
+            <a:r>
+              <a:rPr lang="en-US" sz="1200" dirty="0">
+                <a:solidFill>
+                  <a:schemeClr val="tx1">
+                    <a:lumMod val="50000"/>
+                    <a:lumOff val="50000"/>
+                  </a:schemeClr>
+                </a:solidFill>
+                <a:latin typeface="Courier" pitchFamily="2" charset="0"/>
+              </a:rPr>
+              <a:t>:</a:t>
+            </a:r>
+            <a:br>
+              <a:rPr lang="en-US" sz="1200" dirty="0">
+                <a:solidFill>
+                  <a:schemeClr val="tx1">
+                    <a:lumMod val="50000"/>
+                    <a:lumOff val="50000"/>
+                  </a:schemeClr>
+                </a:solidFill>
+              </a:rPr>
+            </a:br>
+            <a:r>
+              <a:rPr lang="en-US" sz="1200" dirty="0">
+                <a:solidFill>
+                  <a:schemeClr val="tx1">
+                    <a:lumMod val="50000"/>
+                    <a:lumOff val="50000"/>
+                  </a:schemeClr>
+                </a:solidFill>
+                <a:latin typeface="Courier" pitchFamily="2" charset="0"/>
+              </a:rPr>
+              <a:t>              </a:t>
+            </a:r>
+            <a:r>
+              <a:rPr lang="en-US" sz="1200" dirty="0" err="1">
+                <a:solidFill>
+                  <a:schemeClr val="tx1">
+                    <a:lumMod val="50000"/>
+                    <a:lumOff val="50000"/>
+                  </a:schemeClr>
+                </a:solidFill>
+                <a:latin typeface="Courier" pitchFamily="2" charset="0"/>
+              </a:rPr>
+              <a:t>SdfLink</a:t>
+            </a:r>
+            <a:r>
+              <a:rPr lang="en-US" sz="1200" dirty="0">
+                <a:solidFill>
+                  <a:schemeClr val="tx1">
+                    <a:lumMod val="50000"/>
+                    <a:lumOff val="50000"/>
+                  </a:schemeClr>
+                </a:solidFill>
+                <a:latin typeface="Courier" pitchFamily="2" charset="0"/>
+              </a:rPr>
+              <a:t>: { </a:t>
+            </a:r>
+            <a:r>
+              <a:rPr lang="en-US" sz="1200" dirty="0" err="1">
+                <a:solidFill>
+                  <a:schemeClr val="tx1">
+                    <a:lumMod val="50000"/>
+                    <a:lumOff val="50000"/>
+                  </a:schemeClr>
+                </a:solidFill>
+                <a:latin typeface="Courier" pitchFamily="2" charset="0"/>
+              </a:rPr>
+              <a:t>InstancePointer</a:t>
+            </a:r>
+            <a:r>
+              <a:rPr lang="en-US" sz="1200" dirty="0">
+                <a:solidFill>
+                  <a:schemeClr val="tx1">
+                    <a:lumMod val="50000"/>
+                    <a:lumOff val="50000"/>
+                  </a:schemeClr>
+                </a:solidFill>
+                <a:latin typeface="Courier" pitchFamily="2" charset="0"/>
+              </a:rPr>
+              <a:t>: </a:t>
+            </a:r>
+          </a:p>
+          <a:p>
+            <a:r>
+              <a:rPr lang="en-US" sz="1200" dirty="0">
+                <a:solidFill>
+                  <a:schemeClr val="tx1">
+                    <a:lumMod val="50000"/>
+                    <a:lumOff val="50000"/>
+                  </a:schemeClr>
+                </a:solidFill>
+                <a:latin typeface="Courier" pitchFamily="2" charset="0"/>
+              </a:rPr>
+              <a:t>                         /#/</a:t>
+            </a:r>
+            <a:r>
+              <a:rPr lang="en-US" sz="1200" dirty="0" err="1">
+                <a:solidFill>
+                  <a:schemeClr val="tx1">
+                    <a:lumMod val="50000"/>
+                    <a:lumOff val="50000"/>
+                  </a:schemeClr>
+                </a:solidFill>
+                <a:latin typeface="Courier" pitchFamily="2" charset="0"/>
+              </a:rPr>
+              <a:t>sdfThing</a:t>
+            </a:r>
+            <a:r>
+              <a:rPr lang="en-US" sz="1200" dirty="0">
+                <a:solidFill>
+                  <a:schemeClr val="tx1">
+                    <a:lumMod val="50000"/>
+                    <a:lumOff val="50000"/>
+                  </a:schemeClr>
+                </a:solidFill>
+                <a:latin typeface="Courier" pitchFamily="2" charset="0"/>
+              </a:rPr>
+              <a:t>/Flow/</a:t>
+            </a:r>
+            <a:r>
+              <a:rPr lang="en-US" sz="1200" dirty="0" err="1">
+                <a:solidFill>
+                  <a:schemeClr val="tx1">
+                    <a:lumMod val="50000"/>
+                    <a:lumOff val="50000"/>
+                  </a:schemeClr>
+                </a:solidFill>
+                <a:latin typeface="Courier" pitchFamily="2" charset="0"/>
+              </a:rPr>
+              <a:t>sdfObject</a:t>
+            </a:r>
+            <a:r>
+              <a:rPr lang="en-US" sz="1200" dirty="0">
+                <a:solidFill>
+                  <a:schemeClr val="tx1">
+                    <a:lumMod val="50000"/>
+                    <a:lumOff val="50000"/>
+                  </a:schemeClr>
+                </a:solidFill>
+                <a:latin typeface="Courier" pitchFamily="2" charset="0"/>
+              </a:rPr>
+              <a:t>/</a:t>
+            </a:r>
+            <a:r>
+              <a:rPr lang="en-US" sz="1200" dirty="0" err="1">
+                <a:solidFill>
+                  <a:srgbClr val="000000"/>
+                </a:solidFill>
+                <a:latin typeface="Courier" pitchFamily="2" charset="0"/>
+              </a:rPr>
+              <a:t>AnalogInput</a:t>
+            </a:r>
+            <a:r>
+              <a:rPr lang="en-US" sz="1200" dirty="0">
+                <a:solidFill>
+                  <a:srgbClr val="000000"/>
+                </a:solidFill>
+                <a:latin typeface="Courier" pitchFamily="2" charset="0"/>
+              </a:rPr>
+              <a:t> </a:t>
+            </a:r>
+            <a:r>
+              <a:rPr lang="en-US" sz="1200" dirty="0">
+                <a:solidFill>
+                  <a:schemeClr val="tx1">
+                    <a:lumMod val="50000"/>
+                    <a:lumOff val="50000"/>
+                  </a:schemeClr>
+                </a:solidFill>
+                <a:latin typeface="Courier" pitchFamily="2" charset="0"/>
+              </a:rPr>
+              <a:t>}</a:t>
+            </a:r>
+            <a:br>
+              <a:rPr lang="en-US" sz="1200" dirty="0"/>
+            </a:br>
+            <a:br>
+              <a:rPr lang="en-US" sz="1200" dirty="0"/>
+            </a:br>
+            <a:r>
+              <a:rPr lang="en-US" sz="1200" dirty="0">
+                <a:solidFill>
+                  <a:srgbClr val="000000"/>
+                </a:solidFill>
+                <a:latin typeface="Courier" pitchFamily="2" charset="0"/>
+              </a:rPr>
+              <a:t>      </a:t>
+            </a:r>
+            <a:r>
+              <a:rPr lang="en-US" sz="1200" dirty="0" err="1">
+                <a:solidFill>
+                  <a:srgbClr val="000000"/>
+                </a:solidFill>
+                <a:latin typeface="Courier" pitchFamily="2" charset="0"/>
+              </a:rPr>
+              <a:t>AnalogInput</a:t>
+            </a:r>
+            <a:r>
+              <a:rPr lang="en-US" sz="1200" dirty="0">
+                <a:solidFill>
+                  <a:srgbClr val="000000"/>
+                </a:solidFill>
+                <a:latin typeface="Courier" pitchFamily="2" charset="0"/>
+              </a:rPr>
+              <a:t>:</a:t>
+            </a:r>
+            <a:br>
+              <a:rPr lang="en-US" sz="1200" dirty="0"/>
+            </a:br>
+            <a:r>
+              <a:rPr lang="en-US" sz="1200" dirty="0">
+                <a:solidFill>
+                  <a:srgbClr val="000000"/>
+                </a:solidFill>
+                <a:latin typeface="Courier" pitchFamily="2" charset="0"/>
+              </a:rPr>
+              <a:t>        </a:t>
+            </a:r>
+            <a:r>
+              <a:rPr lang="en-US" sz="1200" dirty="0" err="1">
+                <a:latin typeface="Courier" pitchFamily="2" charset="0"/>
+              </a:rPr>
+              <a:t>sdfRef</a:t>
+            </a:r>
+            <a:r>
+              <a:rPr lang="en-US" sz="1200" dirty="0">
+                <a:latin typeface="Courier" pitchFamily="2" charset="0"/>
+              </a:rPr>
+              <a:t>:</a:t>
+            </a:r>
+            <a:r>
+              <a:rPr lang="en-US" sz="1200" dirty="0">
+                <a:solidFill>
+                  <a:schemeClr val="tx1">
+                    <a:lumMod val="50000"/>
+                    <a:lumOff val="50000"/>
+                  </a:schemeClr>
+                </a:solidFill>
+                <a:latin typeface="Courier" pitchFamily="2" charset="0"/>
+              </a:rPr>
+              <a:t> /#/</a:t>
+            </a:r>
+            <a:r>
+              <a:rPr lang="en-US" sz="1200" dirty="0" err="1">
+                <a:solidFill>
+                  <a:schemeClr val="tx1">
+                    <a:lumMod val="50000"/>
+                    <a:lumOff val="50000"/>
+                  </a:schemeClr>
+                </a:solidFill>
+                <a:latin typeface="Courier" pitchFamily="2" charset="0"/>
+              </a:rPr>
+              <a:t>sdfThing</a:t>
+            </a:r>
+            <a:r>
+              <a:rPr lang="en-US" sz="1200" dirty="0">
+                <a:solidFill>
+                  <a:schemeClr val="tx1">
+                    <a:lumMod val="50000"/>
+                    <a:lumOff val="50000"/>
+                  </a:schemeClr>
+                </a:solidFill>
+                <a:latin typeface="Courier" pitchFamily="2" charset="0"/>
+              </a:rPr>
+              <a:t>/</a:t>
+            </a:r>
+            <a:r>
+              <a:rPr lang="en-US" sz="1200" dirty="0" err="1">
+                <a:latin typeface="Courier" pitchFamily="2" charset="0"/>
+              </a:rPr>
+              <a:t>AnalogInput</a:t>
+            </a:r>
+            <a:br>
+              <a:rPr lang="en-US" sz="1200" dirty="0">
+                <a:solidFill>
+                  <a:schemeClr val="tx1">
+                    <a:lumMod val="50000"/>
+                    <a:lumOff val="50000"/>
+                  </a:schemeClr>
+                </a:solidFill>
+              </a:rPr>
+            </a:br>
+            <a:r>
+              <a:rPr lang="en-US" sz="1200" dirty="0">
+                <a:solidFill>
+                  <a:schemeClr val="tx1">
+                    <a:lumMod val="50000"/>
+                    <a:lumOff val="50000"/>
+                  </a:schemeClr>
+                </a:solidFill>
+                <a:latin typeface="Courier" pitchFamily="2" charset="0"/>
+              </a:rPr>
+              <a:t>        </a:t>
+            </a:r>
+            <a:r>
+              <a:rPr lang="en-US" sz="1200" dirty="0" err="1">
+                <a:solidFill>
+                  <a:schemeClr val="tx1">
+                    <a:lumMod val="50000"/>
+                    <a:lumOff val="50000"/>
+                  </a:schemeClr>
+                </a:solidFill>
+                <a:latin typeface="Courier" pitchFamily="2" charset="0"/>
+              </a:rPr>
+              <a:t>sdfProperty</a:t>
+            </a:r>
+            <a:r>
+              <a:rPr lang="en-US" sz="1200" dirty="0">
+                <a:solidFill>
+                  <a:schemeClr val="tx1">
+                    <a:lumMod val="50000"/>
+                    <a:lumOff val="50000"/>
+                  </a:schemeClr>
+                </a:solidFill>
+                <a:latin typeface="Courier" pitchFamily="2" charset="0"/>
+              </a:rPr>
+              <a:t>:</a:t>
+            </a:r>
+            <a:br>
+              <a:rPr lang="en-US" sz="1200" dirty="0">
+                <a:solidFill>
+                  <a:schemeClr val="tx1">
+                    <a:lumMod val="50000"/>
+                    <a:lumOff val="50000"/>
+                  </a:schemeClr>
+                </a:solidFill>
+              </a:rPr>
+            </a:br>
+            <a:r>
+              <a:rPr lang="en-US" sz="1200" dirty="0">
+                <a:solidFill>
+                  <a:srgbClr val="000000"/>
+                </a:solidFill>
+                <a:latin typeface="Courier" pitchFamily="2" charset="0"/>
+              </a:rPr>
+              <a:t>          </a:t>
+            </a:r>
+            <a:r>
+              <a:rPr lang="en-US" sz="1200" dirty="0" err="1">
+                <a:solidFill>
+                  <a:srgbClr val="000000"/>
+                </a:solidFill>
+                <a:latin typeface="Courier" pitchFamily="2" charset="0"/>
+              </a:rPr>
+              <a:t>GpioPinID</a:t>
+            </a:r>
+            <a:r>
+              <a:rPr lang="en-US" sz="1200" dirty="0">
+                <a:solidFill>
+                  <a:srgbClr val="000000"/>
+                </a:solidFill>
+                <a:latin typeface="Courier" pitchFamily="2" charset="0"/>
+              </a:rPr>
+              <a:t>:</a:t>
+            </a:r>
+            <a:br>
+              <a:rPr lang="en-US" sz="1200" dirty="0">
+                <a:solidFill>
+                  <a:schemeClr val="tx1">
+                    <a:lumMod val="50000"/>
+                    <a:lumOff val="50000"/>
+                  </a:schemeClr>
+                </a:solidFill>
+              </a:rPr>
+            </a:br>
+            <a:r>
+              <a:rPr lang="en-US" sz="1200" dirty="0">
+                <a:solidFill>
+                  <a:schemeClr val="tx1">
+                    <a:lumMod val="50000"/>
+                    <a:lumOff val="50000"/>
+                  </a:schemeClr>
+                </a:solidFill>
+                <a:latin typeface="Courier" pitchFamily="2" charset="0"/>
+              </a:rPr>
+              <a:t>            </a:t>
+            </a:r>
+            <a:r>
+              <a:rPr lang="en-US" sz="1200" dirty="0" err="1">
+                <a:solidFill>
+                  <a:schemeClr val="tx1">
+                    <a:lumMod val="50000"/>
+                    <a:lumOff val="50000"/>
+                  </a:schemeClr>
+                </a:solidFill>
+                <a:latin typeface="Courier" pitchFamily="2" charset="0"/>
+              </a:rPr>
+              <a:t>sdfChoice</a:t>
+            </a:r>
+            <a:r>
+              <a:rPr lang="en-US" sz="1200" dirty="0">
+                <a:solidFill>
+                  <a:schemeClr val="tx1">
+                    <a:lumMod val="50000"/>
+                    <a:lumOff val="50000"/>
+                  </a:schemeClr>
+                </a:solidFill>
+                <a:latin typeface="Courier" pitchFamily="2" charset="0"/>
+              </a:rPr>
+              <a:t>:</a:t>
+            </a:r>
+            <a:br>
+              <a:rPr lang="en-US" sz="1200" dirty="0">
+                <a:solidFill>
+                  <a:schemeClr val="tx1">
+                    <a:lumMod val="50000"/>
+                    <a:lumOff val="50000"/>
+                  </a:schemeClr>
+                </a:solidFill>
+              </a:rPr>
+            </a:br>
+            <a:r>
+              <a:rPr lang="en-US" sz="1200" dirty="0">
+                <a:solidFill>
+                  <a:schemeClr val="tx1">
+                    <a:lumMod val="50000"/>
+                    <a:lumOff val="50000"/>
+                  </a:schemeClr>
+                </a:solidFill>
+                <a:latin typeface="Courier" pitchFamily="2" charset="0"/>
+              </a:rPr>
+              <a:t>              </a:t>
+            </a:r>
+            <a:r>
+              <a:rPr lang="en-US" sz="1200" dirty="0" err="1">
+                <a:solidFill>
+                  <a:schemeClr val="tx1">
+                    <a:lumMod val="50000"/>
+                    <a:lumOff val="50000"/>
+                  </a:schemeClr>
+                </a:solidFill>
+                <a:latin typeface="Courier" pitchFamily="2" charset="0"/>
+              </a:rPr>
+              <a:t>IntegerType</a:t>
+            </a:r>
+            <a:r>
+              <a:rPr lang="en-US" sz="1200" dirty="0">
+                <a:solidFill>
+                  <a:schemeClr val="tx1">
+                    <a:lumMod val="50000"/>
+                    <a:lumOff val="50000"/>
+                  </a:schemeClr>
+                </a:solidFill>
+                <a:latin typeface="Courier" pitchFamily="2" charset="0"/>
+              </a:rPr>
+              <a:t>: { </a:t>
+            </a:r>
+            <a:r>
+              <a:rPr lang="en-US" sz="1200" dirty="0" err="1">
+                <a:solidFill>
+                  <a:schemeClr val="tx1">
+                    <a:lumMod val="50000"/>
+                    <a:lumOff val="50000"/>
+                  </a:schemeClr>
+                </a:solidFill>
+                <a:latin typeface="Courier" pitchFamily="2" charset="0"/>
+              </a:rPr>
+              <a:t>const</a:t>
+            </a:r>
+            <a:r>
+              <a:rPr lang="en-US" sz="1200" dirty="0">
+                <a:solidFill>
+                  <a:schemeClr val="tx1">
+                    <a:lumMod val="50000"/>
+                    <a:lumOff val="50000"/>
+                  </a:schemeClr>
+                </a:solidFill>
+                <a:latin typeface="Courier" pitchFamily="2" charset="0"/>
+              </a:rPr>
+              <a:t>:</a:t>
+            </a:r>
+            <a:r>
+              <a:rPr lang="en-US" sz="1200" dirty="0">
+                <a:solidFill>
+                  <a:srgbClr val="000000"/>
+                </a:solidFill>
+                <a:latin typeface="Courier" pitchFamily="2" charset="0"/>
+              </a:rPr>
+              <a:t> 7 </a:t>
+            </a:r>
+            <a:r>
+              <a:rPr lang="en-US" sz="1200" dirty="0">
+                <a:solidFill>
+                  <a:schemeClr val="tx1">
+                    <a:lumMod val="50000"/>
+                    <a:lumOff val="50000"/>
+                  </a:schemeClr>
+                </a:solidFill>
+                <a:latin typeface="Courier" pitchFamily="2" charset="0"/>
+              </a:rPr>
+              <a:t>}</a:t>
+            </a:r>
+            <a:br>
+              <a:rPr lang="en-US" sz="1200" dirty="0"/>
+            </a:br>
+            <a:r>
+              <a:rPr lang="en-US" sz="1200" dirty="0">
+                <a:solidFill>
+                  <a:srgbClr val="000000"/>
+                </a:solidFill>
+                <a:latin typeface="Courier" pitchFamily="2" charset="0"/>
+              </a:rPr>
+              <a:t>          </a:t>
+            </a:r>
+            <a:r>
+              <a:rPr lang="en-US" sz="1200" dirty="0" err="1">
+                <a:solidFill>
+                  <a:srgbClr val="000000"/>
+                </a:solidFill>
+                <a:latin typeface="Courier" pitchFamily="2" charset="0"/>
+              </a:rPr>
+              <a:t>OutputLink</a:t>
+            </a:r>
+            <a:r>
+              <a:rPr lang="en-US" sz="1200" dirty="0">
+                <a:solidFill>
+                  <a:srgbClr val="000000"/>
+                </a:solidFill>
+                <a:latin typeface="Courier" pitchFamily="2" charset="0"/>
+              </a:rPr>
+              <a:t>:</a:t>
+            </a:r>
+            <a:br>
+              <a:rPr lang="en-US" sz="1200" dirty="0"/>
+            </a:br>
+            <a:r>
+              <a:rPr lang="en-US" sz="1200" dirty="0">
+                <a:solidFill>
+                  <a:srgbClr val="000000"/>
+                </a:solidFill>
+                <a:latin typeface="Courier" pitchFamily="2" charset="0"/>
+              </a:rPr>
+              <a:t>            </a:t>
+            </a:r>
+            <a:r>
+              <a:rPr lang="en-US" sz="1200" dirty="0" err="1">
+                <a:solidFill>
+                  <a:schemeClr val="tx1">
+                    <a:lumMod val="50000"/>
+                    <a:lumOff val="50000"/>
+                  </a:schemeClr>
+                </a:solidFill>
+                <a:latin typeface="Courier" pitchFamily="2" charset="0"/>
+              </a:rPr>
+              <a:t>flo:meta</a:t>
+            </a:r>
+            <a:r>
+              <a:rPr lang="en-US" sz="1200" dirty="0">
+                <a:solidFill>
+                  <a:schemeClr val="tx1">
+                    <a:lumMod val="50000"/>
+                    <a:lumOff val="50000"/>
+                  </a:schemeClr>
+                </a:solidFill>
+                <a:latin typeface="Courier" pitchFamily="2" charset="0"/>
+              </a:rPr>
+              <a:t>:</a:t>
+            </a:r>
+            <a:br>
+              <a:rPr lang="en-US" sz="1200" dirty="0">
+                <a:solidFill>
+                  <a:schemeClr val="tx1">
+                    <a:lumMod val="50000"/>
+                    <a:lumOff val="50000"/>
+                  </a:schemeClr>
+                </a:solidFill>
+              </a:rPr>
+            </a:br>
+            <a:r>
+              <a:rPr lang="en-US" sz="1200" dirty="0">
+                <a:solidFill>
+                  <a:schemeClr val="tx1">
+                    <a:lumMod val="50000"/>
+                    <a:lumOff val="50000"/>
+                  </a:schemeClr>
+                </a:solidFill>
+                <a:latin typeface="Courier" pitchFamily="2" charset="0"/>
+              </a:rPr>
+              <a:t>              </a:t>
+            </a:r>
+            <a:r>
+              <a:rPr lang="en-US" sz="1200" dirty="0" err="1">
+                <a:solidFill>
+                  <a:schemeClr val="tx1">
+                    <a:lumMod val="50000"/>
+                    <a:lumOff val="50000"/>
+                  </a:schemeClr>
+                </a:solidFill>
+                <a:latin typeface="Courier" pitchFamily="2" charset="0"/>
+              </a:rPr>
+              <a:t>SdfLink</a:t>
+            </a:r>
+            <a:r>
+              <a:rPr lang="en-US" sz="1200" dirty="0">
+                <a:solidFill>
+                  <a:schemeClr val="tx1">
+                    <a:lumMod val="50000"/>
+                    <a:lumOff val="50000"/>
+                  </a:schemeClr>
+                </a:solidFill>
+                <a:latin typeface="Courier" pitchFamily="2" charset="0"/>
+              </a:rPr>
+              <a:t>: { </a:t>
+            </a:r>
+            <a:r>
+              <a:rPr lang="en-US" sz="1200" dirty="0" err="1">
+                <a:solidFill>
+                  <a:schemeClr val="tx1">
+                    <a:lumMod val="50000"/>
+                    <a:lumOff val="50000"/>
+                  </a:schemeClr>
+                </a:solidFill>
+                <a:latin typeface="Courier" pitchFamily="2" charset="0"/>
+              </a:rPr>
+              <a:t>InstancePointer</a:t>
+            </a:r>
+            <a:r>
+              <a:rPr lang="en-US" sz="1200" dirty="0">
+                <a:solidFill>
+                  <a:schemeClr val="tx1">
+                    <a:lumMod val="50000"/>
+                    <a:lumOff val="50000"/>
+                  </a:schemeClr>
+                </a:solidFill>
+                <a:latin typeface="Courier" pitchFamily="2" charset="0"/>
+              </a:rPr>
+              <a:t>: </a:t>
+            </a:r>
+          </a:p>
+          <a:p>
+            <a:r>
+              <a:rPr lang="en-US" sz="1200" dirty="0">
+                <a:solidFill>
+                  <a:schemeClr val="tx1">
+                    <a:lumMod val="50000"/>
+                    <a:lumOff val="50000"/>
+                  </a:schemeClr>
+                </a:solidFill>
+                <a:latin typeface="Courier" pitchFamily="2" charset="0"/>
+              </a:rPr>
+              <a:t>                         /#/</a:t>
+            </a:r>
+            <a:r>
+              <a:rPr lang="en-US" sz="1200" dirty="0" err="1">
+                <a:solidFill>
+                  <a:schemeClr val="tx1">
+                    <a:lumMod val="50000"/>
+                    <a:lumOff val="50000"/>
+                  </a:schemeClr>
+                </a:solidFill>
+                <a:latin typeface="Courier" pitchFamily="2" charset="0"/>
+              </a:rPr>
+              <a:t>sdfThing</a:t>
+            </a:r>
+            <a:r>
+              <a:rPr lang="en-US" sz="1200" dirty="0">
+                <a:solidFill>
+                  <a:schemeClr val="tx1">
+                    <a:lumMod val="50000"/>
+                    <a:lumOff val="50000"/>
+                  </a:schemeClr>
+                </a:solidFill>
+                <a:latin typeface="Courier" pitchFamily="2" charset="0"/>
+              </a:rPr>
+              <a:t>/Flow/</a:t>
+            </a:r>
+            <a:r>
+              <a:rPr lang="en-US" sz="1200" dirty="0" err="1">
+                <a:solidFill>
+                  <a:schemeClr val="tx1">
+                    <a:lumMod val="50000"/>
+                    <a:lumOff val="50000"/>
+                  </a:schemeClr>
+                </a:solidFill>
+                <a:latin typeface="Courier" pitchFamily="2" charset="0"/>
+              </a:rPr>
+              <a:t>sdfObject</a:t>
+            </a:r>
+            <a:r>
+              <a:rPr lang="en-US" sz="1200" dirty="0">
+                <a:solidFill>
+                  <a:schemeClr val="tx1">
+                    <a:lumMod val="50000"/>
+                    <a:lumOff val="50000"/>
+                  </a:schemeClr>
+                </a:solidFill>
+                <a:latin typeface="Courier" pitchFamily="2" charset="0"/>
+              </a:rPr>
+              <a:t>/</a:t>
+            </a:r>
+            <a:r>
+              <a:rPr lang="en-US" sz="1200" dirty="0" err="1">
+                <a:solidFill>
+                  <a:srgbClr val="000000"/>
+                </a:solidFill>
+                <a:latin typeface="Courier" pitchFamily="2" charset="0"/>
+              </a:rPr>
+              <a:t>MapToCelsius</a:t>
+            </a:r>
+            <a:r>
+              <a:rPr lang="en-US" sz="1200" dirty="0">
+                <a:solidFill>
+                  <a:schemeClr val="tx1">
+                    <a:lumMod val="50000"/>
+                    <a:lumOff val="50000"/>
+                  </a:schemeClr>
+                </a:solidFill>
+                <a:latin typeface="Courier" pitchFamily="2" charset="0"/>
+              </a:rPr>
+              <a:t> }</a:t>
+            </a:r>
+            <a:endParaRPr lang="en-US" sz="1200" dirty="0">
+              <a:solidFill>
+                <a:schemeClr val="tx1">
+                  <a:lumMod val="50000"/>
+                  <a:lumOff val="50000"/>
+                </a:schemeClr>
+              </a:solidFill>
+            </a:endParaRPr>
           </a:p>
         </p:txBody>
       </p:sp>
@@ -9075,1407 +10447,20 @@
         </p:nvSpPr>
         <p:spPr>
           <a:xfrm>
-            <a:off x="5029200" y="0"/>
-            <a:ext cx="3663950" cy="1325563"/>
-          </a:xfrm>
-        </p:spPr>
-        <p:txBody>
-          <a:bodyPr/>
+            <a:off x="2270551" y="92514"/>
+            <a:ext cx="4315521" cy="661763"/>
+          </a:xfrm>
+        </p:spPr>
+        <p:txBody>
+          <a:bodyPr>
+            <a:normAutofit fontScale="90000"/>
+          </a:bodyPr>
           <a:lstStyle/>
           <a:p>
             <a:r>
               <a:rPr lang="en-US" dirty="0"/>
-              <a:t>Simplified DSL</a:t>
-            </a:r>
-          </a:p>
-        </p:txBody>
-      </p:sp>
-      <p:sp>
-        <p:nvSpPr>
-          <p:cNvPr id="4" name="Rectangle 3">
-            <a:extLst>
-              <a:ext uri="{FF2B5EF4-FFF2-40B4-BE49-F238E27FC236}">
-                <a16:creationId xmlns:a16="http://schemas.microsoft.com/office/drawing/2014/main" id="{1DB75D56-A29F-5C43-91EF-3F7459B3E858}"/>
-              </a:ext>
-            </a:extLst>
-          </p:cNvPr>
-          <p:cNvSpPr/>
-          <p:nvPr/>
-        </p:nvSpPr>
-        <p:spPr>
-          <a:xfrm>
-            <a:off x="476249" y="920844"/>
-            <a:ext cx="8009829" cy="5262979"/>
-          </a:xfrm>
-          <a:prstGeom prst="rect">
-            <a:avLst/>
-          </a:prstGeom>
-        </p:spPr>
-        <p:txBody>
-          <a:bodyPr wrap="square">
-            <a:spAutoFit/>
-          </a:bodyPr>
-          <a:lstStyle/>
-          <a:p>
-            <a:r>
-              <a:rPr lang="en-US" sz="1200" dirty="0" err="1">
-                <a:solidFill>
-                  <a:schemeClr val="tx1">
-                    <a:lumMod val="50000"/>
-                    <a:lumOff val="50000"/>
-                  </a:schemeClr>
-                </a:solidFill>
-                <a:latin typeface="Courier" pitchFamily="2" charset="0"/>
-              </a:rPr>
-              <a:t>defaultnamespace</a:t>
-            </a:r>
-            <a:r>
-              <a:rPr lang="en-US" sz="1200" dirty="0">
-                <a:solidFill>
-                  <a:schemeClr val="tx1">
-                    <a:lumMod val="50000"/>
-                    <a:lumOff val="50000"/>
-                  </a:schemeClr>
-                </a:solidFill>
-                <a:latin typeface="Courier" pitchFamily="2" charset="0"/>
-              </a:rPr>
-              <a:t>: </a:t>
-            </a:r>
-            <a:r>
-              <a:rPr lang="en-US" sz="1200" dirty="0" err="1">
-                <a:solidFill>
-                  <a:schemeClr val="tx1">
-                    <a:lumMod val="50000"/>
-                    <a:lumOff val="50000"/>
-                  </a:schemeClr>
-                </a:solidFill>
-                <a:latin typeface="Courier" pitchFamily="2" charset="0"/>
-              </a:rPr>
-              <a:t>flo</a:t>
-            </a:r>
-            <a:br>
-              <a:rPr lang="en-US" sz="1200" dirty="0">
-                <a:solidFill>
-                  <a:schemeClr val="tx1">
-                    <a:lumMod val="50000"/>
-                    <a:lumOff val="50000"/>
-                  </a:schemeClr>
-                </a:solidFill>
-              </a:rPr>
-            </a:br>
-            <a:br>
-              <a:rPr lang="en-US" sz="1200" dirty="0">
-                <a:solidFill>
-                  <a:schemeClr val="tx1">
-                    <a:lumMod val="50000"/>
-                    <a:lumOff val="50000"/>
-                  </a:schemeClr>
-                </a:solidFill>
-              </a:rPr>
-            </a:br>
-            <a:r>
-              <a:rPr lang="en-US" sz="1200" dirty="0" err="1">
-                <a:solidFill>
-                  <a:schemeClr val="tx1">
-                    <a:lumMod val="50000"/>
-                    <a:lumOff val="50000"/>
-                  </a:schemeClr>
-                </a:solidFill>
-                <a:latin typeface="Courier" pitchFamily="2" charset="0"/>
-              </a:rPr>
-              <a:t>sdfThing</a:t>
-            </a:r>
-            <a:r>
-              <a:rPr lang="en-US" sz="1200" dirty="0">
-                <a:solidFill>
-                  <a:schemeClr val="tx1">
-                    <a:lumMod val="50000"/>
-                    <a:lumOff val="50000"/>
-                  </a:schemeClr>
-                </a:solidFill>
-                <a:latin typeface="Courier" pitchFamily="2" charset="0"/>
-              </a:rPr>
-              <a:t>:</a:t>
-            </a:r>
-            <a:br>
-              <a:rPr lang="en-US" sz="1200" dirty="0">
-                <a:solidFill>
-                  <a:schemeClr val="tx1">
-                    <a:lumMod val="50000"/>
-                    <a:lumOff val="50000"/>
-                  </a:schemeClr>
-                </a:solidFill>
-              </a:rPr>
-            </a:br>
-            <a:r>
-              <a:rPr lang="en-US" sz="1200" dirty="0">
-                <a:solidFill>
-                  <a:schemeClr val="tx1">
-                    <a:lumMod val="50000"/>
-                    <a:lumOff val="50000"/>
-                  </a:schemeClr>
-                </a:solidFill>
-                <a:latin typeface="Courier" pitchFamily="2" charset="0"/>
-              </a:rPr>
-              <a:t>  # Instance Graph</a:t>
-            </a:r>
-            <a:br>
-              <a:rPr lang="en-US" sz="1200" dirty="0"/>
-            </a:br>
-            <a:r>
-              <a:rPr lang="en-US" sz="1200" dirty="0">
-                <a:solidFill>
-                  <a:srgbClr val="000000"/>
-                </a:solidFill>
-                <a:latin typeface="Courier" pitchFamily="2" charset="0"/>
-              </a:rPr>
-              <a:t> </a:t>
-            </a:r>
-            <a:r>
-              <a:rPr lang="en-US" sz="1200" dirty="0">
-                <a:solidFill>
-                  <a:schemeClr val="tx1">
-                    <a:lumMod val="50000"/>
-                    <a:lumOff val="50000"/>
-                  </a:schemeClr>
-                </a:solidFill>
-                <a:latin typeface="Courier" pitchFamily="2" charset="0"/>
-              </a:rPr>
-              <a:t> Flow:</a:t>
-            </a:r>
-            <a:br>
-              <a:rPr lang="en-US" sz="1200" dirty="0"/>
-            </a:br>
-            <a:r>
-              <a:rPr lang="en-US" sz="1200" dirty="0">
-                <a:solidFill>
-                  <a:srgbClr val="000000"/>
-                </a:solidFill>
-                <a:latin typeface="Courier" pitchFamily="2" charset="0"/>
-              </a:rPr>
-              <a:t>    </a:t>
-            </a:r>
-            <a:r>
-              <a:rPr lang="en-US" sz="1200" dirty="0" err="1">
-                <a:solidFill>
-                  <a:schemeClr val="tx1">
-                    <a:lumMod val="50000"/>
-                    <a:lumOff val="50000"/>
-                  </a:schemeClr>
-                </a:solidFill>
-                <a:latin typeface="Courier" pitchFamily="2" charset="0"/>
-              </a:rPr>
-              <a:t>sdfRef</a:t>
-            </a:r>
-            <a:r>
-              <a:rPr lang="en-US" sz="1200" dirty="0">
-                <a:solidFill>
-                  <a:schemeClr val="tx1">
-                    <a:lumMod val="50000"/>
-                    <a:lumOff val="50000"/>
-                  </a:schemeClr>
-                </a:solidFill>
-                <a:latin typeface="Courier" pitchFamily="2" charset="0"/>
-              </a:rPr>
-              <a:t>: /#/</a:t>
-            </a:r>
-            <a:r>
-              <a:rPr lang="en-US" sz="1200" dirty="0" err="1">
-                <a:solidFill>
-                  <a:schemeClr val="tx1">
-                    <a:lumMod val="50000"/>
-                    <a:lumOff val="50000"/>
-                  </a:schemeClr>
-                </a:solidFill>
-                <a:latin typeface="Courier" pitchFamily="2" charset="0"/>
-              </a:rPr>
-              <a:t>sdfThing</a:t>
-            </a:r>
-            <a:r>
-              <a:rPr lang="en-US" sz="1200" dirty="0">
-                <a:solidFill>
-                  <a:schemeClr val="tx1">
-                    <a:lumMod val="50000"/>
-                    <a:lumOff val="50000"/>
-                  </a:schemeClr>
-                </a:solidFill>
-                <a:latin typeface="Courier" pitchFamily="2" charset="0"/>
-              </a:rPr>
-              <a:t>/</a:t>
-            </a:r>
-            <a:r>
-              <a:rPr lang="en-US" sz="1200" dirty="0" err="1">
-                <a:solidFill>
-                  <a:schemeClr val="tx1">
-                    <a:lumMod val="50000"/>
-                    <a:lumOff val="50000"/>
-                  </a:schemeClr>
-                </a:solidFill>
-                <a:latin typeface="Courier" pitchFamily="2" charset="0"/>
-              </a:rPr>
-              <a:t>ObjectList</a:t>
-            </a:r>
-            <a:br>
-              <a:rPr lang="en-US" sz="1200" dirty="0">
-                <a:solidFill>
-                  <a:schemeClr val="tx1">
-                    <a:lumMod val="50000"/>
-                    <a:lumOff val="50000"/>
-                  </a:schemeClr>
-                </a:solidFill>
-              </a:rPr>
-            </a:br>
-            <a:r>
-              <a:rPr lang="en-US" sz="1200" dirty="0">
-                <a:solidFill>
-                  <a:schemeClr val="tx1">
-                    <a:lumMod val="50000"/>
-                    <a:lumOff val="50000"/>
-                  </a:schemeClr>
-                </a:solidFill>
-                <a:latin typeface="Courier" pitchFamily="2" charset="0"/>
-              </a:rPr>
-              <a:t>    # Objects in the graph</a:t>
-            </a:r>
-            <a:br>
-              <a:rPr lang="en-US" sz="1200" dirty="0">
-                <a:solidFill>
-                  <a:schemeClr val="tx1">
-                    <a:lumMod val="50000"/>
-                    <a:lumOff val="50000"/>
-                  </a:schemeClr>
-                </a:solidFill>
-              </a:rPr>
-            </a:br>
-            <a:r>
-              <a:rPr lang="en-US" sz="1200" dirty="0">
-                <a:solidFill>
-                  <a:schemeClr val="tx1">
-                    <a:lumMod val="50000"/>
-                    <a:lumOff val="50000"/>
-                  </a:schemeClr>
-                </a:solidFill>
-                <a:latin typeface="Courier" pitchFamily="2" charset="0"/>
-              </a:rPr>
-              <a:t>    </a:t>
-            </a:r>
-            <a:r>
-              <a:rPr lang="en-US" sz="1200" dirty="0" err="1">
-                <a:solidFill>
-                  <a:schemeClr val="tx1">
-                    <a:lumMod val="50000"/>
-                    <a:lumOff val="50000"/>
-                  </a:schemeClr>
-                </a:solidFill>
-                <a:latin typeface="Courier" pitchFamily="2" charset="0"/>
-              </a:rPr>
-              <a:t>sdfObject</a:t>
-            </a:r>
-            <a:r>
-              <a:rPr lang="en-US" sz="1200" dirty="0">
-                <a:solidFill>
-                  <a:schemeClr val="tx1">
-                    <a:lumMod val="50000"/>
-                    <a:lumOff val="50000"/>
-                  </a:schemeClr>
-                </a:solidFill>
-                <a:latin typeface="Courier" pitchFamily="2" charset="0"/>
-              </a:rPr>
-              <a:t>:</a:t>
-            </a:r>
-            <a:br>
-              <a:rPr lang="en-US" sz="1200" dirty="0">
-                <a:solidFill>
-                  <a:schemeClr val="tx1">
-                    <a:lumMod val="50000"/>
-                    <a:lumOff val="50000"/>
-                  </a:schemeClr>
-                </a:solidFill>
-              </a:rPr>
-            </a:br>
-            <a:r>
-              <a:rPr lang="en-US" sz="1200" dirty="0">
-                <a:solidFill>
-                  <a:srgbClr val="000000"/>
-                </a:solidFill>
-                <a:latin typeface="Courier" pitchFamily="2" charset="0"/>
-              </a:rPr>
-              <a:t>      </a:t>
-            </a:r>
-            <a:r>
-              <a:rPr lang="en-US" sz="1200" dirty="0" err="1">
-                <a:solidFill>
-                  <a:srgbClr val="000000"/>
-                </a:solidFill>
-                <a:latin typeface="Courier" pitchFamily="2" charset="0"/>
-              </a:rPr>
-              <a:t>TimeSource</a:t>
-            </a:r>
-            <a:r>
-              <a:rPr lang="en-US" sz="1200" dirty="0">
-                <a:solidFill>
-                  <a:srgbClr val="000000"/>
-                </a:solidFill>
-                <a:latin typeface="Courier" pitchFamily="2" charset="0"/>
-              </a:rPr>
-              <a:t>:</a:t>
-            </a:r>
-            <a:br>
-              <a:rPr lang="en-US" sz="1200" dirty="0"/>
-            </a:br>
-            <a:r>
-              <a:rPr lang="en-US" sz="1200" dirty="0">
-                <a:solidFill>
-                  <a:srgbClr val="000000"/>
-                </a:solidFill>
-                <a:latin typeface="Courier" pitchFamily="2" charset="0"/>
-              </a:rPr>
-              <a:t>       </a:t>
-            </a:r>
-            <a:r>
-              <a:rPr lang="en-US" sz="1200" dirty="0">
-                <a:solidFill>
-                  <a:schemeClr val="tx1">
-                    <a:lumMod val="50000"/>
-                    <a:lumOff val="50000"/>
-                  </a:schemeClr>
-                </a:solidFill>
-                <a:latin typeface="Courier" pitchFamily="2" charset="0"/>
-              </a:rPr>
-              <a:t> </a:t>
-            </a:r>
-            <a:r>
-              <a:rPr lang="en-US" sz="1200" dirty="0" err="1">
-                <a:latin typeface="Courier" pitchFamily="2" charset="0"/>
-              </a:rPr>
-              <a:t>sdfRef</a:t>
-            </a:r>
-            <a:r>
-              <a:rPr lang="en-US" sz="1200" dirty="0">
-                <a:latin typeface="Courier" pitchFamily="2" charset="0"/>
-              </a:rPr>
-              <a:t>:</a:t>
-            </a:r>
-            <a:r>
-              <a:rPr lang="en-US" sz="1200" dirty="0">
-                <a:solidFill>
-                  <a:schemeClr val="tx1">
-                    <a:lumMod val="50000"/>
-                    <a:lumOff val="50000"/>
-                  </a:schemeClr>
-                </a:solidFill>
-                <a:latin typeface="Courier" pitchFamily="2" charset="0"/>
-              </a:rPr>
-              <a:t> /#/</a:t>
-            </a:r>
-            <a:r>
-              <a:rPr lang="en-US" sz="1200" dirty="0" err="1">
-                <a:solidFill>
-                  <a:schemeClr val="tx1">
-                    <a:lumMod val="50000"/>
-                    <a:lumOff val="50000"/>
-                  </a:schemeClr>
-                </a:solidFill>
-                <a:latin typeface="Courier" pitchFamily="2" charset="0"/>
-              </a:rPr>
-              <a:t>sdfObject</a:t>
-            </a:r>
-            <a:r>
-              <a:rPr lang="en-US" sz="1200" dirty="0">
-                <a:solidFill>
-                  <a:schemeClr val="tx1">
-                    <a:lumMod val="50000"/>
-                    <a:lumOff val="50000"/>
-                  </a:schemeClr>
-                </a:solidFill>
-                <a:latin typeface="Courier" pitchFamily="2" charset="0"/>
-              </a:rPr>
-              <a:t>/</a:t>
-            </a:r>
-            <a:r>
-              <a:rPr lang="en-US" sz="1200" dirty="0" err="1">
-                <a:latin typeface="Courier" pitchFamily="2" charset="0"/>
-              </a:rPr>
-              <a:t>TimeSource</a:t>
-            </a:r>
-            <a:br>
-              <a:rPr lang="en-US" sz="1200" dirty="0">
-                <a:solidFill>
-                  <a:schemeClr val="tx1">
-                    <a:lumMod val="50000"/>
-                    <a:lumOff val="50000"/>
-                  </a:schemeClr>
-                </a:solidFill>
-              </a:rPr>
-            </a:br>
-            <a:r>
-              <a:rPr lang="en-US" sz="1200" dirty="0">
-                <a:solidFill>
-                  <a:schemeClr val="tx1">
-                    <a:lumMod val="50000"/>
-                    <a:lumOff val="50000"/>
-                  </a:schemeClr>
-                </a:solidFill>
-                <a:latin typeface="Courier" pitchFamily="2" charset="0"/>
-              </a:rPr>
-              <a:t>        </a:t>
-            </a:r>
-            <a:r>
-              <a:rPr lang="en-US" sz="1200" dirty="0" err="1">
-                <a:solidFill>
-                  <a:schemeClr val="tx1">
-                    <a:lumMod val="50000"/>
-                    <a:lumOff val="50000"/>
-                  </a:schemeClr>
-                </a:solidFill>
-                <a:latin typeface="Courier" pitchFamily="2" charset="0"/>
-              </a:rPr>
-              <a:t>sdfProperty</a:t>
-            </a:r>
-            <a:r>
-              <a:rPr lang="en-US" sz="1200" dirty="0">
-                <a:solidFill>
-                  <a:schemeClr val="tx1">
-                    <a:lumMod val="50000"/>
-                    <a:lumOff val="50000"/>
-                  </a:schemeClr>
-                </a:solidFill>
-                <a:latin typeface="Courier" pitchFamily="2" charset="0"/>
-              </a:rPr>
-              <a:t>:</a:t>
-            </a:r>
-            <a:br>
-              <a:rPr lang="en-US" sz="1200" dirty="0">
-                <a:solidFill>
-                  <a:schemeClr val="tx1">
-                    <a:lumMod val="50000"/>
-                    <a:lumOff val="50000"/>
-                  </a:schemeClr>
-                </a:solidFill>
-              </a:rPr>
-            </a:br>
-            <a:r>
-              <a:rPr lang="en-US" sz="1200" dirty="0">
-                <a:solidFill>
-                  <a:srgbClr val="000000"/>
-                </a:solidFill>
-                <a:latin typeface="Courier" pitchFamily="2" charset="0"/>
-              </a:rPr>
-              <a:t>          </a:t>
-            </a:r>
-            <a:r>
-              <a:rPr lang="en-US" sz="1200" dirty="0" err="1">
-                <a:solidFill>
-                  <a:srgbClr val="000000"/>
-                </a:solidFill>
-                <a:latin typeface="Courier" pitchFamily="2" charset="0"/>
-              </a:rPr>
-              <a:t>IntervalTime</a:t>
-            </a:r>
-            <a:r>
-              <a:rPr lang="en-US" sz="1200" dirty="0">
-                <a:solidFill>
-                  <a:srgbClr val="000000"/>
-                </a:solidFill>
-                <a:latin typeface="Courier" pitchFamily="2" charset="0"/>
-              </a:rPr>
-              <a:t>:</a:t>
-            </a:r>
-            <a:br>
-              <a:rPr lang="en-US" sz="1200" dirty="0">
-                <a:solidFill>
-                  <a:schemeClr val="tx1">
-                    <a:lumMod val="50000"/>
-                    <a:lumOff val="50000"/>
-                  </a:schemeClr>
-                </a:solidFill>
-              </a:rPr>
-            </a:br>
-            <a:r>
-              <a:rPr lang="en-US" sz="1200" dirty="0">
-                <a:solidFill>
-                  <a:schemeClr val="tx1">
-                    <a:lumMod val="50000"/>
-                    <a:lumOff val="50000"/>
-                  </a:schemeClr>
-                </a:solidFill>
-                <a:latin typeface="Courier" pitchFamily="2" charset="0"/>
-              </a:rPr>
-              <a:t>            </a:t>
-            </a:r>
-            <a:r>
-              <a:rPr lang="en-US" sz="1200" dirty="0" err="1">
-                <a:solidFill>
-                  <a:schemeClr val="tx1">
-                    <a:lumMod val="50000"/>
-                    <a:lumOff val="50000"/>
-                  </a:schemeClr>
-                </a:solidFill>
-                <a:latin typeface="Courier" pitchFamily="2" charset="0"/>
-              </a:rPr>
-              <a:t>sdfChoice</a:t>
-            </a:r>
-            <a:r>
-              <a:rPr lang="en-US" sz="1200" dirty="0">
-                <a:solidFill>
-                  <a:schemeClr val="tx1">
-                    <a:lumMod val="50000"/>
-                    <a:lumOff val="50000"/>
-                  </a:schemeClr>
-                </a:solidFill>
-                <a:latin typeface="Courier" pitchFamily="2" charset="0"/>
-              </a:rPr>
-              <a:t>:</a:t>
-            </a:r>
-            <a:br>
-              <a:rPr lang="en-US" sz="1200" dirty="0">
-                <a:solidFill>
-                  <a:schemeClr val="tx1">
-                    <a:lumMod val="50000"/>
-                    <a:lumOff val="50000"/>
-                  </a:schemeClr>
-                </a:solidFill>
-              </a:rPr>
-            </a:br>
-            <a:r>
-              <a:rPr lang="en-US" sz="1200" dirty="0">
-                <a:solidFill>
-                  <a:schemeClr val="tx1">
-                    <a:lumMod val="50000"/>
-                    <a:lumOff val="50000"/>
-                  </a:schemeClr>
-                </a:solidFill>
-                <a:latin typeface="Courier" pitchFamily="2" charset="0"/>
-              </a:rPr>
-              <a:t>              </a:t>
-            </a:r>
-            <a:r>
-              <a:rPr lang="en-US" sz="1200" dirty="0" err="1">
-                <a:solidFill>
-                  <a:schemeClr val="tx1">
-                    <a:lumMod val="50000"/>
-                    <a:lumOff val="50000"/>
-                  </a:schemeClr>
-                </a:solidFill>
-                <a:latin typeface="Courier" pitchFamily="2" charset="0"/>
-              </a:rPr>
-              <a:t>IntegerType</a:t>
-            </a:r>
-            <a:r>
-              <a:rPr lang="en-US" sz="1200" dirty="0">
-                <a:solidFill>
-                  <a:schemeClr val="tx1">
-                    <a:lumMod val="50000"/>
-                    <a:lumOff val="50000"/>
-                  </a:schemeClr>
-                </a:solidFill>
-                <a:latin typeface="Courier" pitchFamily="2" charset="0"/>
-              </a:rPr>
-              <a:t>: { </a:t>
-            </a:r>
-            <a:r>
-              <a:rPr lang="en-US" sz="1200" dirty="0" err="1">
-                <a:solidFill>
-                  <a:schemeClr val="tx1">
-                    <a:lumMod val="50000"/>
-                    <a:lumOff val="50000"/>
-                  </a:schemeClr>
-                </a:solidFill>
-                <a:latin typeface="Courier" pitchFamily="2" charset="0"/>
-              </a:rPr>
-              <a:t>const</a:t>
-            </a:r>
-            <a:r>
-              <a:rPr lang="en-US" sz="1200" dirty="0">
-                <a:solidFill>
-                  <a:schemeClr val="tx1">
-                    <a:lumMod val="50000"/>
-                    <a:lumOff val="50000"/>
-                  </a:schemeClr>
-                </a:solidFill>
-                <a:latin typeface="Courier" pitchFamily="2" charset="0"/>
-              </a:rPr>
-              <a:t>:</a:t>
-            </a:r>
-            <a:r>
-              <a:rPr lang="en-US" sz="1200" dirty="0">
-                <a:solidFill>
-                  <a:srgbClr val="000000"/>
-                </a:solidFill>
-                <a:latin typeface="Courier" pitchFamily="2" charset="0"/>
-              </a:rPr>
-              <a:t> 1000</a:t>
-            </a:r>
-            <a:r>
-              <a:rPr lang="en-US" sz="1200" dirty="0">
-                <a:solidFill>
-                  <a:schemeClr val="tx1">
-                    <a:lumMod val="50000"/>
-                    <a:lumOff val="50000"/>
-                  </a:schemeClr>
-                </a:solidFill>
-                <a:latin typeface="Courier" pitchFamily="2" charset="0"/>
-              </a:rPr>
-              <a:t> }</a:t>
-            </a:r>
-            <a:br>
-              <a:rPr lang="en-US" sz="1200" dirty="0"/>
-            </a:br>
-            <a:r>
-              <a:rPr lang="en-US" sz="1200" dirty="0">
-                <a:solidFill>
-                  <a:srgbClr val="000000"/>
-                </a:solidFill>
-                <a:latin typeface="Courier" pitchFamily="2" charset="0"/>
-              </a:rPr>
-              <a:t>          </a:t>
-            </a:r>
-            <a:r>
-              <a:rPr lang="en-US" sz="1200" dirty="0" err="1">
-                <a:solidFill>
-                  <a:srgbClr val="000000"/>
-                </a:solidFill>
-                <a:latin typeface="Courier" pitchFamily="2" charset="0"/>
-              </a:rPr>
-              <a:t>TimerOutputLink</a:t>
-            </a:r>
-            <a:r>
-              <a:rPr lang="en-US" sz="1200" dirty="0">
-                <a:solidFill>
-                  <a:srgbClr val="000000"/>
-                </a:solidFill>
-                <a:latin typeface="Courier" pitchFamily="2" charset="0"/>
-              </a:rPr>
-              <a:t>:</a:t>
-            </a:r>
-            <a:br>
-              <a:rPr lang="en-US" sz="1200" dirty="0"/>
-            </a:br>
-            <a:r>
-              <a:rPr lang="en-US" sz="1200" dirty="0">
-                <a:solidFill>
-                  <a:srgbClr val="000000"/>
-                </a:solidFill>
-                <a:latin typeface="Courier" pitchFamily="2" charset="0"/>
-              </a:rPr>
-              <a:t>           </a:t>
-            </a:r>
-            <a:r>
-              <a:rPr lang="en-US" sz="1200" dirty="0">
-                <a:solidFill>
-                  <a:schemeClr val="tx1">
-                    <a:lumMod val="50000"/>
-                    <a:lumOff val="50000"/>
-                  </a:schemeClr>
-                </a:solidFill>
-                <a:latin typeface="Courier" pitchFamily="2" charset="0"/>
-              </a:rPr>
-              <a:t> </a:t>
-            </a:r>
-            <a:r>
-              <a:rPr lang="en-US" sz="1200" dirty="0" err="1">
-                <a:solidFill>
-                  <a:schemeClr val="tx1">
-                    <a:lumMod val="50000"/>
-                    <a:lumOff val="50000"/>
-                  </a:schemeClr>
-                </a:solidFill>
-                <a:latin typeface="Courier" pitchFamily="2" charset="0"/>
-              </a:rPr>
-              <a:t>flo:meta</a:t>
-            </a:r>
-            <a:r>
-              <a:rPr lang="en-US" sz="1200" dirty="0">
-                <a:solidFill>
-                  <a:schemeClr val="tx1">
-                    <a:lumMod val="50000"/>
-                    <a:lumOff val="50000"/>
-                  </a:schemeClr>
-                </a:solidFill>
-                <a:latin typeface="Courier" pitchFamily="2" charset="0"/>
-              </a:rPr>
-              <a:t>:</a:t>
-            </a:r>
-            <a:br>
-              <a:rPr lang="en-US" sz="1200" dirty="0">
-                <a:solidFill>
-                  <a:schemeClr val="tx1">
-                    <a:lumMod val="50000"/>
-                    <a:lumOff val="50000"/>
-                  </a:schemeClr>
-                </a:solidFill>
-              </a:rPr>
-            </a:br>
-            <a:r>
-              <a:rPr lang="en-US" sz="1200" dirty="0">
-                <a:solidFill>
-                  <a:schemeClr val="tx1">
-                    <a:lumMod val="50000"/>
-                    <a:lumOff val="50000"/>
-                  </a:schemeClr>
-                </a:solidFill>
-                <a:latin typeface="Courier" pitchFamily="2" charset="0"/>
-              </a:rPr>
-              <a:t>              </a:t>
-            </a:r>
-            <a:r>
-              <a:rPr lang="en-US" sz="1200" dirty="0" err="1">
-                <a:solidFill>
-                  <a:schemeClr val="tx1">
-                    <a:lumMod val="50000"/>
-                    <a:lumOff val="50000"/>
-                  </a:schemeClr>
-                </a:solidFill>
-                <a:latin typeface="Courier" pitchFamily="2" charset="0"/>
-              </a:rPr>
-              <a:t>SdfLink</a:t>
-            </a:r>
-            <a:r>
-              <a:rPr lang="en-US" sz="1200" dirty="0">
-                <a:solidFill>
-                  <a:schemeClr val="tx1">
-                    <a:lumMod val="50000"/>
-                    <a:lumOff val="50000"/>
-                  </a:schemeClr>
-                </a:solidFill>
-                <a:latin typeface="Courier" pitchFamily="2" charset="0"/>
-              </a:rPr>
-              <a:t>: { </a:t>
-            </a:r>
-            <a:r>
-              <a:rPr lang="en-US" sz="1200" dirty="0" err="1">
-                <a:solidFill>
-                  <a:schemeClr val="tx1">
-                    <a:lumMod val="50000"/>
-                    <a:lumOff val="50000"/>
-                  </a:schemeClr>
-                </a:solidFill>
-                <a:latin typeface="Courier" pitchFamily="2" charset="0"/>
-              </a:rPr>
-              <a:t>InstancePointer</a:t>
-            </a:r>
-            <a:r>
-              <a:rPr lang="en-US" sz="1200" dirty="0">
-                <a:solidFill>
-                  <a:schemeClr val="tx1">
-                    <a:lumMod val="50000"/>
-                    <a:lumOff val="50000"/>
-                  </a:schemeClr>
-                </a:solidFill>
-                <a:latin typeface="Courier" pitchFamily="2" charset="0"/>
-              </a:rPr>
-              <a:t>: /#/</a:t>
-            </a:r>
-            <a:r>
-              <a:rPr lang="en-US" sz="1200" dirty="0" err="1">
-                <a:solidFill>
-                  <a:schemeClr val="tx1">
-                    <a:lumMod val="50000"/>
-                    <a:lumOff val="50000"/>
-                  </a:schemeClr>
-                </a:solidFill>
-                <a:latin typeface="Courier" pitchFamily="2" charset="0"/>
-              </a:rPr>
-              <a:t>sdfThing</a:t>
-            </a:r>
-            <a:r>
-              <a:rPr lang="en-US" sz="1200" dirty="0">
-                <a:solidFill>
-                  <a:schemeClr val="tx1">
-                    <a:lumMod val="50000"/>
-                    <a:lumOff val="50000"/>
-                  </a:schemeClr>
-                </a:solidFill>
-                <a:latin typeface="Courier" pitchFamily="2" charset="0"/>
-              </a:rPr>
-              <a:t>/Flow/</a:t>
-            </a:r>
-            <a:r>
-              <a:rPr lang="en-US" sz="1200" dirty="0" err="1">
-                <a:solidFill>
-                  <a:schemeClr val="tx1">
-                    <a:lumMod val="50000"/>
-                    <a:lumOff val="50000"/>
-                  </a:schemeClr>
-                </a:solidFill>
-                <a:latin typeface="Courier" pitchFamily="2" charset="0"/>
-              </a:rPr>
-              <a:t>sdfObject</a:t>
-            </a:r>
-            <a:r>
-              <a:rPr lang="en-US" sz="1200" dirty="0">
-                <a:solidFill>
-                  <a:schemeClr val="tx1">
-                    <a:lumMod val="50000"/>
-                    <a:lumOff val="50000"/>
-                  </a:schemeClr>
-                </a:solidFill>
-                <a:latin typeface="Courier" pitchFamily="2" charset="0"/>
-              </a:rPr>
-              <a:t>/</a:t>
-            </a:r>
-            <a:r>
-              <a:rPr lang="en-US" sz="1200" dirty="0" err="1">
-                <a:solidFill>
-                  <a:srgbClr val="000000"/>
-                </a:solidFill>
-                <a:latin typeface="Courier" pitchFamily="2" charset="0"/>
-              </a:rPr>
-              <a:t>AnalogInput</a:t>
-            </a:r>
-            <a:r>
-              <a:rPr lang="en-US" sz="1200" dirty="0">
-                <a:solidFill>
-                  <a:srgbClr val="000000"/>
-                </a:solidFill>
-                <a:latin typeface="Courier" pitchFamily="2" charset="0"/>
-              </a:rPr>
-              <a:t> </a:t>
-            </a:r>
-            <a:r>
-              <a:rPr lang="en-US" sz="1200" dirty="0">
-                <a:solidFill>
-                  <a:schemeClr val="tx1">
-                    <a:lumMod val="50000"/>
-                    <a:lumOff val="50000"/>
-                  </a:schemeClr>
-                </a:solidFill>
-                <a:latin typeface="Courier" pitchFamily="2" charset="0"/>
-              </a:rPr>
-              <a:t>}</a:t>
-            </a:r>
-            <a:br>
-              <a:rPr lang="en-US" sz="1200" dirty="0"/>
-            </a:br>
-            <a:br>
-              <a:rPr lang="en-US" sz="1200" dirty="0"/>
-            </a:br>
-            <a:r>
-              <a:rPr lang="en-US" sz="1200" dirty="0">
-                <a:solidFill>
-                  <a:srgbClr val="000000"/>
-                </a:solidFill>
-                <a:latin typeface="Courier" pitchFamily="2" charset="0"/>
-              </a:rPr>
-              <a:t>      </a:t>
-            </a:r>
-            <a:r>
-              <a:rPr lang="en-US" sz="1200" dirty="0" err="1">
-                <a:solidFill>
-                  <a:srgbClr val="000000"/>
-                </a:solidFill>
-                <a:latin typeface="Courier" pitchFamily="2" charset="0"/>
-              </a:rPr>
-              <a:t>AnalogInput</a:t>
-            </a:r>
-            <a:r>
-              <a:rPr lang="en-US" sz="1200" dirty="0">
-                <a:solidFill>
-                  <a:srgbClr val="000000"/>
-                </a:solidFill>
-                <a:latin typeface="Courier" pitchFamily="2" charset="0"/>
-              </a:rPr>
-              <a:t>:</a:t>
-            </a:r>
-            <a:br>
-              <a:rPr lang="en-US" sz="1200" dirty="0"/>
-            </a:br>
-            <a:r>
-              <a:rPr lang="en-US" sz="1200" dirty="0">
-                <a:solidFill>
-                  <a:srgbClr val="000000"/>
-                </a:solidFill>
-                <a:latin typeface="Courier" pitchFamily="2" charset="0"/>
-              </a:rPr>
-              <a:t>        </a:t>
-            </a:r>
-            <a:r>
-              <a:rPr lang="en-US" sz="1200" dirty="0" err="1">
-                <a:latin typeface="Courier" pitchFamily="2" charset="0"/>
-              </a:rPr>
-              <a:t>sdfRef</a:t>
-            </a:r>
-            <a:r>
-              <a:rPr lang="en-US" sz="1200" dirty="0">
-                <a:latin typeface="Courier" pitchFamily="2" charset="0"/>
-              </a:rPr>
-              <a:t>:</a:t>
-            </a:r>
-            <a:r>
-              <a:rPr lang="en-US" sz="1200" dirty="0">
-                <a:solidFill>
-                  <a:schemeClr val="tx1">
-                    <a:lumMod val="50000"/>
-                    <a:lumOff val="50000"/>
-                  </a:schemeClr>
-                </a:solidFill>
-                <a:latin typeface="Courier" pitchFamily="2" charset="0"/>
-              </a:rPr>
-              <a:t> /#/</a:t>
-            </a:r>
-            <a:r>
-              <a:rPr lang="en-US" sz="1200" dirty="0" err="1">
-                <a:solidFill>
-                  <a:schemeClr val="tx1">
-                    <a:lumMod val="50000"/>
-                    <a:lumOff val="50000"/>
-                  </a:schemeClr>
-                </a:solidFill>
-                <a:latin typeface="Courier" pitchFamily="2" charset="0"/>
-              </a:rPr>
-              <a:t>sdfThing</a:t>
-            </a:r>
-            <a:r>
-              <a:rPr lang="en-US" sz="1200" dirty="0">
-                <a:solidFill>
-                  <a:schemeClr val="tx1">
-                    <a:lumMod val="50000"/>
-                    <a:lumOff val="50000"/>
-                  </a:schemeClr>
-                </a:solidFill>
-                <a:latin typeface="Courier" pitchFamily="2" charset="0"/>
-              </a:rPr>
-              <a:t>/</a:t>
-            </a:r>
-            <a:r>
-              <a:rPr lang="en-US" sz="1200" dirty="0" err="1">
-                <a:latin typeface="Courier" pitchFamily="2" charset="0"/>
-              </a:rPr>
-              <a:t>AnalogInput</a:t>
-            </a:r>
-            <a:br>
-              <a:rPr lang="en-US" sz="1200" dirty="0">
-                <a:solidFill>
-                  <a:schemeClr val="tx1">
-                    <a:lumMod val="50000"/>
-                    <a:lumOff val="50000"/>
-                  </a:schemeClr>
-                </a:solidFill>
-              </a:rPr>
-            </a:br>
-            <a:r>
-              <a:rPr lang="en-US" sz="1200" dirty="0">
-                <a:solidFill>
-                  <a:schemeClr val="tx1">
-                    <a:lumMod val="50000"/>
-                    <a:lumOff val="50000"/>
-                  </a:schemeClr>
-                </a:solidFill>
-                <a:latin typeface="Courier" pitchFamily="2" charset="0"/>
-              </a:rPr>
-              <a:t>        </a:t>
-            </a:r>
-            <a:r>
-              <a:rPr lang="en-US" sz="1200" dirty="0" err="1">
-                <a:solidFill>
-                  <a:schemeClr val="tx1">
-                    <a:lumMod val="50000"/>
-                    <a:lumOff val="50000"/>
-                  </a:schemeClr>
-                </a:solidFill>
-                <a:latin typeface="Courier" pitchFamily="2" charset="0"/>
-              </a:rPr>
-              <a:t>sdfProperty</a:t>
-            </a:r>
-            <a:r>
-              <a:rPr lang="en-US" sz="1200" dirty="0">
-                <a:solidFill>
-                  <a:schemeClr val="tx1">
-                    <a:lumMod val="50000"/>
-                    <a:lumOff val="50000"/>
-                  </a:schemeClr>
-                </a:solidFill>
-                <a:latin typeface="Courier" pitchFamily="2" charset="0"/>
-              </a:rPr>
-              <a:t>:</a:t>
-            </a:r>
-            <a:br>
-              <a:rPr lang="en-US" sz="1200" dirty="0">
-                <a:solidFill>
-                  <a:schemeClr val="tx1">
-                    <a:lumMod val="50000"/>
-                    <a:lumOff val="50000"/>
-                  </a:schemeClr>
-                </a:solidFill>
-              </a:rPr>
-            </a:br>
-            <a:r>
-              <a:rPr lang="en-US" sz="1200" dirty="0">
-                <a:solidFill>
-                  <a:srgbClr val="000000"/>
-                </a:solidFill>
-                <a:latin typeface="Courier" pitchFamily="2" charset="0"/>
-              </a:rPr>
-              <a:t>          </a:t>
-            </a:r>
-            <a:r>
-              <a:rPr lang="en-US" sz="1200" dirty="0" err="1">
-                <a:solidFill>
-                  <a:srgbClr val="000000"/>
-                </a:solidFill>
-                <a:latin typeface="Courier" pitchFamily="2" charset="0"/>
-              </a:rPr>
-              <a:t>GpioPinID</a:t>
-            </a:r>
-            <a:r>
-              <a:rPr lang="en-US" sz="1200" dirty="0">
-                <a:solidFill>
-                  <a:srgbClr val="000000"/>
-                </a:solidFill>
-                <a:latin typeface="Courier" pitchFamily="2" charset="0"/>
-              </a:rPr>
-              <a:t>:</a:t>
-            </a:r>
-            <a:br>
-              <a:rPr lang="en-US" sz="1200" dirty="0">
-                <a:solidFill>
-                  <a:schemeClr val="tx1">
-                    <a:lumMod val="50000"/>
-                    <a:lumOff val="50000"/>
-                  </a:schemeClr>
-                </a:solidFill>
-              </a:rPr>
-            </a:br>
-            <a:r>
-              <a:rPr lang="en-US" sz="1200" dirty="0">
-                <a:solidFill>
-                  <a:schemeClr val="tx1">
-                    <a:lumMod val="50000"/>
-                    <a:lumOff val="50000"/>
-                  </a:schemeClr>
-                </a:solidFill>
-                <a:latin typeface="Courier" pitchFamily="2" charset="0"/>
-              </a:rPr>
-              <a:t>           </a:t>
-            </a:r>
-            <a:r>
-              <a:rPr lang="en-US" sz="1200">
-                <a:solidFill>
-                  <a:schemeClr val="tx1">
-                    <a:lumMod val="50000"/>
-                    <a:lumOff val="50000"/>
-                  </a:schemeClr>
-                </a:solidFill>
-                <a:latin typeface="Courier" pitchFamily="2" charset="0"/>
-              </a:rPr>
-              <a:t> sdfChoice</a:t>
-            </a:r>
-            <a:r>
-              <a:rPr lang="en-US" sz="1200" dirty="0">
-                <a:solidFill>
-                  <a:schemeClr val="tx1">
-                    <a:lumMod val="50000"/>
-                    <a:lumOff val="50000"/>
-                  </a:schemeClr>
-                </a:solidFill>
-                <a:latin typeface="Courier" pitchFamily="2" charset="0"/>
-              </a:rPr>
-              <a:t>:</a:t>
-            </a:r>
-            <a:br>
-              <a:rPr lang="en-US" sz="1200" dirty="0">
-                <a:solidFill>
-                  <a:schemeClr val="tx1">
-                    <a:lumMod val="50000"/>
-                    <a:lumOff val="50000"/>
-                  </a:schemeClr>
-                </a:solidFill>
-              </a:rPr>
-            </a:br>
-            <a:r>
-              <a:rPr lang="en-US" sz="1200" dirty="0">
-                <a:solidFill>
-                  <a:schemeClr val="tx1">
-                    <a:lumMod val="50000"/>
-                    <a:lumOff val="50000"/>
-                  </a:schemeClr>
-                </a:solidFill>
-                <a:latin typeface="Courier" pitchFamily="2" charset="0"/>
-              </a:rPr>
-              <a:t>              </a:t>
-            </a:r>
-            <a:r>
-              <a:rPr lang="en-US" sz="1200" dirty="0" err="1">
-                <a:solidFill>
-                  <a:schemeClr val="tx1">
-                    <a:lumMod val="50000"/>
-                    <a:lumOff val="50000"/>
-                  </a:schemeClr>
-                </a:solidFill>
-                <a:latin typeface="Courier" pitchFamily="2" charset="0"/>
-              </a:rPr>
-              <a:t>IntegerType</a:t>
-            </a:r>
-            <a:r>
-              <a:rPr lang="en-US" sz="1200" dirty="0">
-                <a:solidFill>
-                  <a:schemeClr val="tx1">
-                    <a:lumMod val="50000"/>
-                    <a:lumOff val="50000"/>
-                  </a:schemeClr>
-                </a:solidFill>
-                <a:latin typeface="Courier" pitchFamily="2" charset="0"/>
-              </a:rPr>
-              <a:t>: { </a:t>
-            </a:r>
-            <a:r>
-              <a:rPr lang="en-US" sz="1200" dirty="0" err="1">
-                <a:solidFill>
-                  <a:schemeClr val="tx1">
-                    <a:lumMod val="50000"/>
-                    <a:lumOff val="50000"/>
-                  </a:schemeClr>
-                </a:solidFill>
-                <a:latin typeface="Courier" pitchFamily="2" charset="0"/>
-              </a:rPr>
-              <a:t>const</a:t>
-            </a:r>
-            <a:r>
-              <a:rPr lang="en-US" sz="1200" dirty="0">
-                <a:solidFill>
-                  <a:schemeClr val="tx1">
-                    <a:lumMod val="50000"/>
-                    <a:lumOff val="50000"/>
-                  </a:schemeClr>
-                </a:solidFill>
-                <a:latin typeface="Courier" pitchFamily="2" charset="0"/>
-              </a:rPr>
-              <a:t>:</a:t>
-            </a:r>
-            <a:r>
-              <a:rPr lang="en-US" sz="1200" dirty="0">
-                <a:solidFill>
-                  <a:srgbClr val="000000"/>
-                </a:solidFill>
-                <a:latin typeface="Courier" pitchFamily="2" charset="0"/>
-              </a:rPr>
-              <a:t> 7 </a:t>
-            </a:r>
-            <a:r>
-              <a:rPr lang="en-US" sz="1200" dirty="0">
-                <a:solidFill>
-                  <a:schemeClr val="tx1">
-                    <a:lumMod val="50000"/>
-                    <a:lumOff val="50000"/>
-                  </a:schemeClr>
-                </a:solidFill>
-                <a:latin typeface="Courier" pitchFamily="2" charset="0"/>
-              </a:rPr>
-              <a:t>}</a:t>
-            </a:r>
-            <a:br>
-              <a:rPr lang="en-US" sz="1200" dirty="0"/>
-            </a:br>
-            <a:r>
-              <a:rPr lang="en-US" sz="1200" dirty="0">
-                <a:solidFill>
-                  <a:srgbClr val="000000"/>
-                </a:solidFill>
-                <a:latin typeface="Courier" pitchFamily="2" charset="0"/>
-              </a:rPr>
-              <a:t>          </a:t>
-            </a:r>
-            <a:r>
-              <a:rPr lang="en-US" sz="1200" dirty="0" err="1">
-                <a:solidFill>
-                  <a:srgbClr val="000000"/>
-                </a:solidFill>
-                <a:latin typeface="Courier" pitchFamily="2" charset="0"/>
-              </a:rPr>
-              <a:t>OutputLink</a:t>
-            </a:r>
-            <a:r>
-              <a:rPr lang="en-US" sz="1200" dirty="0">
-                <a:solidFill>
-                  <a:srgbClr val="000000"/>
-                </a:solidFill>
-                <a:latin typeface="Courier" pitchFamily="2" charset="0"/>
-              </a:rPr>
-              <a:t>:</a:t>
-            </a:r>
-            <a:br>
-              <a:rPr lang="en-US" sz="1200" dirty="0"/>
-            </a:br>
-            <a:r>
-              <a:rPr lang="en-US" sz="1200" dirty="0">
-                <a:solidFill>
-                  <a:srgbClr val="000000"/>
-                </a:solidFill>
-                <a:latin typeface="Courier" pitchFamily="2" charset="0"/>
-              </a:rPr>
-              <a:t>            </a:t>
-            </a:r>
-            <a:r>
-              <a:rPr lang="en-US" sz="1200" dirty="0" err="1">
-                <a:solidFill>
-                  <a:schemeClr val="tx1">
-                    <a:lumMod val="50000"/>
-                    <a:lumOff val="50000"/>
-                  </a:schemeClr>
-                </a:solidFill>
-                <a:latin typeface="Courier" pitchFamily="2" charset="0"/>
-              </a:rPr>
-              <a:t>flo:meta</a:t>
-            </a:r>
-            <a:r>
-              <a:rPr lang="en-US" sz="1200" dirty="0">
-                <a:solidFill>
-                  <a:schemeClr val="tx1">
-                    <a:lumMod val="50000"/>
-                    <a:lumOff val="50000"/>
-                  </a:schemeClr>
-                </a:solidFill>
-                <a:latin typeface="Courier" pitchFamily="2" charset="0"/>
-              </a:rPr>
-              <a:t>:</a:t>
-            </a:r>
-            <a:br>
-              <a:rPr lang="en-US" sz="1200" dirty="0">
-                <a:solidFill>
-                  <a:schemeClr val="tx1">
-                    <a:lumMod val="50000"/>
-                    <a:lumOff val="50000"/>
-                  </a:schemeClr>
-                </a:solidFill>
-              </a:rPr>
-            </a:br>
-            <a:r>
-              <a:rPr lang="en-US" sz="1200" dirty="0">
-                <a:solidFill>
-                  <a:schemeClr val="tx1">
-                    <a:lumMod val="50000"/>
-                    <a:lumOff val="50000"/>
-                  </a:schemeClr>
-                </a:solidFill>
-                <a:latin typeface="Courier" pitchFamily="2" charset="0"/>
-              </a:rPr>
-              <a:t>              </a:t>
-            </a:r>
-            <a:r>
-              <a:rPr lang="en-US" sz="1200" dirty="0" err="1">
-                <a:solidFill>
-                  <a:schemeClr val="tx1">
-                    <a:lumMod val="50000"/>
-                    <a:lumOff val="50000"/>
-                  </a:schemeClr>
-                </a:solidFill>
-                <a:latin typeface="Courier" pitchFamily="2" charset="0"/>
-              </a:rPr>
-              <a:t>SdfLink</a:t>
-            </a:r>
-            <a:r>
-              <a:rPr lang="en-US" sz="1200" dirty="0">
-                <a:solidFill>
-                  <a:schemeClr val="tx1">
-                    <a:lumMod val="50000"/>
-                    <a:lumOff val="50000"/>
-                  </a:schemeClr>
-                </a:solidFill>
-                <a:latin typeface="Courier" pitchFamily="2" charset="0"/>
-              </a:rPr>
-              <a:t>: { </a:t>
-            </a:r>
-            <a:r>
-              <a:rPr lang="en-US" sz="1200" dirty="0" err="1">
-                <a:solidFill>
-                  <a:schemeClr val="tx1">
-                    <a:lumMod val="50000"/>
-                    <a:lumOff val="50000"/>
-                  </a:schemeClr>
-                </a:solidFill>
-                <a:latin typeface="Courier" pitchFamily="2" charset="0"/>
-              </a:rPr>
-              <a:t>InstancePointer</a:t>
-            </a:r>
-            <a:r>
-              <a:rPr lang="en-US" sz="1200" dirty="0">
-                <a:solidFill>
-                  <a:schemeClr val="tx1">
-                    <a:lumMod val="50000"/>
-                    <a:lumOff val="50000"/>
-                  </a:schemeClr>
-                </a:solidFill>
-                <a:latin typeface="Courier" pitchFamily="2" charset="0"/>
-              </a:rPr>
-              <a:t>: /#/</a:t>
-            </a:r>
-            <a:r>
-              <a:rPr lang="en-US" sz="1200" dirty="0" err="1">
-                <a:solidFill>
-                  <a:schemeClr val="tx1">
-                    <a:lumMod val="50000"/>
-                    <a:lumOff val="50000"/>
-                  </a:schemeClr>
-                </a:solidFill>
-                <a:latin typeface="Courier" pitchFamily="2" charset="0"/>
-              </a:rPr>
-              <a:t>sdfThing</a:t>
-            </a:r>
-            <a:r>
-              <a:rPr lang="en-US" sz="1200" dirty="0">
-                <a:solidFill>
-                  <a:schemeClr val="tx1">
-                    <a:lumMod val="50000"/>
-                    <a:lumOff val="50000"/>
-                  </a:schemeClr>
-                </a:solidFill>
-                <a:latin typeface="Courier" pitchFamily="2" charset="0"/>
-              </a:rPr>
-              <a:t>/Flow/</a:t>
-            </a:r>
-            <a:r>
-              <a:rPr lang="en-US" sz="1200" dirty="0" err="1">
-                <a:solidFill>
-                  <a:schemeClr val="tx1">
-                    <a:lumMod val="50000"/>
-                    <a:lumOff val="50000"/>
-                  </a:schemeClr>
-                </a:solidFill>
-                <a:latin typeface="Courier" pitchFamily="2" charset="0"/>
-              </a:rPr>
-              <a:t>sdfObject</a:t>
-            </a:r>
-            <a:r>
-              <a:rPr lang="en-US" sz="1200" dirty="0">
-                <a:solidFill>
-                  <a:schemeClr val="tx1">
-                    <a:lumMod val="50000"/>
-                    <a:lumOff val="50000"/>
-                  </a:schemeClr>
-                </a:solidFill>
-                <a:latin typeface="Courier" pitchFamily="2" charset="0"/>
-              </a:rPr>
-              <a:t>/</a:t>
-            </a:r>
-            <a:r>
-              <a:rPr lang="en-US" sz="1200" dirty="0" err="1">
-                <a:solidFill>
-                  <a:srgbClr val="000000"/>
-                </a:solidFill>
-                <a:latin typeface="Courier" pitchFamily="2" charset="0"/>
-              </a:rPr>
-              <a:t>MapToCelsius</a:t>
-            </a:r>
-            <a:r>
-              <a:rPr lang="en-US" sz="1200" dirty="0">
-                <a:solidFill>
-                  <a:schemeClr val="tx1">
-                    <a:lumMod val="50000"/>
-                    <a:lumOff val="50000"/>
-                  </a:schemeClr>
-                </a:solidFill>
-                <a:latin typeface="Courier" pitchFamily="2" charset="0"/>
-              </a:rPr>
-              <a:t> }</a:t>
-            </a:r>
-            <a:endParaRPr lang="en-US" sz="1200" dirty="0">
-              <a:solidFill>
-                <a:schemeClr val="tx1">
-                  <a:lumMod val="50000"/>
-                  <a:lumOff val="50000"/>
-                </a:schemeClr>
-              </a:solidFill>
-            </a:endParaRPr>
+              <a:t>Simplified JSON DSL</a:t>
+            </a:r>
           </a:p>
         </p:txBody>
       </p:sp>
@@ -10841,6 +10826,288 @@
           </a:p>
         </p:txBody>
       </p:sp>
+      <p:cxnSp>
+        <p:nvCxnSpPr>
+          <p:cNvPr id="8" name="Straight Arrow Connector 7">
+            <a:extLst>
+              <a:ext uri="{FF2B5EF4-FFF2-40B4-BE49-F238E27FC236}">
+                <a16:creationId xmlns:a16="http://schemas.microsoft.com/office/drawing/2014/main" id="{E88ABE2B-E408-FF46-B769-2FA08A9DFCA2}"/>
+              </a:ext>
+            </a:extLst>
+          </p:cNvPr>
+          <p:cNvCxnSpPr>
+            <a:cxnSpLocks/>
+          </p:cNvCxnSpPr>
+          <p:nvPr/>
+        </p:nvCxnSpPr>
+        <p:spPr>
+          <a:xfrm flipH="1">
+            <a:off x="3871873" y="1438507"/>
+            <a:ext cx="2562382" cy="1236256"/>
+          </a:xfrm>
+          <a:prstGeom prst="straightConnector1">
+            <a:avLst/>
+          </a:prstGeom>
+          <a:ln w="28575">
+            <a:solidFill>
+              <a:schemeClr val="accent6">
+                <a:lumMod val="60000"/>
+                <a:lumOff val="40000"/>
+              </a:schemeClr>
+            </a:solidFill>
+            <a:tailEnd type="triangle"/>
+          </a:ln>
+        </p:spPr>
+        <p:style>
+          <a:lnRef idx="1">
+            <a:schemeClr val="accent1"/>
+          </a:lnRef>
+          <a:fillRef idx="0">
+            <a:schemeClr val="accent1"/>
+          </a:fillRef>
+          <a:effectRef idx="0">
+            <a:schemeClr val="accent1"/>
+          </a:effectRef>
+          <a:fontRef idx="minor">
+            <a:schemeClr val="tx1"/>
+          </a:fontRef>
+        </p:style>
+      </p:cxnSp>
+      <p:cxnSp>
+        <p:nvCxnSpPr>
+          <p:cNvPr id="10" name="Straight Arrow Connector 9">
+            <a:extLst>
+              <a:ext uri="{FF2B5EF4-FFF2-40B4-BE49-F238E27FC236}">
+                <a16:creationId xmlns:a16="http://schemas.microsoft.com/office/drawing/2014/main" id="{237F9FC0-F05C-B84C-9EEA-ABFDB269D4F7}"/>
+              </a:ext>
+            </a:extLst>
+          </p:cNvPr>
+          <p:cNvCxnSpPr>
+            <a:cxnSpLocks/>
+          </p:cNvCxnSpPr>
+          <p:nvPr/>
+        </p:nvCxnSpPr>
+        <p:spPr>
+          <a:xfrm flipH="1">
+            <a:off x="2649188" y="1616927"/>
+            <a:ext cx="2859515" cy="1445400"/>
+          </a:xfrm>
+          <a:prstGeom prst="straightConnector1">
+            <a:avLst/>
+          </a:prstGeom>
+          <a:ln w="28575">
+            <a:solidFill>
+              <a:schemeClr val="accent6">
+                <a:lumMod val="60000"/>
+                <a:lumOff val="40000"/>
+              </a:schemeClr>
+            </a:solidFill>
+            <a:tailEnd type="triangle"/>
+          </a:ln>
+        </p:spPr>
+        <p:style>
+          <a:lnRef idx="1">
+            <a:schemeClr val="accent1"/>
+          </a:lnRef>
+          <a:fillRef idx="0">
+            <a:schemeClr val="accent1"/>
+          </a:fillRef>
+          <a:effectRef idx="0">
+            <a:schemeClr val="accent1"/>
+          </a:effectRef>
+          <a:fontRef idx="minor">
+            <a:schemeClr val="tx1"/>
+          </a:fontRef>
+        </p:style>
+      </p:cxnSp>
+      <p:cxnSp>
+        <p:nvCxnSpPr>
+          <p:cNvPr id="17" name="Straight Arrow Connector 16">
+            <a:extLst>
+              <a:ext uri="{FF2B5EF4-FFF2-40B4-BE49-F238E27FC236}">
+                <a16:creationId xmlns:a16="http://schemas.microsoft.com/office/drawing/2014/main" id="{42E31AE6-B868-0C4F-AA5A-29265F74F354}"/>
+              </a:ext>
+            </a:extLst>
+          </p:cNvPr>
+          <p:cNvCxnSpPr>
+            <a:cxnSpLocks/>
+          </p:cNvCxnSpPr>
+          <p:nvPr/>
+        </p:nvCxnSpPr>
+        <p:spPr>
+          <a:xfrm flipH="1">
+            <a:off x="4078945" y="1654982"/>
+            <a:ext cx="3015205" cy="1679233"/>
+          </a:xfrm>
+          <a:prstGeom prst="straightConnector1">
+            <a:avLst/>
+          </a:prstGeom>
+          <a:ln w="28575">
+            <a:solidFill>
+              <a:schemeClr val="accent6">
+                <a:lumMod val="60000"/>
+                <a:lumOff val="40000"/>
+              </a:schemeClr>
+            </a:solidFill>
+            <a:tailEnd type="triangle"/>
+          </a:ln>
+        </p:spPr>
+        <p:style>
+          <a:lnRef idx="1">
+            <a:schemeClr val="accent1"/>
+          </a:lnRef>
+          <a:fillRef idx="0">
+            <a:schemeClr val="accent1"/>
+          </a:fillRef>
+          <a:effectRef idx="0">
+            <a:schemeClr val="accent1"/>
+          </a:effectRef>
+          <a:fontRef idx="minor">
+            <a:schemeClr val="tx1"/>
+          </a:fontRef>
+        </p:style>
+      </p:cxnSp>
+      <p:cxnSp>
+        <p:nvCxnSpPr>
+          <p:cNvPr id="20" name="Straight Arrow Connector 19">
+            <a:extLst>
+              <a:ext uri="{FF2B5EF4-FFF2-40B4-BE49-F238E27FC236}">
+                <a16:creationId xmlns:a16="http://schemas.microsoft.com/office/drawing/2014/main" id="{6AB52CF7-FC57-EE42-8F8C-0F3C7D098805}"/>
+              </a:ext>
+            </a:extLst>
+          </p:cNvPr>
+          <p:cNvCxnSpPr>
+            <a:cxnSpLocks/>
+          </p:cNvCxnSpPr>
+          <p:nvPr/>
+        </p:nvCxnSpPr>
+        <p:spPr>
+          <a:xfrm flipH="1">
+            <a:off x="2754351" y="1826500"/>
+            <a:ext cx="3363951" cy="1683308"/>
+          </a:xfrm>
+          <a:prstGeom prst="straightConnector1">
+            <a:avLst/>
+          </a:prstGeom>
+          <a:ln w="28575">
+            <a:solidFill>
+              <a:schemeClr val="accent6">
+                <a:lumMod val="60000"/>
+                <a:lumOff val="40000"/>
+              </a:schemeClr>
+            </a:solidFill>
+            <a:tailEnd type="triangle"/>
+          </a:ln>
+        </p:spPr>
+        <p:style>
+          <a:lnRef idx="1">
+            <a:schemeClr val="accent1"/>
+          </a:lnRef>
+          <a:fillRef idx="0">
+            <a:schemeClr val="accent1"/>
+          </a:fillRef>
+          <a:effectRef idx="0">
+            <a:schemeClr val="accent1"/>
+          </a:effectRef>
+          <a:fontRef idx="minor">
+            <a:schemeClr val="tx1"/>
+          </a:fontRef>
+        </p:style>
+      </p:cxnSp>
+      <p:cxnSp>
+        <p:nvCxnSpPr>
+          <p:cNvPr id="22" name="Straight Arrow Connector 21">
+            <a:extLst>
+              <a:ext uri="{FF2B5EF4-FFF2-40B4-BE49-F238E27FC236}">
+                <a16:creationId xmlns:a16="http://schemas.microsoft.com/office/drawing/2014/main" id="{7D8B360A-4DB3-B546-B16E-DA1086EA7AD7}"/>
+              </a:ext>
+            </a:extLst>
+          </p:cNvPr>
+          <p:cNvCxnSpPr>
+            <a:cxnSpLocks/>
+          </p:cNvCxnSpPr>
+          <p:nvPr/>
+        </p:nvCxnSpPr>
+        <p:spPr>
+          <a:xfrm flipH="1">
+            <a:off x="5574409" y="1924043"/>
+            <a:ext cx="2157104" cy="2173451"/>
+          </a:xfrm>
+          <a:prstGeom prst="straightConnector1">
+            <a:avLst/>
+          </a:prstGeom>
+          <a:ln w="28575">
+            <a:solidFill>
+              <a:schemeClr val="accent6">
+                <a:lumMod val="60000"/>
+                <a:lumOff val="40000"/>
+              </a:schemeClr>
+            </a:solidFill>
+            <a:tailEnd type="triangle"/>
+          </a:ln>
+        </p:spPr>
+        <p:style>
+          <a:lnRef idx="1">
+            <a:schemeClr val="accent1"/>
+          </a:lnRef>
+          <a:fillRef idx="0">
+            <a:schemeClr val="accent1"/>
+          </a:fillRef>
+          <a:effectRef idx="0">
+            <a:schemeClr val="accent1"/>
+          </a:effectRef>
+          <a:fontRef idx="minor">
+            <a:schemeClr val="tx1"/>
+          </a:fontRef>
+        </p:style>
+      </p:cxnSp>
+      <p:cxnSp>
+        <p:nvCxnSpPr>
+          <p:cNvPr id="24" name="Straight Arrow Connector 23">
+            <a:extLst>
+              <a:ext uri="{FF2B5EF4-FFF2-40B4-BE49-F238E27FC236}">
+                <a16:creationId xmlns:a16="http://schemas.microsoft.com/office/drawing/2014/main" id="{85C4C50A-BFAC-7C4E-AF4D-1A011718500E}"/>
+              </a:ext>
+            </a:extLst>
+          </p:cNvPr>
+          <p:cNvCxnSpPr>
+            <a:cxnSpLocks/>
+          </p:cNvCxnSpPr>
+          <p:nvPr/>
+        </p:nvCxnSpPr>
+        <p:spPr>
+          <a:xfrm flipH="1">
+            <a:off x="2118734" y="1166619"/>
+            <a:ext cx="3137866" cy="1353556"/>
+          </a:xfrm>
+          <a:prstGeom prst="straightConnector1">
+            <a:avLst/>
+          </a:prstGeom>
+          <a:ln w="28575">
+            <a:solidFill>
+              <a:schemeClr val="accent6">
+                <a:lumMod val="60000"/>
+                <a:lumOff val="40000"/>
+              </a:schemeClr>
+            </a:solidFill>
+            <a:tailEnd type="triangle"/>
+          </a:ln>
+        </p:spPr>
+        <p:style>
+          <a:lnRef idx="1">
+            <a:schemeClr val="accent1"/>
+          </a:lnRef>
+          <a:fillRef idx="0">
+            <a:schemeClr val="accent1"/>
+          </a:fillRef>
+          <a:effectRef idx="0">
+            <a:schemeClr val="accent1"/>
+          </a:effectRef>
+          <a:fontRef idx="minor">
+            <a:schemeClr val="tx1"/>
+          </a:fontRef>
+        </p:style>
+      </p:cxnSp>
     </p:spTree>
     <p:extLst>
       <p:ext uri="{BB962C8B-B14F-4D97-AF65-F5344CB8AC3E}">
@@ -14328,7 +14595,7 @@
           <a:p>
             <a:r>
               <a:rPr lang="en-US" dirty="0"/>
-              <a:t>Complex Functions </a:t>
+              <a:t>Composed Complex Functions </a:t>
             </a:r>
           </a:p>
         </p:txBody>
@@ -15708,12 +15975,6 @@
           <a:p>
             <a:r>
               <a:rPr lang="en-US" dirty="0"/>
-              <a:t>A DFG Node is a collection of one or more  Objects</a:t>
-            </a:r>
-          </a:p>
-          <a:p>
-            <a:r>
-              <a:rPr lang="en-US" dirty="0"/>
               <a:t>LWM2M Object Links (</a:t>
             </a:r>
             <a:r>
@@ -15722,11 +15983,8 @@
             </a:r>
             <a:r>
               <a:rPr lang="en-US" dirty="0"/>
-              <a:t>) are used to group Objects into a DFG Node and to implement the data flow connections between Nodes (arcs, edges)</a:t>
-            </a:r>
-          </a:p>
-          <a:p>
-            <a:endParaRPr lang="en-US" dirty="0"/>
+              <a:t>) are used to implement the data flow connections between Nodes (arcs, edges) and to group Objects into composite Nodes </a:t>
+            </a:r>
           </a:p>
         </p:txBody>
       </p:sp>
